--- a/Paper/Poster/Poster.pptx
+++ b/Paper/Poster/Poster.pptx
@@ -3638,11 +3638,7 @@
               <a:pPr algn="ctr"/>
               <a:r>
                 <a:rPr lang="en-US" sz="8000" b="1" dirty="0" smtClean="0"/>
-                <a:t>System </a:t>
-              </a:r>
-              <a:r>
-                <a:rPr lang="en-US" sz="8000" b="1" dirty="0" smtClean="0"/>
-                <a:t>Overview</a:t>
+                <a:t>System Overview</a:t>
               </a:r>
               <a:endParaRPr lang="en-US" sz="8000" b="1" dirty="0"/>
             </a:p>
@@ -3657,8 +3653,8 @@
         </p:nvGrpSpPr>
         <p:grpSpPr>
           <a:xfrm>
-            <a:off x="15052983" y="21856700"/>
-            <a:ext cx="17181575" cy="20883382"/>
+            <a:off x="15052983" y="21439941"/>
+            <a:ext cx="17181575" cy="8504510"/>
             <a:chOff x="15052983" y="21856700"/>
             <a:chExt cx="17181575" cy="20883382"/>
           </a:xfrm>
@@ -3671,8 +3667,8 @@
           </p:nvSpPr>
           <p:spPr>
             <a:xfrm>
-              <a:off x="15086698" y="23426933"/>
-              <a:ext cx="17126712" cy="19313149"/>
+              <a:off x="15086698" y="24858389"/>
+              <a:ext cx="17126712" cy="17881693"/>
             </a:xfrm>
             <a:prstGeom prst="rect">
               <a:avLst/>
@@ -3708,16 +3704,29 @@
                 <a:rPr lang="en-US" sz="4000" dirty="0" smtClean="0"/>
                 <a:t>  </a:t>
               </a:r>
+              <a:endParaRPr lang="en-US" sz="5400" dirty="0"/>
             </a:p>
             <a:p>
               <a:r>
-                <a:rPr lang="en-US" sz="4000" dirty="0" smtClean="0"/>
-                <a:t>Use EC2</a:t>
+                <a:rPr lang="en-US" sz="5400" dirty="0" smtClean="0"/>
+                <a:t>Color glove:</a:t>
               </a:r>
-              <a:endParaRPr lang="en-US" sz="4000" dirty="0" smtClean="0"/>
+              <a:endParaRPr lang="en-US" sz="5400" dirty="0"/>
             </a:p>
             <a:p>
-              <a:endParaRPr lang="en-US" sz="5400" dirty="0" smtClean="0"/>
+              <a:r>
+                <a:rPr lang="en-US" sz="5400" dirty="0" smtClean="0"/>
+                <a:t>    - an inexpensive approach to label gestures</a:t>
+              </a:r>
+            </a:p>
+            <a:p>
+              <a:r>
+                <a:rPr lang="en-US" sz="5400" dirty="0" smtClean="0"/>
+                <a:t>    - map RGB pixel to depth pixel</a:t>
+              </a:r>
+            </a:p>
+            <a:p>
+              <a:endParaRPr lang="en-US" sz="4000" dirty="0" smtClean="0"/>
             </a:p>
           </p:txBody>
         </p:sp>
@@ -3730,7 +3739,7 @@
           <p:spPr>
             <a:xfrm>
               <a:off x="15052983" y="21856700"/>
-              <a:ext cx="17181575" cy="1570234"/>
+              <a:ext cx="17181575" cy="3001689"/>
             </a:xfrm>
             <a:prstGeom prst="rect">
               <a:avLst/>
@@ -3759,106 +3768,14 @@
             <a:p>
               <a:pPr algn="ctr"/>
               <a:r>
-                <a:rPr lang="en-US" sz="8000" b="1" dirty="0" smtClean="0"/>
-                <a:t>Experiments</a:t>
+                <a:rPr lang="en-US" sz="7200" b="1" dirty="0" smtClean="0"/>
+                <a:t>Generating Training Sets</a:t>
               </a:r>
-              <a:endParaRPr lang="en-US" sz="6600" b="1" dirty="0"/>
+              <a:endParaRPr lang="en-US" sz="6000" b="1" dirty="0"/>
             </a:p>
           </p:txBody>
         </p:sp>
       </p:grpSp>
-      <p:sp>
-        <p:nvSpPr>
-          <p:cNvPr id="120" name="Rounded Rectangle 119"/>
-          <p:cNvSpPr/>
-          <p:nvPr/>
-        </p:nvSpPr>
-        <p:spPr>
-          <a:xfrm>
-            <a:off x="15580335" y="27624257"/>
-            <a:ext cx="16120872" cy="8336444"/>
-          </a:xfrm>
-          <a:prstGeom prst="roundRect">
-            <a:avLst>
-              <a:gd name="adj" fmla="val 6414"/>
-            </a:avLst>
-          </a:prstGeom>
-          <a:solidFill>
-            <a:schemeClr val="lt1">
-              <a:alpha val="0"/>
-            </a:schemeClr>
-          </a:solidFill>
-          <a:ln w="76200"/>
-        </p:spPr>
-        <p:style>
-          <a:lnRef idx="2">
-            <a:schemeClr val="dk1"/>
-          </a:lnRef>
-          <a:fillRef idx="1">
-            <a:schemeClr val="lt1"/>
-          </a:fillRef>
-          <a:effectRef idx="0">
-            <a:schemeClr val="dk1"/>
-          </a:effectRef>
-          <a:fontRef idx="minor">
-            <a:schemeClr val="dk1"/>
-          </a:fontRef>
-        </p:style>
-        <p:txBody>
-          <a:bodyPr rtlCol="0" anchor="ctr"/>
-          <a:lstStyle/>
-          <a:p>
-            <a:pPr algn="ctr"/>
-            <a:endParaRPr lang="en-US"/>
-          </a:p>
-        </p:txBody>
-      </p:sp>
-      <p:sp>
-        <p:nvSpPr>
-          <p:cNvPr id="131" name="Rounded Rectangle 130"/>
-          <p:cNvSpPr/>
-          <p:nvPr/>
-        </p:nvSpPr>
-        <p:spPr>
-          <a:xfrm>
-            <a:off x="15664593" y="36948993"/>
-            <a:ext cx="16120872" cy="5296350"/>
-          </a:xfrm>
-          <a:prstGeom prst="roundRect">
-            <a:avLst>
-              <a:gd name="adj" fmla="val 6414"/>
-            </a:avLst>
-          </a:prstGeom>
-          <a:solidFill>
-            <a:schemeClr val="lt1">
-              <a:alpha val="0"/>
-            </a:schemeClr>
-          </a:solidFill>
-          <a:ln w="76200"/>
-        </p:spPr>
-        <p:style>
-          <a:lnRef idx="2">
-            <a:schemeClr val="dk1"/>
-          </a:lnRef>
-          <a:fillRef idx="1">
-            <a:schemeClr val="lt1"/>
-          </a:fillRef>
-          <a:effectRef idx="0">
-            <a:schemeClr val="dk1"/>
-          </a:effectRef>
-          <a:fontRef idx="minor">
-            <a:schemeClr val="dk1"/>
-          </a:fontRef>
-        </p:style>
-        <p:txBody>
-          <a:bodyPr rtlCol="0" anchor="ctr"/>
-          <a:lstStyle/>
-          <a:p>
-            <a:pPr algn="ctr"/>
-            <a:endParaRPr lang="en-US"/>
-          </a:p>
-        </p:txBody>
-      </p:sp>
       <p:sp>
         <p:nvSpPr>
           <p:cNvPr id="4" name="TextBox 3"/>
@@ -3935,17 +3852,8 @@
             </a:r>
             <a:r>
               <a:rPr lang="en-US" sz="6000" dirty="0" smtClean="0"/>
-              <a:t> </a:t>
-            </a:r>
-            <a:r>
-              <a:rPr lang="en-US" sz="6000" dirty="0" smtClean="0"/>
-              <a:t>(Michael) </a:t>
-            </a:r>
-            <a:r>
-              <a:rPr lang="en-US" sz="6000" dirty="0" smtClean="0"/>
-              <a:t>Zhang</a:t>
-            </a:r>
-            <a:endParaRPr lang="en-US" sz="6000" dirty="0" smtClean="0"/>
+              <a:t> (Michael) Zhang</a:t>
+            </a:r>
           </a:p>
           <a:p>
             <a:pPr algn="ctr"/>
@@ -4031,7 +3939,7 @@
             </a:fontRef>
           </p:style>
           <p:txBody>
-            <a:bodyPr wrap="square" tIns="457200" rtlCol="0">
+            <a:bodyPr wrap="square" tIns="274320" rtlCol="0">
               <a:noAutofit/>
             </a:bodyPr>
             <a:lstStyle/>
@@ -4082,137 +3990,159 @@
             <a:lstStyle/>
             <a:p>
               <a:r>
-                <a:rPr lang="en-US" sz="4400" dirty="0" smtClean="0"/>
+                <a:rPr lang="en-US" sz="4800" dirty="0" smtClean="0"/>
                 <a:t>Design goals:</a:t>
               </a:r>
             </a:p>
             <a:p>
               <a:r>
-                <a:rPr lang="en-US" sz="4400" dirty="0"/>
+                <a:rPr lang="en-US" sz="4800" dirty="0"/>
                 <a:t> </a:t>
               </a:r>
               <a:r>
-                <a:rPr lang="en-US" sz="4400" dirty="0" smtClean="0"/>
-                <a:t>   - Real-time</a:t>
+                <a:rPr lang="en-US" sz="4800" dirty="0" smtClean="0"/>
+                <a:t>   - </a:t>
               </a:r>
+              <a:r>
+                <a:rPr lang="en-US" sz="4800" b="1" dirty="0" smtClean="0"/>
+                <a:t>Real-time, Robust</a:t>
+              </a:r>
+              <a:r>
+                <a:rPr lang="en-US" sz="4800" b="1" dirty="0" smtClean="0"/>
+                <a:t>, </a:t>
+              </a:r>
+              <a:r>
+                <a:rPr lang="en-US" sz="4800" b="1" dirty="0" smtClean="0"/>
+                <a:t>Accurate</a:t>
+              </a:r>
+              <a:endParaRPr lang="en-US" sz="4800" b="1" dirty="0" smtClean="0"/>
+            </a:p>
+            <a:p>
+              <a:endParaRPr lang="en-US" sz="4800" dirty="0" smtClean="0"/>
             </a:p>
             <a:p>
               <a:r>
-                <a:rPr lang="en-US" sz="4400" dirty="0"/>
-                <a:t> </a:t>
-              </a:r>
-              <a:r>
-                <a:rPr lang="en-US" sz="4400" dirty="0" smtClean="0"/>
-                <a:t>   - Robust</a:t>
-              </a:r>
-            </a:p>
-            <a:p>
-              <a:r>
-                <a:rPr lang="en-US" sz="4400" dirty="0"/>
-                <a:t> </a:t>
-              </a:r>
-              <a:r>
-                <a:rPr lang="en-US" sz="4400" dirty="0" smtClean="0"/>
-                <a:t>   - Accurate</a:t>
-              </a:r>
-            </a:p>
-            <a:p>
-              <a:endParaRPr lang="en-US" sz="4400" dirty="0" smtClean="0"/>
-            </a:p>
-            <a:p>
-              <a:r>
-                <a:rPr lang="en-US" sz="4400" dirty="0" smtClean="0"/>
+                <a:rPr lang="en-US" sz="4800" dirty="0" smtClean="0"/>
                 <a:t>Methodology:</a:t>
               </a:r>
             </a:p>
             <a:p>
               <a:r>
-                <a:rPr lang="en-US" sz="4400" dirty="0"/>
+                <a:rPr lang="en-US" sz="4800" dirty="0"/>
                 <a:t> </a:t>
               </a:r>
               <a:r>
-                <a:rPr lang="en-US" sz="4400" dirty="0" smtClean="0"/>
-                <a:t>   - Data-driven: machine learning as opposed   to rule-based system</a:t>
+                <a:rPr lang="en-US" sz="4800" dirty="0" smtClean="0"/>
+                <a:t>   - </a:t>
+              </a:r>
+              <a:r>
+                <a:rPr lang="en-US" sz="4800" dirty="0" smtClean="0"/>
+                <a:t>Machine </a:t>
+              </a:r>
+              <a:r>
+                <a:rPr lang="en-US" sz="4800" dirty="0" smtClean="0"/>
+                <a:t>learning as opposed  </a:t>
+              </a:r>
+              <a:r>
+                <a:rPr lang="en-US" sz="4800" dirty="0" smtClean="0"/>
+                <a:t>to </a:t>
+              </a:r>
+              <a:r>
+                <a:rPr lang="en-US" sz="4800" dirty="0" smtClean="0"/>
+                <a:t>rule-based system</a:t>
               </a:r>
             </a:p>
             <a:p>
               <a:r>
-                <a:rPr lang="en-US" sz="4400" dirty="0"/>
+                <a:rPr lang="en-US" sz="4800" dirty="0"/>
                 <a:t> </a:t>
               </a:r>
               <a:r>
-                <a:rPr lang="en-US" sz="4400" dirty="0" smtClean="0"/>
-                <a:t>   - Depth image</a:t>
+                <a:rPr lang="en-US" sz="4800" dirty="0" smtClean="0"/>
+                <a:t>   </a:t>
+              </a:r>
+              <a:r>
+                <a:rPr lang="en-US" sz="4800" dirty="0" smtClean="0"/>
+                <a:t>- Train on a </a:t>
+              </a:r>
+              <a:r>
+                <a:rPr lang="en-US" sz="4800" b="1" dirty="0" smtClean="0"/>
+                <a:t>large</a:t>
+              </a:r>
+              <a:r>
+                <a:rPr lang="en-US" sz="4800" dirty="0" smtClean="0"/>
+                <a:t> amount of label data</a:t>
               </a:r>
             </a:p>
             <a:p>
               <a:r>
-                <a:rPr lang="en-US" sz="4400" dirty="0" smtClean="0"/>
-                <a:t>    - Per-pixel classification: GPU + random forest</a:t>
+                <a:rPr lang="en-US" sz="4800" dirty="0"/>
+                <a:t> </a:t>
+              </a:r>
+              <a:r>
+                <a:rPr lang="en-US" sz="4800" dirty="0" smtClean="0"/>
+                <a:t>   - Use </a:t>
+              </a:r>
+              <a:r>
+                <a:rPr lang="en-US" sz="4800" b="1" dirty="0" smtClean="0"/>
+                <a:t>simple</a:t>
+              </a:r>
+              <a:r>
+                <a:rPr lang="en-US" sz="4800" dirty="0" smtClean="0"/>
+                <a:t> algorithm in prediction </a:t>
               </a:r>
             </a:p>
             <a:p>
-              <a:r>
-                <a:rPr lang="en-US" sz="4400" dirty="0"/>
-                <a:t> </a:t>
-              </a:r>
-              <a:r>
-                <a:rPr lang="en-US" sz="4400" dirty="0" smtClean="0"/>
-                <a:t>   - Pooling: density-based clustering</a:t>
-              </a:r>
-              <a:endParaRPr lang="en-US" sz="4400" dirty="0"/>
-            </a:p>
-            <a:p>
-              <a:endParaRPr lang="en-US" sz="4400" dirty="0"/>
+              <a:endParaRPr lang="en-US" sz="4800" dirty="0"/>
             </a:p>
             <a:p>
               <a:r>
-                <a:rPr lang="en-US" sz="4400" dirty="0" smtClean="0"/>
+                <a:rPr lang="en-US" sz="4800" dirty="0" smtClean="0"/>
                 <a:t>Contributions:</a:t>
               </a:r>
             </a:p>
             <a:p>
               <a:r>
-                <a:rPr lang="en-US" sz="4400" dirty="0"/>
+                <a:rPr lang="en-US" sz="4800" dirty="0"/>
                 <a:t> </a:t>
               </a:r>
               <a:r>
-                <a:rPr lang="en-US" sz="4400" dirty="0" smtClean="0"/>
+                <a:rPr lang="en-US" sz="4800" dirty="0" smtClean="0"/>
                 <a:t>   - A system</a:t>
               </a:r>
             </a:p>
             <a:p>
               <a:r>
-                <a:rPr lang="en-US" sz="4400" dirty="0"/>
+                <a:rPr lang="en-US" sz="4800" dirty="0"/>
                 <a:t> </a:t>
               </a:r>
               <a:r>
-                <a:rPr lang="en-US" sz="4400" dirty="0" smtClean="0"/>
+                <a:rPr lang="en-US" sz="4800" dirty="0" smtClean="0"/>
                 <a:t>   - An inexpensive way to generate massive labeled data</a:t>
               </a:r>
             </a:p>
             <a:p>
               <a:r>
-                <a:rPr lang="en-US" sz="4400" dirty="0"/>
+                <a:rPr lang="en-US" sz="4800" dirty="0"/>
                 <a:t> </a:t>
               </a:r>
               <a:r>
-                <a:rPr lang="en-US" sz="4400" dirty="0" smtClean="0"/>
+                <a:rPr lang="en-US" sz="4800" dirty="0" smtClean="0"/>
                 <a:t>   - Extensive experiments</a:t>
               </a:r>
             </a:p>
             <a:p>
               <a:r>
-                <a:rPr lang="en-US" sz="4400" dirty="0"/>
+                <a:rPr lang="en-US" sz="4800" dirty="0"/>
                 <a:t> </a:t>
               </a:r>
               <a:r>
-                <a:rPr lang="en-US" sz="4400" dirty="0" smtClean="0"/>
+                <a:rPr lang="en-US" sz="4800" dirty="0" smtClean="0"/>
                 <a:t>   - Computational analysis between SVM and random forest</a:t>
               </a:r>
             </a:p>
             <a:p>
-              <a:endParaRPr lang="en-US" sz="5400" dirty="0" smtClean="0"/>
+              <a:endParaRPr lang="en-US" sz="6000" dirty="0" smtClean="0"/>
             </a:p>
           </p:txBody>
         </p:sp>
@@ -4254,10 +4184,10 @@
         </p:nvGrpSpPr>
         <p:grpSpPr>
           <a:xfrm>
-            <a:off x="465590" y="21857273"/>
-            <a:ext cx="14013979" cy="10923877"/>
-            <a:chOff x="494823" y="23843315"/>
-            <a:chExt cx="14013979" cy="10923877"/>
+            <a:off x="465590" y="21423852"/>
+            <a:ext cx="14013979" cy="10490454"/>
+            <a:chOff x="494823" y="23843316"/>
+            <a:chExt cx="14013979" cy="10923876"/>
           </a:xfrm>
         </p:grpSpPr>
         <p:sp>
@@ -4268,8 +4198,8 @@
           </p:nvSpPr>
           <p:spPr>
             <a:xfrm>
-              <a:off x="494823" y="23843315"/>
-              <a:ext cx="14013979" cy="830997"/>
+              <a:off x="494823" y="23843316"/>
+              <a:ext cx="14013979" cy="1847228"/>
             </a:xfrm>
             <a:prstGeom prst="rect">
               <a:avLst/>
@@ -4290,17 +4220,17 @@
             </a:fontRef>
           </p:style>
           <p:txBody>
-            <a:bodyPr wrap="square" rtlCol="0">
-              <a:spAutoFit/>
+            <a:bodyPr wrap="square" tIns="182880" rtlCol="0">
+              <a:noAutofit/>
             </a:bodyPr>
             <a:lstStyle/>
             <a:p>
               <a:pPr algn="ctr"/>
               <a:r>
-                <a:rPr lang="en-US" sz="4800" b="1" dirty="0" smtClean="0"/>
+                <a:rPr lang="en-US" sz="8000" b="1" dirty="0" smtClean="0"/>
                 <a:t>Per-pixel Classification</a:t>
               </a:r>
-              <a:endParaRPr lang="en-US" sz="4800" b="1" dirty="0"/>
+              <a:endParaRPr lang="en-US" sz="8000" b="1" dirty="0"/>
             </a:p>
           </p:txBody>
         </p:sp>
@@ -4312,8 +4242,8 @@
           </p:nvSpPr>
           <p:spPr>
             <a:xfrm>
-              <a:off x="524056" y="24674312"/>
-              <a:ext cx="13953744" cy="10092880"/>
+              <a:off x="524056" y="25690544"/>
+              <a:ext cx="13953744" cy="9076648"/>
             </a:xfrm>
             <a:prstGeom prst="rect">
               <a:avLst/>
@@ -4341,19 +4271,16 @@
             <a:lstStyle/>
             <a:p>
               <a:r>
-                <a:rPr lang="en-US" sz="3600" dirty="0" smtClean="0"/>
-                <a:t>Hello World</a:t>
+                <a:rPr lang="en-US" sz="4400" dirty="0" smtClean="0"/>
+                <a:t>Feature extraction:</a:t>
               </a:r>
-              <a:endParaRPr lang="en-US" sz="4000" dirty="0"/>
+              <a:endParaRPr lang="en-US" sz="4400" dirty="0" smtClean="0"/>
             </a:p>
             <a:p>
-              <a:endParaRPr lang="en-US" sz="3600" dirty="0" smtClean="0"/>
+              <a:endParaRPr lang="en-US" sz="4400" dirty="0" smtClean="0"/>
             </a:p>
             <a:p>
-              <a:endParaRPr lang="en-US" sz="3600" dirty="0" smtClean="0"/>
-            </a:p>
-            <a:p>
-              <a:endParaRPr lang="en-US" sz="3600" dirty="0" smtClean="0"/>
+              <a:endParaRPr lang="en-US" sz="4400" dirty="0" smtClean="0"/>
             </a:p>
           </p:txBody>
         </p:sp>
@@ -4366,8 +4293,8 @@
         </p:nvGrpSpPr>
         <p:grpSpPr>
           <a:xfrm>
-            <a:off x="494823" y="33549525"/>
-            <a:ext cx="14013979" cy="9190556"/>
+            <a:off x="494822" y="32708913"/>
+            <a:ext cx="14013979" cy="10691076"/>
             <a:chOff x="494823" y="23528135"/>
             <a:chExt cx="14013979" cy="9190556"/>
           </a:xfrm>
@@ -4410,15 +4337,7 @@
               <a:pPr algn="ctr"/>
               <a:r>
                 <a:rPr lang="en-US" sz="5400" b="1" dirty="0" smtClean="0"/>
-                <a:t>Efficient </a:t>
-              </a:r>
-              <a:r>
-                <a:rPr lang="en-US" sz="5400" b="1" dirty="0" err="1" smtClean="0"/>
-                <a:t>Subproblem</a:t>
-              </a:r>
-              <a:r>
-                <a:rPr lang="en-US" sz="5400" b="1" dirty="0" smtClean="0"/>
-                <a:t> Solvers</a:t>
+                <a:t>Pooling</a:t>
               </a:r>
               <a:endParaRPr lang="en-US" sz="5400" b="1" dirty="0"/>
             </a:p>
@@ -4433,7 +4352,7 @@
           <p:spPr>
             <a:xfrm>
               <a:off x="494823" y="24674312"/>
-              <a:ext cx="7242981" cy="8044379"/>
+              <a:ext cx="13984746" cy="8044379"/>
             </a:xfrm>
             <a:prstGeom prst="rect">
               <a:avLst/>
@@ -4466,30 +4385,11 @@
               </a:r>
             </a:p>
             <a:p>
-              <a:endParaRPr lang="en-US" sz="4400" dirty="0" smtClean="0"/>
-            </a:p>
-            <a:p>
               <a:r>
                 <a:rPr lang="en-US" sz="4000" dirty="0" smtClean="0"/>
-                <a:t>The </a:t>
+                <a:t>Pool the per-pixel classifications to a single proposal of gesture position and type</a:t>
               </a:r>
-              <a:r>
-                <a:rPr lang="en-US" sz="4000" dirty="0" err="1" smtClean="0"/>
-                <a:t>subproblem</a:t>
-              </a:r>
-              <a:r>
-                <a:rPr lang="en-US" sz="4000" dirty="0" smtClean="0"/>
-                <a:t> is an SVM with a regularization towards consensus</a:t>
-              </a:r>
-            </a:p>
-            <a:p>
               <a:endParaRPr lang="en-US" sz="4000" dirty="0"/>
-            </a:p>
-            <a:p>
-              <a:r>
-                <a:rPr lang="en-US" sz="4000" dirty="0" smtClean="0"/>
-                <a:t>Efficient solvers: </a:t>
-              </a:r>
             </a:p>
             <a:p>
               <a:endParaRPr lang="en-US" sz="4000" dirty="0" smtClean="0"/>
@@ -4497,69 +4397,581 @@
             <a:p>
               <a:r>
                 <a:rPr lang="en-US" sz="4000" dirty="0" smtClean="0"/>
-                <a:t>                 </a:t>
+                <a:t>Use clustering algorithms:</a:t>
               </a:r>
             </a:p>
             <a:p>
               <a:r>
                 <a:rPr lang="en-US" sz="4000" dirty="0" smtClean="0"/>
-                <a:t>   </a:t>
+                <a:t>    - </a:t>
+              </a:r>
+              <a:r>
+                <a:rPr lang="en-US" sz="4000" dirty="0" err="1" smtClean="0"/>
+                <a:t>Kmeans</a:t>
+              </a:r>
+              <a:r>
+                <a:rPr lang="en-US" sz="4000" dirty="0" smtClean="0"/>
+                <a:t>: not good</a:t>
+              </a:r>
+            </a:p>
+            <a:p>
+              <a:r>
+                <a:rPr lang="en-US" sz="4000" dirty="0"/>
+                <a:t> </a:t>
+              </a:r>
+              <a:r>
+                <a:rPr lang="en-US" sz="4000" dirty="0" smtClean="0"/>
+                <a:t>         - Subject to outliers</a:t>
+              </a:r>
+            </a:p>
+            <a:p>
+              <a:r>
+                <a:rPr lang="en-US" sz="4000" dirty="0"/>
+                <a:t> </a:t>
+              </a:r>
+              <a:r>
+                <a:rPr lang="en-US" sz="4000" dirty="0" smtClean="0"/>
+                <a:t>         - Assumes each cluster has equal size</a:t>
+              </a:r>
+            </a:p>
+            <a:p>
+              <a:r>
+                <a:rPr lang="en-US" sz="4000" dirty="0"/>
+                <a:t> </a:t>
+              </a:r>
+              <a:r>
+                <a:rPr lang="en-US" sz="4000" dirty="0" smtClean="0"/>
+                <a:t>   - Density-based clustering</a:t>
               </a:r>
               <a:endParaRPr lang="en-US" sz="4400" dirty="0" smtClean="0"/>
             </a:p>
             <a:p>
               <a:r>
-                <a:rPr lang="en-US" sz="4400" dirty="0"/>
-                <a:t> </a:t>
+                <a:rPr lang="en-US" sz="4400" dirty="0" smtClean="0"/>
+                <a:t>         - Final decision</a:t>
               </a:r>
-            </a:p>
-            <a:p>
-              <a:endParaRPr lang="en-US" sz="4400" dirty="0" smtClean="0"/>
-            </a:p>
-            <a:p>
-              <a:endParaRPr lang="en-US" sz="4400" dirty="0"/>
-            </a:p>
-            <a:p>
-              <a:endParaRPr lang="en-US" sz="4400" dirty="0" smtClean="0"/>
-            </a:p>
-            <a:p>
-              <a:endParaRPr lang="en-US" sz="4400" dirty="0" smtClean="0"/>
-            </a:p>
-            <a:p>
-              <a:endParaRPr lang="en-US" sz="4400" dirty="0" smtClean="0"/>
-            </a:p>
-            <a:p>
-              <a:endParaRPr lang="en-US" sz="4400" dirty="0" smtClean="0"/>
-            </a:p>
-            <a:p>
               <a:endParaRPr lang="en-US" sz="4400" dirty="0" smtClean="0"/>
             </a:p>
           </p:txBody>
         </p:sp>
       </p:grpSp>
-      <p:sp>
-        <p:nvSpPr>
-          <p:cNvPr id="127" name="TextBox 126"/>
-          <p:cNvSpPr txBox="1"/>
+      <p:grpSp>
+        <p:nvGrpSpPr>
+          <p:cNvPr id="12" name="Group 11"/>
+          <p:cNvGrpSpPr/>
+          <p:nvPr/>
+        </p:nvGrpSpPr>
+        <p:grpSpPr>
+          <a:xfrm>
+            <a:off x="39709816" y="35783505"/>
+            <a:ext cx="16130570" cy="5367441"/>
+            <a:chOff x="15654895" y="36948993"/>
+            <a:chExt cx="16130570" cy="5367441"/>
+          </a:xfrm>
+        </p:grpSpPr>
+        <p:sp>
+          <p:nvSpPr>
+            <p:cNvPr id="131" name="Rounded Rectangle 130"/>
+            <p:cNvSpPr/>
+            <p:nvPr/>
+          </p:nvSpPr>
+          <p:spPr>
+            <a:xfrm>
+              <a:off x="15664593" y="36948993"/>
+              <a:ext cx="16120872" cy="5296350"/>
+            </a:xfrm>
+            <a:prstGeom prst="roundRect">
+              <a:avLst>
+                <a:gd name="adj" fmla="val 6414"/>
+              </a:avLst>
+            </a:prstGeom>
+            <a:solidFill>
+              <a:schemeClr val="lt1">
+                <a:alpha val="0"/>
+              </a:schemeClr>
+            </a:solidFill>
+            <a:ln w="76200"/>
+          </p:spPr>
+          <p:style>
+            <a:lnRef idx="2">
+              <a:schemeClr val="dk1"/>
+            </a:lnRef>
+            <a:fillRef idx="1">
+              <a:schemeClr val="lt1"/>
+            </a:fillRef>
+            <a:effectRef idx="0">
+              <a:schemeClr val="dk1"/>
+            </a:effectRef>
+            <a:fontRef idx="minor">
+              <a:schemeClr val="dk1"/>
+            </a:fontRef>
+          </p:style>
+          <p:txBody>
+            <a:bodyPr rtlCol="0" anchor="ctr"/>
+            <a:lstStyle/>
+            <a:p>
+              <a:pPr algn="ctr"/>
+              <a:endParaRPr lang="en-US"/>
+            </a:p>
+          </p:txBody>
+        </p:sp>
+        <p:sp>
+          <p:nvSpPr>
+            <p:cNvPr id="127" name="TextBox 126"/>
+            <p:cNvSpPr txBox="1"/>
+            <p:nvPr/>
+          </p:nvSpPr>
+          <p:spPr>
+            <a:xfrm>
+              <a:off x="15654895" y="41158395"/>
+              <a:ext cx="16130570" cy="1158039"/>
+            </a:xfrm>
+            <a:prstGeom prst="rect">
+              <a:avLst/>
+            </a:prstGeom>
+          </p:spPr>
+          <p:style>
+            <a:lnRef idx="0">
+              <a:schemeClr val="dk1"/>
+            </a:lnRef>
+            <a:fillRef idx="3">
+              <a:schemeClr val="dk1"/>
+            </a:fillRef>
+            <a:effectRef idx="3">
+              <a:schemeClr val="dk1"/>
+            </a:effectRef>
+            <a:fontRef idx="minor">
+              <a:schemeClr val="lt1"/>
+            </a:fontRef>
+          </p:style>
+          <p:txBody>
+            <a:bodyPr wrap="square" tIns="182880" rtlCol="0">
+              <a:noAutofit/>
+            </a:bodyPr>
+            <a:lstStyle/>
+            <a:p>
+              <a:pPr algn="ctr"/>
+              <a:r>
+                <a:rPr lang="en-US" sz="4400" dirty="0" smtClean="0"/>
+                <a:t>Hello World</a:t>
+              </a:r>
+            </a:p>
+          </p:txBody>
+        </p:sp>
+      </p:grpSp>
+      <p:grpSp>
+        <p:nvGrpSpPr>
+          <p:cNvPr id="11" name="Group 10"/>
+          <p:cNvGrpSpPr/>
+          <p:nvPr/>
+        </p:nvGrpSpPr>
+        <p:grpSpPr>
+          <a:xfrm>
+            <a:off x="39719514" y="25207150"/>
+            <a:ext cx="16120872" cy="8915464"/>
+            <a:chOff x="15580335" y="27624257"/>
+            <a:chExt cx="16120872" cy="8915464"/>
+          </a:xfrm>
+        </p:grpSpPr>
+        <p:sp>
+          <p:nvSpPr>
+            <p:cNvPr id="120" name="Rounded Rectangle 119"/>
+            <p:cNvSpPr/>
+            <p:nvPr/>
+          </p:nvSpPr>
+          <p:spPr>
+            <a:xfrm>
+              <a:off x="15580335" y="27624257"/>
+              <a:ext cx="16120872" cy="8336444"/>
+            </a:xfrm>
+            <a:prstGeom prst="roundRect">
+              <a:avLst>
+                <a:gd name="adj" fmla="val 6414"/>
+              </a:avLst>
+            </a:prstGeom>
+            <a:solidFill>
+              <a:schemeClr val="lt1">
+                <a:alpha val="0"/>
+              </a:schemeClr>
+            </a:solidFill>
+            <a:ln w="76200"/>
+          </p:spPr>
+          <p:style>
+            <a:lnRef idx="2">
+              <a:schemeClr val="dk1"/>
+            </a:lnRef>
+            <a:fillRef idx="1">
+              <a:schemeClr val="lt1"/>
+            </a:fillRef>
+            <a:effectRef idx="0">
+              <a:schemeClr val="dk1"/>
+            </a:effectRef>
+            <a:fontRef idx="minor">
+              <a:schemeClr val="dk1"/>
+            </a:fontRef>
+          </p:style>
+          <p:txBody>
+            <a:bodyPr rtlCol="0" anchor="ctr"/>
+            <a:lstStyle/>
+            <a:p>
+              <a:pPr algn="ctr"/>
+              <a:endParaRPr lang="en-US"/>
+            </a:p>
+          </p:txBody>
+        </p:sp>
+        <p:sp>
+          <p:nvSpPr>
+            <p:cNvPr id="122" name="TextBox 121"/>
+            <p:cNvSpPr txBox="1"/>
+            <p:nvPr/>
+          </p:nvSpPr>
+          <p:spPr>
+            <a:xfrm>
+              <a:off x="15582658" y="35381682"/>
+              <a:ext cx="16118549" cy="1158039"/>
+            </a:xfrm>
+            <a:prstGeom prst="rect">
+              <a:avLst/>
+            </a:prstGeom>
+          </p:spPr>
+          <p:style>
+            <a:lnRef idx="0">
+              <a:schemeClr val="dk1"/>
+            </a:lnRef>
+            <a:fillRef idx="3">
+              <a:schemeClr val="dk1"/>
+            </a:fillRef>
+            <a:effectRef idx="3">
+              <a:schemeClr val="dk1"/>
+            </a:effectRef>
+            <a:fontRef idx="minor">
+              <a:schemeClr val="lt1"/>
+            </a:fontRef>
+          </p:style>
+          <p:txBody>
+            <a:bodyPr wrap="square" tIns="91440" rtlCol="0">
+              <a:noAutofit/>
+            </a:bodyPr>
+            <a:lstStyle/>
+            <a:p>
+              <a:pPr algn="ctr"/>
+              <a:r>
+                <a:rPr lang="en-US" sz="5400" dirty="0" smtClean="0"/>
+                <a:t>Say Something</a:t>
+              </a:r>
+            </a:p>
+          </p:txBody>
+        </p:sp>
+      </p:grpSp>
+      <p:sp>
+        <p:nvSpPr>
+          <p:cNvPr id="74" name="Rectangle 73"/>
+          <p:cNvSpPr/>
           <p:nvPr/>
         </p:nvSpPr>
         <p:spPr>
           <a:xfrm>
-            <a:off x="15654895" y="41158395"/>
-            <a:ext cx="16130570" cy="1158039"/>
+            <a:off x="18994049" y="13999530"/>
+            <a:ext cx="8517412" cy="1173417"/>
           </a:xfrm>
           <a:prstGeom prst="rect">
             <a:avLst/>
           </a:prstGeom>
         </p:spPr>
         <p:style>
-          <a:lnRef idx="0">
+          <a:lnRef idx="2">
+            <a:schemeClr val="dk1"/>
+          </a:lnRef>
+          <a:fillRef idx="1">
+            <a:schemeClr val="lt1"/>
+          </a:fillRef>
+          <a:effectRef idx="0">
+            <a:schemeClr val="dk1"/>
+          </a:effectRef>
+          <a:fontRef idx="minor">
+            <a:schemeClr val="dk1"/>
+          </a:fontRef>
+        </p:style>
+        <p:txBody>
+          <a:bodyPr rtlCol="0" anchor="ctr"/>
+          <a:lstStyle/>
+          <a:p>
+            <a:pPr algn="ctr"/>
+            <a:endParaRPr lang="en-US" sz="4800" dirty="0"/>
+          </a:p>
+        </p:txBody>
+      </p:sp>
+      <p:sp>
+        <p:nvSpPr>
+          <p:cNvPr id="76" name="Rectangle 75"/>
+          <p:cNvSpPr/>
+          <p:nvPr/>
+        </p:nvSpPr>
+        <p:spPr>
+          <a:xfrm>
+            <a:off x="23466189" y="12193606"/>
+            <a:ext cx="3921169" cy="1589214"/>
+          </a:xfrm>
+          <a:prstGeom prst="rect">
+            <a:avLst/>
+          </a:prstGeom>
+        </p:spPr>
+        <p:style>
+          <a:lnRef idx="2">
+            <a:schemeClr val="dk1"/>
+          </a:lnRef>
+          <a:fillRef idx="1">
+            <a:schemeClr val="lt1"/>
+          </a:fillRef>
+          <a:effectRef idx="0">
+            <a:schemeClr val="dk1"/>
+          </a:effectRef>
+          <a:fontRef idx="minor">
+            <a:schemeClr val="dk1"/>
+          </a:fontRef>
+        </p:style>
+        <p:txBody>
+          <a:bodyPr rtlCol="0" anchor="ctr"/>
+          <a:lstStyle/>
+          <a:p>
+            <a:pPr algn="ctr"/>
+            <a:r>
+              <a:rPr lang="en-US" sz="4400" dirty="0" smtClean="0"/>
+              <a:t>   Per-pixel Classification</a:t>
+            </a:r>
+            <a:endParaRPr lang="en-US" sz="4400" dirty="0"/>
+          </a:p>
+        </p:txBody>
+      </p:sp>
+      <p:sp>
+        <p:nvSpPr>
+          <p:cNvPr id="77" name="Rectangle 76"/>
+          <p:cNvSpPr/>
+          <p:nvPr/>
+        </p:nvSpPr>
+        <p:spPr>
+          <a:xfrm>
+            <a:off x="23493980" y="10690394"/>
+            <a:ext cx="3893378" cy="1358737"/>
+          </a:xfrm>
+          <a:prstGeom prst="rect">
+            <a:avLst/>
+          </a:prstGeom>
+        </p:spPr>
+        <p:style>
+          <a:lnRef idx="2">
+            <a:schemeClr val="dk1"/>
+          </a:lnRef>
+          <a:fillRef idx="1">
+            <a:schemeClr val="lt1"/>
+          </a:fillRef>
+          <a:effectRef idx="0">
+            <a:schemeClr val="dk1"/>
+          </a:effectRef>
+          <a:fontRef idx="minor">
+            <a:schemeClr val="dk1"/>
+          </a:fontRef>
+        </p:style>
+        <p:txBody>
+          <a:bodyPr rtlCol="0" anchor="ctr"/>
+          <a:lstStyle/>
+          <a:p>
+            <a:pPr algn="ctr"/>
+            <a:r>
+              <a:rPr lang="en-US" sz="4400" dirty="0" smtClean="0"/>
+              <a:t>Pooling</a:t>
+            </a:r>
+            <a:endParaRPr lang="en-US" sz="4400" dirty="0"/>
+          </a:p>
+        </p:txBody>
+      </p:sp>
+      <p:sp>
+        <p:nvSpPr>
+          <p:cNvPr id="78" name="Rectangle 77"/>
+          <p:cNvSpPr/>
+          <p:nvPr/>
+        </p:nvSpPr>
+        <p:spPr>
+          <a:xfrm>
+            <a:off x="19023734" y="10690394"/>
+            <a:ext cx="4034862" cy="3092425"/>
+          </a:xfrm>
+          <a:prstGeom prst="rect">
+            <a:avLst/>
+          </a:prstGeom>
+        </p:spPr>
+        <p:style>
+          <a:lnRef idx="2">
+            <a:schemeClr val="dk1"/>
+          </a:lnRef>
+          <a:fillRef idx="1">
+            <a:schemeClr val="lt1"/>
+          </a:fillRef>
+          <a:effectRef idx="0">
+            <a:schemeClr val="dk1"/>
+          </a:effectRef>
+          <a:fontRef idx="minor">
+            <a:schemeClr val="dk1"/>
+          </a:fontRef>
+        </p:style>
+        <p:txBody>
+          <a:bodyPr rtlCol="0" anchor="ctr"/>
+          <a:lstStyle/>
+          <a:p>
+            <a:pPr algn="ctr"/>
+            <a:r>
+              <a:rPr lang="en-US" sz="4400" dirty="0" smtClean="0"/>
+              <a:t>Training</a:t>
+            </a:r>
+            <a:endParaRPr lang="en-US" sz="4400" dirty="0"/>
+          </a:p>
+        </p:txBody>
+      </p:sp>
+      <p:sp>
+        <p:nvSpPr>
+          <p:cNvPr id="79" name="Rectangle 78"/>
+          <p:cNvSpPr/>
+          <p:nvPr/>
+        </p:nvSpPr>
+        <p:spPr>
+          <a:xfrm>
+            <a:off x="28017120" y="13490432"/>
+            <a:ext cx="1944160" cy="584775"/>
+          </a:xfrm>
+          <a:prstGeom prst="rect">
+            <a:avLst/>
+          </a:prstGeom>
+        </p:spPr>
+        <p:txBody>
+          <a:bodyPr wrap="square">
+            <a:spAutoFit/>
+          </a:bodyPr>
+          <a:lstStyle/>
+          <a:p>
+            <a:pPr algn="ctr"/>
+            <a:r>
+              <a:rPr lang="en-US" sz="3200" dirty="0" smtClean="0">
+                <a:solidFill>
+                  <a:schemeClr val="accent2"/>
+                </a:solidFill>
+              </a:rPr>
+              <a:t>GPU</a:t>
+            </a:r>
+            <a:endParaRPr lang="en-US" sz="3200" dirty="0">
+              <a:solidFill>
+                <a:schemeClr val="accent2"/>
+              </a:solidFill>
+            </a:endParaRPr>
+          </a:p>
+        </p:txBody>
+      </p:sp>
+      <p:sp>
+        <p:nvSpPr>
+          <p:cNvPr id="80" name="Rectangle 79"/>
+          <p:cNvSpPr/>
+          <p:nvPr/>
+        </p:nvSpPr>
+        <p:spPr>
+          <a:xfrm>
+            <a:off x="23393952" y="15348498"/>
+            <a:ext cx="4117509" cy="1127821"/>
+          </a:xfrm>
+          <a:prstGeom prst="rect">
+            <a:avLst/>
+          </a:prstGeom>
+        </p:spPr>
+        <p:style>
+          <a:lnRef idx="2">
+            <a:schemeClr val="dk1"/>
+          </a:lnRef>
+          <a:fillRef idx="1">
+            <a:schemeClr val="lt1"/>
+          </a:fillRef>
+          <a:effectRef idx="0">
+            <a:schemeClr val="dk1"/>
+          </a:effectRef>
+          <a:fontRef idx="minor">
+            <a:schemeClr val="dk1"/>
+          </a:fontRef>
+        </p:style>
+        <p:txBody>
+          <a:bodyPr rtlCol="0" anchor="ctr"/>
+          <a:lstStyle/>
+          <a:p>
+            <a:pPr algn="ctr"/>
+            <a:r>
+              <a:rPr lang="en-US" sz="4400" dirty="0" smtClean="0"/>
+              <a:t>Raw Image</a:t>
+            </a:r>
+            <a:endParaRPr lang="en-US" sz="4400" dirty="0"/>
+          </a:p>
+        </p:txBody>
+      </p:sp>
+      <p:sp>
+        <p:nvSpPr>
+          <p:cNvPr id="83" name="Rectangle 82"/>
+          <p:cNvSpPr/>
+          <p:nvPr/>
+        </p:nvSpPr>
+        <p:spPr>
+          <a:xfrm>
+            <a:off x="18987496" y="15348499"/>
+            <a:ext cx="4071100" cy="1127821"/>
+          </a:xfrm>
+          <a:prstGeom prst="rect">
+            <a:avLst/>
+          </a:prstGeom>
+        </p:spPr>
+        <p:style>
+          <a:lnRef idx="2">
+            <a:schemeClr val="dk1"/>
+          </a:lnRef>
+          <a:fillRef idx="1">
+            <a:schemeClr val="lt1"/>
+          </a:fillRef>
+          <a:effectRef idx="0">
+            <a:schemeClr val="dk1"/>
+          </a:effectRef>
+          <a:fontRef idx="minor">
+            <a:schemeClr val="dk1"/>
+          </a:fontRef>
+        </p:style>
+        <p:txBody>
+          <a:bodyPr rtlCol="0" anchor="ctr"/>
+          <a:lstStyle/>
+          <a:p>
+            <a:pPr algn="ctr"/>
+            <a:r>
+              <a:rPr lang="en-US" sz="4400" dirty="0" smtClean="0"/>
+              <a:t>Labeled Image</a:t>
+            </a:r>
+            <a:endParaRPr lang="en-US" sz="4400" dirty="0"/>
+          </a:p>
+        </p:txBody>
+      </p:sp>
+      <p:sp>
+        <p:nvSpPr>
+          <p:cNvPr id="84" name="Rectangle 83"/>
+          <p:cNvSpPr/>
+          <p:nvPr/>
+        </p:nvSpPr>
+        <p:spPr>
+          <a:xfrm>
+            <a:off x="23475721" y="9509391"/>
+            <a:ext cx="3911637" cy="769441"/>
+          </a:xfrm>
+          <a:prstGeom prst="rect">
+            <a:avLst/>
+          </a:prstGeom>
+        </p:spPr>
+        <p:style>
+          <a:lnRef idx="1">
             <a:schemeClr val="dk1"/>
           </a:lnRef>
           <a:fillRef idx="3">
             <a:schemeClr val="dk1"/>
           </a:fillRef>
-          <a:effectRef idx="3">
+          <a:effectRef idx="2">
             <a:schemeClr val="dk1"/>
           </a:effectRef>
           <a:fontRef idx="minor">
@@ -4567,43 +4979,51 @@
           </a:fontRef>
         </p:style>
         <p:txBody>
-          <a:bodyPr wrap="square" tIns="182880" rtlCol="0">
-            <a:noAutofit/>
+          <a:bodyPr wrap="square">
+            <a:spAutoFit/>
           </a:bodyPr>
           <a:lstStyle/>
           <a:p>
             <a:pPr algn="ctr"/>
             <a:r>
-              <a:rPr lang="en-US" sz="4400" dirty="0" smtClean="0"/>
-              <a:t>Hello World</a:t>
-            </a:r>
-            <a:endParaRPr lang="en-US" sz="4400" dirty="0" smtClean="0"/>
-          </a:p>
-        </p:txBody>
-      </p:sp>
-      <p:sp>
-        <p:nvSpPr>
-          <p:cNvPr id="122" name="TextBox 121"/>
-          <p:cNvSpPr txBox="1"/>
+              <a:rPr lang="en-US" sz="4400" dirty="0" smtClean="0">
+                <a:solidFill>
+                  <a:schemeClr val="bg1"/>
+                </a:solidFill>
+              </a:rPr>
+              <a:t>End Users</a:t>
+            </a:r>
+            <a:endParaRPr lang="en-US" sz="4400" dirty="0">
+              <a:solidFill>
+                <a:schemeClr val="bg1"/>
+              </a:solidFill>
+            </a:endParaRPr>
+          </a:p>
+        </p:txBody>
+      </p:sp>
+      <p:sp>
+        <p:nvSpPr>
+          <p:cNvPr id="85" name="Rectangle 84"/>
+          <p:cNvSpPr/>
           <p:nvPr/>
         </p:nvSpPr>
         <p:spPr>
           <a:xfrm>
-            <a:off x="15582658" y="35381682"/>
-            <a:ext cx="16118549" cy="1158039"/>
+            <a:off x="19032838" y="9512832"/>
+            <a:ext cx="4025757" cy="646331"/>
           </a:xfrm>
           <a:prstGeom prst="rect">
             <a:avLst/>
           </a:prstGeom>
         </p:spPr>
         <p:style>
-          <a:lnRef idx="0">
+          <a:lnRef idx="1">
             <a:schemeClr val="dk1"/>
           </a:lnRef>
           <a:fillRef idx="3">
             <a:schemeClr val="dk1"/>
           </a:fillRef>
-          <a:effectRef idx="3">
+          <a:effectRef idx="2">
             <a:schemeClr val="dk1"/>
           </a:effectRef>
           <a:fontRef idx="minor">
@@ -4611,23 +5031,273 @@
           </a:fontRef>
         </p:style>
         <p:txBody>
-          <a:bodyPr wrap="square" tIns="91440" rtlCol="0">
-            <a:noAutofit/>
+          <a:bodyPr wrap="square">
+            <a:spAutoFit/>
           </a:bodyPr>
           <a:lstStyle/>
           <a:p>
             <a:pPr algn="ctr"/>
             <a:r>
-              <a:rPr lang="en-US" sz="5400" dirty="0" smtClean="0"/>
-              <a:t>Say Something</a:t>
-            </a:r>
-            <a:endParaRPr lang="en-US" sz="5400" dirty="0" smtClean="0"/>
+              <a:rPr lang="en-US" sz="3600" dirty="0" smtClean="0">
+                <a:solidFill>
+                  <a:schemeClr val="bg1"/>
+                </a:solidFill>
+              </a:rPr>
+              <a:t>Developers</a:t>
+            </a:r>
+            <a:endParaRPr lang="en-US" sz="3600" dirty="0">
+              <a:solidFill>
+                <a:schemeClr val="bg1"/>
+              </a:solidFill>
+            </a:endParaRPr>
+          </a:p>
+        </p:txBody>
+      </p:sp>
+      <p:sp>
+        <p:nvSpPr>
+          <p:cNvPr id="86" name="Rectangle 85"/>
+          <p:cNvSpPr/>
+          <p:nvPr/>
+        </p:nvSpPr>
+        <p:spPr>
+          <a:xfrm>
+            <a:off x="18987496" y="16721001"/>
+            <a:ext cx="8523966" cy="1228029"/>
+          </a:xfrm>
+          <a:prstGeom prst="rect">
+            <a:avLst/>
+          </a:prstGeom>
+        </p:spPr>
+        <p:style>
+          <a:lnRef idx="2">
+            <a:schemeClr val="dk1"/>
+          </a:lnRef>
+          <a:fillRef idx="1">
+            <a:schemeClr val="lt1"/>
+          </a:fillRef>
+          <a:effectRef idx="0">
+            <a:schemeClr val="dk1"/>
+          </a:effectRef>
+          <a:fontRef idx="minor">
+            <a:schemeClr val="dk1"/>
+          </a:fontRef>
+        </p:style>
+        <p:txBody>
+          <a:bodyPr rtlCol="0" anchor="ctr"/>
+          <a:lstStyle/>
+          <a:p>
+            <a:pPr algn="ctr"/>
+            <a:r>
+              <a:rPr lang="en-US" sz="4400" dirty="0" smtClean="0"/>
+              <a:t>Kinect   Sensor</a:t>
+            </a:r>
+            <a:endParaRPr lang="en-US" sz="4400" dirty="0"/>
+          </a:p>
+        </p:txBody>
+      </p:sp>
+      <p:sp>
+        <p:nvSpPr>
+          <p:cNvPr id="87" name="Rectangle 86"/>
+          <p:cNvSpPr/>
+          <p:nvPr/>
+        </p:nvSpPr>
+        <p:spPr>
+          <a:xfrm>
+            <a:off x="23393952" y="18117039"/>
+            <a:ext cx="4117510" cy="1661452"/>
+          </a:xfrm>
+          <a:prstGeom prst="rect">
+            <a:avLst/>
+          </a:prstGeom>
+        </p:spPr>
+        <p:style>
+          <a:lnRef idx="2">
+            <a:schemeClr val="dk1"/>
+          </a:lnRef>
+          <a:fillRef idx="1">
+            <a:schemeClr val="lt1"/>
+          </a:fillRef>
+          <a:effectRef idx="0">
+            <a:schemeClr val="dk1"/>
+          </a:effectRef>
+          <a:fontRef idx="minor">
+            <a:schemeClr val="dk1"/>
+          </a:fontRef>
+        </p:style>
+        <p:txBody>
+          <a:bodyPr rtlCol="0" anchor="ctr"/>
+          <a:lstStyle/>
+          <a:p>
+            <a:pPr algn="ctr"/>
+            <a:r>
+              <a:rPr lang="en-US" sz="4000" dirty="0" smtClean="0"/>
+              <a:t>Just Hands</a:t>
+            </a:r>
+            <a:endParaRPr lang="en-US" sz="4000" dirty="0"/>
+          </a:p>
+        </p:txBody>
+      </p:sp>
+      <p:sp>
+        <p:nvSpPr>
+          <p:cNvPr id="95" name="Rectangle 94"/>
+          <p:cNvSpPr/>
+          <p:nvPr/>
+        </p:nvSpPr>
+        <p:spPr>
+          <a:xfrm>
+            <a:off x="18987496" y="18117039"/>
+            <a:ext cx="4071100" cy="1661452"/>
+          </a:xfrm>
+          <a:prstGeom prst="rect">
+            <a:avLst/>
+          </a:prstGeom>
+        </p:spPr>
+        <p:style>
+          <a:lnRef idx="2">
+            <a:schemeClr val="dk1"/>
+          </a:lnRef>
+          <a:fillRef idx="1">
+            <a:schemeClr val="lt1"/>
+          </a:fillRef>
+          <a:effectRef idx="0">
+            <a:schemeClr val="dk1"/>
+          </a:effectRef>
+          <a:fontRef idx="minor">
+            <a:schemeClr val="dk1"/>
+          </a:fontRef>
+        </p:style>
+        <p:txBody>
+          <a:bodyPr rtlCol="0" anchor="ctr"/>
+          <a:lstStyle/>
+          <a:p>
+            <a:pPr algn="ctr"/>
+            <a:r>
+              <a:rPr lang="en-US" sz="4400" dirty="0" smtClean="0"/>
+              <a:t>Color Gloves</a:t>
+            </a:r>
+            <a:endParaRPr lang="en-US" sz="4400" dirty="0"/>
+          </a:p>
+        </p:txBody>
+      </p:sp>
+      <p:cxnSp>
+        <p:nvCxnSpPr>
+          <p:cNvPr id="96" name="Straight Connector 95"/>
+          <p:cNvCxnSpPr/>
+          <p:nvPr/>
+        </p:nvCxnSpPr>
+        <p:spPr>
+          <a:xfrm>
+            <a:off x="23249479" y="10351561"/>
+            <a:ext cx="0" cy="10149299"/>
+          </a:xfrm>
+          <a:prstGeom prst="line">
+            <a:avLst/>
+          </a:prstGeom>
+          <a:ln w="28575">
+            <a:solidFill>
+              <a:schemeClr val="bg1">
+                <a:lumMod val="50000"/>
+              </a:schemeClr>
+            </a:solidFill>
+            <a:prstDash val="dashDot"/>
+          </a:ln>
+        </p:spPr>
+        <p:style>
+          <a:lnRef idx="1">
+            <a:schemeClr val="accent1"/>
+          </a:lnRef>
+          <a:fillRef idx="0">
+            <a:schemeClr val="accent1"/>
+          </a:fillRef>
+          <a:effectRef idx="0">
+            <a:schemeClr val="accent1"/>
+          </a:effectRef>
+          <a:fontRef idx="minor">
+            <a:schemeClr val="tx1"/>
+          </a:fontRef>
+        </p:style>
+      </p:cxnSp>
+      <p:sp>
+        <p:nvSpPr>
+          <p:cNvPr id="97" name="Rectangle 96"/>
+          <p:cNvSpPr/>
+          <p:nvPr/>
+        </p:nvSpPr>
+        <p:spPr>
+          <a:xfrm>
+            <a:off x="23341417" y="12085250"/>
+            <a:ext cx="4427774" cy="2949134"/>
+          </a:xfrm>
+          <a:prstGeom prst="rect">
+            <a:avLst/>
+          </a:prstGeom>
+          <a:solidFill>
+            <a:schemeClr val="lt1">
+              <a:alpha val="0"/>
+            </a:schemeClr>
+          </a:solidFill>
+          <a:ln>
+            <a:solidFill>
+              <a:schemeClr val="accent2"/>
+            </a:solidFill>
+            <a:prstDash val="dash"/>
+          </a:ln>
+        </p:spPr>
+        <p:style>
+          <a:lnRef idx="2">
+            <a:schemeClr val="dk1"/>
+          </a:lnRef>
+          <a:fillRef idx="1">
+            <a:schemeClr val="lt1"/>
+          </a:fillRef>
+          <a:effectRef idx="0">
+            <a:schemeClr val="dk1"/>
+          </a:effectRef>
+          <a:fontRef idx="minor">
+            <a:schemeClr val="dk1"/>
+          </a:fontRef>
+        </p:style>
+        <p:txBody>
+          <a:bodyPr rtlCol="0" anchor="ctr"/>
+          <a:lstStyle/>
+          <a:p>
+            <a:pPr algn="ctr"/>
+            <a:endParaRPr lang="en-US" sz="2000" dirty="0"/>
+          </a:p>
+        </p:txBody>
+      </p:sp>
+      <p:sp>
+        <p:nvSpPr>
+          <p:cNvPr id="10" name="Rectangle 9"/>
+          <p:cNvSpPr/>
+          <p:nvPr/>
+        </p:nvSpPr>
+        <p:spPr>
+          <a:xfrm>
+            <a:off x="21154605" y="14264943"/>
+            <a:ext cx="4642232" cy="769441"/>
+          </a:xfrm>
+          <a:prstGeom prst="rect">
+            <a:avLst/>
+          </a:prstGeom>
+        </p:spPr>
+        <p:txBody>
+          <a:bodyPr wrap="none">
+            <a:spAutoFit/>
+          </a:bodyPr>
+          <a:lstStyle/>
+          <a:p>
+            <a:pPr algn="ctr"/>
+            <a:r>
+              <a:rPr lang="en-US" sz="4400" dirty="0"/>
+              <a:t> Feature  Extraction</a:t>
+            </a:r>
           </a:p>
         </p:txBody>
       </p:sp>
       <p:pic>
         <p:nvPicPr>
-          <p:cNvPr id="1044" name="Picture 8"/>
+          <p:cNvPr id="1026" name="Picture 2"/>
           <p:cNvPicPr>
             <a:picLocks noChangeAspect="1" noChangeArrowheads="1"/>
           </p:cNvPicPr>
@@ -4648,8 +5318,8 @@
         </p:blipFill>
         <p:spPr bwMode="auto">
           <a:xfrm>
-            <a:off x="994626" y="35024732"/>
-            <a:ext cx="6362712" cy="790372"/>
+            <a:off x="2782523" y="24378789"/>
+            <a:ext cx="8979366" cy="3500320"/>
           </a:xfrm>
           <a:prstGeom prst="rect">
             <a:avLst/>
@@ -4689,71 +5359,11 @@
           </a:extLst>
         </p:spPr>
       </p:pic>
-      <p:sp>
-        <p:nvSpPr>
-          <p:cNvPr id="15" name="Rectangle 14"/>
-          <p:cNvSpPr/>
-          <p:nvPr/>
-        </p:nvSpPr>
-        <p:spPr>
-          <a:xfrm>
-            <a:off x="967225" y="39166822"/>
-            <a:ext cx="5724714" cy="2976321"/>
-          </a:xfrm>
-          <a:prstGeom prst="rect">
-            <a:avLst/>
-          </a:prstGeom>
-        </p:spPr>
-        <p:txBody>
-          <a:bodyPr wrap="square">
-            <a:normAutofit fontScale="92500" lnSpcReduction="10000"/>
-          </a:bodyPr>
-          <a:lstStyle/>
-          <a:p>
-            <a:r>
-              <a:rPr lang="en-US" sz="4400" dirty="0" smtClean="0"/>
-              <a:t>- sequentially </a:t>
-            </a:r>
-            <a:r>
-              <a:rPr lang="en-US" sz="4400" dirty="0"/>
-              <a:t>scan the data multiple times</a:t>
-            </a:r>
-          </a:p>
-          <a:p>
-            <a:r>
-              <a:rPr lang="en-US" sz="4400" dirty="0" smtClean="0"/>
-              <a:t>- dual </a:t>
-            </a:r>
-            <a:r>
-              <a:rPr lang="en-US" sz="4400" dirty="0"/>
-              <a:t>coordinate descent </a:t>
-            </a:r>
-            <a:endParaRPr lang="en-US" sz="4400" dirty="0" smtClean="0"/>
-          </a:p>
-          <a:p>
-            <a:r>
-              <a:rPr lang="en-US" sz="4400" dirty="0" smtClean="0"/>
-              <a:t>- trusted </a:t>
-            </a:r>
-            <a:r>
-              <a:rPr lang="en-US" sz="4400" dirty="0"/>
-              <a:t>region Newton’s </a:t>
-            </a:r>
-            <a:r>
-              <a:rPr lang="en-US" sz="4400" dirty="0" smtClean="0"/>
-              <a:t>method</a:t>
-            </a:r>
-          </a:p>
-          <a:p>
-            <a:endParaRPr lang="en-US" sz="4400" dirty="0"/>
-          </a:p>
-        </p:txBody>
-      </p:sp>
       <p:pic>
         <p:nvPicPr>
-          <p:cNvPr id="7" name="Picture 6"/>
+          <p:cNvPr id="3" name="Picture 2"/>
           <p:cNvPicPr>
-            <a:picLocks noChangeAspect="1"/>
+            <a:picLocks noChangeAspect="1" noChangeArrowheads="1"/>
           </p:cNvPicPr>
           <p:nvPr/>
         </p:nvPicPr>
@@ -4765,825 +5375,410 @@
               </a:ext>
             </a:extLst>
           </a:blip>
+          <a:srcRect/>
           <a:stretch>
             <a:fillRect/>
           </a:stretch>
         </p:blipFill>
-        <p:spPr>
+        <p:spPr bwMode="auto">
           <a:xfrm>
-            <a:off x="7790760" y="34731549"/>
-            <a:ext cx="6690609" cy="7976928"/>
+            <a:off x="5072886" y="23426934"/>
+            <a:ext cx="4568904" cy="951855"/>
           </a:xfrm>
           <a:prstGeom prst="rect">
             <a:avLst/>
           </a:prstGeom>
-          <a:ln w="57150">
-            <a:solidFill>
-              <a:schemeClr val="tx1"/>
-            </a:solidFill>
+          <a:noFill/>
+          <a:ln>
+            <a:noFill/>
           </a:ln>
+          <a:effectLst/>
+          <a:extLst>
+            <a:ext uri="{909E8E84-426E-40DD-AFC4-6F175D3DCCD1}">
+              <a14:hiddenFill xmlns:a14="http://schemas.microsoft.com/office/drawing/2010/main">
+                <a:solidFill>
+                  <a:schemeClr val="accent1"/>
+                </a:solidFill>
+              </a14:hiddenFill>
+            </a:ext>
+            <a:ext uri="{91240B29-F687-4F45-9708-019B960494DF}">
+              <a14:hiddenLine xmlns:a14="http://schemas.microsoft.com/office/drawing/2010/main" w="9525">
+                <a:solidFill>
+                  <a:schemeClr val="tx1"/>
+                </a:solidFill>
+                <a:miter lim="800000"/>
+                <a:headEnd/>
+                <a:tailEnd/>
+              </a14:hiddenLine>
+            </a:ext>
+            <a:ext uri="{AF507438-7753-43E0-B8FC-AC1667EBCBE1}">
+              <a14:hiddenEffects xmlns:a14="http://schemas.microsoft.com/office/drawing/2010/main">
+                <a:effectLst>
+                  <a:outerShdw dist="35921" dir="2700000" algn="ctr" rotWithShape="0">
+                    <a:schemeClr val="bg2"/>
+                  </a:outerShdw>
+                </a:effectLst>
+              </a14:hiddenEffects>
+            </a:ext>
+          </a:extLst>
         </p:spPr>
       </p:pic>
-      <p:cxnSp>
-        <p:nvCxnSpPr>
-          <p:cNvPr id="81" name="Straight Arrow Connector 80"/>
-          <p:cNvCxnSpPr/>
+      <p:sp>
+        <p:nvSpPr>
+          <p:cNvPr id="9" name="TextBox 8"/>
+          <p:cNvSpPr txBox="1"/>
           <p:nvPr/>
-        </p:nvCxnSpPr>
+        </p:nvSpPr>
         <p:spPr>
-          <a:xfrm flipV="1">
-            <a:off x="6490494" y="39715903"/>
-            <a:ext cx="1733688" cy="794606"/>
+          <a:xfrm>
+            <a:off x="711535" y="27941271"/>
+            <a:ext cx="13291608" cy="3973035"/>
           </a:xfrm>
-          <a:prstGeom prst="straightConnector1">
+          <a:prstGeom prst="rect">
             <a:avLst/>
           </a:prstGeom>
-          <a:ln w="76200">
-            <a:solidFill>
-              <a:schemeClr val="tx1"/>
-            </a:solidFill>
-            <a:tailEnd type="arrow"/>
-          </a:ln>
-          <a:effectLst/>
+          <a:noFill/>
         </p:spPr>
-        <p:style>
-          <a:lnRef idx="2">
-            <a:schemeClr val="accent5"/>
-          </a:lnRef>
-          <a:fillRef idx="0">
-            <a:schemeClr val="accent5"/>
-          </a:fillRef>
-          <a:effectRef idx="1">
-            <a:schemeClr val="accent5"/>
-          </a:effectRef>
-          <a:fontRef idx="minor">
-            <a:schemeClr val="tx1"/>
-          </a:fontRef>
-        </p:style>
-      </p:cxnSp>
+        <p:txBody>
+          <a:bodyPr wrap="square" rtlCol="0">
+            <a:normAutofit fontScale="25000" lnSpcReduction="20000"/>
+          </a:bodyPr>
+          <a:lstStyle/>
+          <a:p>
+            <a:r>
+              <a:rPr lang="en-US" sz="11100" dirty="0" smtClean="0"/>
+              <a:t>Machine learning algorithm: random forest</a:t>
+            </a:r>
+          </a:p>
+          <a:p>
+            <a:r>
+              <a:rPr lang="en-US" sz="11100" dirty="0" smtClean="0"/>
+              <a:t>    - Ensemble of decision trees</a:t>
+            </a:r>
+          </a:p>
+          <a:p>
+            <a:endParaRPr lang="en-US" sz="11100" dirty="0" smtClean="0"/>
+          </a:p>
+          <a:p>
+            <a:r>
+              <a:rPr lang="en-US" sz="11100" dirty="0" smtClean="0"/>
+              <a:t>Prediction complexity:</a:t>
+            </a:r>
+          </a:p>
+          <a:p>
+            <a:r>
+              <a:rPr lang="en-US" sz="11100" dirty="0"/>
+              <a:t> </a:t>
+            </a:r>
+            <a:r>
+              <a:rPr lang="en-US" sz="11100" dirty="0" smtClean="0"/>
+              <a:t>   - O(</a:t>
+            </a:r>
+            <a:r>
+              <a:rPr lang="en-US" sz="11100" dirty="0" err="1" smtClean="0"/>
+              <a:t>d</a:t>
+            </a:r>
+            <a:r>
+              <a:rPr lang="en-US" sz="11100" baseline="-25000" dirty="0" err="1" smtClean="0"/>
+              <a:t>level</a:t>
+            </a:r>
+            <a:r>
+              <a:rPr lang="en-US" sz="11100" dirty="0" smtClean="0"/>
+              <a:t> </a:t>
+            </a:r>
+            <a:r>
+              <a:rPr lang="en-US" sz="11100" dirty="0" err="1" smtClean="0"/>
+              <a:t>n</a:t>
+            </a:r>
+            <a:r>
+              <a:rPr lang="en-US" sz="11100" baseline="-25000" dirty="0" err="1" smtClean="0"/>
+              <a:t>tree</a:t>
+            </a:r>
+            <a:r>
+              <a:rPr lang="en-US" sz="11100" dirty="0" smtClean="0"/>
+              <a:t>) vs. linear SVM O(</a:t>
+            </a:r>
+            <a:r>
+              <a:rPr lang="en-US" sz="11100" dirty="0" err="1" smtClean="0"/>
+              <a:t>n</a:t>
+            </a:r>
+            <a:r>
+              <a:rPr lang="en-US" sz="11100" baseline="-25000" dirty="0" err="1" smtClean="0"/>
+              <a:t>class</a:t>
+            </a:r>
+            <a:r>
+              <a:rPr lang="en-US" sz="11100" dirty="0" smtClean="0"/>
+              <a:t> </a:t>
+            </a:r>
+            <a:r>
+              <a:rPr lang="en-US" sz="11100" dirty="0" err="1" smtClean="0"/>
+              <a:t>n</a:t>
+            </a:r>
+            <a:r>
+              <a:rPr lang="en-US" sz="11100" baseline="-25000" dirty="0" err="1" smtClean="0"/>
+              <a:t>features</a:t>
+            </a:r>
+            <a:r>
+              <a:rPr lang="en-US" sz="11100" dirty="0" smtClean="0"/>
+              <a:t>)</a:t>
+            </a:r>
+          </a:p>
+          <a:p>
+            <a:endParaRPr lang="en-US" sz="11100" dirty="0" smtClean="0"/>
+          </a:p>
+          <a:p>
+            <a:r>
+              <a:rPr lang="en-US" sz="11100" dirty="0" smtClean="0"/>
+              <a:t>Use GPU for real-time prediction:</a:t>
+            </a:r>
+          </a:p>
+          <a:p>
+            <a:r>
+              <a:rPr lang="en-US" sz="11100" dirty="0"/>
+              <a:t> </a:t>
+            </a:r>
+            <a:r>
+              <a:rPr lang="en-US" sz="11100" dirty="0" smtClean="0"/>
+              <a:t>   - Massive parallelism: 307,200 threads a frame</a:t>
+            </a:r>
+          </a:p>
+          <a:p>
+            <a:r>
+              <a:rPr lang="en-US" sz="11100" dirty="0"/>
+              <a:t> </a:t>
+            </a:r>
+            <a:r>
+              <a:rPr lang="en-US" sz="11100" dirty="0" smtClean="0"/>
+              <a:t>   - </a:t>
+            </a:r>
+            <a:r>
+              <a:rPr lang="en-US" sz="11100" dirty="0" err="1" smtClean="0"/>
+              <a:t>OpenCL</a:t>
+            </a:r>
+            <a:r>
+              <a:rPr lang="en-US" sz="11100" dirty="0" smtClean="0"/>
+              <a:t>: a general purpose computing for GPU     </a:t>
+            </a:r>
+          </a:p>
+          <a:p>
+            <a:endParaRPr lang="en-US" dirty="0" smtClean="0"/>
+          </a:p>
+          <a:p>
+            <a:endParaRPr lang="en-US" dirty="0" smtClean="0"/>
+          </a:p>
+          <a:p>
+            <a:endParaRPr lang="en-US" dirty="0"/>
+          </a:p>
+        </p:txBody>
+      </p:sp>
       <p:grpSp>
         <p:nvGrpSpPr>
-          <p:cNvPr id="8" name="Group 7"/>
+          <p:cNvPr id="52" name="Group 51"/>
           <p:cNvGrpSpPr/>
           <p:nvPr/>
         </p:nvGrpSpPr>
         <p:grpSpPr>
           <a:xfrm>
-            <a:off x="9668922" y="41810775"/>
-            <a:ext cx="4599922" cy="461665"/>
-            <a:chOff x="10456018" y="48699504"/>
-            <a:chExt cx="5708162" cy="461665"/>
+            <a:off x="15086697" y="31119699"/>
+            <a:ext cx="17181575" cy="12280290"/>
+            <a:chOff x="15052983" y="21856700"/>
+            <a:chExt cx="17181575" cy="20883382"/>
           </a:xfrm>
         </p:grpSpPr>
         <p:sp>
           <p:nvSpPr>
-            <p:cNvPr id="2" name="Rectangle 1"/>
-            <p:cNvSpPr/>
+            <p:cNvPr id="53" name="TextBox 52"/>
+            <p:cNvSpPr txBox="1"/>
             <p:nvPr/>
           </p:nvSpPr>
           <p:spPr>
             <a:xfrm>
-              <a:off x="10456018" y="48699504"/>
-              <a:ext cx="5708162" cy="461665"/>
+              <a:off x="15086698" y="24994024"/>
+              <a:ext cx="17126712" cy="17746058"/>
             </a:xfrm>
             <a:prstGeom prst="rect">
               <a:avLst/>
             </a:prstGeom>
-            <a:ln w="57150"/>
+            <a:solidFill>
+              <a:schemeClr val="lt1">
+                <a:alpha val="0"/>
+              </a:schemeClr>
+            </a:solidFill>
+            <a:ln w="76200"/>
           </p:spPr>
           <p:style>
             <a:lnRef idx="2">
-              <a:schemeClr val="accent2"/>
+              <a:schemeClr val="dk1"/>
             </a:lnRef>
             <a:fillRef idx="1">
               <a:schemeClr val="lt1"/>
             </a:fillRef>
             <a:effectRef idx="0">
-              <a:schemeClr val="accent2"/>
+              <a:schemeClr val="dk1"/>
             </a:effectRef>
             <a:fontRef idx="minor">
               <a:schemeClr val="dk1"/>
             </a:fontRef>
           </p:style>
           <p:txBody>
-            <a:bodyPr wrap="square">
-              <a:spAutoFit/>
+            <a:bodyPr wrap="square" lIns="548640" tIns="0" bIns="548640" rtlCol="0">
+              <a:noAutofit/>
             </a:bodyPr>
             <a:lstStyle/>
             <a:p>
               <a:r>
-                <a:rPr lang="en-US" sz="2000" dirty="0"/>
-                <a:t>Linear run time complexity</a:t>
+                <a:rPr lang="en-US" sz="4000" dirty="0" smtClean="0"/>
+                <a:t>  </a:t>
+              </a:r>
+            </a:p>
+            <a:p>
+              <a:r>
+                <a:rPr lang="en-US" sz="4000" dirty="0" smtClean="0"/>
+                <a:t>Use </a:t>
               </a:r>
               <a:r>
-                <a:rPr lang="en-US" sz="2400" dirty="0"/>
-                <a:t>: </a:t>
+                <a:rPr lang="en-US" sz="4000" dirty="0" smtClean="0"/>
+                <a:t>EC2 to train many data sets</a:t>
               </a:r>
-              <a:endParaRPr lang="en-US" sz="2000" dirty="0"/>
+            </a:p>
+            <a:p>
+              <a:r>
+                <a:rPr lang="en-US" sz="4000" dirty="0"/>
+                <a:t> </a:t>
+              </a:r>
+              <a:r>
+                <a:rPr lang="en-US" sz="4000" dirty="0" smtClean="0"/>
+                <a:t>   - Largest data set &gt; 25 GB, more than 24 hours to train</a:t>
+              </a:r>
+            </a:p>
+            <a:p>
+              <a:endParaRPr lang="en-US" sz="4000" dirty="0" smtClean="0"/>
+            </a:p>
+            <a:p>
+              <a:r>
+                <a:rPr lang="en-US" sz="4000" dirty="0" smtClean="0"/>
+                <a:t> </a:t>
+              </a:r>
+              <a:endParaRPr lang="en-US" sz="4000" dirty="0" smtClean="0"/>
+            </a:p>
+            <a:p>
+              <a:endParaRPr lang="en-US" sz="5400" dirty="0" smtClean="0"/>
             </a:p>
           </p:txBody>
         </p:sp>
-        <p:pic>
-          <p:nvPicPr>
-            <p:cNvPr id="75" name="Picture 10"/>
-            <p:cNvPicPr>
-              <a:picLocks noChangeAspect="1" noChangeArrowheads="1"/>
-            </p:cNvPicPr>
+        <p:sp>
+          <p:nvSpPr>
+            <p:cNvPr id="54" name="TextBox 53"/>
+            <p:cNvSpPr txBox="1"/>
             <p:nvPr/>
-          </p:nvPicPr>
-          <p:blipFill>
-            <a:blip r:embed="rId6">
-              <a:extLst>
-                <a:ext uri="{28A0092B-C50C-407E-A947-70E740481C1C}">
-                  <a14:useLocalDpi xmlns:a14="http://schemas.microsoft.com/office/drawing/2010/main" val="0"/>
-                </a:ext>
-              </a:extLst>
-            </a:blip>
-            <a:srcRect/>
-            <a:stretch>
-              <a:fillRect/>
-            </a:stretch>
-          </p:blipFill>
-          <p:spPr bwMode="auto">
+          </p:nvSpPr>
+          <p:spPr>
             <a:xfrm>
-              <a:off x="14222543" y="48783040"/>
-              <a:ext cx="1882456" cy="322836"/>
+              <a:off x="15052983" y="21856700"/>
+              <a:ext cx="17181575" cy="3137324"/>
             </a:xfrm>
             <a:prstGeom prst="rect">
               <a:avLst/>
             </a:prstGeom>
-            <a:noFill/>
-            <a:ln>
-              <a:noFill/>
-            </a:ln>
-            <a:effectLst/>
+            <a:ln w="76200"/>
+          </p:spPr>
+          <p:style>
+            <a:lnRef idx="0">
+              <a:schemeClr val="dk1"/>
+            </a:lnRef>
+            <a:fillRef idx="3">
+              <a:schemeClr val="dk1"/>
+            </a:fillRef>
+            <a:effectRef idx="3">
+              <a:schemeClr val="dk1"/>
+            </a:effectRef>
+            <a:fontRef idx="minor">
+              <a:schemeClr val="lt1"/>
+            </a:fontRef>
+          </p:style>
+          <p:txBody>
+            <a:bodyPr wrap="square" tIns="91440" rtlCol="0">
+              <a:noAutofit/>
+            </a:bodyPr>
+            <a:lstStyle/>
+            <a:p>
+              <a:pPr algn="ctr"/>
+              <a:r>
+                <a:rPr lang="en-US" sz="8000" b="1" dirty="0" smtClean="0"/>
+                <a:t>Experiments</a:t>
+              </a:r>
+              <a:endParaRPr lang="en-US" sz="6600" b="1" dirty="0"/>
+            </a:p>
+          </p:txBody>
+        </p:sp>
+      </p:grpSp>
+      <p:pic>
+        <p:nvPicPr>
+          <p:cNvPr id="1027" name="Picture 3"/>
+          <p:cNvPicPr>
+            <a:picLocks noChangeAspect="1" noChangeArrowheads="1"/>
+          </p:cNvPicPr>
+          <p:nvPr/>
+        </p:nvPicPr>
+        <p:blipFill>
+          <a:blip r:embed="rId6">
             <a:extLst>
-              <a:ext uri="{909E8E84-426E-40DD-AFC4-6F175D3DCCD1}">
-                <a14:hiddenFill xmlns:a14="http://schemas.microsoft.com/office/drawing/2010/main">
-                  <a:solidFill>
-                    <a:schemeClr val="accent1"/>
-                  </a:solidFill>
-                </a14:hiddenFill>
-              </a:ext>
-              <a:ext uri="{91240B29-F687-4F45-9708-019B960494DF}">
-                <a14:hiddenLine xmlns:a14="http://schemas.microsoft.com/office/drawing/2010/main" w="9525">
-                  <a:solidFill>
-                    <a:schemeClr val="tx1"/>
-                  </a:solidFill>
-                  <a:miter lim="800000"/>
-                  <a:headEnd/>
-                  <a:tailEnd/>
-                </a14:hiddenLine>
-              </a:ext>
-              <a:ext uri="{AF507438-7753-43E0-B8FC-AC1667EBCBE1}">
-                <a14:hiddenEffects xmlns:a14="http://schemas.microsoft.com/office/drawing/2010/main">
-                  <a:effectLst>
-                    <a:outerShdw dist="35921" dir="2700000" algn="ctr" rotWithShape="0">
-                      <a:schemeClr val="bg2"/>
-                    </a:outerShdw>
-                  </a:effectLst>
-                </a14:hiddenEffects>
+              <a:ext uri="{28A0092B-C50C-407E-A947-70E740481C1C}">
+                <a14:useLocalDpi xmlns:a14="http://schemas.microsoft.com/office/drawing/2010/main" val="0"/>
               </a:ext>
             </a:extLst>
-          </p:spPr>
-        </p:pic>
-      </p:grpSp>
-      <p:sp>
-        <p:nvSpPr>
-          <p:cNvPr id="74" name="Rectangle 73"/>
-          <p:cNvSpPr/>
-          <p:nvPr/>
-        </p:nvSpPr>
-        <p:spPr>
+          </a:blip>
+          <a:srcRect/>
+          <a:stretch>
+            <a:fillRect/>
+          </a:stretch>
+        </p:blipFill>
+        <p:spPr bwMode="auto">
           <a:xfrm>
-            <a:off x="18994049" y="13999530"/>
-            <a:ext cx="8517412" cy="1173417"/>
+            <a:off x="15606559" y="26211825"/>
+            <a:ext cx="12843983" cy="3246423"/>
           </a:xfrm>
           <a:prstGeom prst="rect">
             <a:avLst/>
           </a:prstGeom>
+          <a:noFill/>
+          <a:ln>
+            <a:noFill/>
+          </a:ln>
+          <a:effectLst/>
+          <a:extLst>
+            <a:ext uri="{909E8E84-426E-40DD-AFC4-6F175D3DCCD1}">
+              <a14:hiddenFill xmlns:a14="http://schemas.microsoft.com/office/drawing/2010/main">
+                <a:solidFill>
+                  <a:schemeClr val="accent1"/>
+                </a:solidFill>
+              </a14:hiddenFill>
+            </a:ext>
+            <a:ext uri="{91240B29-F687-4F45-9708-019B960494DF}">
+              <a14:hiddenLine xmlns:a14="http://schemas.microsoft.com/office/drawing/2010/main" w="9525">
+                <a:solidFill>
+                  <a:schemeClr val="tx1"/>
+                </a:solidFill>
+                <a:miter lim="800000"/>
+                <a:headEnd/>
+                <a:tailEnd/>
+              </a14:hiddenLine>
+            </a:ext>
+            <a:ext uri="{AF507438-7753-43E0-B8FC-AC1667EBCBE1}">
+              <a14:hiddenEffects xmlns:a14="http://schemas.microsoft.com/office/drawing/2010/main">
+                <a:effectLst>
+                  <a:outerShdw dist="35921" dir="2700000" algn="ctr" rotWithShape="0">
+                    <a:schemeClr val="bg2"/>
+                  </a:outerShdw>
+                </a:effectLst>
+              </a14:hiddenEffects>
+            </a:ext>
+          </a:extLst>
         </p:spPr>
-        <p:style>
-          <a:lnRef idx="2">
-            <a:schemeClr val="dk1"/>
-          </a:lnRef>
-          <a:fillRef idx="1">
-            <a:schemeClr val="lt1"/>
-          </a:fillRef>
-          <a:effectRef idx="0">
-            <a:schemeClr val="dk1"/>
-          </a:effectRef>
-          <a:fontRef idx="minor">
-            <a:schemeClr val="dk1"/>
-          </a:fontRef>
-        </p:style>
-        <p:txBody>
-          <a:bodyPr rtlCol="0" anchor="ctr"/>
-          <a:lstStyle/>
-          <a:p>
-            <a:pPr algn="ctr"/>
-            <a:endParaRPr lang="en-US" sz="4800" dirty="0"/>
-          </a:p>
-        </p:txBody>
-      </p:sp>
-      <p:sp>
-        <p:nvSpPr>
-          <p:cNvPr id="76" name="Rectangle 75"/>
-          <p:cNvSpPr/>
-          <p:nvPr/>
-        </p:nvSpPr>
-        <p:spPr>
-          <a:xfrm>
-            <a:off x="23466189" y="12193606"/>
-            <a:ext cx="3921169" cy="1589214"/>
-          </a:xfrm>
-          <a:prstGeom prst="rect">
-            <a:avLst/>
-          </a:prstGeom>
-        </p:spPr>
-        <p:style>
-          <a:lnRef idx="2">
-            <a:schemeClr val="dk1"/>
-          </a:lnRef>
-          <a:fillRef idx="1">
-            <a:schemeClr val="lt1"/>
-          </a:fillRef>
-          <a:effectRef idx="0">
-            <a:schemeClr val="dk1"/>
-          </a:effectRef>
-          <a:fontRef idx="minor">
-            <a:schemeClr val="dk1"/>
-          </a:fontRef>
-        </p:style>
-        <p:txBody>
-          <a:bodyPr rtlCol="0" anchor="ctr"/>
-          <a:lstStyle/>
-          <a:p>
-            <a:pPr algn="ctr"/>
-            <a:r>
-              <a:rPr lang="en-US" sz="4400" dirty="0" smtClean="0"/>
-              <a:t>   Per-pixel Classification</a:t>
-            </a:r>
-            <a:endParaRPr lang="en-US" sz="4400" dirty="0"/>
-          </a:p>
-        </p:txBody>
-      </p:sp>
-      <p:sp>
-        <p:nvSpPr>
-          <p:cNvPr id="77" name="Rectangle 76"/>
-          <p:cNvSpPr/>
-          <p:nvPr/>
-        </p:nvSpPr>
-        <p:spPr>
-          <a:xfrm>
-            <a:off x="23493980" y="10690394"/>
-            <a:ext cx="3893378" cy="1358737"/>
-          </a:xfrm>
-          <a:prstGeom prst="rect">
-            <a:avLst/>
-          </a:prstGeom>
-        </p:spPr>
-        <p:style>
-          <a:lnRef idx="2">
-            <a:schemeClr val="dk1"/>
-          </a:lnRef>
-          <a:fillRef idx="1">
-            <a:schemeClr val="lt1"/>
-          </a:fillRef>
-          <a:effectRef idx="0">
-            <a:schemeClr val="dk1"/>
-          </a:effectRef>
-          <a:fontRef idx="minor">
-            <a:schemeClr val="dk1"/>
-          </a:fontRef>
-        </p:style>
-        <p:txBody>
-          <a:bodyPr rtlCol="0" anchor="ctr"/>
-          <a:lstStyle/>
-          <a:p>
-            <a:pPr algn="ctr"/>
-            <a:r>
-              <a:rPr lang="en-US" sz="4400" dirty="0" smtClean="0"/>
-              <a:t>Pooling</a:t>
-            </a:r>
-            <a:endParaRPr lang="en-US" sz="4400" dirty="0"/>
-          </a:p>
-        </p:txBody>
-      </p:sp>
-      <p:sp>
-        <p:nvSpPr>
-          <p:cNvPr id="78" name="Rectangle 77"/>
-          <p:cNvSpPr/>
-          <p:nvPr/>
-        </p:nvSpPr>
-        <p:spPr>
-          <a:xfrm>
-            <a:off x="19023734" y="10690394"/>
-            <a:ext cx="4034862" cy="3092425"/>
-          </a:xfrm>
-          <a:prstGeom prst="rect">
-            <a:avLst/>
-          </a:prstGeom>
-        </p:spPr>
-        <p:style>
-          <a:lnRef idx="2">
-            <a:schemeClr val="dk1"/>
-          </a:lnRef>
-          <a:fillRef idx="1">
-            <a:schemeClr val="lt1"/>
-          </a:fillRef>
-          <a:effectRef idx="0">
-            <a:schemeClr val="dk1"/>
-          </a:effectRef>
-          <a:fontRef idx="minor">
-            <a:schemeClr val="dk1"/>
-          </a:fontRef>
-        </p:style>
-        <p:txBody>
-          <a:bodyPr rtlCol="0" anchor="ctr"/>
-          <a:lstStyle/>
-          <a:p>
-            <a:pPr algn="ctr"/>
-            <a:r>
-              <a:rPr lang="en-US" sz="4400" dirty="0" smtClean="0"/>
-              <a:t>Training</a:t>
-            </a:r>
-            <a:endParaRPr lang="en-US" sz="4400" dirty="0"/>
-          </a:p>
-        </p:txBody>
-      </p:sp>
-      <p:sp>
-        <p:nvSpPr>
-          <p:cNvPr id="79" name="Rectangle 78"/>
-          <p:cNvSpPr/>
-          <p:nvPr/>
-        </p:nvSpPr>
-        <p:spPr>
-          <a:xfrm>
-            <a:off x="28017120" y="13490432"/>
-            <a:ext cx="1944160" cy="584775"/>
-          </a:xfrm>
-          <a:prstGeom prst="rect">
-            <a:avLst/>
-          </a:prstGeom>
-        </p:spPr>
-        <p:txBody>
-          <a:bodyPr wrap="square">
-            <a:spAutoFit/>
-          </a:bodyPr>
-          <a:lstStyle/>
-          <a:p>
-            <a:pPr algn="ctr"/>
-            <a:r>
-              <a:rPr lang="en-US" sz="3200" dirty="0" smtClean="0">
-                <a:solidFill>
-                  <a:schemeClr val="accent2"/>
-                </a:solidFill>
-              </a:rPr>
-              <a:t>GPU</a:t>
-            </a:r>
-            <a:endParaRPr lang="en-US" sz="3200" dirty="0">
-              <a:solidFill>
-                <a:schemeClr val="accent2"/>
-              </a:solidFill>
-            </a:endParaRPr>
-          </a:p>
-        </p:txBody>
-      </p:sp>
-      <p:sp>
-        <p:nvSpPr>
-          <p:cNvPr id="80" name="Rectangle 79"/>
-          <p:cNvSpPr/>
-          <p:nvPr/>
-        </p:nvSpPr>
-        <p:spPr>
-          <a:xfrm>
-            <a:off x="23393952" y="15348498"/>
-            <a:ext cx="4117509" cy="1127821"/>
-          </a:xfrm>
-          <a:prstGeom prst="rect">
-            <a:avLst/>
-          </a:prstGeom>
-        </p:spPr>
-        <p:style>
-          <a:lnRef idx="2">
-            <a:schemeClr val="dk1"/>
-          </a:lnRef>
-          <a:fillRef idx="1">
-            <a:schemeClr val="lt1"/>
-          </a:fillRef>
-          <a:effectRef idx="0">
-            <a:schemeClr val="dk1"/>
-          </a:effectRef>
-          <a:fontRef idx="minor">
-            <a:schemeClr val="dk1"/>
-          </a:fontRef>
-        </p:style>
-        <p:txBody>
-          <a:bodyPr rtlCol="0" anchor="ctr"/>
-          <a:lstStyle/>
-          <a:p>
-            <a:pPr algn="ctr"/>
-            <a:r>
-              <a:rPr lang="en-US" sz="4400" dirty="0" smtClean="0"/>
-              <a:t>Raw Image</a:t>
-            </a:r>
-            <a:endParaRPr lang="en-US" sz="4400" dirty="0"/>
-          </a:p>
-        </p:txBody>
-      </p:sp>
-      <p:sp>
-        <p:nvSpPr>
-          <p:cNvPr id="83" name="Rectangle 82"/>
-          <p:cNvSpPr/>
-          <p:nvPr/>
-        </p:nvSpPr>
-        <p:spPr>
-          <a:xfrm>
-            <a:off x="18987496" y="15348499"/>
-            <a:ext cx="4071100" cy="1127821"/>
-          </a:xfrm>
-          <a:prstGeom prst="rect">
-            <a:avLst/>
-          </a:prstGeom>
-        </p:spPr>
-        <p:style>
-          <a:lnRef idx="2">
-            <a:schemeClr val="dk1"/>
-          </a:lnRef>
-          <a:fillRef idx="1">
-            <a:schemeClr val="lt1"/>
-          </a:fillRef>
-          <a:effectRef idx="0">
-            <a:schemeClr val="dk1"/>
-          </a:effectRef>
-          <a:fontRef idx="minor">
-            <a:schemeClr val="dk1"/>
-          </a:fontRef>
-        </p:style>
-        <p:txBody>
-          <a:bodyPr rtlCol="0" anchor="ctr"/>
-          <a:lstStyle/>
-          <a:p>
-            <a:pPr algn="ctr"/>
-            <a:r>
-              <a:rPr lang="en-US" sz="4400" dirty="0" smtClean="0"/>
-              <a:t>Labeled Image</a:t>
-            </a:r>
-            <a:endParaRPr lang="en-US" sz="4400" dirty="0"/>
-          </a:p>
-        </p:txBody>
-      </p:sp>
-      <p:sp>
-        <p:nvSpPr>
-          <p:cNvPr id="84" name="Rectangle 83"/>
-          <p:cNvSpPr/>
-          <p:nvPr/>
-        </p:nvSpPr>
-        <p:spPr>
-          <a:xfrm>
-            <a:off x="23475721" y="9509391"/>
-            <a:ext cx="3911637" cy="769441"/>
-          </a:xfrm>
-          <a:prstGeom prst="rect">
-            <a:avLst/>
-          </a:prstGeom>
-        </p:spPr>
-        <p:style>
-          <a:lnRef idx="1">
-            <a:schemeClr val="dk1"/>
-          </a:lnRef>
-          <a:fillRef idx="3">
-            <a:schemeClr val="dk1"/>
-          </a:fillRef>
-          <a:effectRef idx="2">
-            <a:schemeClr val="dk1"/>
-          </a:effectRef>
-          <a:fontRef idx="minor">
-            <a:schemeClr val="lt1"/>
-          </a:fontRef>
-        </p:style>
-        <p:txBody>
-          <a:bodyPr wrap="square">
-            <a:spAutoFit/>
-          </a:bodyPr>
-          <a:lstStyle/>
-          <a:p>
-            <a:pPr algn="ctr"/>
-            <a:r>
-              <a:rPr lang="en-US" sz="4400" dirty="0" smtClean="0">
-                <a:solidFill>
-                  <a:schemeClr val="bg1"/>
-                </a:solidFill>
-              </a:rPr>
-              <a:t>End Users</a:t>
-            </a:r>
-            <a:endParaRPr lang="en-US" sz="4400" dirty="0">
-              <a:solidFill>
-                <a:schemeClr val="bg1"/>
-              </a:solidFill>
-            </a:endParaRPr>
-          </a:p>
-        </p:txBody>
-      </p:sp>
-      <p:sp>
-        <p:nvSpPr>
-          <p:cNvPr id="85" name="Rectangle 84"/>
-          <p:cNvSpPr/>
-          <p:nvPr/>
-        </p:nvSpPr>
-        <p:spPr>
-          <a:xfrm>
-            <a:off x="19032838" y="9512832"/>
-            <a:ext cx="4025757" cy="646331"/>
-          </a:xfrm>
-          <a:prstGeom prst="rect">
-            <a:avLst/>
-          </a:prstGeom>
-        </p:spPr>
-        <p:style>
-          <a:lnRef idx="1">
-            <a:schemeClr val="dk1"/>
-          </a:lnRef>
-          <a:fillRef idx="3">
-            <a:schemeClr val="dk1"/>
-          </a:fillRef>
-          <a:effectRef idx="2">
-            <a:schemeClr val="dk1"/>
-          </a:effectRef>
-          <a:fontRef idx="minor">
-            <a:schemeClr val="lt1"/>
-          </a:fontRef>
-        </p:style>
-        <p:txBody>
-          <a:bodyPr wrap="square">
-            <a:spAutoFit/>
-          </a:bodyPr>
-          <a:lstStyle/>
-          <a:p>
-            <a:pPr algn="ctr"/>
-            <a:r>
-              <a:rPr lang="en-US" sz="3600" dirty="0" smtClean="0">
-                <a:solidFill>
-                  <a:schemeClr val="bg1"/>
-                </a:solidFill>
-              </a:rPr>
-              <a:t>Developers</a:t>
-            </a:r>
-            <a:endParaRPr lang="en-US" sz="3600" dirty="0">
-              <a:solidFill>
-                <a:schemeClr val="bg1"/>
-              </a:solidFill>
-            </a:endParaRPr>
-          </a:p>
-        </p:txBody>
-      </p:sp>
-      <p:sp>
-        <p:nvSpPr>
-          <p:cNvPr id="86" name="Rectangle 85"/>
-          <p:cNvSpPr/>
-          <p:nvPr/>
-        </p:nvSpPr>
-        <p:spPr>
-          <a:xfrm>
-            <a:off x="18987496" y="16721001"/>
-            <a:ext cx="8523966" cy="1228029"/>
-          </a:xfrm>
-          <a:prstGeom prst="rect">
-            <a:avLst/>
-          </a:prstGeom>
-        </p:spPr>
-        <p:style>
-          <a:lnRef idx="2">
-            <a:schemeClr val="dk1"/>
-          </a:lnRef>
-          <a:fillRef idx="1">
-            <a:schemeClr val="lt1"/>
-          </a:fillRef>
-          <a:effectRef idx="0">
-            <a:schemeClr val="dk1"/>
-          </a:effectRef>
-          <a:fontRef idx="minor">
-            <a:schemeClr val="dk1"/>
-          </a:fontRef>
-        </p:style>
-        <p:txBody>
-          <a:bodyPr rtlCol="0" anchor="ctr"/>
-          <a:lstStyle/>
-          <a:p>
-            <a:pPr algn="ctr"/>
-            <a:r>
-              <a:rPr lang="en-US" sz="4400" dirty="0" smtClean="0"/>
-              <a:t>Kinect   Sensor</a:t>
-            </a:r>
-            <a:endParaRPr lang="en-US" sz="4400" dirty="0"/>
-          </a:p>
-        </p:txBody>
-      </p:sp>
-      <p:sp>
-        <p:nvSpPr>
-          <p:cNvPr id="87" name="Rectangle 86"/>
-          <p:cNvSpPr/>
-          <p:nvPr/>
-        </p:nvSpPr>
-        <p:spPr>
-          <a:xfrm>
-            <a:off x="23393952" y="18117039"/>
-            <a:ext cx="4117510" cy="1661452"/>
-          </a:xfrm>
-          <a:prstGeom prst="rect">
-            <a:avLst/>
-          </a:prstGeom>
-        </p:spPr>
-        <p:style>
-          <a:lnRef idx="2">
-            <a:schemeClr val="dk1"/>
-          </a:lnRef>
-          <a:fillRef idx="1">
-            <a:schemeClr val="lt1"/>
-          </a:fillRef>
-          <a:effectRef idx="0">
-            <a:schemeClr val="dk1"/>
-          </a:effectRef>
-          <a:fontRef idx="minor">
-            <a:schemeClr val="dk1"/>
-          </a:fontRef>
-        </p:style>
-        <p:txBody>
-          <a:bodyPr rtlCol="0" anchor="ctr"/>
-          <a:lstStyle/>
-          <a:p>
-            <a:pPr algn="ctr"/>
-            <a:r>
-              <a:rPr lang="en-US" sz="4000" dirty="0" smtClean="0"/>
-              <a:t>Just Hands</a:t>
-            </a:r>
-            <a:endParaRPr lang="en-US" sz="4000" dirty="0"/>
-          </a:p>
-        </p:txBody>
-      </p:sp>
-      <p:sp>
-        <p:nvSpPr>
-          <p:cNvPr id="95" name="Rectangle 94"/>
-          <p:cNvSpPr/>
-          <p:nvPr/>
-        </p:nvSpPr>
-        <p:spPr>
-          <a:xfrm>
-            <a:off x="18987496" y="18117039"/>
-            <a:ext cx="4071100" cy="1661452"/>
-          </a:xfrm>
-          <a:prstGeom prst="rect">
-            <a:avLst/>
-          </a:prstGeom>
-        </p:spPr>
-        <p:style>
-          <a:lnRef idx="2">
-            <a:schemeClr val="dk1"/>
-          </a:lnRef>
-          <a:fillRef idx="1">
-            <a:schemeClr val="lt1"/>
-          </a:fillRef>
-          <a:effectRef idx="0">
-            <a:schemeClr val="dk1"/>
-          </a:effectRef>
-          <a:fontRef idx="minor">
-            <a:schemeClr val="dk1"/>
-          </a:fontRef>
-        </p:style>
-        <p:txBody>
-          <a:bodyPr rtlCol="0" anchor="ctr"/>
-          <a:lstStyle/>
-          <a:p>
-            <a:pPr algn="ctr"/>
-            <a:r>
-              <a:rPr lang="en-US" sz="4400" dirty="0" smtClean="0"/>
-              <a:t>Color Gloves</a:t>
-            </a:r>
-            <a:endParaRPr lang="en-US" sz="4400" dirty="0"/>
-          </a:p>
-        </p:txBody>
-      </p:sp>
-      <p:cxnSp>
-        <p:nvCxnSpPr>
-          <p:cNvPr id="96" name="Straight Connector 95"/>
-          <p:cNvCxnSpPr/>
-          <p:nvPr/>
-        </p:nvCxnSpPr>
-        <p:spPr>
-          <a:xfrm>
-            <a:off x="23249479" y="10351561"/>
-            <a:ext cx="0" cy="10149299"/>
-          </a:xfrm>
-          <a:prstGeom prst="line">
-            <a:avLst/>
-          </a:prstGeom>
-          <a:ln w="28575">
-            <a:solidFill>
-              <a:schemeClr val="bg1">
-                <a:lumMod val="50000"/>
-              </a:schemeClr>
-            </a:solidFill>
-            <a:prstDash val="dashDot"/>
-          </a:ln>
-        </p:spPr>
-        <p:style>
-          <a:lnRef idx="1">
-            <a:schemeClr val="accent1"/>
-          </a:lnRef>
-          <a:fillRef idx="0">
-            <a:schemeClr val="accent1"/>
-          </a:fillRef>
-          <a:effectRef idx="0">
-            <a:schemeClr val="accent1"/>
-          </a:effectRef>
-          <a:fontRef idx="minor">
-            <a:schemeClr val="tx1"/>
-          </a:fontRef>
-        </p:style>
-      </p:cxnSp>
-      <p:sp>
-        <p:nvSpPr>
-          <p:cNvPr id="97" name="Rectangle 96"/>
-          <p:cNvSpPr/>
-          <p:nvPr/>
-        </p:nvSpPr>
-        <p:spPr>
-          <a:xfrm>
-            <a:off x="23341417" y="12085250"/>
-            <a:ext cx="4427774" cy="2949134"/>
-          </a:xfrm>
-          <a:prstGeom prst="rect">
-            <a:avLst/>
-          </a:prstGeom>
-          <a:solidFill>
-            <a:schemeClr val="lt1">
-              <a:alpha val="0"/>
-            </a:schemeClr>
-          </a:solidFill>
-          <a:ln>
-            <a:solidFill>
-              <a:schemeClr val="accent2"/>
-            </a:solidFill>
-            <a:prstDash val="dash"/>
-          </a:ln>
-        </p:spPr>
-        <p:style>
-          <a:lnRef idx="2">
-            <a:schemeClr val="dk1"/>
-          </a:lnRef>
-          <a:fillRef idx="1">
-            <a:schemeClr val="lt1"/>
-          </a:fillRef>
-          <a:effectRef idx="0">
-            <a:schemeClr val="dk1"/>
-          </a:effectRef>
-          <a:fontRef idx="minor">
-            <a:schemeClr val="dk1"/>
-          </a:fontRef>
-        </p:style>
-        <p:txBody>
-          <a:bodyPr rtlCol="0" anchor="ctr"/>
-          <a:lstStyle/>
-          <a:p>
-            <a:pPr algn="ctr"/>
-            <a:endParaRPr lang="en-US" sz="2000" dirty="0"/>
-          </a:p>
-        </p:txBody>
-      </p:sp>
-      <p:sp>
-        <p:nvSpPr>
-          <p:cNvPr id="10" name="Rectangle 9"/>
-          <p:cNvSpPr/>
-          <p:nvPr/>
-        </p:nvSpPr>
-        <p:spPr>
-          <a:xfrm>
-            <a:off x="21154605" y="14264943"/>
-            <a:ext cx="4642232" cy="769441"/>
-          </a:xfrm>
-          <a:prstGeom prst="rect">
-            <a:avLst/>
-          </a:prstGeom>
-        </p:spPr>
-        <p:txBody>
-          <a:bodyPr wrap="none">
-            <a:spAutoFit/>
-          </a:bodyPr>
-          <a:lstStyle/>
-          <a:p>
-            <a:pPr algn="ctr"/>
-            <a:r>
-              <a:rPr lang="en-US" sz="4400" dirty="0"/>
-              <a:t> Feature  Extraction</a:t>
-            </a:r>
-            <a:endParaRPr lang="en-US" sz="4400" dirty="0"/>
-          </a:p>
-        </p:txBody>
-      </p:sp>
+      </p:pic>
       <p:pic>
         <p:nvPicPr>
-          <p:cNvPr id="1026" name="Picture 2"/>
+          <p:cNvPr id="1029" name="Picture 5"/>
           <p:cNvPicPr>
             <a:picLocks noChangeAspect="1" noChangeArrowheads="1"/>
           </p:cNvPicPr>
@@ -5604,8 +5799,8 @@
         </p:blipFill>
         <p:spPr bwMode="auto">
           <a:xfrm>
-            <a:off x="5241787" y="23426934"/>
-            <a:ext cx="8979366" cy="3500320"/>
+            <a:off x="28450542" y="26241799"/>
+            <a:ext cx="3233641" cy="3144212"/>
           </a:xfrm>
           <a:prstGeom prst="rect">
             <a:avLst/>

--- a/Paper/Poster/Poster.pptx
+++ b/Paper/Poster/Poster.pptx
@@ -3528,6 +3528,16 @@
 <file path=ppt/slides/slide1.xml><?xml version="1.0" encoding="utf-8"?>
 <p:sld xmlns:a="http://schemas.openxmlformats.org/drawingml/2006/main" xmlns:r="http://schemas.openxmlformats.org/officeDocument/2006/relationships" xmlns:p="http://schemas.openxmlformats.org/presentationml/2006/main">
   <p:cSld>
+    <p:bg>
+      <p:bgPr>
+        <a:solidFill>
+          <a:schemeClr val="bg1">
+            <a:lumMod val="95000"/>
+          </a:schemeClr>
+        </a:solidFill>
+        <a:effectLst/>
+      </p:bgPr>
+    </p:bg>
     <p:spTree>
       <p:nvGrpSpPr>
         <p:cNvPr id="1" name=""/>
@@ -3542,6 +3552,253 @@
           <a:chExt cx="0" cy="0"/>
         </a:xfrm>
       </p:grpSpPr>
+      <p:sp>
+        <p:nvSpPr>
+          <p:cNvPr id="99" name="TextBox 98"/>
+          <p:cNvSpPr txBox="1"/>
+          <p:nvPr/>
+        </p:nvSpPr>
+        <p:spPr>
+          <a:xfrm>
+            <a:off x="15086697" y="30902988"/>
+            <a:ext cx="17181575" cy="461219"/>
+          </a:xfrm>
+          <a:prstGeom prst="rect">
+            <a:avLst/>
+          </a:prstGeom>
+          <a:ln w="76200"/>
+        </p:spPr>
+        <p:style>
+          <a:lnRef idx="0">
+            <a:schemeClr val="dk1"/>
+          </a:lnRef>
+          <a:fillRef idx="3">
+            <a:schemeClr val="dk1"/>
+          </a:fillRef>
+          <a:effectRef idx="3">
+            <a:schemeClr val="dk1"/>
+          </a:effectRef>
+          <a:fontRef idx="minor">
+            <a:schemeClr val="lt1"/>
+          </a:fontRef>
+        </p:style>
+        <p:txBody>
+          <a:bodyPr wrap="square" tIns="91440" rtlCol="0">
+            <a:noAutofit/>
+          </a:bodyPr>
+          <a:lstStyle/>
+          <a:p>
+            <a:pPr algn="ctr"/>
+            <a:endParaRPr lang="en-US" sz="6600" b="1" dirty="0"/>
+          </a:p>
+        </p:txBody>
+      </p:sp>
+      <p:sp>
+        <p:nvSpPr>
+          <p:cNvPr id="98" name="TextBox 97"/>
+          <p:cNvSpPr txBox="1"/>
+          <p:nvPr/>
+        </p:nvSpPr>
+        <p:spPr>
+          <a:xfrm>
+            <a:off x="15049503" y="22595733"/>
+            <a:ext cx="17185056" cy="433422"/>
+          </a:xfrm>
+          <a:prstGeom prst="rect">
+            <a:avLst/>
+          </a:prstGeom>
+          <a:ln w="76200"/>
+        </p:spPr>
+        <p:style>
+          <a:lnRef idx="0">
+            <a:schemeClr val="dk1"/>
+          </a:lnRef>
+          <a:fillRef idx="3">
+            <a:schemeClr val="dk1"/>
+          </a:fillRef>
+          <a:effectRef idx="3">
+            <a:schemeClr val="dk1"/>
+          </a:effectRef>
+          <a:fontRef idx="minor">
+            <a:schemeClr val="lt1"/>
+          </a:fontRef>
+        </p:style>
+        <p:txBody>
+          <a:bodyPr wrap="square" tIns="182880" rtlCol="0">
+            <a:noAutofit/>
+          </a:bodyPr>
+          <a:lstStyle/>
+          <a:p>
+            <a:pPr algn="ctr"/>
+            <a:endParaRPr lang="en-US" sz="6600" b="1" dirty="0"/>
+          </a:p>
+        </p:txBody>
+      </p:sp>
+      <p:sp>
+        <p:nvSpPr>
+          <p:cNvPr id="94" name="TextBox 93"/>
+          <p:cNvSpPr txBox="1"/>
+          <p:nvPr/>
+        </p:nvSpPr>
+        <p:spPr>
+          <a:xfrm>
+            <a:off x="494823" y="33713253"/>
+            <a:ext cx="14013979" cy="512637"/>
+          </a:xfrm>
+          <a:prstGeom prst="rect">
+            <a:avLst/>
+          </a:prstGeom>
+        </p:spPr>
+        <p:style>
+          <a:lnRef idx="0">
+            <a:schemeClr val="dk1"/>
+          </a:lnRef>
+          <a:fillRef idx="3">
+            <a:schemeClr val="dk1"/>
+          </a:fillRef>
+          <a:effectRef idx="3">
+            <a:schemeClr val="dk1"/>
+          </a:effectRef>
+          <a:fontRef idx="minor">
+            <a:schemeClr val="lt1"/>
+          </a:fontRef>
+        </p:style>
+        <p:txBody>
+          <a:bodyPr wrap="square" tIns="182880" rtlCol="0">
+            <a:noAutofit/>
+          </a:bodyPr>
+          <a:lstStyle/>
+          <a:p>
+            <a:pPr algn="ctr"/>
+            <a:endParaRPr lang="en-US" sz="8000" b="1" dirty="0"/>
+          </a:p>
+        </p:txBody>
+      </p:sp>
+      <p:sp>
+        <p:nvSpPr>
+          <p:cNvPr id="93" name="TextBox 92"/>
+          <p:cNvSpPr txBox="1"/>
+          <p:nvPr/>
+        </p:nvSpPr>
+        <p:spPr>
+          <a:xfrm>
+            <a:off x="480614" y="22595733"/>
+            <a:ext cx="13998954" cy="505755"/>
+          </a:xfrm>
+          <a:prstGeom prst="rect">
+            <a:avLst/>
+          </a:prstGeom>
+          <a:solidFill>
+            <a:schemeClr val="tx1">
+              <a:alpha val="97000"/>
+            </a:schemeClr>
+          </a:solidFill>
+        </p:spPr>
+        <p:style>
+          <a:lnRef idx="0">
+            <a:schemeClr val="dk1"/>
+          </a:lnRef>
+          <a:fillRef idx="3">
+            <a:schemeClr val="dk1"/>
+          </a:fillRef>
+          <a:effectRef idx="3">
+            <a:schemeClr val="dk1"/>
+          </a:effectRef>
+          <a:fontRef idx="minor">
+            <a:schemeClr val="lt1"/>
+          </a:fontRef>
+        </p:style>
+        <p:txBody>
+          <a:bodyPr wrap="square" tIns="182880" rtlCol="0">
+            <a:noAutofit/>
+          </a:bodyPr>
+          <a:lstStyle/>
+          <a:p>
+            <a:pPr algn="ctr"/>
+            <a:endParaRPr lang="en-US" sz="8000" b="1" dirty="0"/>
+          </a:p>
+        </p:txBody>
+      </p:sp>
+      <p:sp>
+        <p:nvSpPr>
+          <p:cNvPr id="92" name="TextBox 91"/>
+          <p:cNvSpPr txBox="1"/>
+          <p:nvPr/>
+        </p:nvSpPr>
+        <p:spPr>
+          <a:xfrm>
+            <a:off x="15014460" y="7498200"/>
+            <a:ext cx="17198950" cy="445819"/>
+          </a:xfrm>
+          <a:prstGeom prst="rect">
+            <a:avLst/>
+          </a:prstGeom>
+        </p:spPr>
+        <p:style>
+          <a:lnRef idx="0">
+            <a:schemeClr val="dk1"/>
+          </a:lnRef>
+          <a:fillRef idx="3">
+            <a:schemeClr val="dk1"/>
+          </a:fillRef>
+          <a:effectRef idx="3">
+            <a:schemeClr val="dk1"/>
+          </a:effectRef>
+          <a:fontRef idx="minor">
+            <a:schemeClr val="lt1"/>
+          </a:fontRef>
+        </p:style>
+        <p:txBody>
+          <a:bodyPr wrap="square" tIns="274320" rtlCol="0">
+            <a:noAutofit/>
+          </a:bodyPr>
+          <a:lstStyle/>
+          <a:p>
+            <a:pPr algn="ctr"/>
+            <a:endParaRPr lang="en-US" sz="8000" b="1" dirty="0"/>
+          </a:p>
+        </p:txBody>
+      </p:sp>
+      <p:sp>
+        <p:nvSpPr>
+          <p:cNvPr id="81" name="TextBox 80"/>
+          <p:cNvSpPr txBox="1"/>
+          <p:nvPr/>
+        </p:nvSpPr>
+        <p:spPr>
+          <a:xfrm>
+            <a:off x="480613" y="7130934"/>
+            <a:ext cx="14028188" cy="800688"/>
+          </a:xfrm>
+          <a:prstGeom prst="rect">
+            <a:avLst/>
+          </a:prstGeom>
+        </p:spPr>
+        <p:style>
+          <a:lnRef idx="0">
+            <a:schemeClr val="dk1"/>
+          </a:lnRef>
+          <a:fillRef idx="3">
+            <a:schemeClr val="dk1"/>
+          </a:fillRef>
+          <a:effectRef idx="3">
+            <a:schemeClr val="dk1"/>
+          </a:effectRef>
+          <a:fontRef idx="minor">
+            <a:schemeClr val="lt1"/>
+          </a:fontRef>
+        </p:style>
+        <p:txBody>
+          <a:bodyPr wrap="square" tIns="274320" rtlCol="0">
+            <a:noAutofit/>
+          </a:bodyPr>
+          <a:lstStyle/>
+          <a:p>
+            <a:pPr algn="ctr"/>
+            <a:endParaRPr lang="en-US" sz="5500" b="1" dirty="0"/>
+          </a:p>
+        </p:txBody>
+      </p:sp>
       <p:grpSp>
         <p:nvGrpSpPr>
           <p:cNvPr id="1048" name="Group 1047"/>
@@ -3550,25 +3807,27 @@
         </p:nvGrpSpPr>
         <p:grpSpPr>
           <a:xfrm>
-            <a:off x="15052984" y="6125696"/>
-            <a:ext cx="17184112" cy="14901429"/>
-            <a:chOff x="15052984" y="6125696"/>
-            <a:chExt cx="17184112" cy="14901429"/>
+            <a:off x="15014461" y="6163704"/>
+            <a:ext cx="17198950" cy="14689980"/>
+            <a:chOff x="15051656" y="6125695"/>
+            <a:chExt cx="17198950" cy="14689980"/>
           </a:xfrm>
         </p:grpSpPr>
         <p:sp>
           <p:nvSpPr>
-            <p:cNvPr id="106" name="Rectangle 105"/>
+            <p:cNvPr id="106" name="Rounded Rectangle 105"/>
             <p:cNvSpPr/>
             <p:nvPr/>
           </p:nvSpPr>
           <p:spPr>
             <a:xfrm>
-              <a:off x="15086697" y="7787148"/>
-              <a:ext cx="17126712" cy="13239977"/>
+              <a:off x="15086697" y="7017332"/>
+              <a:ext cx="17126712" cy="13798343"/>
             </a:xfrm>
-            <a:prstGeom prst="rect">
-              <a:avLst/>
+            <a:prstGeom prst="roundRect">
+              <a:avLst>
+                <a:gd name="adj" fmla="val 3221"/>
+              </a:avLst>
             </a:prstGeom>
             <a:solidFill>
               <a:schemeClr val="lt1">
@@ -3608,10 +3867,10 @@
           </p:nvSpPr>
           <p:spPr>
             <a:xfrm>
-              <a:off x="15052984" y="6125696"/>
-              <a:ext cx="17184112" cy="1783273"/>
+              <a:off x="15051656" y="6125695"/>
+              <a:ext cx="17198950" cy="1783273"/>
             </a:xfrm>
-            <a:prstGeom prst="rect">
+            <a:prstGeom prst="roundRect">
               <a:avLst/>
             </a:prstGeom>
           </p:spPr>
@@ -3654,9 +3913,9 @@
         <p:grpSpPr>
           <a:xfrm>
             <a:off x="15052983" y="21439941"/>
-            <a:ext cx="17181575" cy="8504510"/>
+            <a:ext cx="17181575" cy="7902455"/>
             <a:chOff x="15052983" y="21856700"/>
-            <a:chExt cx="17181575" cy="20883382"/>
+            <a:chExt cx="17181575" cy="19404996"/>
           </a:xfrm>
         </p:grpSpPr>
         <p:sp>
@@ -3667,11 +3926,13 @@
           </p:nvSpPr>
           <p:spPr>
             <a:xfrm>
-              <a:off x="15086698" y="24858389"/>
-              <a:ext cx="17126712" cy="17881693"/>
+              <a:off x="15086698" y="24694823"/>
+              <a:ext cx="17126712" cy="16566873"/>
             </a:xfrm>
-            <a:prstGeom prst="rect">
-              <a:avLst/>
+            <a:prstGeom prst="roundRect">
+              <a:avLst>
+                <a:gd name="adj" fmla="val 4525"/>
+              </a:avLst>
             </a:prstGeom>
             <a:solidFill>
               <a:schemeClr val="lt1">
@@ -3695,7 +3956,7 @@
             </a:fontRef>
           </p:style>
           <p:txBody>
-            <a:bodyPr wrap="square" lIns="548640" tIns="0" bIns="548640" rtlCol="0">
+            <a:bodyPr wrap="square" lIns="548640" tIns="457200" bIns="548640" rtlCol="0">
               <a:noAutofit/>
             </a:bodyPr>
             <a:lstStyle/>
@@ -3704,9 +3965,6 @@
                 <a:rPr lang="en-US" sz="4000" dirty="0" smtClean="0"/>
                 <a:t>  </a:t>
               </a:r>
-              <a:endParaRPr lang="en-US" sz="5400" dirty="0"/>
-            </a:p>
-            <a:p>
               <a:r>
                 <a:rPr lang="en-US" sz="5400" dirty="0" smtClean="0"/>
                 <a:t>Color glove:</a:t>
@@ -3739,9 +3997,9 @@
           <p:spPr>
             <a:xfrm>
               <a:off x="15052983" y="21856700"/>
-              <a:ext cx="17181575" cy="3001689"/>
+              <a:ext cx="17181575" cy="3459079"/>
             </a:xfrm>
-            <a:prstGeom prst="rect">
+            <a:prstGeom prst="roundRect">
               <a:avLst/>
             </a:prstGeom>
             <a:ln w="76200"/>
@@ -3761,17 +4019,17 @@
             </a:fontRef>
           </p:style>
           <p:txBody>
-            <a:bodyPr wrap="square" tIns="91440" rtlCol="0">
+            <a:bodyPr wrap="square" tIns="182880" rtlCol="0">
               <a:noAutofit/>
             </a:bodyPr>
             <a:lstStyle/>
             <a:p>
               <a:pPr algn="ctr"/>
               <a:r>
-                <a:rPr lang="en-US" sz="7200" b="1" dirty="0" smtClean="0"/>
+                <a:rPr lang="en-US" sz="8000" b="1" dirty="0" smtClean="0"/>
                 <a:t>Generating Training Sets</a:t>
               </a:r>
-              <a:endParaRPr lang="en-US" sz="6000" b="1" dirty="0"/>
+              <a:endParaRPr lang="en-US" sz="6600" b="1" dirty="0"/>
             </a:p>
           </p:txBody>
         </p:sp>
@@ -3784,8 +4042,8 @@
         </p:nvSpPr>
         <p:spPr>
           <a:xfrm>
-            <a:off x="6163268" y="957621"/>
-            <a:ext cx="20245809" cy="1424559"/>
+            <a:off x="4558923" y="1069107"/>
+            <a:ext cx="22663590" cy="1670780"/>
           </a:xfrm>
           <a:prstGeom prst="rect">
             <a:avLst/>
@@ -3800,10 +4058,10 @@
           <a:p>
             <a:pPr algn="ctr"/>
             <a:r>
-              <a:rPr lang="en-US" sz="7200" b="1" dirty="0" smtClean="0"/>
+              <a:rPr lang="en-US" sz="8800" b="1" dirty="0" smtClean="0"/>
               <a:t>A Real-time Hand Gesture Recognition System</a:t>
             </a:r>
-            <a:endParaRPr lang="en-US" sz="7200" b="1" dirty="0"/>
+            <a:endParaRPr lang="en-US" sz="8800" b="1" dirty="0"/>
           </a:p>
         </p:txBody>
       </p:sp>
@@ -3887,7 +4145,7 @@
         </p:blipFill>
         <p:spPr>
           <a:xfrm>
-            <a:off x="27769191" y="1009667"/>
+            <a:off x="27769191" y="1430292"/>
             <a:ext cx="3705400" cy="3798934"/>
           </a:xfrm>
           <a:prstGeom prst="rect">
@@ -3903,56 +4161,12 @@
         </p:nvGrpSpPr>
         <p:grpSpPr>
           <a:xfrm>
-            <a:off x="466406" y="6163704"/>
-            <a:ext cx="14042396" cy="14821185"/>
-            <a:chOff x="466406" y="6163704"/>
-            <a:chExt cx="14042396" cy="14821185"/>
+            <a:off x="466406" y="6156011"/>
+            <a:ext cx="14042396" cy="14697673"/>
+            <a:chOff x="466406" y="6158761"/>
+            <a:chExt cx="14042396" cy="14697673"/>
           </a:xfrm>
         </p:grpSpPr>
-        <p:sp>
-          <p:nvSpPr>
-            <p:cNvPr id="16" name="TextBox 15"/>
-            <p:cNvSpPr txBox="1"/>
-            <p:nvPr/>
-          </p:nvSpPr>
-          <p:spPr>
-            <a:xfrm>
-              <a:off x="466406" y="6163704"/>
-              <a:ext cx="14042396" cy="1775611"/>
-            </a:xfrm>
-            <a:prstGeom prst="rect">
-              <a:avLst/>
-            </a:prstGeom>
-          </p:spPr>
-          <p:style>
-            <a:lnRef idx="0">
-              <a:schemeClr val="dk1"/>
-            </a:lnRef>
-            <a:fillRef idx="3">
-              <a:schemeClr val="dk1"/>
-            </a:fillRef>
-            <a:effectRef idx="3">
-              <a:schemeClr val="dk1"/>
-            </a:effectRef>
-            <a:fontRef idx="minor">
-              <a:schemeClr val="lt1"/>
-            </a:fontRef>
-          </p:style>
-          <p:txBody>
-            <a:bodyPr wrap="square" tIns="274320" rtlCol="0">
-              <a:noAutofit/>
-            </a:bodyPr>
-            <a:lstStyle/>
-            <a:p>
-              <a:pPr algn="ctr"/>
-              <a:r>
-                <a:rPr lang="en-US" sz="8000" b="1" dirty="0" smtClean="0"/>
-                <a:t>Introduction</a:t>
-              </a:r>
-              <a:endParaRPr lang="en-US" sz="5500" b="1" dirty="0"/>
-            </a:p>
-          </p:txBody>
-        </p:sp>
         <p:sp>
           <p:nvSpPr>
             <p:cNvPr id="18" name="TextBox 17"/>
@@ -3961,13 +4175,20 @@
           </p:nvSpPr>
           <p:spPr>
             <a:xfrm>
-              <a:off x="500193" y="7908969"/>
-              <a:ext cx="13981176" cy="13075920"/>
+              <a:off x="500193" y="6923054"/>
+              <a:ext cx="13981176" cy="13933380"/>
             </a:xfrm>
-            <a:prstGeom prst="rect">
-              <a:avLst/>
+            <a:prstGeom prst="roundRect">
+              <a:avLst>
+                <a:gd name="adj" fmla="val 2861"/>
+              </a:avLst>
             </a:prstGeom>
-            <a:ln w="76200"/>
+            <a:noFill/>
+            <a:ln w="76200">
+              <a:solidFill>
+                <a:schemeClr val="tx1"/>
+              </a:solidFill>
+            </a:ln>
           </p:spPr>
           <p:style>
             <a:lnRef idx="2">
@@ -3984,7 +4205,7 @@
             </a:fontRef>
           </p:style>
           <p:txBody>
-            <a:bodyPr wrap="square" lIns="365760" tIns="640080" rIns="274320" rtlCol="0">
+            <a:bodyPr wrap="square" lIns="365760" tIns="1097280" rIns="274320" rtlCol="0">
               <a:noAutofit/>
             </a:bodyPr>
             <a:lstStyle/>
@@ -4005,17 +4226,16 @@
               </a:r>
               <a:r>
                 <a:rPr lang="en-US" sz="4800" b="1" dirty="0" smtClean="0"/>
-                <a:t>Real-time, Robust</a:t>
+                <a:t>Real-time, </a:t>
               </a:r>
               <a:r>
                 <a:rPr lang="en-US" sz="4800" b="1" dirty="0" smtClean="0"/>
-                <a:t>, </a:t>
+                <a:t>Just-hands, </a:t>
               </a:r>
               <a:r>
                 <a:rPr lang="en-US" sz="4800" b="1" dirty="0" smtClean="0"/>
                 <a:t>Accurate</a:t>
               </a:r>
-              <a:endParaRPr lang="en-US" sz="4800" b="1" dirty="0" smtClean="0"/>
             </a:p>
             <a:p>
               <a:endParaRPr lang="en-US" sz="4800" dirty="0" smtClean="0"/>
@@ -4033,15 +4253,7 @@
               </a:r>
               <a:r>
                 <a:rPr lang="en-US" sz="4800" dirty="0" smtClean="0"/>
-                <a:t>   - </a:t>
-              </a:r>
-              <a:r>
-                <a:rPr lang="en-US" sz="4800" dirty="0" smtClean="0"/>
-                <a:t>Machine </a:t>
-              </a:r>
-              <a:r>
-                <a:rPr lang="en-US" sz="4800" dirty="0" smtClean="0"/>
-                <a:t>learning as opposed  </a:t>
+                <a:t>   - Machine learning as opposed </a:t>
               </a:r>
               <a:r>
                 <a:rPr lang="en-US" sz="4800" dirty="0" smtClean="0"/>
@@ -4059,11 +4271,7 @@
               </a:r>
               <a:r>
                 <a:rPr lang="en-US" sz="4800" dirty="0" smtClean="0"/>
-                <a:t>   </a:t>
-              </a:r>
-              <a:r>
-                <a:rPr lang="en-US" sz="4800" dirty="0" smtClean="0"/>
-                <a:t>- Train on a </a:t>
+                <a:t>   - Train on a </a:t>
               </a:r>
               <a:r>
                 <a:rPr lang="en-US" sz="4800" b="1" dirty="0" smtClean="0"/>
@@ -4146,6 +4354,50 @@
             </a:p>
           </p:txBody>
         </p:sp>
+        <p:sp>
+          <p:nvSpPr>
+            <p:cNvPr id="16" name="TextBox 15"/>
+            <p:cNvSpPr txBox="1"/>
+            <p:nvPr/>
+          </p:nvSpPr>
+          <p:spPr>
+            <a:xfrm>
+              <a:off x="466406" y="6158761"/>
+              <a:ext cx="14042396" cy="1775611"/>
+            </a:xfrm>
+            <a:prstGeom prst="roundRect">
+              <a:avLst/>
+            </a:prstGeom>
+          </p:spPr>
+          <p:style>
+            <a:lnRef idx="0">
+              <a:schemeClr val="dk1"/>
+            </a:lnRef>
+            <a:fillRef idx="3">
+              <a:schemeClr val="dk1"/>
+            </a:fillRef>
+            <a:effectRef idx="3">
+              <a:schemeClr val="dk1"/>
+            </a:effectRef>
+            <a:fontRef idx="minor">
+              <a:schemeClr val="lt1"/>
+            </a:fontRef>
+          </p:style>
+          <p:txBody>
+            <a:bodyPr wrap="square" tIns="274320" rtlCol="0">
+              <a:noAutofit/>
+            </a:bodyPr>
+            <a:lstStyle/>
+            <a:p>
+              <a:pPr algn="ctr"/>
+              <a:r>
+                <a:rPr lang="en-US" sz="8000" b="1" dirty="0" smtClean="0"/>
+                <a:t>Introduction</a:t>
+              </a:r>
+              <a:endParaRPr lang="en-US" sz="5500" b="1" dirty="0"/>
+            </a:p>
+          </p:txBody>
+        </p:sp>
       </p:grpSp>
       <p:sp>
         <p:nvSpPr>
@@ -4184,12 +4436,68 @@
         </p:nvGrpSpPr>
         <p:grpSpPr>
           <a:xfrm>
-            <a:off x="465590" y="21423852"/>
-            <a:ext cx="14013979" cy="10490454"/>
+            <a:off x="465590" y="21423843"/>
+            <a:ext cx="14013979" cy="10831519"/>
             <a:chOff x="494823" y="23843316"/>
-            <a:chExt cx="14013979" cy="10923876"/>
+            <a:chExt cx="14013979" cy="11279034"/>
           </a:xfrm>
         </p:grpSpPr>
+        <p:sp>
+          <p:nvSpPr>
+            <p:cNvPr id="103" name="TextBox 102"/>
+            <p:cNvSpPr txBox="1"/>
+            <p:nvPr/>
+          </p:nvSpPr>
+          <p:spPr>
+            <a:xfrm>
+              <a:off x="524056" y="25138846"/>
+              <a:ext cx="13953744" cy="9983504"/>
+            </a:xfrm>
+            <a:prstGeom prst="roundRect">
+              <a:avLst>
+                <a:gd name="adj" fmla="val 4428"/>
+              </a:avLst>
+            </a:prstGeom>
+            <a:solidFill>
+              <a:schemeClr val="lt1">
+                <a:alpha val="0"/>
+              </a:schemeClr>
+            </a:solidFill>
+            <a:ln w="76200"/>
+          </p:spPr>
+          <p:style>
+            <a:lnRef idx="2">
+              <a:schemeClr val="dk1"/>
+            </a:lnRef>
+            <a:fillRef idx="1">
+              <a:schemeClr val="lt1"/>
+            </a:fillRef>
+            <a:effectRef idx="0">
+              <a:schemeClr val="dk1"/>
+            </a:effectRef>
+            <a:fontRef idx="minor">
+              <a:schemeClr val="dk1"/>
+            </a:fontRef>
+          </p:style>
+          <p:txBody>
+            <a:bodyPr wrap="square" lIns="274320" tIns="457200" rtlCol="0">
+              <a:noAutofit/>
+            </a:bodyPr>
+            <a:lstStyle/>
+            <a:p>
+              <a:r>
+                <a:rPr lang="en-US" sz="4400" dirty="0" smtClean="0"/>
+                <a:t>Feature extraction:</a:t>
+              </a:r>
+            </a:p>
+            <a:p>
+              <a:endParaRPr lang="en-US" sz="4400" dirty="0" smtClean="0"/>
+            </a:p>
+            <a:p>
+              <a:endParaRPr lang="en-US" sz="4400" dirty="0" smtClean="0"/>
+            </a:p>
+          </p:txBody>
+        </p:sp>
         <p:sp>
           <p:nvSpPr>
             <p:cNvPr id="101" name="TextBox 100"/>
@@ -4199,9 +4507,9 @@
           <p:spPr>
             <a:xfrm>
               <a:off x="494823" y="23843316"/>
-              <a:ext cx="14013979" cy="1847228"/>
+              <a:ext cx="14013979" cy="1521184"/>
             </a:xfrm>
-            <a:prstGeom prst="rect">
+            <a:prstGeom prst="roundRect">
               <a:avLst/>
             </a:prstGeom>
           </p:spPr>
@@ -4234,56 +4542,6 @@
             </a:p>
           </p:txBody>
         </p:sp>
-        <p:sp>
-          <p:nvSpPr>
-            <p:cNvPr id="103" name="TextBox 102"/>
-            <p:cNvSpPr txBox="1"/>
-            <p:nvPr/>
-          </p:nvSpPr>
-          <p:spPr>
-            <a:xfrm>
-              <a:off x="524056" y="25690544"/>
-              <a:ext cx="13953744" cy="9076648"/>
-            </a:xfrm>
-            <a:prstGeom prst="rect">
-              <a:avLst/>
-            </a:prstGeom>
-            <a:ln w="76200"/>
-          </p:spPr>
-          <p:style>
-            <a:lnRef idx="2">
-              <a:schemeClr val="dk1"/>
-            </a:lnRef>
-            <a:fillRef idx="1">
-              <a:schemeClr val="lt1"/>
-            </a:fillRef>
-            <a:effectRef idx="0">
-              <a:schemeClr val="dk1"/>
-            </a:effectRef>
-            <a:fontRef idx="minor">
-              <a:schemeClr val="dk1"/>
-            </a:fontRef>
-          </p:style>
-          <p:txBody>
-            <a:bodyPr wrap="square" lIns="274320" tIns="182880" rtlCol="0">
-              <a:noAutofit/>
-            </a:bodyPr>
-            <a:lstStyle/>
-            <a:p>
-              <a:r>
-                <a:rPr lang="en-US" sz="4400" dirty="0" smtClean="0"/>
-                <a:t>Feature extraction:</a:t>
-              </a:r>
-              <a:endParaRPr lang="en-US" sz="4400" dirty="0" smtClean="0"/>
-            </a:p>
-            <a:p>
-              <a:endParaRPr lang="en-US" sz="4400" dirty="0" smtClean="0"/>
-            </a:p>
-            <a:p>
-              <a:endParaRPr lang="en-US" sz="4400" dirty="0" smtClean="0"/>
-            </a:p>
-          </p:txBody>
-        </p:sp>
       </p:grpSp>
       <p:grpSp>
         <p:nvGrpSpPr>
@@ -4294,55 +4552,11 @@
         <p:grpSpPr>
           <a:xfrm>
             <a:off x="494822" y="32708913"/>
-            <a:ext cx="14013979" cy="10691076"/>
+            <a:ext cx="14013979" cy="10815425"/>
             <a:chOff x="494823" y="23528135"/>
-            <a:chExt cx="14013979" cy="9190556"/>
+            <a:chExt cx="14013979" cy="9297452"/>
           </a:xfrm>
         </p:grpSpPr>
-        <p:sp>
-          <p:nvSpPr>
-            <p:cNvPr id="109" name="TextBox 108"/>
-            <p:cNvSpPr txBox="1"/>
-            <p:nvPr/>
-          </p:nvSpPr>
-          <p:spPr>
-            <a:xfrm>
-              <a:off x="494823" y="23528135"/>
-              <a:ext cx="14013979" cy="1146178"/>
-            </a:xfrm>
-            <a:prstGeom prst="rect">
-              <a:avLst/>
-            </a:prstGeom>
-          </p:spPr>
-          <p:style>
-            <a:lnRef idx="0">
-              <a:schemeClr val="dk1"/>
-            </a:lnRef>
-            <a:fillRef idx="3">
-              <a:schemeClr val="dk1"/>
-            </a:fillRef>
-            <a:effectRef idx="3">
-              <a:schemeClr val="dk1"/>
-            </a:effectRef>
-            <a:fontRef idx="minor">
-              <a:schemeClr val="lt1"/>
-            </a:fontRef>
-          </p:style>
-          <p:txBody>
-            <a:bodyPr wrap="square" tIns="91440" rtlCol="0">
-              <a:noAutofit/>
-            </a:bodyPr>
-            <a:lstStyle/>
-            <a:p>
-              <a:pPr algn="ctr"/>
-              <a:r>
-                <a:rPr lang="en-US" sz="5400" b="1" dirty="0" smtClean="0"/>
-                <a:t>Pooling</a:t>
-              </a:r>
-              <a:endParaRPr lang="en-US" sz="5400" b="1" dirty="0"/>
-            </a:p>
-          </p:txBody>
-        </p:sp>
         <p:sp>
           <p:nvSpPr>
             <p:cNvPr id="110" name="TextBox 109"/>
@@ -4351,138 +4565,12 @@
           </p:nvSpPr>
           <p:spPr>
             <a:xfrm>
-              <a:off x="494823" y="24674312"/>
-              <a:ext cx="13984746" cy="8044379"/>
-            </a:xfrm>
-            <a:prstGeom prst="rect">
-              <a:avLst/>
-            </a:prstGeom>
-            <a:ln w="76200"/>
-          </p:spPr>
-          <p:style>
-            <a:lnRef idx="2">
-              <a:schemeClr val="dk1"/>
-            </a:lnRef>
-            <a:fillRef idx="1">
-              <a:schemeClr val="lt1"/>
-            </a:fillRef>
-            <a:effectRef idx="0">
-              <a:schemeClr val="dk1"/>
-            </a:effectRef>
-            <a:fontRef idx="minor">
-              <a:schemeClr val="dk1"/>
-            </a:fontRef>
-          </p:style>
-          <p:txBody>
-            <a:bodyPr wrap="square" lIns="365760" rtlCol="0">
-              <a:normAutofit/>
-            </a:bodyPr>
-            <a:lstStyle/>
-            <a:p>
-              <a:r>
-                <a:rPr lang="en-US" sz="4400" dirty="0" smtClean="0"/>
-                <a:t>  </a:t>
-              </a:r>
-            </a:p>
-            <a:p>
-              <a:r>
-                <a:rPr lang="en-US" sz="4000" dirty="0" smtClean="0"/>
-                <a:t>Pool the per-pixel classifications to a single proposal of gesture position and type</a:t>
-              </a:r>
-              <a:endParaRPr lang="en-US" sz="4000" dirty="0"/>
-            </a:p>
-            <a:p>
-              <a:endParaRPr lang="en-US" sz="4000" dirty="0" smtClean="0"/>
-            </a:p>
-            <a:p>
-              <a:r>
-                <a:rPr lang="en-US" sz="4000" dirty="0" smtClean="0"/>
-                <a:t>Use clustering algorithms:</a:t>
-              </a:r>
-            </a:p>
-            <a:p>
-              <a:r>
-                <a:rPr lang="en-US" sz="4000" dirty="0" smtClean="0"/>
-                <a:t>    - </a:t>
-              </a:r>
-              <a:r>
-                <a:rPr lang="en-US" sz="4000" dirty="0" err="1" smtClean="0"/>
-                <a:t>Kmeans</a:t>
-              </a:r>
-              <a:r>
-                <a:rPr lang="en-US" sz="4000" dirty="0" smtClean="0"/>
-                <a:t>: not good</a:t>
-              </a:r>
-            </a:p>
-            <a:p>
-              <a:r>
-                <a:rPr lang="en-US" sz="4000" dirty="0"/>
-                <a:t> </a:t>
-              </a:r>
-              <a:r>
-                <a:rPr lang="en-US" sz="4000" dirty="0" smtClean="0"/>
-                <a:t>         - Subject to outliers</a:t>
-              </a:r>
-            </a:p>
-            <a:p>
-              <a:r>
-                <a:rPr lang="en-US" sz="4000" dirty="0"/>
-                <a:t> </a:t>
-              </a:r>
-              <a:r>
-                <a:rPr lang="en-US" sz="4000" dirty="0" smtClean="0"/>
-                <a:t>         - Assumes each cluster has equal size</a:t>
-              </a:r>
-            </a:p>
-            <a:p>
-              <a:r>
-                <a:rPr lang="en-US" sz="4000" dirty="0"/>
-                <a:t> </a:t>
-              </a:r>
-              <a:r>
-                <a:rPr lang="en-US" sz="4000" dirty="0" smtClean="0"/>
-                <a:t>   - Density-based clustering</a:t>
-              </a:r>
-              <a:endParaRPr lang="en-US" sz="4400" dirty="0" smtClean="0"/>
-            </a:p>
-            <a:p>
-              <a:r>
-                <a:rPr lang="en-US" sz="4400" dirty="0" smtClean="0"/>
-                <a:t>         - Final decision</a:t>
-              </a:r>
-              <a:endParaRPr lang="en-US" sz="4400" dirty="0" smtClean="0"/>
-            </a:p>
-          </p:txBody>
-        </p:sp>
-      </p:grpSp>
-      <p:grpSp>
-        <p:nvGrpSpPr>
-          <p:cNvPr id="12" name="Group 11"/>
-          <p:cNvGrpSpPr/>
-          <p:nvPr/>
-        </p:nvGrpSpPr>
-        <p:grpSpPr>
-          <a:xfrm>
-            <a:off x="39709816" y="35783505"/>
-            <a:ext cx="16130570" cy="5367441"/>
-            <a:chOff x="15654895" y="36948993"/>
-            <a:chExt cx="16130570" cy="5367441"/>
-          </a:xfrm>
-        </p:grpSpPr>
-        <p:sp>
-          <p:nvSpPr>
-            <p:cNvPr id="131" name="Rounded Rectangle 130"/>
-            <p:cNvSpPr/>
-            <p:nvPr/>
-          </p:nvSpPr>
-          <p:spPr>
-            <a:xfrm>
-              <a:off x="15664593" y="36948993"/>
-              <a:ext cx="16120872" cy="5296350"/>
+              <a:off x="494823" y="24397511"/>
+              <a:ext cx="13984746" cy="8428076"/>
             </a:xfrm>
             <a:prstGeom prst="roundRect">
               <a:avLst>
-                <a:gd name="adj" fmla="val 6414"/>
+                <a:gd name="adj" fmla="val 3849"/>
               </a:avLst>
             </a:prstGeom>
             <a:solidFill>
@@ -4507,26 +4595,127 @@
             </a:fontRef>
           </p:style>
           <p:txBody>
-            <a:bodyPr rtlCol="0" anchor="ctr"/>
+            <a:bodyPr wrap="square" lIns="365760" tIns="457200" rtlCol="0">
+              <a:normAutofit/>
+            </a:bodyPr>
             <a:lstStyle/>
             <a:p>
-              <a:pPr algn="ctr"/>
-              <a:endParaRPr lang="en-US"/>
+              <a:r>
+                <a:rPr lang="en-US" sz="4400" dirty="0" smtClean="0"/>
+                <a:t>  </a:t>
+              </a:r>
+            </a:p>
+            <a:p>
+              <a:r>
+                <a:rPr lang="en-US" sz="4400" dirty="0" smtClean="0"/>
+                <a:t>Pool the per-pixel classifications to a single proposal of gesture position and type</a:t>
+              </a:r>
+              <a:endParaRPr lang="en-US" sz="4400" dirty="0"/>
+            </a:p>
+            <a:p>
+              <a:endParaRPr lang="en-US" sz="4400" dirty="0" smtClean="0"/>
+            </a:p>
+            <a:p>
+              <a:r>
+                <a:rPr lang="en-US" sz="4400" dirty="0" smtClean="0"/>
+                <a:t>Use clustering algorithms:</a:t>
+              </a:r>
+            </a:p>
+            <a:p>
+              <a:r>
+                <a:rPr lang="en-US" sz="4400" dirty="0" smtClean="0"/>
+                <a:t>    - </a:t>
+              </a:r>
+              <a:r>
+                <a:rPr lang="en-US" sz="4400" dirty="0" err="1" smtClean="0"/>
+                <a:t>Kmeans</a:t>
+              </a:r>
+              <a:r>
+                <a:rPr lang="en-US" sz="4400" dirty="0" smtClean="0"/>
+                <a:t>: not good</a:t>
+              </a:r>
+            </a:p>
+            <a:p>
+              <a:r>
+                <a:rPr lang="en-US" sz="4400" dirty="0"/>
+                <a:t> </a:t>
+              </a:r>
+              <a:r>
+                <a:rPr lang="en-US" sz="4400" dirty="0" smtClean="0"/>
+                <a:t>         - Subject to outliers</a:t>
+              </a:r>
+            </a:p>
+            <a:p>
+              <a:r>
+                <a:rPr lang="en-US" sz="4400" dirty="0"/>
+                <a:t> </a:t>
+              </a:r>
+              <a:r>
+                <a:rPr lang="en-US" sz="4400" dirty="0" smtClean="0"/>
+                <a:t>         - Assumes each cluster has equal size</a:t>
+              </a:r>
+            </a:p>
+            <a:p>
+              <a:r>
+                <a:rPr lang="en-US" sz="4400" dirty="0"/>
+                <a:t> </a:t>
+              </a:r>
+              <a:r>
+                <a:rPr lang="en-US" sz="4400" dirty="0" smtClean="0"/>
+                <a:t>   - Density-based clustering</a:t>
+              </a:r>
+            </a:p>
+            <a:p>
+              <a:r>
+                <a:rPr lang="en-US" sz="4400" dirty="0" smtClean="0"/>
+                <a:t>         - Final </a:t>
+              </a:r>
+              <a:r>
+                <a:rPr lang="en-US" sz="4400" dirty="0" smtClean="0"/>
+                <a:t>decision</a:t>
+              </a:r>
+            </a:p>
+            <a:p>
+              <a:r>
+                <a:rPr lang="en-US" sz="4400" dirty="0" smtClean="0"/>
+                <a:t>Experience:</a:t>
+              </a:r>
+            </a:p>
+            <a:p>
+              <a:r>
+                <a:rPr lang="en-US" sz="4400" dirty="0"/>
+                <a:t> </a:t>
+              </a:r>
+              <a:r>
+                <a:rPr lang="en-US" sz="4400" dirty="0" smtClean="0"/>
+                <a:t>  - Late optimization</a:t>
+              </a:r>
+            </a:p>
+            <a:p>
+              <a:r>
+                <a:rPr lang="en-US" sz="4400" dirty="0"/>
+                <a:t> </a:t>
+              </a:r>
+              <a:r>
+                <a:rPr lang="en-US" sz="4400" dirty="0" smtClean="0"/>
+                <a:t>  - Adding a virtual</a:t>
+              </a:r>
+              <a:endParaRPr lang="en-US" sz="4400" dirty="0" smtClean="0"/>
             </a:p>
           </p:txBody>
         </p:sp>
         <p:sp>
           <p:nvSpPr>
-            <p:cNvPr id="127" name="TextBox 126"/>
+            <p:cNvPr id="109" name="TextBox 108"/>
             <p:cNvSpPr txBox="1"/>
             <p:nvPr/>
           </p:nvSpPr>
           <p:spPr>
             <a:xfrm>
-              <a:off x="15654895" y="41158395"/>
-              <a:ext cx="16130570" cy="1158039"/>
+              <a:off x="494823" y="23528135"/>
+              <a:ext cx="14013979" cy="1276015"/>
             </a:xfrm>
-            <a:prstGeom prst="rect">
+            <a:prstGeom prst="roundRect">
               <a:avLst/>
             </a:prstGeom>
           </p:spPr>
@@ -4552,749 +4741,14 @@
             <a:p>
               <a:pPr algn="ctr"/>
               <a:r>
-                <a:rPr lang="en-US" sz="4400" dirty="0" smtClean="0"/>
-                <a:t>Hello World</a:t>
+                <a:rPr lang="en-US" sz="8000" b="1" dirty="0" smtClean="0"/>
+                <a:t>Pooling &amp; Experience</a:t>
               </a:r>
+              <a:endParaRPr lang="en-US" sz="8000" b="1" dirty="0"/>
             </a:p>
           </p:txBody>
         </p:sp>
       </p:grpSp>
-      <p:grpSp>
-        <p:nvGrpSpPr>
-          <p:cNvPr id="11" name="Group 10"/>
-          <p:cNvGrpSpPr/>
-          <p:nvPr/>
-        </p:nvGrpSpPr>
-        <p:grpSpPr>
-          <a:xfrm>
-            <a:off x="39719514" y="25207150"/>
-            <a:ext cx="16120872" cy="8915464"/>
-            <a:chOff x="15580335" y="27624257"/>
-            <a:chExt cx="16120872" cy="8915464"/>
-          </a:xfrm>
-        </p:grpSpPr>
-        <p:sp>
-          <p:nvSpPr>
-            <p:cNvPr id="120" name="Rounded Rectangle 119"/>
-            <p:cNvSpPr/>
-            <p:nvPr/>
-          </p:nvSpPr>
-          <p:spPr>
-            <a:xfrm>
-              <a:off x="15580335" y="27624257"/>
-              <a:ext cx="16120872" cy="8336444"/>
-            </a:xfrm>
-            <a:prstGeom prst="roundRect">
-              <a:avLst>
-                <a:gd name="adj" fmla="val 6414"/>
-              </a:avLst>
-            </a:prstGeom>
-            <a:solidFill>
-              <a:schemeClr val="lt1">
-                <a:alpha val="0"/>
-              </a:schemeClr>
-            </a:solidFill>
-            <a:ln w="76200"/>
-          </p:spPr>
-          <p:style>
-            <a:lnRef idx="2">
-              <a:schemeClr val="dk1"/>
-            </a:lnRef>
-            <a:fillRef idx="1">
-              <a:schemeClr val="lt1"/>
-            </a:fillRef>
-            <a:effectRef idx="0">
-              <a:schemeClr val="dk1"/>
-            </a:effectRef>
-            <a:fontRef idx="minor">
-              <a:schemeClr val="dk1"/>
-            </a:fontRef>
-          </p:style>
-          <p:txBody>
-            <a:bodyPr rtlCol="0" anchor="ctr"/>
-            <a:lstStyle/>
-            <a:p>
-              <a:pPr algn="ctr"/>
-              <a:endParaRPr lang="en-US"/>
-            </a:p>
-          </p:txBody>
-        </p:sp>
-        <p:sp>
-          <p:nvSpPr>
-            <p:cNvPr id="122" name="TextBox 121"/>
-            <p:cNvSpPr txBox="1"/>
-            <p:nvPr/>
-          </p:nvSpPr>
-          <p:spPr>
-            <a:xfrm>
-              <a:off x="15582658" y="35381682"/>
-              <a:ext cx="16118549" cy="1158039"/>
-            </a:xfrm>
-            <a:prstGeom prst="rect">
-              <a:avLst/>
-            </a:prstGeom>
-          </p:spPr>
-          <p:style>
-            <a:lnRef idx="0">
-              <a:schemeClr val="dk1"/>
-            </a:lnRef>
-            <a:fillRef idx="3">
-              <a:schemeClr val="dk1"/>
-            </a:fillRef>
-            <a:effectRef idx="3">
-              <a:schemeClr val="dk1"/>
-            </a:effectRef>
-            <a:fontRef idx="minor">
-              <a:schemeClr val="lt1"/>
-            </a:fontRef>
-          </p:style>
-          <p:txBody>
-            <a:bodyPr wrap="square" tIns="91440" rtlCol="0">
-              <a:noAutofit/>
-            </a:bodyPr>
-            <a:lstStyle/>
-            <a:p>
-              <a:pPr algn="ctr"/>
-              <a:r>
-                <a:rPr lang="en-US" sz="5400" dirty="0" smtClean="0"/>
-                <a:t>Say Something</a:t>
-              </a:r>
-            </a:p>
-          </p:txBody>
-        </p:sp>
-      </p:grpSp>
-      <p:sp>
-        <p:nvSpPr>
-          <p:cNvPr id="74" name="Rectangle 73"/>
-          <p:cNvSpPr/>
-          <p:nvPr/>
-        </p:nvSpPr>
-        <p:spPr>
-          <a:xfrm>
-            <a:off x="18994049" y="13999530"/>
-            <a:ext cx="8517412" cy="1173417"/>
-          </a:xfrm>
-          <a:prstGeom prst="rect">
-            <a:avLst/>
-          </a:prstGeom>
-        </p:spPr>
-        <p:style>
-          <a:lnRef idx="2">
-            <a:schemeClr val="dk1"/>
-          </a:lnRef>
-          <a:fillRef idx="1">
-            <a:schemeClr val="lt1"/>
-          </a:fillRef>
-          <a:effectRef idx="0">
-            <a:schemeClr val="dk1"/>
-          </a:effectRef>
-          <a:fontRef idx="minor">
-            <a:schemeClr val="dk1"/>
-          </a:fontRef>
-        </p:style>
-        <p:txBody>
-          <a:bodyPr rtlCol="0" anchor="ctr"/>
-          <a:lstStyle/>
-          <a:p>
-            <a:pPr algn="ctr"/>
-            <a:endParaRPr lang="en-US" sz="4800" dirty="0"/>
-          </a:p>
-        </p:txBody>
-      </p:sp>
-      <p:sp>
-        <p:nvSpPr>
-          <p:cNvPr id="76" name="Rectangle 75"/>
-          <p:cNvSpPr/>
-          <p:nvPr/>
-        </p:nvSpPr>
-        <p:spPr>
-          <a:xfrm>
-            <a:off x="23466189" y="12193606"/>
-            <a:ext cx="3921169" cy="1589214"/>
-          </a:xfrm>
-          <a:prstGeom prst="rect">
-            <a:avLst/>
-          </a:prstGeom>
-        </p:spPr>
-        <p:style>
-          <a:lnRef idx="2">
-            <a:schemeClr val="dk1"/>
-          </a:lnRef>
-          <a:fillRef idx="1">
-            <a:schemeClr val="lt1"/>
-          </a:fillRef>
-          <a:effectRef idx="0">
-            <a:schemeClr val="dk1"/>
-          </a:effectRef>
-          <a:fontRef idx="minor">
-            <a:schemeClr val="dk1"/>
-          </a:fontRef>
-        </p:style>
-        <p:txBody>
-          <a:bodyPr rtlCol="0" anchor="ctr"/>
-          <a:lstStyle/>
-          <a:p>
-            <a:pPr algn="ctr"/>
-            <a:r>
-              <a:rPr lang="en-US" sz="4400" dirty="0" smtClean="0"/>
-              <a:t>   Per-pixel Classification</a:t>
-            </a:r>
-            <a:endParaRPr lang="en-US" sz="4400" dirty="0"/>
-          </a:p>
-        </p:txBody>
-      </p:sp>
-      <p:sp>
-        <p:nvSpPr>
-          <p:cNvPr id="77" name="Rectangle 76"/>
-          <p:cNvSpPr/>
-          <p:nvPr/>
-        </p:nvSpPr>
-        <p:spPr>
-          <a:xfrm>
-            <a:off x="23493980" y="10690394"/>
-            <a:ext cx="3893378" cy="1358737"/>
-          </a:xfrm>
-          <a:prstGeom prst="rect">
-            <a:avLst/>
-          </a:prstGeom>
-        </p:spPr>
-        <p:style>
-          <a:lnRef idx="2">
-            <a:schemeClr val="dk1"/>
-          </a:lnRef>
-          <a:fillRef idx="1">
-            <a:schemeClr val="lt1"/>
-          </a:fillRef>
-          <a:effectRef idx="0">
-            <a:schemeClr val="dk1"/>
-          </a:effectRef>
-          <a:fontRef idx="minor">
-            <a:schemeClr val="dk1"/>
-          </a:fontRef>
-        </p:style>
-        <p:txBody>
-          <a:bodyPr rtlCol="0" anchor="ctr"/>
-          <a:lstStyle/>
-          <a:p>
-            <a:pPr algn="ctr"/>
-            <a:r>
-              <a:rPr lang="en-US" sz="4400" dirty="0" smtClean="0"/>
-              <a:t>Pooling</a:t>
-            </a:r>
-            <a:endParaRPr lang="en-US" sz="4400" dirty="0"/>
-          </a:p>
-        </p:txBody>
-      </p:sp>
-      <p:sp>
-        <p:nvSpPr>
-          <p:cNvPr id="78" name="Rectangle 77"/>
-          <p:cNvSpPr/>
-          <p:nvPr/>
-        </p:nvSpPr>
-        <p:spPr>
-          <a:xfrm>
-            <a:off x="19023734" y="10690394"/>
-            <a:ext cx="4034862" cy="3092425"/>
-          </a:xfrm>
-          <a:prstGeom prst="rect">
-            <a:avLst/>
-          </a:prstGeom>
-        </p:spPr>
-        <p:style>
-          <a:lnRef idx="2">
-            <a:schemeClr val="dk1"/>
-          </a:lnRef>
-          <a:fillRef idx="1">
-            <a:schemeClr val="lt1"/>
-          </a:fillRef>
-          <a:effectRef idx="0">
-            <a:schemeClr val="dk1"/>
-          </a:effectRef>
-          <a:fontRef idx="minor">
-            <a:schemeClr val="dk1"/>
-          </a:fontRef>
-        </p:style>
-        <p:txBody>
-          <a:bodyPr rtlCol="0" anchor="ctr"/>
-          <a:lstStyle/>
-          <a:p>
-            <a:pPr algn="ctr"/>
-            <a:r>
-              <a:rPr lang="en-US" sz="4400" dirty="0" smtClean="0"/>
-              <a:t>Training</a:t>
-            </a:r>
-            <a:endParaRPr lang="en-US" sz="4400" dirty="0"/>
-          </a:p>
-        </p:txBody>
-      </p:sp>
-      <p:sp>
-        <p:nvSpPr>
-          <p:cNvPr id="79" name="Rectangle 78"/>
-          <p:cNvSpPr/>
-          <p:nvPr/>
-        </p:nvSpPr>
-        <p:spPr>
-          <a:xfrm>
-            <a:off x="28017120" y="13490432"/>
-            <a:ext cx="1944160" cy="584775"/>
-          </a:xfrm>
-          <a:prstGeom prst="rect">
-            <a:avLst/>
-          </a:prstGeom>
-        </p:spPr>
-        <p:txBody>
-          <a:bodyPr wrap="square">
-            <a:spAutoFit/>
-          </a:bodyPr>
-          <a:lstStyle/>
-          <a:p>
-            <a:pPr algn="ctr"/>
-            <a:r>
-              <a:rPr lang="en-US" sz="3200" dirty="0" smtClean="0">
-                <a:solidFill>
-                  <a:schemeClr val="accent2"/>
-                </a:solidFill>
-              </a:rPr>
-              <a:t>GPU</a:t>
-            </a:r>
-            <a:endParaRPr lang="en-US" sz="3200" dirty="0">
-              <a:solidFill>
-                <a:schemeClr val="accent2"/>
-              </a:solidFill>
-            </a:endParaRPr>
-          </a:p>
-        </p:txBody>
-      </p:sp>
-      <p:sp>
-        <p:nvSpPr>
-          <p:cNvPr id="80" name="Rectangle 79"/>
-          <p:cNvSpPr/>
-          <p:nvPr/>
-        </p:nvSpPr>
-        <p:spPr>
-          <a:xfrm>
-            <a:off x="23393952" y="15348498"/>
-            <a:ext cx="4117509" cy="1127821"/>
-          </a:xfrm>
-          <a:prstGeom prst="rect">
-            <a:avLst/>
-          </a:prstGeom>
-        </p:spPr>
-        <p:style>
-          <a:lnRef idx="2">
-            <a:schemeClr val="dk1"/>
-          </a:lnRef>
-          <a:fillRef idx="1">
-            <a:schemeClr val="lt1"/>
-          </a:fillRef>
-          <a:effectRef idx="0">
-            <a:schemeClr val="dk1"/>
-          </a:effectRef>
-          <a:fontRef idx="minor">
-            <a:schemeClr val="dk1"/>
-          </a:fontRef>
-        </p:style>
-        <p:txBody>
-          <a:bodyPr rtlCol="0" anchor="ctr"/>
-          <a:lstStyle/>
-          <a:p>
-            <a:pPr algn="ctr"/>
-            <a:r>
-              <a:rPr lang="en-US" sz="4400" dirty="0" smtClean="0"/>
-              <a:t>Raw Image</a:t>
-            </a:r>
-            <a:endParaRPr lang="en-US" sz="4400" dirty="0"/>
-          </a:p>
-        </p:txBody>
-      </p:sp>
-      <p:sp>
-        <p:nvSpPr>
-          <p:cNvPr id="83" name="Rectangle 82"/>
-          <p:cNvSpPr/>
-          <p:nvPr/>
-        </p:nvSpPr>
-        <p:spPr>
-          <a:xfrm>
-            <a:off x="18987496" y="15348499"/>
-            <a:ext cx="4071100" cy="1127821"/>
-          </a:xfrm>
-          <a:prstGeom prst="rect">
-            <a:avLst/>
-          </a:prstGeom>
-        </p:spPr>
-        <p:style>
-          <a:lnRef idx="2">
-            <a:schemeClr val="dk1"/>
-          </a:lnRef>
-          <a:fillRef idx="1">
-            <a:schemeClr val="lt1"/>
-          </a:fillRef>
-          <a:effectRef idx="0">
-            <a:schemeClr val="dk1"/>
-          </a:effectRef>
-          <a:fontRef idx="minor">
-            <a:schemeClr val="dk1"/>
-          </a:fontRef>
-        </p:style>
-        <p:txBody>
-          <a:bodyPr rtlCol="0" anchor="ctr"/>
-          <a:lstStyle/>
-          <a:p>
-            <a:pPr algn="ctr"/>
-            <a:r>
-              <a:rPr lang="en-US" sz="4400" dirty="0" smtClean="0"/>
-              <a:t>Labeled Image</a:t>
-            </a:r>
-            <a:endParaRPr lang="en-US" sz="4400" dirty="0"/>
-          </a:p>
-        </p:txBody>
-      </p:sp>
-      <p:sp>
-        <p:nvSpPr>
-          <p:cNvPr id="84" name="Rectangle 83"/>
-          <p:cNvSpPr/>
-          <p:nvPr/>
-        </p:nvSpPr>
-        <p:spPr>
-          <a:xfrm>
-            <a:off x="23475721" y="9509391"/>
-            <a:ext cx="3911637" cy="769441"/>
-          </a:xfrm>
-          <a:prstGeom prst="rect">
-            <a:avLst/>
-          </a:prstGeom>
-        </p:spPr>
-        <p:style>
-          <a:lnRef idx="1">
-            <a:schemeClr val="dk1"/>
-          </a:lnRef>
-          <a:fillRef idx="3">
-            <a:schemeClr val="dk1"/>
-          </a:fillRef>
-          <a:effectRef idx="2">
-            <a:schemeClr val="dk1"/>
-          </a:effectRef>
-          <a:fontRef idx="minor">
-            <a:schemeClr val="lt1"/>
-          </a:fontRef>
-        </p:style>
-        <p:txBody>
-          <a:bodyPr wrap="square">
-            <a:spAutoFit/>
-          </a:bodyPr>
-          <a:lstStyle/>
-          <a:p>
-            <a:pPr algn="ctr"/>
-            <a:r>
-              <a:rPr lang="en-US" sz="4400" dirty="0" smtClean="0">
-                <a:solidFill>
-                  <a:schemeClr val="bg1"/>
-                </a:solidFill>
-              </a:rPr>
-              <a:t>End Users</a:t>
-            </a:r>
-            <a:endParaRPr lang="en-US" sz="4400" dirty="0">
-              <a:solidFill>
-                <a:schemeClr val="bg1"/>
-              </a:solidFill>
-            </a:endParaRPr>
-          </a:p>
-        </p:txBody>
-      </p:sp>
-      <p:sp>
-        <p:nvSpPr>
-          <p:cNvPr id="85" name="Rectangle 84"/>
-          <p:cNvSpPr/>
-          <p:nvPr/>
-        </p:nvSpPr>
-        <p:spPr>
-          <a:xfrm>
-            <a:off x="19032838" y="9512832"/>
-            <a:ext cx="4025757" cy="646331"/>
-          </a:xfrm>
-          <a:prstGeom prst="rect">
-            <a:avLst/>
-          </a:prstGeom>
-        </p:spPr>
-        <p:style>
-          <a:lnRef idx="1">
-            <a:schemeClr val="dk1"/>
-          </a:lnRef>
-          <a:fillRef idx="3">
-            <a:schemeClr val="dk1"/>
-          </a:fillRef>
-          <a:effectRef idx="2">
-            <a:schemeClr val="dk1"/>
-          </a:effectRef>
-          <a:fontRef idx="minor">
-            <a:schemeClr val="lt1"/>
-          </a:fontRef>
-        </p:style>
-        <p:txBody>
-          <a:bodyPr wrap="square">
-            <a:spAutoFit/>
-          </a:bodyPr>
-          <a:lstStyle/>
-          <a:p>
-            <a:pPr algn="ctr"/>
-            <a:r>
-              <a:rPr lang="en-US" sz="3600" dirty="0" smtClean="0">
-                <a:solidFill>
-                  <a:schemeClr val="bg1"/>
-                </a:solidFill>
-              </a:rPr>
-              <a:t>Developers</a:t>
-            </a:r>
-            <a:endParaRPr lang="en-US" sz="3600" dirty="0">
-              <a:solidFill>
-                <a:schemeClr val="bg1"/>
-              </a:solidFill>
-            </a:endParaRPr>
-          </a:p>
-        </p:txBody>
-      </p:sp>
-      <p:sp>
-        <p:nvSpPr>
-          <p:cNvPr id="86" name="Rectangle 85"/>
-          <p:cNvSpPr/>
-          <p:nvPr/>
-        </p:nvSpPr>
-        <p:spPr>
-          <a:xfrm>
-            <a:off x="18987496" y="16721001"/>
-            <a:ext cx="8523966" cy="1228029"/>
-          </a:xfrm>
-          <a:prstGeom prst="rect">
-            <a:avLst/>
-          </a:prstGeom>
-        </p:spPr>
-        <p:style>
-          <a:lnRef idx="2">
-            <a:schemeClr val="dk1"/>
-          </a:lnRef>
-          <a:fillRef idx="1">
-            <a:schemeClr val="lt1"/>
-          </a:fillRef>
-          <a:effectRef idx="0">
-            <a:schemeClr val="dk1"/>
-          </a:effectRef>
-          <a:fontRef idx="minor">
-            <a:schemeClr val="dk1"/>
-          </a:fontRef>
-        </p:style>
-        <p:txBody>
-          <a:bodyPr rtlCol="0" anchor="ctr"/>
-          <a:lstStyle/>
-          <a:p>
-            <a:pPr algn="ctr"/>
-            <a:r>
-              <a:rPr lang="en-US" sz="4400" dirty="0" smtClean="0"/>
-              <a:t>Kinect   Sensor</a:t>
-            </a:r>
-            <a:endParaRPr lang="en-US" sz="4400" dirty="0"/>
-          </a:p>
-        </p:txBody>
-      </p:sp>
-      <p:sp>
-        <p:nvSpPr>
-          <p:cNvPr id="87" name="Rectangle 86"/>
-          <p:cNvSpPr/>
-          <p:nvPr/>
-        </p:nvSpPr>
-        <p:spPr>
-          <a:xfrm>
-            <a:off x="23393952" y="18117039"/>
-            <a:ext cx="4117510" cy="1661452"/>
-          </a:xfrm>
-          <a:prstGeom prst="rect">
-            <a:avLst/>
-          </a:prstGeom>
-        </p:spPr>
-        <p:style>
-          <a:lnRef idx="2">
-            <a:schemeClr val="dk1"/>
-          </a:lnRef>
-          <a:fillRef idx="1">
-            <a:schemeClr val="lt1"/>
-          </a:fillRef>
-          <a:effectRef idx="0">
-            <a:schemeClr val="dk1"/>
-          </a:effectRef>
-          <a:fontRef idx="minor">
-            <a:schemeClr val="dk1"/>
-          </a:fontRef>
-        </p:style>
-        <p:txBody>
-          <a:bodyPr rtlCol="0" anchor="ctr"/>
-          <a:lstStyle/>
-          <a:p>
-            <a:pPr algn="ctr"/>
-            <a:r>
-              <a:rPr lang="en-US" sz="4000" dirty="0" smtClean="0"/>
-              <a:t>Just Hands</a:t>
-            </a:r>
-            <a:endParaRPr lang="en-US" sz="4000" dirty="0"/>
-          </a:p>
-        </p:txBody>
-      </p:sp>
-      <p:sp>
-        <p:nvSpPr>
-          <p:cNvPr id="95" name="Rectangle 94"/>
-          <p:cNvSpPr/>
-          <p:nvPr/>
-        </p:nvSpPr>
-        <p:spPr>
-          <a:xfrm>
-            <a:off x="18987496" y="18117039"/>
-            <a:ext cx="4071100" cy="1661452"/>
-          </a:xfrm>
-          <a:prstGeom prst="rect">
-            <a:avLst/>
-          </a:prstGeom>
-        </p:spPr>
-        <p:style>
-          <a:lnRef idx="2">
-            <a:schemeClr val="dk1"/>
-          </a:lnRef>
-          <a:fillRef idx="1">
-            <a:schemeClr val="lt1"/>
-          </a:fillRef>
-          <a:effectRef idx="0">
-            <a:schemeClr val="dk1"/>
-          </a:effectRef>
-          <a:fontRef idx="minor">
-            <a:schemeClr val="dk1"/>
-          </a:fontRef>
-        </p:style>
-        <p:txBody>
-          <a:bodyPr rtlCol="0" anchor="ctr"/>
-          <a:lstStyle/>
-          <a:p>
-            <a:pPr algn="ctr"/>
-            <a:r>
-              <a:rPr lang="en-US" sz="4400" dirty="0" smtClean="0"/>
-              <a:t>Color Gloves</a:t>
-            </a:r>
-            <a:endParaRPr lang="en-US" sz="4400" dirty="0"/>
-          </a:p>
-        </p:txBody>
-      </p:sp>
-      <p:cxnSp>
-        <p:nvCxnSpPr>
-          <p:cNvPr id="96" name="Straight Connector 95"/>
-          <p:cNvCxnSpPr/>
-          <p:nvPr/>
-        </p:nvCxnSpPr>
-        <p:spPr>
-          <a:xfrm>
-            <a:off x="23249479" y="10351561"/>
-            <a:ext cx="0" cy="10149299"/>
-          </a:xfrm>
-          <a:prstGeom prst="line">
-            <a:avLst/>
-          </a:prstGeom>
-          <a:ln w="28575">
-            <a:solidFill>
-              <a:schemeClr val="bg1">
-                <a:lumMod val="50000"/>
-              </a:schemeClr>
-            </a:solidFill>
-            <a:prstDash val="dashDot"/>
-          </a:ln>
-        </p:spPr>
-        <p:style>
-          <a:lnRef idx="1">
-            <a:schemeClr val="accent1"/>
-          </a:lnRef>
-          <a:fillRef idx="0">
-            <a:schemeClr val="accent1"/>
-          </a:fillRef>
-          <a:effectRef idx="0">
-            <a:schemeClr val="accent1"/>
-          </a:effectRef>
-          <a:fontRef idx="minor">
-            <a:schemeClr val="tx1"/>
-          </a:fontRef>
-        </p:style>
-      </p:cxnSp>
-      <p:sp>
-        <p:nvSpPr>
-          <p:cNvPr id="97" name="Rectangle 96"/>
-          <p:cNvSpPr/>
-          <p:nvPr/>
-        </p:nvSpPr>
-        <p:spPr>
-          <a:xfrm>
-            <a:off x="23341417" y="12085250"/>
-            <a:ext cx="4427774" cy="2949134"/>
-          </a:xfrm>
-          <a:prstGeom prst="rect">
-            <a:avLst/>
-          </a:prstGeom>
-          <a:solidFill>
-            <a:schemeClr val="lt1">
-              <a:alpha val="0"/>
-            </a:schemeClr>
-          </a:solidFill>
-          <a:ln>
-            <a:solidFill>
-              <a:schemeClr val="accent2"/>
-            </a:solidFill>
-            <a:prstDash val="dash"/>
-          </a:ln>
-        </p:spPr>
-        <p:style>
-          <a:lnRef idx="2">
-            <a:schemeClr val="dk1"/>
-          </a:lnRef>
-          <a:fillRef idx="1">
-            <a:schemeClr val="lt1"/>
-          </a:fillRef>
-          <a:effectRef idx="0">
-            <a:schemeClr val="dk1"/>
-          </a:effectRef>
-          <a:fontRef idx="minor">
-            <a:schemeClr val="dk1"/>
-          </a:fontRef>
-        </p:style>
-        <p:txBody>
-          <a:bodyPr rtlCol="0" anchor="ctr"/>
-          <a:lstStyle/>
-          <a:p>
-            <a:pPr algn="ctr"/>
-            <a:endParaRPr lang="en-US" sz="2000" dirty="0"/>
-          </a:p>
-        </p:txBody>
-      </p:sp>
-      <p:sp>
-        <p:nvSpPr>
-          <p:cNvPr id="10" name="Rectangle 9"/>
-          <p:cNvSpPr/>
-          <p:nvPr/>
-        </p:nvSpPr>
-        <p:spPr>
-          <a:xfrm>
-            <a:off x="21154605" y="14264943"/>
-            <a:ext cx="4642232" cy="769441"/>
-          </a:xfrm>
-          <a:prstGeom prst="rect">
-            <a:avLst/>
-          </a:prstGeom>
-        </p:spPr>
-        <p:txBody>
-          <a:bodyPr wrap="none">
-            <a:spAutoFit/>
-          </a:bodyPr>
-          <a:lstStyle/>
-          <a:p>
-            <a:pPr algn="ctr"/>
-            <a:r>
-              <a:rPr lang="en-US" sz="4400" dirty="0"/>
-              <a:t> Feature  Extraction</a:t>
-            </a:r>
-          </a:p>
-        </p:txBody>
-      </p:sp>
       <p:pic>
         <p:nvPicPr>
           <p:cNvPr id="1026" name="Picture 2"/>
@@ -5318,7 +4772,7 @@
         </p:blipFill>
         <p:spPr bwMode="auto">
           <a:xfrm>
-            <a:off x="2782523" y="24378789"/>
+            <a:off x="3012128" y="24112710"/>
             <a:ext cx="8979366" cy="3500320"/>
           </a:xfrm>
           <a:prstGeom prst="rect">
@@ -5382,7 +4836,7 @@
         </p:blipFill>
         <p:spPr bwMode="auto">
           <a:xfrm>
-            <a:off x="5072886" y="23426934"/>
+            <a:off x="5453352" y="23213877"/>
             <a:ext cx="4568904" cy="951855"/>
           </a:xfrm>
           <a:prstGeom prst="rect">
@@ -5441,133 +4895,127 @@
         </p:spPr>
         <p:txBody>
           <a:bodyPr wrap="square" rtlCol="0">
-            <a:normAutofit fontScale="25000" lnSpcReduction="20000"/>
+            <a:noAutofit/>
           </a:bodyPr>
           <a:lstStyle/>
           <a:p>
             <a:r>
-              <a:rPr lang="en-US" sz="11100" dirty="0" smtClean="0"/>
-              <a:t>Machine learning algorithm: random forest</a:t>
-            </a:r>
-          </a:p>
-          <a:p>
-            <a:r>
-              <a:rPr lang="en-US" sz="11100" dirty="0" smtClean="0"/>
+              <a:rPr lang="en-US" sz="3600" dirty="0" smtClean="0"/>
+              <a:t>Random forest for classification</a:t>
+            </a:r>
+          </a:p>
+          <a:p>
+            <a:r>
+              <a:rPr lang="en-US" sz="3600" dirty="0" smtClean="0"/>
               <a:t>    - Ensemble of decision trees</a:t>
             </a:r>
           </a:p>
           <a:p>
-            <a:endParaRPr lang="en-US" sz="11100" dirty="0" smtClean="0"/>
-          </a:p>
-          <a:p>
-            <a:r>
-              <a:rPr lang="en-US" sz="11100" dirty="0" smtClean="0"/>
+            <a:r>
+              <a:rPr lang="en-US" sz="3600" dirty="0" smtClean="0"/>
               <a:t>Prediction complexity:</a:t>
             </a:r>
           </a:p>
           <a:p>
             <a:r>
-              <a:rPr lang="en-US" sz="11100" dirty="0"/>
+              <a:rPr lang="en-US" sz="3600" dirty="0"/>
               <a:t> </a:t>
             </a:r>
             <a:r>
-              <a:rPr lang="en-US" sz="11100" dirty="0" smtClean="0"/>
+              <a:rPr lang="en-US" sz="3600" dirty="0" smtClean="0"/>
               <a:t>   - O(</a:t>
             </a:r>
             <a:r>
-              <a:rPr lang="en-US" sz="11100" dirty="0" err="1" smtClean="0"/>
+              <a:rPr lang="en-US" sz="3600" dirty="0" err="1" smtClean="0"/>
               <a:t>d</a:t>
             </a:r>
             <a:r>
-              <a:rPr lang="en-US" sz="11100" baseline="-25000" dirty="0" err="1" smtClean="0"/>
+              <a:rPr lang="en-US" sz="3600" baseline="-25000" dirty="0" err="1" smtClean="0"/>
               <a:t>level</a:t>
             </a:r>
             <a:r>
-              <a:rPr lang="en-US" sz="11100" dirty="0" smtClean="0"/>
+              <a:rPr lang="en-US" sz="3600" dirty="0" smtClean="0"/>
               <a:t> </a:t>
             </a:r>
             <a:r>
-              <a:rPr lang="en-US" sz="11100" dirty="0" err="1" smtClean="0"/>
+              <a:rPr lang="en-US" sz="3600" dirty="0" err="1" smtClean="0"/>
               <a:t>n</a:t>
             </a:r>
             <a:r>
-              <a:rPr lang="en-US" sz="11100" baseline="-25000" dirty="0" err="1" smtClean="0"/>
+              <a:rPr lang="en-US" sz="3600" baseline="-25000" dirty="0" err="1" smtClean="0"/>
               <a:t>tree</a:t>
             </a:r>
             <a:r>
-              <a:rPr lang="en-US" sz="11100" dirty="0" smtClean="0"/>
+              <a:rPr lang="en-US" sz="3600" dirty="0" smtClean="0"/>
               <a:t>) vs. linear SVM O(</a:t>
             </a:r>
             <a:r>
-              <a:rPr lang="en-US" sz="11100" dirty="0" err="1" smtClean="0"/>
+              <a:rPr lang="en-US" sz="3600" dirty="0" err="1" smtClean="0"/>
               <a:t>n</a:t>
             </a:r>
             <a:r>
-              <a:rPr lang="en-US" sz="11100" baseline="-25000" dirty="0" err="1" smtClean="0"/>
+              <a:rPr lang="en-US" sz="3600" baseline="-25000" dirty="0" err="1" smtClean="0"/>
               <a:t>class</a:t>
             </a:r>
             <a:r>
-              <a:rPr lang="en-US" sz="11100" dirty="0" smtClean="0"/>
+              <a:rPr lang="en-US" sz="3600" dirty="0" smtClean="0"/>
               <a:t> </a:t>
             </a:r>
             <a:r>
-              <a:rPr lang="en-US" sz="11100" dirty="0" err="1" smtClean="0"/>
+              <a:rPr lang="en-US" sz="3600" dirty="0" err="1" smtClean="0"/>
               <a:t>n</a:t>
             </a:r>
             <a:r>
-              <a:rPr lang="en-US" sz="11100" baseline="-25000" dirty="0" err="1" smtClean="0"/>
+              <a:rPr lang="en-US" sz="3600" baseline="-25000" dirty="0" err="1" smtClean="0"/>
               <a:t>features</a:t>
             </a:r>
             <a:r>
-              <a:rPr lang="en-US" sz="11100" dirty="0" smtClean="0"/>
+              <a:rPr lang="en-US" sz="3600" dirty="0" smtClean="0"/>
               <a:t>)</a:t>
             </a:r>
           </a:p>
           <a:p>
-            <a:endParaRPr lang="en-US" sz="11100" dirty="0" smtClean="0"/>
-          </a:p>
-          <a:p>
-            <a:r>
-              <a:rPr lang="en-US" sz="11100" dirty="0" smtClean="0"/>
+            <a:r>
+              <a:rPr lang="en-US" sz="3600" dirty="0" smtClean="0"/>
               <a:t>Use GPU for real-time prediction:</a:t>
             </a:r>
           </a:p>
           <a:p>
             <a:r>
-              <a:rPr lang="en-US" sz="11100" dirty="0"/>
+              <a:rPr lang="en-US" sz="3600" dirty="0"/>
               <a:t> </a:t>
             </a:r>
             <a:r>
-              <a:rPr lang="en-US" sz="11100" dirty="0" smtClean="0"/>
+              <a:rPr lang="en-US" sz="3600" dirty="0" smtClean="0"/>
               <a:t>   - Massive parallelism: 307,200 threads a frame</a:t>
             </a:r>
           </a:p>
           <a:p>
             <a:r>
-              <a:rPr lang="en-US" sz="11100" dirty="0"/>
+              <a:rPr lang="en-US" sz="3600" dirty="0"/>
               <a:t> </a:t>
             </a:r>
             <a:r>
-              <a:rPr lang="en-US" sz="11100" dirty="0" smtClean="0"/>
+              <a:rPr lang="en-US" sz="3600" dirty="0" smtClean="0"/>
               <a:t>   - </a:t>
             </a:r>
             <a:r>
-              <a:rPr lang="en-US" sz="11100" dirty="0" err="1" smtClean="0"/>
+              <a:rPr lang="en-US" sz="3600" dirty="0" err="1" smtClean="0"/>
               <a:t>OpenCL</a:t>
             </a:r>
             <a:r>
-              <a:rPr lang="en-US" sz="11100" dirty="0" smtClean="0"/>
+              <a:rPr lang="en-US" sz="3600" dirty="0" smtClean="0"/>
               <a:t>: a general purpose computing for GPU     </a:t>
             </a:r>
           </a:p>
           <a:p>
-            <a:endParaRPr lang="en-US" dirty="0" smtClean="0"/>
-          </a:p>
-          <a:p>
-            <a:endParaRPr lang="en-US" dirty="0" smtClean="0"/>
-          </a:p>
-          <a:p>
-            <a:endParaRPr lang="en-US" dirty="0"/>
+            <a:endParaRPr lang="en-US" sz="2400" dirty="0" smtClean="0"/>
+          </a:p>
+          <a:p>
+            <a:endParaRPr lang="en-US" sz="2400" dirty="0" smtClean="0"/>
+          </a:p>
+          <a:p>
+            <a:endParaRPr lang="en-US" sz="2400" dirty="0"/>
           </a:p>
         </p:txBody>
       </p:sp>
@@ -5579,10 +5027,10 @@
         </p:nvGrpSpPr>
         <p:grpSpPr>
           <a:xfrm>
-            <a:off x="15086697" y="31119699"/>
-            <a:ext cx="17181575" cy="12280290"/>
+            <a:off x="15086697" y="29747196"/>
+            <a:ext cx="17181575" cy="13777142"/>
             <a:chOff x="15052983" y="21856700"/>
-            <a:chExt cx="17181575" cy="20883382"/>
+            <a:chExt cx="17181575" cy="21073585"/>
           </a:xfrm>
         </p:grpSpPr>
         <p:sp>
@@ -5593,11 +5041,13 @@
           </p:nvSpPr>
           <p:spPr>
             <a:xfrm>
-              <a:off x="15086698" y="24994024"/>
-              <a:ext cx="17126712" cy="17746058"/>
+              <a:off x="15086698" y="23624605"/>
+              <a:ext cx="17126712" cy="19305680"/>
             </a:xfrm>
-            <a:prstGeom prst="rect">
-              <a:avLst/>
+            <a:prstGeom prst="roundRect">
+              <a:avLst>
+                <a:gd name="adj" fmla="val 3158"/>
+              </a:avLst>
             </a:prstGeom>
             <a:solidFill>
               <a:schemeClr val="lt1">
@@ -5621,7 +5071,7 @@
             </a:fontRef>
           </p:style>
           <p:txBody>
-            <a:bodyPr wrap="square" lIns="548640" tIns="0" bIns="548640" rtlCol="0">
+            <a:bodyPr wrap="square" lIns="548640" tIns="91440" bIns="548640" rtlCol="0">
               <a:noAutofit/>
             </a:bodyPr>
             <a:lstStyle/>
@@ -5634,11 +5084,7 @@
             <a:p>
               <a:r>
                 <a:rPr lang="en-US" sz="4000" dirty="0" smtClean="0"/>
-                <a:t>Use </a:t>
-              </a:r>
-              <a:r>
-                <a:rPr lang="en-US" sz="4000" dirty="0" smtClean="0"/>
-                <a:t>EC2 to train many data sets</a:t>
+                <a:t>Use EC2 to train many data sets</a:t>
               </a:r>
             </a:p>
             <a:p>
@@ -5659,7 +5105,6 @@
                 <a:rPr lang="en-US" sz="4000" dirty="0" smtClean="0"/>
                 <a:t> </a:t>
               </a:r>
-              <a:endParaRPr lang="en-US" sz="4000" dirty="0" smtClean="0"/>
             </a:p>
             <a:p>
               <a:endParaRPr lang="en-US" sz="5400" dirty="0" smtClean="0"/>
@@ -5675,9 +5120,9 @@
           <p:spPr>
             <a:xfrm>
               <a:off x="15052983" y="21856700"/>
-              <a:ext cx="17181575" cy="3137324"/>
+              <a:ext cx="17181575" cy="2099387"/>
             </a:xfrm>
-            <a:prstGeom prst="rect">
+            <a:prstGeom prst="roundRect">
               <a:avLst/>
             </a:prstGeom>
             <a:ln w="76200"/>
@@ -5712,134 +5157,911 @@
           </p:txBody>
         </p:sp>
       </p:grpSp>
-      <p:pic>
-        <p:nvPicPr>
-          <p:cNvPr id="1027" name="Picture 3"/>
-          <p:cNvPicPr>
-            <a:picLocks noChangeAspect="1" noChangeArrowheads="1"/>
-          </p:cNvPicPr>
+      <p:grpSp>
+        <p:nvGrpSpPr>
+          <p:cNvPr id="13" name="Group 12"/>
+          <p:cNvGrpSpPr/>
           <p:nvPr/>
-        </p:nvPicPr>
-        <p:blipFill>
-          <a:blip r:embed="rId6">
+        </p:nvGrpSpPr>
+        <p:grpSpPr>
+          <a:xfrm>
+            <a:off x="15606559" y="25701924"/>
+            <a:ext cx="16077624" cy="3246423"/>
+            <a:chOff x="15606559" y="26211825"/>
+            <a:chExt cx="16077624" cy="3246423"/>
+          </a:xfrm>
+        </p:grpSpPr>
+        <p:pic>
+          <p:nvPicPr>
+            <p:cNvPr id="1027" name="Picture 3"/>
+            <p:cNvPicPr>
+              <a:picLocks noChangeAspect="1" noChangeArrowheads="1"/>
+            </p:cNvPicPr>
+            <p:nvPr/>
+          </p:nvPicPr>
+          <p:blipFill>
+            <a:blip r:embed="rId6">
+              <a:extLst>
+                <a:ext uri="{28A0092B-C50C-407E-A947-70E740481C1C}">
+                  <a14:useLocalDpi xmlns:a14="http://schemas.microsoft.com/office/drawing/2010/main" val="0"/>
+                </a:ext>
+              </a:extLst>
+            </a:blip>
+            <a:srcRect/>
+            <a:stretch>
+              <a:fillRect/>
+            </a:stretch>
+          </p:blipFill>
+          <p:spPr bwMode="auto">
+            <a:xfrm>
+              <a:off x="15606559" y="26211825"/>
+              <a:ext cx="12843983" cy="3246423"/>
+            </a:xfrm>
+            <a:prstGeom prst="rect">
+              <a:avLst/>
+            </a:prstGeom>
+            <a:noFill/>
+            <a:ln>
+              <a:noFill/>
+            </a:ln>
+            <a:effectLst/>
             <a:extLst>
-              <a:ext uri="{28A0092B-C50C-407E-A947-70E740481C1C}">
-                <a14:useLocalDpi xmlns:a14="http://schemas.microsoft.com/office/drawing/2010/main" val="0"/>
+              <a:ext uri="{909E8E84-426E-40DD-AFC4-6F175D3DCCD1}">
+                <a14:hiddenFill xmlns:a14="http://schemas.microsoft.com/office/drawing/2010/main">
+                  <a:solidFill>
+                    <a:schemeClr val="accent1"/>
+                  </a:solidFill>
+                </a14:hiddenFill>
+              </a:ext>
+              <a:ext uri="{91240B29-F687-4F45-9708-019B960494DF}">
+                <a14:hiddenLine xmlns:a14="http://schemas.microsoft.com/office/drawing/2010/main" w="9525">
+                  <a:solidFill>
+                    <a:schemeClr val="tx1"/>
+                  </a:solidFill>
+                  <a:miter lim="800000"/>
+                  <a:headEnd/>
+                  <a:tailEnd/>
+                </a14:hiddenLine>
+              </a:ext>
+              <a:ext uri="{AF507438-7753-43E0-B8FC-AC1667EBCBE1}">
+                <a14:hiddenEffects xmlns:a14="http://schemas.microsoft.com/office/drawing/2010/main">
+                  <a:effectLst>
+                    <a:outerShdw dist="35921" dir="2700000" algn="ctr" rotWithShape="0">
+                      <a:schemeClr val="bg2"/>
+                    </a:outerShdw>
+                  </a:effectLst>
+                </a14:hiddenEffects>
               </a:ext>
             </a:extLst>
-          </a:blip>
-          <a:srcRect/>
-          <a:stretch>
-            <a:fillRect/>
-          </a:stretch>
-        </p:blipFill>
-        <p:spPr bwMode="auto">
+          </p:spPr>
+        </p:pic>
+        <p:pic>
+          <p:nvPicPr>
+            <p:cNvPr id="1029" name="Picture 5"/>
+            <p:cNvPicPr>
+              <a:picLocks noChangeAspect="1" noChangeArrowheads="1"/>
+            </p:cNvPicPr>
+            <p:nvPr/>
+          </p:nvPicPr>
+          <p:blipFill>
+            <a:blip r:embed="rId7">
+              <a:extLst>
+                <a:ext uri="{28A0092B-C50C-407E-A947-70E740481C1C}">
+                  <a14:useLocalDpi xmlns:a14="http://schemas.microsoft.com/office/drawing/2010/main" val="0"/>
+                </a:ext>
+              </a:extLst>
+            </a:blip>
+            <a:srcRect/>
+            <a:stretch>
+              <a:fillRect/>
+            </a:stretch>
+          </p:blipFill>
+          <p:spPr bwMode="auto">
+            <a:xfrm>
+              <a:off x="28450542" y="26241799"/>
+              <a:ext cx="3233641" cy="3144212"/>
+            </a:xfrm>
+            <a:prstGeom prst="rect">
+              <a:avLst/>
+            </a:prstGeom>
+            <a:noFill/>
+            <a:ln>
+              <a:noFill/>
+            </a:ln>
+            <a:effectLst/>
+            <a:extLst>
+              <a:ext uri="{909E8E84-426E-40DD-AFC4-6F175D3DCCD1}">
+                <a14:hiddenFill xmlns:a14="http://schemas.microsoft.com/office/drawing/2010/main">
+                  <a:solidFill>
+                    <a:schemeClr val="accent1"/>
+                  </a:solidFill>
+                </a14:hiddenFill>
+              </a:ext>
+              <a:ext uri="{91240B29-F687-4F45-9708-019B960494DF}">
+                <a14:hiddenLine xmlns:a14="http://schemas.microsoft.com/office/drawing/2010/main" w="9525">
+                  <a:solidFill>
+                    <a:schemeClr val="tx1"/>
+                  </a:solidFill>
+                  <a:miter lim="800000"/>
+                  <a:headEnd/>
+                  <a:tailEnd/>
+                </a14:hiddenLine>
+              </a:ext>
+              <a:ext uri="{AF507438-7753-43E0-B8FC-AC1667EBCBE1}">
+                <a14:hiddenEffects xmlns:a14="http://schemas.microsoft.com/office/drawing/2010/main">
+                  <a:effectLst>
+                    <a:outerShdw dist="35921" dir="2700000" algn="ctr" rotWithShape="0">
+                      <a:schemeClr val="bg2"/>
+                    </a:outerShdw>
+                  </a:effectLst>
+                </a14:hiddenEffects>
+              </a:ext>
+            </a:extLst>
+          </p:spPr>
+        </p:pic>
+      </p:grpSp>
+      <p:grpSp>
+        <p:nvGrpSpPr>
+          <p:cNvPr id="15" name="Group 14"/>
+          <p:cNvGrpSpPr/>
+          <p:nvPr/>
+        </p:nvGrpSpPr>
+        <p:grpSpPr>
           <a:xfrm>
-            <a:off x="15606559" y="26211825"/>
-            <a:ext cx="12843983" cy="3246423"/>
+            <a:off x="18987496" y="8653992"/>
+            <a:ext cx="10185416" cy="11052261"/>
+            <a:chOff x="18987496" y="9304125"/>
+            <a:chExt cx="10185416" cy="11052261"/>
+          </a:xfrm>
+        </p:grpSpPr>
+        <p:grpSp>
+          <p:nvGrpSpPr>
+            <p:cNvPr id="14" name="Group 13"/>
+            <p:cNvGrpSpPr/>
+            <p:nvPr/>
+          </p:nvGrpSpPr>
+          <p:grpSpPr>
+            <a:xfrm>
+              <a:off x="18987496" y="9304125"/>
+              <a:ext cx="10185416" cy="11052261"/>
+              <a:chOff x="18987496" y="9304125"/>
+              <a:chExt cx="10185416" cy="11052261"/>
+            </a:xfrm>
+          </p:grpSpPr>
+          <p:sp>
+            <p:nvSpPr>
+              <p:cNvPr id="74" name="Rectangle 73"/>
+              <p:cNvSpPr/>
+              <p:nvPr/>
+            </p:nvSpPr>
+            <p:spPr>
+              <a:xfrm>
+                <a:off x="18994049" y="13999530"/>
+                <a:ext cx="8517412" cy="1173417"/>
+              </a:xfrm>
+              <a:prstGeom prst="rect">
+                <a:avLst/>
+              </a:prstGeom>
+              <a:solidFill>
+                <a:schemeClr val="bg1"/>
+              </a:solidFill>
+              <a:ln>
+                <a:solidFill>
+                  <a:schemeClr val="bg1"/>
+                </a:solidFill>
+              </a:ln>
+            </p:spPr>
+            <p:style>
+              <a:lnRef idx="1">
+                <a:schemeClr val="dk1"/>
+              </a:lnRef>
+              <a:fillRef idx="2">
+                <a:schemeClr val="dk1"/>
+              </a:fillRef>
+              <a:effectRef idx="1">
+                <a:schemeClr val="dk1"/>
+              </a:effectRef>
+              <a:fontRef idx="minor">
+                <a:schemeClr val="dk1"/>
+              </a:fontRef>
+            </p:style>
+            <p:txBody>
+              <a:bodyPr rtlCol="0" anchor="ctr"/>
+              <a:lstStyle/>
+              <a:p>
+                <a:pPr algn="ctr"/>
+                <a:endParaRPr lang="en-US" sz="4800" dirty="0"/>
+              </a:p>
+            </p:txBody>
+          </p:sp>
+          <p:sp>
+            <p:nvSpPr>
+              <p:cNvPr id="76" name="Rectangle 75"/>
+              <p:cNvSpPr/>
+              <p:nvPr/>
+            </p:nvSpPr>
+            <p:spPr>
+              <a:xfrm>
+                <a:off x="23466189" y="12193606"/>
+                <a:ext cx="4045273" cy="1589214"/>
+              </a:xfrm>
+              <a:prstGeom prst="rect">
+                <a:avLst/>
+              </a:prstGeom>
+              <a:solidFill>
+                <a:schemeClr val="bg1"/>
+              </a:solidFill>
+              <a:ln>
+                <a:solidFill>
+                  <a:schemeClr val="bg1"/>
+                </a:solidFill>
+              </a:ln>
+            </p:spPr>
+            <p:style>
+              <a:lnRef idx="1">
+                <a:schemeClr val="dk1"/>
+              </a:lnRef>
+              <a:fillRef idx="2">
+                <a:schemeClr val="dk1"/>
+              </a:fillRef>
+              <a:effectRef idx="1">
+                <a:schemeClr val="dk1"/>
+              </a:effectRef>
+              <a:fontRef idx="minor">
+                <a:schemeClr val="dk1"/>
+              </a:fontRef>
+            </p:style>
+            <p:txBody>
+              <a:bodyPr rtlCol="0" anchor="ctr"/>
+              <a:lstStyle/>
+              <a:p>
+                <a:pPr algn="ctr"/>
+                <a:r>
+                  <a:rPr lang="en-US" sz="4400" dirty="0" smtClean="0"/>
+                  <a:t>   Per-pixel Classification</a:t>
+                </a:r>
+                <a:endParaRPr lang="en-US" sz="4400" dirty="0"/>
+              </a:p>
+            </p:txBody>
+          </p:sp>
+          <p:sp>
+            <p:nvSpPr>
+              <p:cNvPr id="77" name="Rectangle 76"/>
+              <p:cNvSpPr/>
+              <p:nvPr/>
+            </p:nvSpPr>
+            <p:spPr>
+              <a:xfrm>
+                <a:off x="23493980" y="10618157"/>
+                <a:ext cx="4017482" cy="1358737"/>
+              </a:xfrm>
+              <a:prstGeom prst="rect">
+                <a:avLst/>
+              </a:prstGeom>
+              <a:solidFill>
+                <a:schemeClr val="bg1"/>
+              </a:solidFill>
+              <a:ln>
+                <a:solidFill>
+                  <a:schemeClr val="bg1"/>
+                </a:solidFill>
+              </a:ln>
+            </p:spPr>
+            <p:style>
+              <a:lnRef idx="1">
+                <a:schemeClr val="dk1"/>
+              </a:lnRef>
+              <a:fillRef idx="2">
+                <a:schemeClr val="dk1"/>
+              </a:fillRef>
+              <a:effectRef idx="1">
+                <a:schemeClr val="dk1"/>
+              </a:effectRef>
+              <a:fontRef idx="minor">
+                <a:schemeClr val="dk1"/>
+              </a:fontRef>
+            </p:style>
+            <p:txBody>
+              <a:bodyPr rtlCol="0" anchor="ctr"/>
+              <a:lstStyle/>
+              <a:p>
+                <a:pPr algn="ctr"/>
+                <a:r>
+                  <a:rPr lang="en-US" sz="4400" dirty="0" smtClean="0"/>
+                  <a:t>Pooling</a:t>
+                </a:r>
+                <a:endParaRPr lang="en-US" sz="4400" dirty="0"/>
+              </a:p>
+            </p:txBody>
+          </p:sp>
+          <p:sp>
+            <p:nvSpPr>
+              <p:cNvPr id="79" name="Rectangle 78"/>
+              <p:cNvSpPr/>
+              <p:nvPr/>
+            </p:nvSpPr>
+            <p:spPr>
+              <a:xfrm>
+                <a:off x="28017120" y="13490432"/>
+                <a:ext cx="1155792" cy="707886"/>
+              </a:xfrm>
+              <a:prstGeom prst="rect">
+                <a:avLst/>
+              </a:prstGeom>
+            </p:spPr>
+            <p:txBody>
+              <a:bodyPr wrap="square">
+                <a:spAutoFit/>
+              </a:bodyPr>
+              <a:lstStyle/>
+              <a:p>
+                <a:pPr algn="ctr"/>
+                <a:r>
+                  <a:rPr lang="en-US" sz="4000" b="1" i="1" dirty="0" smtClean="0">
+                    <a:solidFill>
+                      <a:srgbClr val="FF0000"/>
+                    </a:solidFill>
+                  </a:rPr>
+                  <a:t>GPU</a:t>
+                </a:r>
+                <a:endParaRPr lang="en-US" sz="4000" b="1" i="1" dirty="0">
+                  <a:solidFill>
+                    <a:srgbClr val="FF0000"/>
+                  </a:solidFill>
+                </a:endParaRPr>
+              </a:p>
+            </p:txBody>
+          </p:sp>
+          <p:sp>
+            <p:nvSpPr>
+              <p:cNvPr id="80" name="Rectangle 79"/>
+              <p:cNvSpPr/>
+              <p:nvPr/>
+            </p:nvSpPr>
+            <p:spPr>
+              <a:xfrm>
+                <a:off x="23393952" y="15400003"/>
+                <a:ext cx="4117509" cy="1127821"/>
+              </a:xfrm>
+              <a:prstGeom prst="rect">
+                <a:avLst/>
+              </a:prstGeom>
+              <a:solidFill>
+                <a:schemeClr val="bg1"/>
+              </a:solidFill>
+              <a:ln>
+                <a:solidFill>
+                  <a:schemeClr val="bg1"/>
+                </a:solidFill>
+              </a:ln>
+            </p:spPr>
+            <p:style>
+              <a:lnRef idx="1">
+                <a:schemeClr val="dk1"/>
+              </a:lnRef>
+              <a:fillRef idx="2">
+                <a:schemeClr val="dk1"/>
+              </a:fillRef>
+              <a:effectRef idx="1">
+                <a:schemeClr val="dk1"/>
+              </a:effectRef>
+              <a:fontRef idx="minor">
+                <a:schemeClr val="dk1"/>
+              </a:fontRef>
+            </p:style>
+            <p:txBody>
+              <a:bodyPr rtlCol="0" anchor="ctr"/>
+              <a:lstStyle/>
+              <a:p>
+                <a:pPr algn="ctr"/>
+                <a:r>
+                  <a:rPr lang="en-US" sz="4400" dirty="0" smtClean="0"/>
+                  <a:t>Raw Image</a:t>
+                </a:r>
+                <a:endParaRPr lang="en-US" sz="4400" dirty="0"/>
+              </a:p>
+            </p:txBody>
+          </p:sp>
+          <p:sp>
+            <p:nvSpPr>
+              <p:cNvPr id="83" name="Rectangle 82"/>
+              <p:cNvSpPr/>
+              <p:nvPr/>
+            </p:nvSpPr>
+            <p:spPr>
+              <a:xfrm>
+                <a:off x="18987496" y="15400004"/>
+                <a:ext cx="4071100" cy="1127821"/>
+              </a:xfrm>
+              <a:prstGeom prst="rect">
+                <a:avLst/>
+              </a:prstGeom>
+              <a:solidFill>
+                <a:schemeClr val="bg1"/>
+              </a:solidFill>
+              <a:ln>
+                <a:solidFill>
+                  <a:schemeClr val="bg1"/>
+                </a:solidFill>
+              </a:ln>
+            </p:spPr>
+            <p:style>
+              <a:lnRef idx="1">
+                <a:schemeClr val="dk1"/>
+              </a:lnRef>
+              <a:fillRef idx="2">
+                <a:schemeClr val="dk1"/>
+              </a:fillRef>
+              <a:effectRef idx="1">
+                <a:schemeClr val="dk1"/>
+              </a:effectRef>
+              <a:fontRef idx="minor">
+                <a:schemeClr val="dk1"/>
+              </a:fontRef>
+            </p:style>
+            <p:txBody>
+              <a:bodyPr rtlCol="0" anchor="ctr"/>
+              <a:lstStyle/>
+              <a:p>
+                <a:pPr algn="ctr"/>
+                <a:r>
+                  <a:rPr lang="en-US" sz="4400" dirty="0" smtClean="0"/>
+                  <a:t>Labeled Image</a:t>
+                </a:r>
+                <a:endParaRPr lang="en-US" sz="4400" dirty="0"/>
+              </a:p>
+            </p:txBody>
+          </p:sp>
+          <p:sp>
+            <p:nvSpPr>
+              <p:cNvPr id="84" name="Rectangle 83"/>
+              <p:cNvSpPr/>
+              <p:nvPr/>
+            </p:nvSpPr>
+            <p:spPr>
+              <a:xfrm>
+                <a:off x="23466189" y="9520836"/>
+                <a:ext cx="4045273" cy="911074"/>
+              </a:xfrm>
+              <a:prstGeom prst="rect">
+                <a:avLst/>
+              </a:prstGeom>
+            </p:spPr>
+            <p:style>
+              <a:lnRef idx="1">
+                <a:schemeClr val="dk1"/>
+              </a:lnRef>
+              <a:fillRef idx="3">
+                <a:schemeClr val="dk1"/>
+              </a:fillRef>
+              <a:effectRef idx="2">
+                <a:schemeClr val="dk1"/>
+              </a:effectRef>
+              <a:fontRef idx="minor">
+                <a:schemeClr val="lt1"/>
+              </a:fontRef>
+            </p:style>
+            <p:txBody>
+              <a:bodyPr wrap="square" tIns="91440">
+                <a:normAutofit/>
+              </a:bodyPr>
+              <a:lstStyle/>
+              <a:p>
+                <a:pPr algn="ctr"/>
+                <a:r>
+                  <a:rPr lang="en-US" sz="4400" dirty="0" smtClean="0">
+                    <a:solidFill>
+                      <a:schemeClr val="bg1"/>
+                    </a:solidFill>
+                  </a:rPr>
+                  <a:t>End Users</a:t>
+                </a:r>
+                <a:endParaRPr lang="en-US" sz="4400" dirty="0">
+                  <a:solidFill>
+                    <a:schemeClr val="bg1"/>
+                  </a:solidFill>
+                </a:endParaRPr>
+              </a:p>
+            </p:txBody>
+          </p:sp>
+          <p:sp>
+            <p:nvSpPr>
+              <p:cNvPr id="85" name="Rectangle 84"/>
+              <p:cNvSpPr/>
+              <p:nvPr/>
+            </p:nvSpPr>
+            <p:spPr>
+              <a:xfrm>
+                <a:off x="19032838" y="9520836"/>
+                <a:ext cx="4025757" cy="911074"/>
+              </a:xfrm>
+              <a:prstGeom prst="rect">
+                <a:avLst/>
+              </a:prstGeom>
+            </p:spPr>
+            <p:style>
+              <a:lnRef idx="1">
+                <a:schemeClr val="dk1"/>
+              </a:lnRef>
+              <a:fillRef idx="3">
+                <a:schemeClr val="dk1"/>
+              </a:fillRef>
+              <a:effectRef idx="2">
+                <a:schemeClr val="dk1"/>
+              </a:effectRef>
+              <a:fontRef idx="minor">
+                <a:schemeClr val="lt1"/>
+              </a:fontRef>
+            </p:style>
+            <p:txBody>
+              <a:bodyPr wrap="square" tIns="91440">
+                <a:normAutofit/>
+              </a:bodyPr>
+              <a:lstStyle/>
+              <a:p>
+                <a:pPr algn="ctr"/>
+                <a:r>
+                  <a:rPr lang="en-US" sz="4400" dirty="0" smtClean="0">
+                    <a:solidFill>
+                      <a:schemeClr val="bg1"/>
+                    </a:solidFill>
+                  </a:rPr>
+                  <a:t>Developers</a:t>
+                </a:r>
+                <a:endParaRPr lang="en-US" sz="4400" dirty="0">
+                  <a:solidFill>
+                    <a:schemeClr val="bg1"/>
+                  </a:solidFill>
+                </a:endParaRPr>
+              </a:p>
+            </p:txBody>
+          </p:sp>
+          <p:sp>
+            <p:nvSpPr>
+              <p:cNvPr id="86" name="Rectangle 85"/>
+              <p:cNvSpPr/>
+              <p:nvPr/>
+            </p:nvSpPr>
+            <p:spPr>
+              <a:xfrm>
+                <a:off x="18987496" y="16721001"/>
+                <a:ext cx="8523966" cy="1228029"/>
+              </a:xfrm>
+              <a:prstGeom prst="rect">
+                <a:avLst/>
+              </a:prstGeom>
+              <a:solidFill>
+                <a:schemeClr val="bg1"/>
+              </a:solidFill>
+              <a:ln>
+                <a:solidFill>
+                  <a:schemeClr val="bg1"/>
+                </a:solidFill>
+              </a:ln>
+            </p:spPr>
+            <p:style>
+              <a:lnRef idx="1">
+                <a:schemeClr val="dk1"/>
+              </a:lnRef>
+              <a:fillRef idx="2">
+                <a:schemeClr val="dk1"/>
+              </a:fillRef>
+              <a:effectRef idx="1">
+                <a:schemeClr val="dk1"/>
+              </a:effectRef>
+              <a:fontRef idx="minor">
+                <a:schemeClr val="dk1"/>
+              </a:fontRef>
+            </p:style>
+            <p:txBody>
+              <a:bodyPr rtlCol="0" anchor="ctr"/>
+              <a:lstStyle/>
+              <a:p>
+                <a:pPr algn="ctr"/>
+                <a:endParaRPr lang="en-US" sz="4400" dirty="0"/>
+              </a:p>
+            </p:txBody>
+          </p:sp>
+          <p:sp>
+            <p:nvSpPr>
+              <p:cNvPr id="87" name="Rectangle 86"/>
+              <p:cNvSpPr/>
+              <p:nvPr/>
+            </p:nvSpPr>
+            <p:spPr>
+              <a:xfrm>
+                <a:off x="23393952" y="18117039"/>
+                <a:ext cx="4117510" cy="1661452"/>
+              </a:xfrm>
+              <a:prstGeom prst="rect">
+                <a:avLst/>
+              </a:prstGeom>
+              <a:solidFill>
+                <a:schemeClr val="bg1"/>
+              </a:solidFill>
+              <a:ln>
+                <a:solidFill>
+                  <a:schemeClr val="bg1"/>
+                </a:solidFill>
+              </a:ln>
+            </p:spPr>
+            <p:style>
+              <a:lnRef idx="1">
+                <a:schemeClr val="dk1"/>
+              </a:lnRef>
+              <a:fillRef idx="2">
+                <a:schemeClr val="dk1"/>
+              </a:fillRef>
+              <a:effectRef idx="1">
+                <a:schemeClr val="dk1"/>
+              </a:effectRef>
+              <a:fontRef idx="minor">
+                <a:schemeClr val="dk1"/>
+              </a:fontRef>
+            </p:style>
+            <p:txBody>
+              <a:bodyPr rtlCol="0" anchor="ctr"/>
+              <a:lstStyle/>
+              <a:p>
+                <a:pPr algn="ctr"/>
+                <a:r>
+                  <a:rPr lang="en-US" sz="4400" dirty="0" smtClean="0"/>
+                  <a:t>Just Hands</a:t>
+                </a:r>
+                <a:endParaRPr lang="en-US" sz="4400" dirty="0"/>
+              </a:p>
+            </p:txBody>
+          </p:sp>
+          <p:sp>
+            <p:nvSpPr>
+              <p:cNvPr id="95" name="Rectangle 94"/>
+              <p:cNvSpPr/>
+              <p:nvPr/>
+            </p:nvSpPr>
+            <p:spPr>
+              <a:xfrm>
+                <a:off x="18987496" y="18117039"/>
+                <a:ext cx="4071100" cy="1661452"/>
+              </a:xfrm>
+              <a:prstGeom prst="rect">
+                <a:avLst/>
+              </a:prstGeom>
+              <a:solidFill>
+                <a:schemeClr val="bg1"/>
+              </a:solidFill>
+              <a:ln>
+                <a:solidFill>
+                  <a:schemeClr val="bg1"/>
+                </a:solidFill>
+              </a:ln>
+            </p:spPr>
+            <p:style>
+              <a:lnRef idx="1">
+                <a:schemeClr val="dk1"/>
+              </a:lnRef>
+              <a:fillRef idx="2">
+                <a:schemeClr val="dk1"/>
+              </a:fillRef>
+              <a:effectRef idx="1">
+                <a:schemeClr val="dk1"/>
+              </a:effectRef>
+              <a:fontRef idx="minor">
+                <a:schemeClr val="dk1"/>
+              </a:fontRef>
+            </p:style>
+            <p:txBody>
+              <a:bodyPr rtlCol="0" anchor="ctr"/>
+              <a:lstStyle/>
+              <a:p>
+                <a:pPr algn="ctr"/>
+                <a:r>
+                  <a:rPr lang="en-US" sz="4400" dirty="0" smtClean="0"/>
+                  <a:t>Color Gloves</a:t>
+                </a:r>
+                <a:endParaRPr lang="en-US" sz="4400" dirty="0"/>
+              </a:p>
+            </p:txBody>
+          </p:sp>
+          <p:sp>
+            <p:nvSpPr>
+              <p:cNvPr id="10" name="Rectangle 9"/>
+              <p:cNvSpPr/>
+              <p:nvPr/>
+            </p:nvSpPr>
+            <p:spPr>
+              <a:xfrm>
+                <a:off x="21154605" y="14264943"/>
+                <a:ext cx="4642232" cy="769441"/>
+              </a:xfrm>
+              <a:prstGeom prst="rect">
+                <a:avLst/>
+              </a:prstGeom>
+              <a:solidFill>
+                <a:schemeClr val="bg1"/>
+              </a:solidFill>
+              <a:ln>
+                <a:noFill/>
+              </a:ln>
+            </p:spPr>
+            <p:txBody>
+              <a:bodyPr wrap="none">
+                <a:spAutoFit/>
+              </a:bodyPr>
+              <a:lstStyle/>
+              <a:p>
+                <a:pPr algn="ctr"/>
+                <a:r>
+                  <a:rPr lang="en-US" sz="4400" dirty="0"/>
+                  <a:t> Feature  Extraction</a:t>
+                </a:r>
+              </a:p>
+            </p:txBody>
+          </p:sp>
+          <p:sp>
+            <p:nvSpPr>
+              <p:cNvPr id="97" name="Rectangle 96"/>
+              <p:cNvSpPr/>
+              <p:nvPr/>
+            </p:nvSpPr>
+            <p:spPr>
+              <a:xfrm>
+                <a:off x="23341417" y="12085250"/>
+                <a:ext cx="4427774" cy="3214546"/>
+              </a:xfrm>
+              <a:prstGeom prst="rect">
+                <a:avLst/>
+              </a:prstGeom>
+              <a:noFill/>
+              <a:ln w="38100">
+                <a:solidFill>
+                  <a:srgbClr val="FF0000"/>
+                </a:solidFill>
+                <a:prstDash val="dashDot"/>
+              </a:ln>
+            </p:spPr>
+            <p:style>
+              <a:lnRef idx="1">
+                <a:schemeClr val="dk1"/>
+              </a:lnRef>
+              <a:fillRef idx="2">
+                <a:schemeClr val="dk1"/>
+              </a:fillRef>
+              <a:effectRef idx="1">
+                <a:schemeClr val="dk1"/>
+              </a:effectRef>
+              <a:fontRef idx="minor">
+                <a:schemeClr val="dk1"/>
+              </a:fontRef>
+            </p:style>
+            <p:txBody>
+              <a:bodyPr rtlCol="0" anchor="ctr"/>
+              <a:lstStyle/>
+              <a:p>
+                <a:pPr algn="ctr"/>
+                <a:endParaRPr lang="en-US" sz="2000" dirty="0"/>
+              </a:p>
+            </p:txBody>
+          </p:sp>
+          <p:cxnSp>
+            <p:nvCxnSpPr>
+              <p:cNvPr id="96" name="Straight Connector 95"/>
+              <p:cNvCxnSpPr/>
+              <p:nvPr/>
+            </p:nvCxnSpPr>
+            <p:spPr>
+              <a:xfrm>
+                <a:off x="23249479" y="9304125"/>
+                <a:ext cx="0" cy="11052261"/>
+              </a:xfrm>
+              <a:prstGeom prst="line">
+                <a:avLst/>
+              </a:prstGeom>
+              <a:ln w="28575">
+                <a:solidFill>
+                  <a:schemeClr val="bg1">
+                    <a:lumMod val="50000"/>
+                  </a:schemeClr>
+                </a:solidFill>
+                <a:prstDash val="dashDot"/>
+              </a:ln>
+            </p:spPr>
+            <p:style>
+              <a:lnRef idx="1">
+                <a:schemeClr val="accent1"/>
+              </a:lnRef>
+              <a:fillRef idx="0">
+                <a:schemeClr val="accent1"/>
+              </a:fillRef>
+              <a:effectRef idx="0">
+                <a:schemeClr val="accent1"/>
+              </a:effectRef>
+              <a:fontRef idx="minor">
+                <a:schemeClr val="tx1"/>
+              </a:fontRef>
+            </p:style>
+          </p:cxnSp>
+        </p:grpSp>
+        <p:sp>
+          <p:nvSpPr>
+            <p:cNvPr id="75" name="Rectangle 74"/>
+            <p:cNvSpPr/>
+            <p:nvPr/>
+          </p:nvSpPr>
+          <p:spPr>
+            <a:xfrm>
+              <a:off x="19036975" y="10621762"/>
+              <a:ext cx="4017482" cy="3186957"/>
+            </a:xfrm>
+            <a:prstGeom prst="rect">
+              <a:avLst/>
+            </a:prstGeom>
+            <a:solidFill>
+              <a:schemeClr val="bg1"/>
+            </a:solidFill>
+            <a:ln>
+              <a:solidFill>
+                <a:schemeClr val="bg1"/>
+              </a:solidFill>
+            </a:ln>
+          </p:spPr>
+          <p:style>
+            <a:lnRef idx="1">
+              <a:schemeClr val="dk1"/>
+            </a:lnRef>
+            <a:fillRef idx="2">
+              <a:schemeClr val="dk1"/>
+            </a:fillRef>
+            <a:effectRef idx="1">
+              <a:schemeClr val="dk1"/>
+            </a:effectRef>
+            <a:fontRef idx="minor">
+              <a:schemeClr val="dk1"/>
+            </a:fontRef>
+          </p:style>
+          <p:txBody>
+            <a:bodyPr rtlCol="0" anchor="ctr"/>
+            <a:lstStyle/>
+            <a:p>
+              <a:pPr algn="ctr"/>
+              <a:r>
+                <a:rPr lang="en-US" sz="4400" dirty="0" smtClean="0"/>
+                <a:t>Training</a:t>
+              </a:r>
+              <a:endParaRPr lang="en-US" sz="4400" dirty="0"/>
+            </a:p>
+          </p:txBody>
+        </p:sp>
+      </p:grpSp>
+      <p:sp>
+        <p:nvSpPr>
+          <p:cNvPr id="2" name="Rectangle 1"/>
+          <p:cNvSpPr/>
+          <p:nvPr/>
+        </p:nvSpPr>
+        <p:spPr>
+          <a:xfrm>
+            <a:off x="21588027" y="16986413"/>
+            <a:ext cx="3550972" cy="769441"/>
           </a:xfrm>
           <a:prstGeom prst="rect">
             <a:avLst/>
           </a:prstGeom>
-          <a:noFill/>
-          <a:ln>
-            <a:noFill/>
-          </a:ln>
-          <a:effectLst/>
-          <a:extLst>
-            <a:ext uri="{909E8E84-426E-40DD-AFC4-6F175D3DCCD1}">
-              <a14:hiddenFill xmlns:a14="http://schemas.microsoft.com/office/drawing/2010/main">
-                <a:solidFill>
-                  <a:schemeClr val="accent1"/>
-                </a:solidFill>
-              </a14:hiddenFill>
-            </a:ext>
-            <a:ext uri="{91240B29-F687-4F45-9708-019B960494DF}">
-              <a14:hiddenLine xmlns:a14="http://schemas.microsoft.com/office/drawing/2010/main" w="9525">
-                <a:solidFill>
-                  <a:schemeClr val="tx1"/>
-                </a:solidFill>
-                <a:miter lim="800000"/>
-                <a:headEnd/>
-                <a:tailEnd/>
-              </a14:hiddenLine>
-            </a:ext>
-            <a:ext uri="{AF507438-7753-43E0-B8FC-AC1667EBCBE1}">
-              <a14:hiddenEffects xmlns:a14="http://schemas.microsoft.com/office/drawing/2010/main">
-                <a:effectLst>
-                  <a:outerShdw dist="35921" dir="2700000" algn="ctr" rotWithShape="0">
-                    <a:schemeClr val="bg2"/>
-                  </a:outerShdw>
-                </a:effectLst>
-              </a14:hiddenEffects>
-            </a:ext>
-          </a:extLst>
         </p:spPr>
-      </p:pic>
-      <p:pic>
-        <p:nvPicPr>
-          <p:cNvPr id="1029" name="Picture 5"/>
-          <p:cNvPicPr>
-            <a:picLocks noChangeAspect="1" noChangeArrowheads="1"/>
-          </p:cNvPicPr>
-          <p:nvPr/>
-        </p:nvPicPr>
-        <p:blipFill>
-          <a:blip r:embed="rId7">
-            <a:extLst>
-              <a:ext uri="{28A0092B-C50C-407E-A947-70E740481C1C}">
-                <a14:useLocalDpi xmlns:a14="http://schemas.microsoft.com/office/drawing/2010/main" val="0"/>
-              </a:ext>
-            </a:extLst>
-          </a:blip>
-          <a:srcRect/>
-          <a:stretch>
-            <a:fillRect/>
-          </a:stretch>
-        </p:blipFill>
-        <p:spPr bwMode="auto">
-          <a:xfrm>
-            <a:off x="28450542" y="26241799"/>
-            <a:ext cx="3233641" cy="3144212"/>
-          </a:xfrm>
-          <a:prstGeom prst="rect">
-            <a:avLst/>
-          </a:prstGeom>
-          <a:noFill/>
-          <a:ln>
-            <a:noFill/>
-          </a:ln>
-          <a:effectLst/>
-          <a:extLst>
-            <a:ext uri="{909E8E84-426E-40DD-AFC4-6F175D3DCCD1}">
-              <a14:hiddenFill xmlns:a14="http://schemas.microsoft.com/office/drawing/2010/main">
-                <a:solidFill>
-                  <a:schemeClr val="accent1"/>
-                </a:solidFill>
-              </a14:hiddenFill>
-            </a:ext>
-            <a:ext uri="{91240B29-F687-4F45-9708-019B960494DF}">
-              <a14:hiddenLine xmlns:a14="http://schemas.microsoft.com/office/drawing/2010/main" w="9525">
-                <a:solidFill>
-                  <a:schemeClr val="tx1"/>
-                </a:solidFill>
-                <a:miter lim="800000"/>
-                <a:headEnd/>
-                <a:tailEnd/>
-              </a14:hiddenLine>
-            </a:ext>
-            <a:ext uri="{AF507438-7753-43E0-B8FC-AC1667EBCBE1}">
-              <a14:hiddenEffects xmlns:a14="http://schemas.microsoft.com/office/drawing/2010/main">
-                <a:effectLst>
-                  <a:outerShdw dist="35921" dir="2700000" algn="ctr" rotWithShape="0">
-                    <a:schemeClr val="bg2"/>
-                  </a:outerShdw>
-                </a:effectLst>
-              </a14:hiddenEffects>
-            </a:ext>
-          </a:extLst>
-        </p:spPr>
-      </p:pic>
+        <p:txBody>
+          <a:bodyPr wrap="none">
+            <a:spAutoFit/>
+          </a:bodyPr>
+          <a:lstStyle/>
+          <a:p>
+            <a:pPr algn="ctr"/>
+            <a:r>
+              <a:rPr lang="en-US" sz="4400" dirty="0"/>
+              <a:t>Kinect   Sensor</a:t>
+            </a:r>
+            <a:endParaRPr lang="en-US" sz="4400" dirty="0"/>
+          </a:p>
+        </p:txBody>
+      </p:sp>
     </p:spTree>
     <p:extLst>
       <p:ext uri="{BB962C8B-B14F-4D97-AF65-F5344CB8AC3E}">
@@ -5850,6 +6072,13 @@
   <p:clrMapOvr>
     <a:masterClrMapping/>
   </p:clrMapOvr>
+  <p:timing>
+    <p:tnLst>
+      <p:par>
+        <p:cTn id="1" dur="indefinite" restart="never" nodeType="tmRoot"/>
+      </p:par>
+    </p:tnLst>
+  </p:timing>
 </p:sld>
 </file>
 

--- a/Paper/Poster/Poster.pptx
+++ b/Paper/Poster/Poster.pptx
@@ -3897,7 +3897,11 @@
               <a:pPr algn="ctr"/>
               <a:r>
                 <a:rPr lang="en-US" sz="8000" b="1" dirty="0" smtClean="0"/>
-                <a:t>System Overview</a:t>
+                <a:t>System </a:t>
+              </a:r>
+              <a:r>
+                <a:rPr lang="en-US" sz="8000" b="1" dirty="0" smtClean="0"/>
+                <a:t>Architecture</a:t>
               </a:r>
               <a:endParaRPr lang="en-US" sz="8000" b="1" dirty="0"/>
             </a:p>
@@ -5300,687 +5304,624 @@
           </p:spPr>
         </p:pic>
       </p:grpSp>
+      <p:sp>
+        <p:nvSpPr>
+          <p:cNvPr id="79" name="Rectangle 78"/>
+          <p:cNvSpPr/>
+          <p:nvPr/>
+        </p:nvSpPr>
+        <p:spPr>
+          <a:xfrm>
+            <a:off x="27872646" y="13436118"/>
+            <a:ext cx="1155792" cy="707886"/>
+          </a:xfrm>
+          <a:prstGeom prst="rect">
+            <a:avLst/>
+          </a:prstGeom>
+        </p:spPr>
+        <p:txBody>
+          <a:bodyPr wrap="square">
+            <a:spAutoFit/>
+          </a:bodyPr>
+          <a:lstStyle/>
+          <a:p>
+            <a:pPr algn="ctr"/>
+            <a:r>
+              <a:rPr lang="en-US" sz="4000" b="1" i="1" dirty="0" smtClean="0">
+                <a:solidFill>
+                  <a:srgbClr val="FF0000"/>
+                </a:solidFill>
+              </a:rPr>
+              <a:t>GPU</a:t>
+            </a:r>
+            <a:endParaRPr lang="en-US" sz="4000" b="1" i="1" dirty="0">
+              <a:solidFill>
+                <a:srgbClr val="FF0000"/>
+              </a:solidFill>
+            </a:endParaRPr>
+          </a:p>
+        </p:txBody>
+      </p:sp>
+      <p:sp>
+        <p:nvSpPr>
+          <p:cNvPr id="80" name="Rectangle 79"/>
+          <p:cNvSpPr/>
+          <p:nvPr/>
+        </p:nvSpPr>
+        <p:spPr>
+          <a:xfrm>
+            <a:off x="23393952" y="15678694"/>
+            <a:ext cx="4117509" cy="1127821"/>
+          </a:xfrm>
+          <a:prstGeom prst="rect">
+            <a:avLst/>
+          </a:prstGeom>
+          <a:ln/>
+        </p:spPr>
+        <p:style>
+          <a:lnRef idx="3">
+            <a:schemeClr val="lt1"/>
+          </a:lnRef>
+          <a:fillRef idx="1">
+            <a:schemeClr val="accent1"/>
+          </a:fillRef>
+          <a:effectRef idx="1">
+            <a:schemeClr val="accent1"/>
+          </a:effectRef>
+          <a:fontRef idx="minor">
+            <a:schemeClr val="lt1"/>
+          </a:fontRef>
+        </p:style>
+        <p:txBody>
+          <a:bodyPr rtlCol="0" anchor="ctr"/>
+          <a:lstStyle/>
+          <a:p>
+            <a:pPr algn="ctr"/>
+            <a:r>
+              <a:rPr lang="en-US" sz="4400" dirty="0" smtClean="0"/>
+              <a:t>Raw Image</a:t>
+            </a:r>
+            <a:endParaRPr lang="en-US" sz="4400" dirty="0"/>
+          </a:p>
+        </p:txBody>
+      </p:sp>
+      <p:sp>
+        <p:nvSpPr>
+          <p:cNvPr id="83" name="Rectangle 82"/>
+          <p:cNvSpPr/>
+          <p:nvPr/>
+        </p:nvSpPr>
+        <p:spPr>
+          <a:xfrm>
+            <a:off x="18987495" y="15678695"/>
+            <a:ext cx="4071100" cy="1127821"/>
+          </a:xfrm>
+          <a:prstGeom prst="rect">
+            <a:avLst/>
+          </a:prstGeom>
+          <a:ln/>
+        </p:spPr>
+        <p:style>
+          <a:lnRef idx="3">
+            <a:schemeClr val="lt1"/>
+          </a:lnRef>
+          <a:fillRef idx="1">
+            <a:schemeClr val="accent1"/>
+          </a:fillRef>
+          <a:effectRef idx="1">
+            <a:schemeClr val="accent1"/>
+          </a:effectRef>
+          <a:fontRef idx="minor">
+            <a:schemeClr val="lt1"/>
+          </a:fontRef>
+        </p:style>
+        <p:txBody>
+          <a:bodyPr rtlCol="0" anchor="ctr"/>
+          <a:lstStyle/>
+          <a:p>
+            <a:pPr algn="ctr"/>
+            <a:r>
+              <a:rPr lang="en-US" sz="4400" dirty="0" smtClean="0"/>
+              <a:t>Labeled Image</a:t>
+            </a:r>
+            <a:endParaRPr lang="en-US" sz="4400" dirty="0"/>
+          </a:p>
+        </p:txBody>
+      </p:sp>
       <p:grpSp>
         <p:nvGrpSpPr>
-          <p:cNvPr id="15" name="Group 14"/>
+          <p:cNvPr id="47" name="Group 46"/>
           <p:cNvGrpSpPr/>
           <p:nvPr/>
         </p:nvGrpSpPr>
         <p:grpSpPr>
           <a:xfrm>
-            <a:off x="18987496" y="8653992"/>
-            <a:ext cx="10185416" cy="11052261"/>
-            <a:chOff x="18987496" y="9304125"/>
-            <a:chExt cx="10185416" cy="11052261"/>
+            <a:off x="18967191" y="8966474"/>
+            <a:ext cx="8544271" cy="914836"/>
+            <a:chOff x="18967191" y="9231888"/>
+            <a:chExt cx="8544271" cy="914836"/>
           </a:xfrm>
         </p:grpSpPr>
-        <p:grpSp>
-          <p:nvGrpSpPr>
-            <p:cNvPr id="14" name="Group 13"/>
-            <p:cNvGrpSpPr/>
+        <p:sp>
+          <p:nvSpPr>
+            <p:cNvPr id="84" name="Rectangle 83"/>
+            <p:cNvSpPr/>
             <p:nvPr/>
-          </p:nvGrpSpPr>
-          <p:grpSpPr>
+          </p:nvSpPr>
+          <p:spPr>
             <a:xfrm>
-              <a:off x="18987496" y="9304125"/>
-              <a:ext cx="10185416" cy="11052261"/>
-              <a:chOff x="18987496" y="9304125"/>
-              <a:chExt cx="10185416" cy="11052261"/>
+              <a:off x="23466189" y="9235650"/>
+              <a:ext cx="4045273" cy="911074"/>
             </a:xfrm>
-          </p:grpSpPr>
-          <p:sp>
-            <p:nvSpPr>
-              <p:cNvPr id="74" name="Rectangle 73"/>
-              <p:cNvSpPr/>
-              <p:nvPr/>
-            </p:nvSpPr>
-            <p:spPr>
-              <a:xfrm>
-                <a:off x="18994049" y="13999530"/>
-                <a:ext cx="8517412" cy="1173417"/>
-              </a:xfrm>
-              <a:prstGeom prst="rect">
-                <a:avLst/>
-              </a:prstGeom>
-              <a:solidFill>
-                <a:schemeClr val="bg1"/>
-              </a:solidFill>
-              <a:ln>
+            <a:prstGeom prst="rect">
+              <a:avLst/>
+            </a:prstGeom>
+          </p:spPr>
+          <p:style>
+            <a:lnRef idx="1">
+              <a:schemeClr val="dk1"/>
+            </a:lnRef>
+            <a:fillRef idx="3">
+              <a:schemeClr val="dk1"/>
+            </a:fillRef>
+            <a:effectRef idx="2">
+              <a:schemeClr val="dk1"/>
+            </a:effectRef>
+            <a:fontRef idx="minor">
+              <a:schemeClr val="lt1"/>
+            </a:fontRef>
+          </p:style>
+          <p:txBody>
+            <a:bodyPr wrap="square" tIns="91440">
+              <a:normAutofit/>
+            </a:bodyPr>
+            <a:lstStyle/>
+            <a:p>
+              <a:pPr algn="ctr"/>
+              <a:r>
+                <a:rPr lang="en-US" sz="4400" dirty="0" smtClean="0">
+                  <a:solidFill>
+                    <a:schemeClr val="bg1"/>
+                  </a:solidFill>
+                </a:rPr>
+                <a:t>End Users</a:t>
+              </a:r>
+              <a:endParaRPr lang="en-US" sz="4400" dirty="0">
                 <a:solidFill>
                   <a:schemeClr val="bg1"/>
                 </a:solidFill>
-              </a:ln>
-            </p:spPr>
-            <p:style>
-              <a:lnRef idx="1">
-                <a:schemeClr val="dk1"/>
-              </a:lnRef>
-              <a:fillRef idx="2">
-                <a:schemeClr val="dk1"/>
-              </a:fillRef>
-              <a:effectRef idx="1">
-                <a:schemeClr val="dk1"/>
-              </a:effectRef>
-              <a:fontRef idx="minor">
-                <a:schemeClr val="dk1"/>
-              </a:fontRef>
-            </p:style>
-            <p:txBody>
-              <a:bodyPr rtlCol="0" anchor="ctr"/>
-              <a:lstStyle/>
-              <a:p>
-                <a:pPr algn="ctr"/>
-                <a:endParaRPr lang="en-US" sz="4800" dirty="0"/>
-              </a:p>
-            </p:txBody>
-          </p:sp>
-          <p:sp>
-            <p:nvSpPr>
-              <p:cNvPr id="76" name="Rectangle 75"/>
-              <p:cNvSpPr/>
-              <p:nvPr/>
-            </p:nvSpPr>
-            <p:spPr>
-              <a:xfrm>
-                <a:off x="23466189" y="12193606"/>
-                <a:ext cx="4045273" cy="1589214"/>
-              </a:xfrm>
-              <a:prstGeom prst="rect">
-                <a:avLst/>
-              </a:prstGeom>
-              <a:solidFill>
-                <a:schemeClr val="bg1"/>
-              </a:solidFill>
-              <a:ln>
+              </a:endParaRPr>
+            </a:p>
+          </p:txBody>
+        </p:sp>
+        <p:sp>
+          <p:nvSpPr>
+            <p:cNvPr id="85" name="Rectangle 84"/>
+            <p:cNvSpPr/>
+            <p:nvPr/>
+          </p:nvSpPr>
+          <p:spPr>
+            <a:xfrm>
+              <a:off x="18967191" y="9231888"/>
+              <a:ext cx="4025757" cy="911074"/>
+            </a:xfrm>
+            <a:prstGeom prst="rect">
+              <a:avLst/>
+            </a:prstGeom>
+          </p:spPr>
+          <p:style>
+            <a:lnRef idx="1">
+              <a:schemeClr val="dk1"/>
+            </a:lnRef>
+            <a:fillRef idx="3">
+              <a:schemeClr val="dk1"/>
+            </a:fillRef>
+            <a:effectRef idx="2">
+              <a:schemeClr val="dk1"/>
+            </a:effectRef>
+            <a:fontRef idx="minor">
+              <a:schemeClr val="lt1"/>
+            </a:fontRef>
+          </p:style>
+          <p:txBody>
+            <a:bodyPr wrap="square" tIns="91440">
+              <a:normAutofit/>
+            </a:bodyPr>
+            <a:lstStyle/>
+            <a:p>
+              <a:pPr algn="ctr"/>
+              <a:r>
+                <a:rPr lang="en-US" sz="4400" dirty="0" smtClean="0">
+                  <a:solidFill>
+                    <a:schemeClr val="bg1"/>
+                  </a:solidFill>
+                </a:rPr>
+                <a:t>Developers</a:t>
+              </a:r>
+              <a:endParaRPr lang="en-US" sz="4400" dirty="0">
                 <a:solidFill>
                   <a:schemeClr val="bg1"/>
                 </a:solidFill>
-              </a:ln>
-            </p:spPr>
-            <p:style>
-              <a:lnRef idx="1">
-                <a:schemeClr val="dk1"/>
-              </a:lnRef>
-              <a:fillRef idx="2">
-                <a:schemeClr val="dk1"/>
-              </a:fillRef>
-              <a:effectRef idx="1">
-                <a:schemeClr val="dk1"/>
-              </a:effectRef>
-              <a:fontRef idx="minor">
-                <a:schemeClr val="dk1"/>
-              </a:fontRef>
-            </p:style>
-            <p:txBody>
-              <a:bodyPr rtlCol="0" anchor="ctr"/>
-              <a:lstStyle/>
-              <a:p>
-                <a:pPr algn="ctr"/>
-                <a:r>
-                  <a:rPr lang="en-US" sz="4400" dirty="0" smtClean="0"/>
-                  <a:t>   Per-pixel Classification</a:t>
-                </a:r>
-                <a:endParaRPr lang="en-US" sz="4400" dirty="0"/>
-              </a:p>
-            </p:txBody>
-          </p:sp>
-          <p:sp>
-            <p:nvSpPr>
-              <p:cNvPr id="77" name="Rectangle 76"/>
-              <p:cNvSpPr/>
-              <p:nvPr/>
-            </p:nvSpPr>
-            <p:spPr>
-              <a:xfrm>
-                <a:off x="23493980" y="10618157"/>
-                <a:ext cx="4017482" cy="1358737"/>
-              </a:xfrm>
-              <a:prstGeom prst="rect">
-                <a:avLst/>
-              </a:prstGeom>
-              <a:solidFill>
-                <a:schemeClr val="bg1"/>
-              </a:solidFill>
-              <a:ln>
-                <a:solidFill>
-                  <a:schemeClr val="bg1"/>
-                </a:solidFill>
-              </a:ln>
-            </p:spPr>
-            <p:style>
-              <a:lnRef idx="1">
-                <a:schemeClr val="dk1"/>
-              </a:lnRef>
-              <a:fillRef idx="2">
-                <a:schemeClr val="dk1"/>
-              </a:fillRef>
-              <a:effectRef idx="1">
-                <a:schemeClr val="dk1"/>
-              </a:effectRef>
-              <a:fontRef idx="minor">
-                <a:schemeClr val="dk1"/>
-              </a:fontRef>
-            </p:style>
-            <p:txBody>
-              <a:bodyPr rtlCol="0" anchor="ctr"/>
-              <a:lstStyle/>
-              <a:p>
-                <a:pPr algn="ctr"/>
-                <a:r>
-                  <a:rPr lang="en-US" sz="4400" dirty="0" smtClean="0"/>
-                  <a:t>Pooling</a:t>
-                </a:r>
-                <a:endParaRPr lang="en-US" sz="4400" dirty="0"/>
-              </a:p>
-            </p:txBody>
-          </p:sp>
-          <p:sp>
-            <p:nvSpPr>
-              <p:cNvPr id="79" name="Rectangle 78"/>
-              <p:cNvSpPr/>
-              <p:nvPr/>
-            </p:nvSpPr>
-            <p:spPr>
-              <a:xfrm>
-                <a:off x="28017120" y="13490432"/>
-                <a:ext cx="1155792" cy="707886"/>
-              </a:xfrm>
-              <a:prstGeom prst="rect">
-                <a:avLst/>
-              </a:prstGeom>
-            </p:spPr>
-            <p:txBody>
-              <a:bodyPr wrap="square">
-                <a:spAutoFit/>
-              </a:bodyPr>
-              <a:lstStyle/>
-              <a:p>
-                <a:pPr algn="ctr"/>
-                <a:r>
-                  <a:rPr lang="en-US" sz="4000" b="1" i="1" dirty="0" smtClean="0">
-                    <a:solidFill>
-                      <a:srgbClr val="FF0000"/>
-                    </a:solidFill>
-                  </a:rPr>
-                  <a:t>GPU</a:t>
-                </a:r>
-                <a:endParaRPr lang="en-US" sz="4000" b="1" i="1" dirty="0">
-                  <a:solidFill>
-                    <a:srgbClr val="FF0000"/>
-                  </a:solidFill>
-                </a:endParaRPr>
-              </a:p>
-            </p:txBody>
-          </p:sp>
-          <p:sp>
-            <p:nvSpPr>
-              <p:cNvPr id="80" name="Rectangle 79"/>
-              <p:cNvSpPr/>
-              <p:nvPr/>
-            </p:nvSpPr>
-            <p:spPr>
-              <a:xfrm>
-                <a:off x="23393952" y="15400003"/>
-                <a:ext cx="4117509" cy="1127821"/>
-              </a:xfrm>
-              <a:prstGeom prst="rect">
-                <a:avLst/>
-              </a:prstGeom>
-              <a:solidFill>
-                <a:schemeClr val="bg1"/>
-              </a:solidFill>
-              <a:ln>
-                <a:solidFill>
-                  <a:schemeClr val="bg1"/>
-                </a:solidFill>
-              </a:ln>
-            </p:spPr>
-            <p:style>
-              <a:lnRef idx="1">
-                <a:schemeClr val="dk1"/>
-              </a:lnRef>
-              <a:fillRef idx="2">
-                <a:schemeClr val="dk1"/>
-              </a:fillRef>
-              <a:effectRef idx="1">
-                <a:schemeClr val="dk1"/>
-              </a:effectRef>
-              <a:fontRef idx="minor">
-                <a:schemeClr val="dk1"/>
-              </a:fontRef>
-            </p:style>
-            <p:txBody>
-              <a:bodyPr rtlCol="0" anchor="ctr"/>
-              <a:lstStyle/>
-              <a:p>
-                <a:pPr algn="ctr"/>
-                <a:r>
-                  <a:rPr lang="en-US" sz="4400" dirty="0" smtClean="0"/>
-                  <a:t>Raw Image</a:t>
-                </a:r>
-                <a:endParaRPr lang="en-US" sz="4400" dirty="0"/>
-              </a:p>
-            </p:txBody>
-          </p:sp>
-          <p:sp>
-            <p:nvSpPr>
-              <p:cNvPr id="83" name="Rectangle 82"/>
-              <p:cNvSpPr/>
-              <p:nvPr/>
-            </p:nvSpPr>
-            <p:spPr>
-              <a:xfrm>
-                <a:off x="18987496" y="15400004"/>
-                <a:ext cx="4071100" cy="1127821"/>
-              </a:xfrm>
-              <a:prstGeom prst="rect">
-                <a:avLst/>
-              </a:prstGeom>
-              <a:solidFill>
-                <a:schemeClr val="bg1"/>
-              </a:solidFill>
-              <a:ln>
-                <a:solidFill>
-                  <a:schemeClr val="bg1"/>
-                </a:solidFill>
-              </a:ln>
-            </p:spPr>
-            <p:style>
-              <a:lnRef idx="1">
-                <a:schemeClr val="dk1"/>
-              </a:lnRef>
-              <a:fillRef idx="2">
-                <a:schemeClr val="dk1"/>
-              </a:fillRef>
-              <a:effectRef idx="1">
-                <a:schemeClr val="dk1"/>
-              </a:effectRef>
-              <a:fontRef idx="minor">
-                <a:schemeClr val="dk1"/>
-              </a:fontRef>
-            </p:style>
-            <p:txBody>
-              <a:bodyPr rtlCol="0" anchor="ctr"/>
-              <a:lstStyle/>
-              <a:p>
-                <a:pPr algn="ctr"/>
-                <a:r>
-                  <a:rPr lang="en-US" sz="4400" dirty="0" smtClean="0"/>
-                  <a:t>Labeled Image</a:t>
-                </a:r>
-                <a:endParaRPr lang="en-US" sz="4400" dirty="0"/>
-              </a:p>
-            </p:txBody>
-          </p:sp>
-          <p:sp>
-            <p:nvSpPr>
-              <p:cNvPr id="84" name="Rectangle 83"/>
-              <p:cNvSpPr/>
-              <p:nvPr/>
-            </p:nvSpPr>
-            <p:spPr>
-              <a:xfrm>
-                <a:off x="23466189" y="9520836"/>
-                <a:ext cx="4045273" cy="911074"/>
-              </a:xfrm>
-              <a:prstGeom prst="rect">
-                <a:avLst/>
-              </a:prstGeom>
-            </p:spPr>
-            <p:style>
-              <a:lnRef idx="1">
-                <a:schemeClr val="dk1"/>
-              </a:lnRef>
-              <a:fillRef idx="3">
-                <a:schemeClr val="dk1"/>
-              </a:fillRef>
-              <a:effectRef idx="2">
-                <a:schemeClr val="dk1"/>
-              </a:effectRef>
-              <a:fontRef idx="minor">
-                <a:schemeClr val="lt1"/>
-              </a:fontRef>
-            </p:style>
-            <p:txBody>
-              <a:bodyPr wrap="square" tIns="91440">
-                <a:normAutofit/>
-              </a:bodyPr>
-              <a:lstStyle/>
-              <a:p>
-                <a:pPr algn="ctr"/>
-                <a:r>
-                  <a:rPr lang="en-US" sz="4400" dirty="0" smtClean="0">
-                    <a:solidFill>
-                      <a:schemeClr val="bg1"/>
-                    </a:solidFill>
-                  </a:rPr>
-                  <a:t>End Users</a:t>
-                </a:r>
-                <a:endParaRPr lang="en-US" sz="4400" dirty="0">
+              </a:endParaRPr>
+            </a:p>
+          </p:txBody>
+        </p:sp>
+      </p:grpSp>
+      <p:grpSp>
+        <p:nvGrpSpPr>
+          <p:cNvPr id="45" name="Group 44"/>
+          <p:cNvGrpSpPr/>
+          <p:nvPr/>
+        </p:nvGrpSpPr>
+        <p:grpSpPr>
+          <a:xfrm>
+            <a:off x="18987495" y="18911645"/>
+            <a:ext cx="8523967" cy="1083556"/>
+            <a:chOff x="18987495" y="19177059"/>
+            <a:chExt cx="8523967" cy="1083556"/>
+          </a:xfrm>
+        </p:grpSpPr>
+        <p:sp>
+          <p:nvSpPr>
+            <p:cNvPr id="87" name="Rectangle 86"/>
+            <p:cNvSpPr/>
+            <p:nvPr/>
+          </p:nvSpPr>
+          <p:spPr>
+            <a:xfrm>
+              <a:off x="23393952" y="19177059"/>
+              <a:ext cx="4117510" cy="1083556"/>
+            </a:xfrm>
+            <a:prstGeom prst="rect">
+              <a:avLst/>
+            </a:prstGeom>
+            <a:ln/>
+          </p:spPr>
+          <p:style>
+            <a:lnRef idx="3">
+              <a:schemeClr val="lt1"/>
+            </a:lnRef>
+            <a:fillRef idx="1">
+              <a:schemeClr val="accent1"/>
+            </a:fillRef>
+            <a:effectRef idx="1">
+              <a:schemeClr val="accent1"/>
+            </a:effectRef>
+            <a:fontRef idx="minor">
+              <a:schemeClr val="lt1"/>
+            </a:fontRef>
+          </p:style>
+          <p:txBody>
+            <a:bodyPr rtlCol="0" anchor="ctr"/>
+            <a:lstStyle/>
+            <a:p>
+              <a:pPr algn="ctr"/>
+              <a:r>
+                <a:rPr lang="en-US" sz="4400" dirty="0" smtClean="0"/>
+                <a:t>Just Hands</a:t>
+              </a:r>
+              <a:endParaRPr lang="en-US" sz="4400" dirty="0"/>
+            </a:p>
+          </p:txBody>
+        </p:sp>
+        <p:sp>
+          <p:nvSpPr>
+            <p:cNvPr id="95" name="Rectangle 94"/>
+            <p:cNvSpPr/>
+            <p:nvPr/>
+          </p:nvSpPr>
+          <p:spPr>
+            <a:xfrm>
+              <a:off x="18987495" y="19177059"/>
+              <a:ext cx="4071100" cy="1083556"/>
+            </a:xfrm>
+            <a:prstGeom prst="rect">
+              <a:avLst/>
+            </a:prstGeom>
+            <a:ln/>
+          </p:spPr>
+          <p:style>
+            <a:lnRef idx="3">
+              <a:schemeClr val="lt1"/>
+            </a:lnRef>
+            <a:fillRef idx="1">
+              <a:schemeClr val="accent1"/>
+            </a:fillRef>
+            <a:effectRef idx="1">
+              <a:schemeClr val="accent1"/>
+            </a:effectRef>
+            <a:fontRef idx="minor">
+              <a:schemeClr val="lt1"/>
+            </a:fontRef>
+          </p:style>
+          <p:txBody>
+            <a:bodyPr rtlCol="0" anchor="ctr"/>
+            <a:lstStyle/>
+            <a:p>
+              <a:pPr algn="ctr"/>
+              <a:r>
+                <a:rPr lang="en-US" sz="4400" dirty="0" smtClean="0"/>
+                <a:t>Color Gloves</a:t>
+              </a:r>
+              <a:endParaRPr lang="en-US" sz="4400" dirty="0"/>
+            </a:p>
+          </p:txBody>
+        </p:sp>
+      </p:grpSp>
+      <p:grpSp>
+        <p:nvGrpSpPr>
+          <p:cNvPr id="20" name="Group 19"/>
+          <p:cNvGrpSpPr/>
+          <p:nvPr/>
+        </p:nvGrpSpPr>
+        <p:grpSpPr>
+          <a:xfrm>
+            <a:off x="18987495" y="13946605"/>
+            <a:ext cx="8517412" cy="1173417"/>
+            <a:chOff x="18994049" y="13404009"/>
+            <a:chExt cx="8517412" cy="1173417"/>
+          </a:xfrm>
+        </p:grpSpPr>
+        <p:sp>
+          <p:nvSpPr>
+            <p:cNvPr id="74" name="Rectangle 73"/>
+            <p:cNvSpPr/>
+            <p:nvPr/>
+          </p:nvSpPr>
+          <p:spPr>
+            <a:xfrm>
+              <a:off x="18994049" y="13404009"/>
+              <a:ext cx="8517412" cy="1173417"/>
+            </a:xfrm>
+            <a:prstGeom prst="rect">
+              <a:avLst/>
+            </a:prstGeom>
+            <a:ln/>
+          </p:spPr>
+          <p:style>
+            <a:lnRef idx="3">
+              <a:schemeClr val="lt1"/>
+            </a:lnRef>
+            <a:fillRef idx="1">
+              <a:schemeClr val="accent1"/>
+            </a:fillRef>
+            <a:effectRef idx="1">
+              <a:schemeClr val="accent1"/>
+            </a:effectRef>
+            <a:fontRef idx="minor">
+              <a:schemeClr val="lt1"/>
+            </a:fontRef>
+          </p:style>
+          <p:txBody>
+            <a:bodyPr rtlCol="0" anchor="ctr"/>
+            <a:lstStyle/>
+            <a:p>
+              <a:pPr algn="ctr"/>
+              <a:endParaRPr lang="en-US" sz="4800" dirty="0"/>
+            </a:p>
+          </p:txBody>
+        </p:sp>
+        <p:sp>
+          <p:nvSpPr>
+            <p:cNvPr id="10" name="Rectangle 9"/>
+            <p:cNvSpPr/>
+            <p:nvPr/>
+          </p:nvSpPr>
+          <p:spPr>
+            <a:xfrm>
+              <a:off x="21154605" y="13614810"/>
+              <a:ext cx="4642232" cy="769441"/>
+            </a:xfrm>
+            <a:prstGeom prst="rect">
+              <a:avLst/>
+            </a:prstGeom>
+            <a:noFill/>
+            <a:ln>
+              <a:noFill/>
+            </a:ln>
+          </p:spPr>
+          <p:txBody>
+            <a:bodyPr wrap="none">
+              <a:spAutoFit/>
+            </a:bodyPr>
+            <a:lstStyle/>
+            <a:p>
+              <a:pPr algn="ctr"/>
+              <a:r>
+                <a:rPr lang="en-US" sz="4400" dirty="0">
                   <a:solidFill>
                     <a:schemeClr val="bg1"/>
                   </a:solidFill>
-                </a:endParaRPr>
-              </a:p>
-            </p:txBody>
-          </p:sp>
-          <p:sp>
-            <p:nvSpPr>
-              <p:cNvPr id="85" name="Rectangle 84"/>
-              <p:cNvSpPr/>
-              <p:nvPr/>
-            </p:nvSpPr>
-            <p:spPr>
-              <a:xfrm>
-                <a:off x="19032838" y="9520836"/>
-                <a:ext cx="4025757" cy="911074"/>
-              </a:xfrm>
-              <a:prstGeom prst="rect">
-                <a:avLst/>
-              </a:prstGeom>
-            </p:spPr>
-            <p:style>
-              <a:lnRef idx="1">
-                <a:schemeClr val="dk1"/>
-              </a:lnRef>
-              <a:fillRef idx="3">
-                <a:schemeClr val="dk1"/>
-              </a:fillRef>
-              <a:effectRef idx="2">
-                <a:schemeClr val="dk1"/>
-              </a:effectRef>
-              <a:fontRef idx="minor">
-                <a:schemeClr val="lt1"/>
-              </a:fontRef>
-            </p:style>
-            <p:txBody>
-              <a:bodyPr wrap="square" tIns="91440">
-                <a:normAutofit/>
-              </a:bodyPr>
-              <a:lstStyle/>
-              <a:p>
-                <a:pPr algn="ctr"/>
-                <a:r>
-                  <a:rPr lang="en-US" sz="4400" dirty="0" smtClean="0">
-                    <a:solidFill>
-                      <a:schemeClr val="bg1"/>
-                    </a:solidFill>
-                  </a:rPr>
-                  <a:t>Developers</a:t>
-                </a:r>
-                <a:endParaRPr lang="en-US" sz="4400" dirty="0">
-                  <a:solidFill>
-                    <a:schemeClr val="bg1"/>
-                  </a:solidFill>
-                </a:endParaRPr>
-              </a:p>
-            </p:txBody>
-          </p:sp>
-          <p:sp>
-            <p:nvSpPr>
-              <p:cNvPr id="86" name="Rectangle 85"/>
-              <p:cNvSpPr/>
-              <p:nvPr/>
-            </p:nvSpPr>
-            <p:spPr>
-              <a:xfrm>
-                <a:off x="18987496" y="16721001"/>
-                <a:ext cx="8523966" cy="1228029"/>
-              </a:xfrm>
-              <a:prstGeom prst="rect">
-                <a:avLst/>
-              </a:prstGeom>
-              <a:solidFill>
-                <a:schemeClr val="bg1"/>
-              </a:solidFill>
-              <a:ln>
-                <a:solidFill>
-                  <a:schemeClr val="bg1"/>
-                </a:solidFill>
-              </a:ln>
-            </p:spPr>
-            <p:style>
-              <a:lnRef idx="1">
-                <a:schemeClr val="dk1"/>
-              </a:lnRef>
-              <a:fillRef idx="2">
-                <a:schemeClr val="dk1"/>
-              </a:fillRef>
-              <a:effectRef idx="1">
-                <a:schemeClr val="dk1"/>
-              </a:effectRef>
-              <a:fontRef idx="minor">
-                <a:schemeClr val="dk1"/>
-              </a:fontRef>
-            </p:style>
-            <p:txBody>
-              <a:bodyPr rtlCol="0" anchor="ctr"/>
-              <a:lstStyle/>
-              <a:p>
-                <a:pPr algn="ctr"/>
-                <a:endParaRPr lang="en-US" sz="4400" dirty="0"/>
-              </a:p>
-            </p:txBody>
-          </p:sp>
-          <p:sp>
-            <p:nvSpPr>
-              <p:cNvPr id="87" name="Rectangle 86"/>
-              <p:cNvSpPr/>
-              <p:nvPr/>
-            </p:nvSpPr>
-            <p:spPr>
-              <a:xfrm>
-                <a:off x="23393952" y="18117039"/>
-                <a:ext cx="4117510" cy="1661452"/>
-              </a:xfrm>
-              <a:prstGeom prst="rect">
-                <a:avLst/>
-              </a:prstGeom>
-              <a:solidFill>
-                <a:schemeClr val="bg1"/>
-              </a:solidFill>
-              <a:ln>
-                <a:solidFill>
-                  <a:schemeClr val="bg1"/>
-                </a:solidFill>
-              </a:ln>
-            </p:spPr>
-            <p:style>
-              <a:lnRef idx="1">
-                <a:schemeClr val="dk1"/>
-              </a:lnRef>
-              <a:fillRef idx="2">
-                <a:schemeClr val="dk1"/>
-              </a:fillRef>
-              <a:effectRef idx="1">
-                <a:schemeClr val="dk1"/>
-              </a:effectRef>
-              <a:fontRef idx="minor">
-                <a:schemeClr val="dk1"/>
-              </a:fontRef>
-            </p:style>
-            <p:txBody>
-              <a:bodyPr rtlCol="0" anchor="ctr"/>
-              <a:lstStyle/>
-              <a:p>
-                <a:pPr algn="ctr"/>
-                <a:r>
-                  <a:rPr lang="en-US" sz="4400" dirty="0" smtClean="0"/>
-                  <a:t>Just Hands</a:t>
-                </a:r>
-                <a:endParaRPr lang="en-US" sz="4400" dirty="0"/>
-              </a:p>
-            </p:txBody>
-          </p:sp>
-          <p:sp>
-            <p:nvSpPr>
-              <p:cNvPr id="95" name="Rectangle 94"/>
-              <p:cNvSpPr/>
-              <p:nvPr/>
-            </p:nvSpPr>
-            <p:spPr>
-              <a:xfrm>
-                <a:off x="18987496" y="18117039"/>
-                <a:ext cx="4071100" cy="1661452"/>
-              </a:xfrm>
-              <a:prstGeom prst="rect">
-                <a:avLst/>
-              </a:prstGeom>
-              <a:solidFill>
-                <a:schemeClr val="bg1"/>
-              </a:solidFill>
-              <a:ln>
-                <a:solidFill>
-                  <a:schemeClr val="bg1"/>
-                </a:solidFill>
-              </a:ln>
-            </p:spPr>
-            <p:style>
-              <a:lnRef idx="1">
-                <a:schemeClr val="dk1"/>
-              </a:lnRef>
-              <a:fillRef idx="2">
-                <a:schemeClr val="dk1"/>
-              </a:fillRef>
-              <a:effectRef idx="1">
-                <a:schemeClr val="dk1"/>
-              </a:effectRef>
-              <a:fontRef idx="minor">
-                <a:schemeClr val="dk1"/>
-              </a:fontRef>
-            </p:style>
-            <p:txBody>
-              <a:bodyPr rtlCol="0" anchor="ctr"/>
-              <a:lstStyle/>
-              <a:p>
-                <a:pPr algn="ctr"/>
-                <a:r>
-                  <a:rPr lang="en-US" sz="4400" dirty="0" smtClean="0"/>
-                  <a:t>Color Gloves</a:t>
-                </a:r>
-                <a:endParaRPr lang="en-US" sz="4400" dirty="0"/>
-              </a:p>
-            </p:txBody>
-          </p:sp>
-          <p:sp>
-            <p:nvSpPr>
-              <p:cNvPr id="10" name="Rectangle 9"/>
-              <p:cNvSpPr/>
-              <p:nvPr/>
-            </p:nvSpPr>
-            <p:spPr>
-              <a:xfrm>
-                <a:off x="21154605" y="14264943"/>
-                <a:ext cx="4642232" cy="769441"/>
-              </a:xfrm>
-              <a:prstGeom prst="rect">
-                <a:avLst/>
-              </a:prstGeom>
-              <a:solidFill>
-                <a:schemeClr val="bg1"/>
-              </a:solidFill>
-              <a:ln>
-                <a:noFill/>
-              </a:ln>
-            </p:spPr>
-            <p:txBody>
-              <a:bodyPr wrap="none">
-                <a:spAutoFit/>
-              </a:bodyPr>
-              <a:lstStyle/>
-              <a:p>
-                <a:pPr algn="ctr"/>
-                <a:r>
-                  <a:rPr lang="en-US" sz="4400" dirty="0"/>
-                  <a:t> Feature  Extraction</a:t>
-                </a:r>
-              </a:p>
-            </p:txBody>
-          </p:sp>
-          <p:sp>
-            <p:nvSpPr>
-              <p:cNvPr id="97" name="Rectangle 96"/>
-              <p:cNvSpPr/>
-              <p:nvPr/>
-            </p:nvSpPr>
-            <p:spPr>
-              <a:xfrm>
-                <a:off x="23341417" y="12085250"/>
-                <a:ext cx="4427774" cy="3214546"/>
-              </a:xfrm>
-              <a:prstGeom prst="rect">
-                <a:avLst/>
-              </a:prstGeom>
-              <a:noFill/>
-              <a:ln w="38100">
-                <a:solidFill>
-                  <a:srgbClr val="FF0000"/>
-                </a:solidFill>
-                <a:prstDash val="dashDot"/>
-              </a:ln>
-            </p:spPr>
-            <p:style>
-              <a:lnRef idx="1">
-                <a:schemeClr val="dk1"/>
-              </a:lnRef>
-              <a:fillRef idx="2">
-                <a:schemeClr val="dk1"/>
-              </a:fillRef>
-              <a:effectRef idx="1">
-                <a:schemeClr val="dk1"/>
-              </a:effectRef>
-              <a:fontRef idx="minor">
-                <a:schemeClr val="dk1"/>
-              </a:fontRef>
-            </p:style>
-            <p:txBody>
-              <a:bodyPr rtlCol="0" anchor="ctr"/>
-              <a:lstStyle/>
-              <a:p>
-                <a:pPr algn="ctr"/>
-                <a:endParaRPr lang="en-US" sz="2000" dirty="0"/>
-              </a:p>
-            </p:txBody>
-          </p:sp>
-          <p:cxnSp>
-            <p:nvCxnSpPr>
-              <p:cNvPr id="96" name="Straight Connector 95"/>
-              <p:cNvCxnSpPr/>
-              <p:nvPr/>
-            </p:nvCxnSpPr>
-            <p:spPr>
-              <a:xfrm>
-                <a:off x="23249479" y="9304125"/>
-                <a:ext cx="0" cy="11052261"/>
-              </a:xfrm>
-              <a:prstGeom prst="line">
-                <a:avLst/>
-              </a:prstGeom>
-              <a:ln w="28575">
-                <a:solidFill>
-                  <a:schemeClr val="bg1">
-                    <a:lumMod val="50000"/>
-                  </a:schemeClr>
-                </a:solidFill>
-                <a:prstDash val="dashDot"/>
-              </a:ln>
-            </p:spPr>
-            <p:style>
-              <a:lnRef idx="1">
-                <a:schemeClr val="accent1"/>
-              </a:lnRef>
-              <a:fillRef idx="0">
-                <a:schemeClr val="accent1"/>
-              </a:fillRef>
-              <a:effectRef idx="0">
-                <a:schemeClr val="accent1"/>
-              </a:effectRef>
-              <a:fontRef idx="minor">
-                <a:schemeClr val="tx1"/>
-              </a:fontRef>
-            </p:style>
-          </p:cxnSp>
-        </p:grpSp>
+                </a:rPr>
+                <a:t> Feature  Extraction</a:t>
+              </a:r>
+            </a:p>
+          </p:txBody>
+        </p:sp>
+      </p:grpSp>
+      <p:sp>
+        <p:nvSpPr>
+          <p:cNvPr id="97" name="Rectangle 96"/>
+          <p:cNvSpPr/>
+          <p:nvPr/>
+        </p:nvSpPr>
+        <p:spPr>
+          <a:xfrm>
+            <a:off x="23372635" y="11976894"/>
+            <a:ext cx="4427774" cy="3359020"/>
+          </a:xfrm>
+          <a:prstGeom prst="rect">
+            <a:avLst/>
+          </a:prstGeom>
+          <a:noFill/>
+          <a:ln w="38100">
+            <a:solidFill>
+              <a:srgbClr val="FF0000"/>
+            </a:solidFill>
+            <a:prstDash val="dashDot"/>
+          </a:ln>
+        </p:spPr>
+        <p:style>
+          <a:lnRef idx="1">
+            <a:schemeClr val="dk1"/>
+          </a:lnRef>
+          <a:fillRef idx="2">
+            <a:schemeClr val="dk1"/>
+          </a:fillRef>
+          <a:effectRef idx="1">
+            <a:schemeClr val="dk1"/>
+          </a:effectRef>
+          <a:fontRef idx="minor">
+            <a:schemeClr val="dk1"/>
+          </a:fontRef>
+        </p:style>
+        <p:txBody>
+          <a:bodyPr rtlCol="0" anchor="ctr"/>
+          <a:lstStyle/>
+          <a:p>
+            <a:pPr algn="ctr"/>
+            <a:endParaRPr lang="en-US" sz="2000" dirty="0"/>
+          </a:p>
+        </p:txBody>
+      </p:sp>
+      <p:cxnSp>
+        <p:nvCxnSpPr>
+          <p:cNvPr id="96" name="Straight Connector 95"/>
+          <p:cNvCxnSpPr/>
+          <p:nvPr/>
+        </p:nvCxnSpPr>
+        <p:spPr>
+          <a:xfrm flipH="1">
+            <a:off x="23246201" y="8653992"/>
+            <a:ext cx="3278" cy="11485683"/>
+          </a:xfrm>
+          <a:prstGeom prst="line">
+            <a:avLst/>
+          </a:prstGeom>
+          <a:ln w="57150">
+            <a:solidFill>
+              <a:schemeClr val="bg1">
+                <a:lumMod val="50000"/>
+              </a:schemeClr>
+            </a:solidFill>
+            <a:prstDash val="dashDot"/>
+          </a:ln>
+        </p:spPr>
+        <p:style>
+          <a:lnRef idx="1">
+            <a:schemeClr val="accent1"/>
+          </a:lnRef>
+          <a:fillRef idx="0">
+            <a:schemeClr val="accent1"/>
+          </a:fillRef>
+          <a:effectRef idx="0">
+            <a:schemeClr val="accent1"/>
+          </a:effectRef>
+          <a:fontRef idx="minor">
+            <a:schemeClr val="tx1"/>
+          </a:fontRef>
+        </p:style>
+      </p:cxnSp>
+      <p:grpSp>
+        <p:nvGrpSpPr>
+          <p:cNvPr id="46" name="Group 45"/>
+          <p:cNvGrpSpPr/>
+          <p:nvPr/>
+        </p:nvGrpSpPr>
+        <p:grpSpPr>
+          <a:xfrm>
+            <a:off x="18987495" y="10439982"/>
+            <a:ext cx="8523967" cy="2947951"/>
+            <a:chOff x="18987495" y="10545920"/>
+            <a:chExt cx="8523967" cy="2947951"/>
+          </a:xfrm>
+        </p:grpSpPr>
+        <p:sp>
+          <p:nvSpPr>
+            <p:cNvPr id="76" name="Rectangle 75"/>
+            <p:cNvSpPr/>
+            <p:nvPr/>
+          </p:nvSpPr>
+          <p:spPr>
+            <a:xfrm>
+              <a:off x="23466189" y="12193605"/>
+              <a:ext cx="4045273" cy="1300266"/>
+            </a:xfrm>
+            <a:prstGeom prst="rect">
+              <a:avLst/>
+            </a:prstGeom>
+            <a:ln/>
+          </p:spPr>
+          <p:style>
+            <a:lnRef idx="3">
+              <a:schemeClr val="lt1"/>
+            </a:lnRef>
+            <a:fillRef idx="1">
+              <a:schemeClr val="accent1"/>
+            </a:fillRef>
+            <a:effectRef idx="1">
+              <a:schemeClr val="accent1"/>
+            </a:effectRef>
+            <a:fontRef idx="minor">
+              <a:schemeClr val="lt1"/>
+            </a:fontRef>
+          </p:style>
+          <p:txBody>
+            <a:bodyPr rtlCol="0" anchor="ctr"/>
+            <a:lstStyle/>
+            <a:p>
+              <a:pPr algn="ctr"/>
+              <a:r>
+                <a:rPr lang="en-US" sz="4400" dirty="0" smtClean="0"/>
+                <a:t>   Per-pixel Classification</a:t>
+              </a:r>
+              <a:endParaRPr lang="en-US" sz="4400" dirty="0"/>
+            </a:p>
+          </p:txBody>
+        </p:sp>
+        <p:sp>
+          <p:nvSpPr>
+            <p:cNvPr id="77" name="Rectangle 76"/>
+            <p:cNvSpPr/>
+            <p:nvPr/>
+          </p:nvSpPr>
+          <p:spPr>
+            <a:xfrm>
+              <a:off x="23466189" y="10545920"/>
+              <a:ext cx="4017482" cy="997552"/>
+            </a:xfrm>
+            <a:prstGeom prst="rect">
+              <a:avLst/>
+            </a:prstGeom>
+            <a:ln/>
+          </p:spPr>
+          <p:style>
+            <a:lnRef idx="3">
+              <a:schemeClr val="lt1"/>
+            </a:lnRef>
+            <a:fillRef idx="1">
+              <a:schemeClr val="accent1"/>
+            </a:fillRef>
+            <a:effectRef idx="1">
+              <a:schemeClr val="accent1"/>
+            </a:effectRef>
+            <a:fontRef idx="minor">
+              <a:schemeClr val="lt1"/>
+            </a:fontRef>
+          </p:style>
+          <p:txBody>
+            <a:bodyPr rtlCol="0" anchor="ctr"/>
+            <a:lstStyle/>
+            <a:p>
+              <a:pPr algn="ctr"/>
+              <a:r>
+                <a:rPr lang="en-US" sz="4400" dirty="0" smtClean="0"/>
+                <a:t>Pooling</a:t>
+              </a:r>
+              <a:endParaRPr lang="en-US" sz="4400" dirty="0"/>
+            </a:p>
+          </p:txBody>
+        </p:sp>
         <p:sp>
           <p:nvSpPr>
             <p:cNvPr id="75" name="Rectangle 74"/>
@@ -5989,33 +5930,26 @@
           </p:nvSpPr>
           <p:spPr>
             <a:xfrm>
-              <a:off x="19036975" y="10621762"/>
-              <a:ext cx="4017482" cy="3186957"/>
+              <a:off x="18987495" y="10545920"/>
+              <a:ext cx="4017482" cy="2947951"/>
             </a:xfrm>
             <a:prstGeom prst="rect">
               <a:avLst/>
             </a:prstGeom>
-            <a:solidFill>
-              <a:schemeClr val="bg1"/>
-            </a:solidFill>
-            <a:ln>
-              <a:solidFill>
-                <a:schemeClr val="bg1"/>
-              </a:solidFill>
-            </a:ln>
+            <a:ln/>
           </p:spPr>
           <p:style>
-            <a:lnRef idx="1">
-              <a:schemeClr val="dk1"/>
+            <a:lnRef idx="3">
+              <a:schemeClr val="lt1"/>
             </a:lnRef>
-            <a:fillRef idx="2">
-              <a:schemeClr val="dk1"/>
+            <a:fillRef idx="1">
+              <a:schemeClr val="accent1"/>
             </a:fillRef>
             <a:effectRef idx="1">
-              <a:schemeClr val="dk1"/>
+              <a:schemeClr val="accent1"/>
             </a:effectRef>
             <a:fontRef idx="minor">
-              <a:schemeClr val="dk1"/>
+              <a:schemeClr val="lt1"/>
             </a:fontRef>
           </p:style>
           <p:txBody>
@@ -6032,36 +5966,478 @@
           </p:txBody>
         </p:sp>
       </p:grpSp>
-      <p:sp>
-        <p:nvSpPr>
-          <p:cNvPr id="2" name="Rectangle 1"/>
-          <p:cNvSpPr/>
+      <p:grpSp>
+        <p:nvGrpSpPr>
+          <p:cNvPr id="17" name="Group 16"/>
+          <p:cNvGrpSpPr/>
           <p:nvPr/>
-        </p:nvSpPr>
+        </p:nvGrpSpPr>
+        <p:grpSpPr>
+          <a:xfrm>
+            <a:off x="18987495" y="17365188"/>
+            <a:ext cx="8523966" cy="987783"/>
+            <a:chOff x="18987496" y="16238877"/>
+            <a:chExt cx="8523966" cy="987783"/>
+          </a:xfrm>
+        </p:grpSpPr>
+        <p:sp>
+          <p:nvSpPr>
+            <p:cNvPr id="86" name="Rectangle 85"/>
+            <p:cNvSpPr/>
+            <p:nvPr/>
+          </p:nvSpPr>
+          <p:spPr>
+            <a:xfrm>
+              <a:off x="18987496" y="16238877"/>
+              <a:ext cx="8523966" cy="987783"/>
+            </a:xfrm>
+            <a:prstGeom prst="rect">
+              <a:avLst/>
+            </a:prstGeom>
+            <a:ln/>
+          </p:spPr>
+          <p:style>
+            <a:lnRef idx="3">
+              <a:schemeClr val="lt1"/>
+            </a:lnRef>
+            <a:fillRef idx="1">
+              <a:schemeClr val="accent1"/>
+            </a:fillRef>
+            <a:effectRef idx="1">
+              <a:schemeClr val="accent1"/>
+            </a:effectRef>
+            <a:fontRef idx="minor">
+              <a:schemeClr val="lt1"/>
+            </a:fontRef>
+          </p:style>
+          <p:txBody>
+            <a:bodyPr rtlCol="0" anchor="ctr"/>
+            <a:lstStyle/>
+            <a:p>
+              <a:pPr algn="ctr"/>
+              <a:endParaRPr lang="en-US" sz="4400" dirty="0"/>
+            </a:p>
+          </p:txBody>
+        </p:sp>
+        <p:sp>
+          <p:nvSpPr>
+            <p:cNvPr id="2" name="Rectangle 1"/>
+            <p:cNvSpPr/>
+            <p:nvPr/>
+          </p:nvSpPr>
+          <p:spPr>
+            <a:xfrm>
+              <a:off x="21576668" y="16383351"/>
+              <a:ext cx="3550972" cy="769441"/>
+            </a:xfrm>
+            <a:prstGeom prst="rect">
+              <a:avLst/>
+            </a:prstGeom>
+          </p:spPr>
+          <p:txBody>
+            <a:bodyPr wrap="none">
+              <a:spAutoFit/>
+            </a:bodyPr>
+            <a:lstStyle/>
+            <a:p>
+              <a:pPr algn="ctr"/>
+              <a:r>
+                <a:rPr lang="en-US" sz="4400" dirty="0">
+                  <a:solidFill>
+                    <a:schemeClr val="bg1"/>
+                  </a:solidFill>
+                </a:rPr>
+                <a:t>Kinect   Sensor</a:t>
+              </a:r>
+              <a:endParaRPr lang="en-US" sz="4400" dirty="0">
+                <a:solidFill>
+                  <a:schemeClr val="bg1"/>
+                </a:solidFill>
+              </a:endParaRPr>
+            </a:p>
+          </p:txBody>
+        </p:sp>
+      </p:grpSp>
+      <p:cxnSp>
+        <p:nvCxnSpPr>
+          <p:cNvPr id="22" name="Straight Arrow Connector 21"/>
+          <p:cNvCxnSpPr>
+            <a:stCxn id="95" idx="0"/>
+          </p:cNvCxnSpPr>
+          <p:nvPr/>
+        </p:nvCxnSpPr>
         <p:spPr>
-          <a:xfrm>
-            <a:off x="21588027" y="16986413"/>
-            <a:ext cx="3550972" cy="769441"/>
-          </a:xfrm>
-          <a:prstGeom prst="rect">
+          <a:xfrm flipV="1">
+            <a:off x="21023045" y="18352971"/>
+            <a:ext cx="2" cy="558674"/>
+          </a:xfrm>
+          <a:prstGeom prst="straightConnector1">
             <a:avLst/>
           </a:prstGeom>
+          <a:ln w="57150">
+            <a:tailEnd type="arrow"/>
+          </a:ln>
         </p:spPr>
-        <p:txBody>
-          <a:bodyPr wrap="none">
-            <a:spAutoFit/>
-          </a:bodyPr>
-          <a:lstStyle/>
-          <a:p>
-            <a:pPr algn="ctr"/>
-            <a:r>
-              <a:rPr lang="en-US" sz="4400" dirty="0"/>
-              <a:t>Kinect   Sensor</a:t>
-            </a:r>
-            <a:endParaRPr lang="en-US" sz="4400" dirty="0"/>
-          </a:p>
-        </p:txBody>
-      </p:sp>
+        <p:style>
+          <a:lnRef idx="3">
+            <a:schemeClr val="dk1"/>
+          </a:lnRef>
+          <a:fillRef idx="0">
+            <a:schemeClr val="dk1"/>
+          </a:fillRef>
+          <a:effectRef idx="2">
+            <a:schemeClr val="dk1"/>
+          </a:effectRef>
+          <a:fontRef idx="minor">
+            <a:schemeClr val="tx1"/>
+          </a:fontRef>
+        </p:style>
+      </p:cxnSp>
+      <p:cxnSp>
+        <p:nvCxnSpPr>
+          <p:cNvPr id="100" name="Straight Arrow Connector 99"/>
+          <p:cNvCxnSpPr>
+            <a:stCxn id="87" idx="0"/>
+          </p:cNvCxnSpPr>
+          <p:nvPr/>
+        </p:nvCxnSpPr>
+        <p:spPr>
+          <a:xfrm flipH="1" flipV="1">
+            <a:off x="25452706" y="18352971"/>
+            <a:ext cx="1" cy="558674"/>
+          </a:xfrm>
+          <a:prstGeom prst="straightConnector1">
+            <a:avLst/>
+          </a:prstGeom>
+          <a:ln w="57150">
+            <a:tailEnd type="arrow"/>
+          </a:ln>
+        </p:spPr>
+        <p:style>
+          <a:lnRef idx="3">
+            <a:schemeClr val="dk1"/>
+          </a:lnRef>
+          <a:fillRef idx="0">
+            <a:schemeClr val="dk1"/>
+          </a:fillRef>
+          <a:effectRef idx="2">
+            <a:schemeClr val="dk1"/>
+          </a:effectRef>
+          <a:fontRef idx="minor">
+            <a:schemeClr val="tx1"/>
+          </a:fontRef>
+        </p:style>
+      </p:cxnSp>
+      <p:cxnSp>
+        <p:nvCxnSpPr>
+          <p:cNvPr id="104" name="Straight Arrow Connector 103"/>
+          <p:cNvCxnSpPr>
+            <a:endCxn id="83" idx="2"/>
+          </p:cNvCxnSpPr>
+          <p:nvPr/>
+        </p:nvCxnSpPr>
+        <p:spPr>
+          <a:xfrm flipH="1" flipV="1">
+            <a:off x="21023045" y="16806516"/>
+            <a:ext cx="2" cy="558672"/>
+          </a:xfrm>
+          <a:prstGeom prst="straightConnector1">
+            <a:avLst/>
+          </a:prstGeom>
+          <a:ln w="57150">
+            <a:tailEnd type="arrow"/>
+          </a:ln>
+        </p:spPr>
+        <p:style>
+          <a:lnRef idx="3">
+            <a:schemeClr val="dk1"/>
+          </a:lnRef>
+          <a:fillRef idx="0">
+            <a:schemeClr val="dk1"/>
+          </a:fillRef>
+          <a:effectRef idx="2">
+            <a:schemeClr val="dk1"/>
+          </a:effectRef>
+          <a:fontRef idx="minor">
+            <a:schemeClr val="tx1"/>
+          </a:fontRef>
+        </p:style>
+      </p:cxnSp>
+      <p:cxnSp>
+        <p:nvCxnSpPr>
+          <p:cNvPr id="107" name="Straight Arrow Connector 106"/>
+          <p:cNvCxnSpPr>
+            <a:endCxn id="80" idx="2"/>
+          </p:cNvCxnSpPr>
+          <p:nvPr/>
+        </p:nvCxnSpPr>
+        <p:spPr>
+          <a:xfrm flipV="1">
+            <a:off x="25452706" y="16806515"/>
+            <a:ext cx="1" cy="558673"/>
+          </a:xfrm>
+          <a:prstGeom prst="straightConnector1">
+            <a:avLst/>
+          </a:prstGeom>
+          <a:ln w="57150">
+            <a:tailEnd type="arrow"/>
+          </a:ln>
+        </p:spPr>
+        <p:style>
+          <a:lnRef idx="3">
+            <a:schemeClr val="dk1"/>
+          </a:lnRef>
+          <a:fillRef idx="0">
+            <a:schemeClr val="dk1"/>
+          </a:fillRef>
+          <a:effectRef idx="2">
+            <a:schemeClr val="dk1"/>
+          </a:effectRef>
+          <a:fontRef idx="minor">
+            <a:schemeClr val="tx1"/>
+          </a:fontRef>
+        </p:style>
+      </p:cxnSp>
+      <p:cxnSp>
+        <p:nvCxnSpPr>
+          <p:cNvPr id="111" name="Straight Arrow Connector 110"/>
+          <p:cNvCxnSpPr>
+            <a:stCxn id="83" idx="0"/>
+          </p:cNvCxnSpPr>
+          <p:nvPr/>
+        </p:nvCxnSpPr>
+        <p:spPr>
+          <a:xfrm flipV="1">
+            <a:off x="21023045" y="15120023"/>
+            <a:ext cx="2" cy="558672"/>
+          </a:xfrm>
+          <a:prstGeom prst="straightConnector1">
+            <a:avLst/>
+          </a:prstGeom>
+          <a:ln w="57150">
+            <a:tailEnd type="arrow"/>
+          </a:ln>
+        </p:spPr>
+        <p:style>
+          <a:lnRef idx="3">
+            <a:schemeClr val="dk1"/>
+          </a:lnRef>
+          <a:fillRef idx="0">
+            <a:schemeClr val="dk1"/>
+          </a:fillRef>
+          <a:effectRef idx="2">
+            <a:schemeClr val="dk1"/>
+          </a:effectRef>
+          <a:fontRef idx="minor">
+            <a:schemeClr val="tx1"/>
+          </a:fontRef>
+        </p:style>
+      </p:cxnSp>
+      <p:cxnSp>
+        <p:nvCxnSpPr>
+          <p:cNvPr id="112" name="Straight Arrow Connector 111"/>
+          <p:cNvCxnSpPr>
+            <a:stCxn id="80" idx="0"/>
+          </p:cNvCxnSpPr>
+          <p:nvPr/>
+        </p:nvCxnSpPr>
+        <p:spPr>
+          <a:xfrm flipH="1" flipV="1">
+            <a:off x="25452706" y="15120024"/>
+            <a:ext cx="1" cy="558670"/>
+          </a:xfrm>
+          <a:prstGeom prst="straightConnector1">
+            <a:avLst/>
+          </a:prstGeom>
+          <a:ln w="57150">
+            <a:tailEnd type="arrow"/>
+          </a:ln>
+        </p:spPr>
+        <p:style>
+          <a:lnRef idx="3">
+            <a:schemeClr val="dk1"/>
+          </a:lnRef>
+          <a:fillRef idx="0">
+            <a:schemeClr val="dk1"/>
+          </a:fillRef>
+          <a:effectRef idx="2">
+            <a:schemeClr val="dk1"/>
+          </a:effectRef>
+          <a:fontRef idx="minor">
+            <a:schemeClr val="tx1"/>
+          </a:fontRef>
+        </p:style>
+      </p:cxnSp>
+      <p:cxnSp>
+        <p:nvCxnSpPr>
+          <p:cNvPr id="113" name="Straight Arrow Connector 112"/>
+          <p:cNvCxnSpPr/>
+          <p:nvPr/>
+        </p:nvCxnSpPr>
+        <p:spPr>
+          <a:xfrm flipV="1">
+            <a:off x="21082368" y="13421634"/>
+            <a:ext cx="0" cy="524971"/>
+          </a:xfrm>
+          <a:prstGeom prst="straightConnector1">
+            <a:avLst/>
+          </a:prstGeom>
+          <a:ln w="57150">
+            <a:tailEnd type="arrow"/>
+          </a:ln>
+        </p:spPr>
+        <p:style>
+          <a:lnRef idx="3">
+            <a:schemeClr val="dk1"/>
+          </a:lnRef>
+          <a:fillRef idx="0">
+            <a:schemeClr val="dk1"/>
+          </a:fillRef>
+          <a:effectRef idx="2">
+            <a:schemeClr val="dk1"/>
+          </a:effectRef>
+          <a:fontRef idx="minor">
+            <a:schemeClr val="tx1"/>
+          </a:fontRef>
+        </p:style>
+      </p:cxnSp>
+      <p:cxnSp>
+        <p:nvCxnSpPr>
+          <p:cNvPr id="114" name="Straight Arrow Connector 113"/>
+          <p:cNvCxnSpPr/>
+          <p:nvPr/>
+        </p:nvCxnSpPr>
+        <p:spPr>
+          <a:xfrm flipV="1">
+            <a:off x="25512029" y="13421634"/>
+            <a:ext cx="0" cy="524971"/>
+          </a:xfrm>
+          <a:prstGeom prst="straightConnector1">
+            <a:avLst/>
+          </a:prstGeom>
+          <a:ln w="57150">
+            <a:tailEnd type="arrow"/>
+          </a:ln>
+        </p:spPr>
+        <p:style>
+          <a:lnRef idx="3">
+            <a:schemeClr val="dk1"/>
+          </a:lnRef>
+          <a:fillRef idx="0">
+            <a:schemeClr val="dk1"/>
+          </a:fillRef>
+          <a:effectRef idx="2">
+            <a:schemeClr val="dk1"/>
+          </a:effectRef>
+          <a:fontRef idx="minor">
+            <a:schemeClr val="tx1"/>
+          </a:fontRef>
+        </p:style>
+      </p:cxnSp>
+      <p:cxnSp>
+        <p:nvCxnSpPr>
+          <p:cNvPr id="115" name="Straight Arrow Connector 114"/>
+          <p:cNvCxnSpPr>
+            <a:stCxn id="76" idx="0"/>
+            <a:endCxn id="77" idx="2"/>
+          </p:cNvCxnSpPr>
+          <p:nvPr/>
+        </p:nvCxnSpPr>
+        <p:spPr>
+          <a:xfrm flipH="1" flipV="1">
+            <a:off x="25474930" y="11437534"/>
+            <a:ext cx="13896" cy="650133"/>
+          </a:xfrm>
+          <a:prstGeom prst="straightConnector1">
+            <a:avLst/>
+          </a:prstGeom>
+          <a:ln w="57150">
+            <a:tailEnd type="arrow"/>
+          </a:ln>
+        </p:spPr>
+        <p:style>
+          <a:lnRef idx="3">
+            <a:schemeClr val="dk1"/>
+          </a:lnRef>
+          <a:fillRef idx="0">
+            <a:schemeClr val="dk1"/>
+          </a:fillRef>
+          <a:effectRef idx="2">
+            <a:schemeClr val="dk1"/>
+          </a:effectRef>
+          <a:fontRef idx="minor">
+            <a:schemeClr val="tx1"/>
+          </a:fontRef>
+        </p:style>
+      </p:cxnSp>
+      <p:cxnSp>
+        <p:nvCxnSpPr>
+          <p:cNvPr id="136" name="Straight Arrow Connector 135"/>
+          <p:cNvCxnSpPr>
+            <a:endCxn id="85" idx="2"/>
+          </p:cNvCxnSpPr>
+          <p:nvPr/>
+        </p:nvCxnSpPr>
+        <p:spPr>
+          <a:xfrm flipV="1">
+            <a:off x="20980069" y="9877548"/>
+            <a:ext cx="1" cy="562434"/>
+          </a:xfrm>
+          <a:prstGeom prst="straightConnector1">
+            <a:avLst/>
+          </a:prstGeom>
+          <a:ln w="57150">
+            <a:tailEnd type="arrow"/>
+          </a:ln>
+        </p:spPr>
+        <p:style>
+          <a:lnRef idx="3">
+            <a:schemeClr val="dk1"/>
+          </a:lnRef>
+          <a:fillRef idx="0">
+            <a:schemeClr val="dk1"/>
+          </a:fillRef>
+          <a:effectRef idx="2">
+            <a:schemeClr val="dk1"/>
+          </a:effectRef>
+          <a:fontRef idx="minor">
+            <a:schemeClr val="tx1"/>
+          </a:fontRef>
+        </p:style>
+      </p:cxnSp>
+      <p:cxnSp>
+        <p:nvCxnSpPr>
+          <p:cNvPr id="141" name="Straight Arrow Connector 140"/>
+          <p:cNvCxnSpPr/>
+          <p:nvPr/>
+        </p:nvCxnSpPr>
+        <p:spPr>
+          <a:xfrm flipV="1">
+            <a:off x="25498655" y="9877548"/>
+            <a:ext cx="1" cy="562434"/>
+          </a:xfrm>
+          <a:prstGeom prst="straightConnector1">
+            <a:avLst/>
+          </a:prstGeom>
+          <a:ln w="57150">
+            <a:tailEnd type="arrow"/>
+          </a:ln>
+        </p:spPr>
+        <p:style>
+          <a:lnRef idx="3">
+            <a:schemeClr val="dk1"/>
+          </a:lnRef>
+          <a:fillRef idx="0">
+            <a:schemeClr val="dk1"/>
+          </a:fillRef>
+          <a:effectRef idx="2">
+            <a:schemeClr val="dk1"/>
+          </a:effectRef>
+          <a:fontRef idx="minor">
+            <a:schemeClr val="tx1"/>
+          </a:fontRef>
+        </p:style>
+      </p:cxnSp>
     </p:spTree>
     <p:extLst>
       <p:ext uri="{BB962C8B-B14F-4D97-AF65-F5344CB8AC3E}">

--- a/Paper/Poster/Poster.pptx
+++ b/Paper/Poster/Poster.pptx
@@ -108,6 +108,2420 @@
     </a:lvl9pPr>
   </p:defaultTextStyle>
 </p:presentation>
+</file>
+
+<file path=ppt/charts/chart1.xml><?xml version="1.0" encoding="utf-8"?>
+<c:chartSpace xmlns:c="http://schemas.openxmlformats.org/drawingml/2006/chart" xmlns:a="http://schemas.openxmlformats.org/drawingml/2006/main" xmlns:r="http://schemas.openxmlformats.org/officeDocument/2006/relationships">
+  <c:date1904 val="0"/>
+  <c:lang val="en-US"/>
+  <c:roundedCorners val="0"/>
+  <mc:AlternateContent xmlns:mc="http://schemas.openxmlformats.org/markup-compatibility/2006">
+    <mc:Choice xmlns:c14="http://schemas.microsoft.com/office/drawing/2007/8/2/chart" Requires="c14">
+      <c14:style val="102"/>
+    </mc:Choice>
+    <mc:Fallback>
+      <c:style val="2"/>
+    </mc:Fallback>
+  </mc:AlternateContent>
+  <c:chart>
+    <c:autoTitleDeleted val="1"/>
+    <c:plotArea>
+      <c:layout/>
+      <c:lineChart>
+        <c:grouping val="standard"/>
+        <c:varyColors val="0"/>
+        <c:ser>
+          <c:idx val="0"/>
+          <c:order val="0"/>
+          <c:tx>
+            <c:strRef>
+              <c:f>Data!$S$12</c:f>
+              <c:strCache>
+                <c:ptCount val="1"/>
+                <c:pt idx="0">
+                  <c:v>1 Tree</c:v>
+                </c:pt>
+              </c:strCache>
+            </c:strRef>
+          </c:tx>
+          <c:cat>
+            <c:numRef>
+              <c:f>Data!$R$13:$R$20</c:f>
+              <c:numCache>
+                <c:formatCode>General</c:formatCode>
+                <c:ptCount val="8"/>
+                <c:pt idx="0">
+                  <c:v>10</c:v>
+                </c:pt>
+                <c:pt idx="1">
+                  <c:v>50</c:v>
+                </c:pt>
+                <c:pt idx="2">
+                  <c:v>100</c:v>
+                </c:pt>
+                <c:pt idx="3">
+                  <c:v>150</c:v>
+                </c:pt>
+                <c:pt idx="4">
+                  <c:v>200</c:v>
+                </c:pt>
+                <c:pt idx="5">
+                  <c:v>250</c:v>
+                </c:pt>
+                <c:pt idx="6">
+                  <c:v>300</c:v>
+                </c:pt>
+                <c:pt idx="7">
+                  <c:v>350</c:v>
+                </c:pt>
+              </c:numCache>
+            </c:numRef>
+          </c:cat>
+          <c:val>
+            <c:numRef>
+              <c:f>Data!$S$13:$S$20</c:f>
+              <c:numCache>
+                <c:formatCode>General</c:formatCode>
+                <c:ptCount val="8"/>
+                <c:pt idx="0">
+                  <c:v>0.36840000000000001</c:v>
+                </c:pt>
+                <c:pt idx="1">
+                  <c:v>0.22409999999999999</c:v>
+                </c:pt>
+                <c:pt idx="2">
+                  <c:v>0.1822</c:v>
+                </c:pt>
+                <c:pt idx="3">
+                  <c:v>0.12759999999999999</c:v>
+                </c:pt>
+                <c:pt idx="4">
+                  <c:v>0.1237</c:v>
+                </c:pt>
+                <c:pt idx="5">
+                  <c:v>8.3799999999999999E-2</c:v>
+                </c:pt>
+                <c:pt idx="6">
+                  <c:v>7.6999999999999999E-2</c:v>
+                </c:pt>
+                <c:pt idx="7">
+                  <c:v>8.1500000000000003E-2</c:v>
+                </c:pt>
+              </c:numCache>
+            </c:numRef>
+          </c:val>
+          <c:smooth val="0"/>
+        </c:ser>
+        <c:ser>
+          <c:idx val="1"/>
+          <c:order val="1"/>
+          <c:tx>
+            <c:strRef>
+              <c:f>Data!$T$12</c:f>
+              <c:strCache>
+                <c:ptCount val="1"/>
+                <c:pt idx="0">
+                  <c:v>2 Trees</c:v>
+                </c:pt>
+              </c:strCache>
+            </c:strRef>
+          </c:tx>
+          <c:cat>
+            <c:numRef>
+              <c:f>Data!$R$13:$R$20</c:f>
+              <c:numCache>
+                <c:formatCode>General</c:formatCode>
+                <c:ptCount val="8"/>
+                <c:pt idx="0">
+                  <c:v>10</c:v>
+                </c:pt>
+                <c:pt idx="1">
+                  <c:v>50</c:v>
+                </c:pt>
+                <c:pt idx="2">
+                  <c:v>100</c:v>
+                </c:pt>
+                <c:pt idx="3">
+                  <c:v>150</c:v>
+                </c:pt>
+                <c:pt idx="4">
+                  <c:v>200</c:v>
+                </c:pt>
+                <c:pt idx="5">
+                  <c:v>250</c:v>
+                </c:pt>
+                <c:pt idx="6">
+                  <c:v>300</c:v>
+                </c:pt>
+                <c:pt idx="7">
+                  <c:v>350</c:v>
+                </c:pt>
+              </c:numCache>
+            </c:numRef>
+          </c:cat>
+          <c:val>
+            <c:numRef>
+              <c:f>Data!$T$13:$T$20</c:f>
+              <c:numCache>
+                <c:formatCode>General</c:formatCode>
+                <c:ptCount val="8"/>
+                <c:pt idx="0">
+                  <c:v>0.37380000000000002</c:v>
+                </c:pt>
+                <c:pt idx="1">
+                  <c:v>0.22670000000000001</c:v>
+                </c:pt>
+                <c:pt idx="2">
+                  <c:v>0.18720000000000001</c:v>
+                </c:pt>
+                <c:pt idx="3">
+                  <c:v>0.12859999999999999</c:v>
+                </c:pt>
+                <c:pt idx="4">
+                  <c:v>0.1234</c:v>
+                </c:pt>
+                <c:pt idx="5">
+                  <c:v>8.7599999999999997E-2</c:v>
+                </c:pt>
+                <c:pt idx="6">
+                  <c:v>8.3500000000000005E-2</c:v>
+                </c:pt>
+                <c:pt idx="7">
+                  <c:v>7.4700000000000003E-2</c:v>
+                </c:pt>
+              </c:numCache>
+            </c:numRef>
+          </c:val>
+          <c:smooth val="0"/>
+        </c:ser>
+        <c:ser>
+          <c:idx val="2"/>
+          <c:order val="2"/>
+          <c:tx>
+            <c:strRef>
+              <c:f>Data!$U$12</c:f>
+              <c:strCache>
+                <c:ptCount val="1"/>
+                <c:pt idx="0">
+                  <c:v>3 Trees</c:v>
+                </c:pt>
+              </c:strCache>
+            </c:strRef>
+          </c:tx>
+          <c:cat>
+            <c:numRef>
+              <c:f>Data!$R$13:$R$20</c:f>
+              <c:numCache>
+                <c:formatCode>General</c:formatCode>
+                <c:ptCount val="8"/>
+                <c:pt idx="0">
+                  <c:v>10</c:v>
+                </c:pt>
+                <c:pt idx="1">
+                  <c:v>50</c:v>
+                </c:pt>
+                <c:pt idx="2">
+                  <c:v>100</c:v>
+                </c:pt>
+                <c:pt idx="3">
+                  <c:v>150</c:v>
+                </c:pt>
+                <c:pt idx="4">
+                  <c:v>200</c:v>
+                </c:pt>
+                <c:pt idx="5">
+                  <c:v>250</c:v>
+                </c:pt>
+                <c:pt idx="6">
+                  <c:v>300</c:v>
+                </c:pt>
+                <c:pt idx="7">
+                  <c:v>350</c:v>
+                </c:pt>
+              </c:numCache>
+            </c:numRef>
+          </c:cat>
+          <c:val>
+            <c:numRef>
+              <c:f>Data!$U$13:$U$20</c:f>
+              <c:numCache>
+                <c:formatCode>General</c:formatCode>
+                <c:ptCount val="8"/>
+                <c:pt idx="0">
+                  <c:v>0.371</c:v>
+                </c:pt>
+                <c:pt idx="1">
+                  <c:v>0.23949999999999999</c:v>
+                </c:pt>
+                <c:pt idx="2">
+                  <c:v>0.18229999999999999</c:v>
+                </c:pt>
+                <c:pt idx="3">
+                  <c:v>0.12239999999999999</c:v>
+                </c:pt>
+                <c:pt idx="4">
+                  <c:v>0.1303</c:v>
+                </c:pt>
+                <c:pt idx="5">
+                  <c:v>8.8999999999999996E-2</c:v>
+                </c:pt>
+                <c:pt idx="6">
+                  <c:v>8.2900000000000001E-2</c:v>
+                </c:pt>
+                <c:pt idx="7">
+                  <c:v>7.2499999999999995E-2</c:v>
+                </c:pt>
+              </c:numCache>
+            </c:numRef>
+          </c:val>
+          <c:smooth val="0"/>
+        </c:ser>
+        <c:ser>
+          <c:idx val="3"/>
+          <c:order val="3"/>
+          <c:tx>
+            <c:strRef>
+              <c:f>Data!$V$12</c:f>
+              <c:strCache>
+                <c:ptCount val="1"/>
+                <c:pt idx="0">
+                  <c:v>4 Trees</c:v>
+                </c:pt>
+              </c:strCache>
+            </c:strRef>
+          </c:tx>
+          <c:cat>
+            <c:numRef>
+              <c:f>Data!$R$13:$R$20</c:f>
+              <c:numCache>
+                <c:formatCode>General</c:formatCode>
+                <c:ptCount val="8"/>
+                <c:pt idx="0">
+                  <c:v>10</c:v>
+                </c:pt>
+                <c:pt idx="1">
+                  <c:v>50</c:v>
+                </c:pt>
+                <c:pt idx="2">
+                  <c:v>100</c:v>
+                </c:pt>
+                <c:pt idx="3">
+                  <c:v>150</c:v>
+                </c:pt>
+                <c:pt idx="4">
+                  <c:v>200</c:v>
+                </c:pt>
+                <c:pt idx="5">
+                  <c:v>250</c:v>
+                </c:pt>
+                <c:pt idx="6">
+                  <c:v>300</c:v>
+                </c:pt>
+                <c:pt idx="7">
+                  <c:v>350</c:v>
+                </c:pt>
+              </c:numCache>
+            </c:numRef>
+          </c:cat>
+          <c:val>
+            <c:numRef>
+              <c:f>Data!$V$13:$V$20</c:f>
+              <c:numCache>
+                <c:formatCode>General</c:formatCode>
+                <c:ptCount val="8"/>
+                <c:pt idx="0">
+                  <c:v>0.36770000000000003</c:v>
+                </c:pt>
+                <c:pt idx="1">
+                  <c:v>0.24329999999999999</c:v>
+                </c:pt>
+                <c:pt idx="2">
+                  <c:v>0.1855</c:v>
+                </c:pt>
+                <c:pt idx="3">
+                  <c:v>0.12130000000000001</c:v>
+                </c:pt>
+                <c:pt idx="4">
+                  <c:v>0.1268</c:v>
+                </c:pt>
+                <c:pt idx="5">
+                  <c:v>9.1800000000000007E-2</c:v>
+                </c:pt>
+                <c:pt idx="6">
+                  <c:v>8.3000000000000004E-2</c:v>
+                </c:pt>
+                <c:pt idx="7">
+                  <c:v>7.5499999999999998E-2</c:v>
+                </c:pt>
+              </c:numCache>
+            </c:numRef>
+          </c:val>
+          <c:smooth val="0"/>
+        </c:ser>
+        <c:ser>
+          <c:idx val="4"/>
+          <c:order val="4"/>
+          <c:tx>
+            <c:strRef>
+              <c:f>Data!$W$12</c:f>
+              <c:strCache>
+                <c:ptCount val="1"/>
+                <c:pt idx="0">
+                  <c:v>5 Trees</c:v>
+                </c:pt>
+              </c:strCache>
+            </c:strRef>
+          </c:tx>
+          <c:cat>
+            <c:numRef>
+              <c:f>Data!$R$13:$R$20</c:f>
+              <c:numCache>
+                <c:formatCode>General</c:formatCode>
+                <c:ptCount val="8"/>
+                <c:pt idx="0">
+                  <c:v>10</c:v>
+                </c:pt>
+                <c:pt idx="1">
+                  <c:v>50</c:v>
+                </c:pt>
+                <c:pt idx="2">
+                  <c:v>100</c:v>
+                </c:pt>
+                <c:pt idx="3">
+                  <c:v>150</c:v>
+                </c:pt>
+                <c:pt idx="4">
+                  <c:v>200</c:v>
+                </c:pt>
+                <c:pt idx="5">
+                  <c:v>250</c:v>
+                </c:pt>
+                <c:pt idx="6">
+                  <c:v>300</c:v>
+                </c:pt>
+                <c:pt idx="7">
+                  <c:v>350</c:v>
+                </c:pt>
+              </c:numCache>
+            </c:numRef>
+          </c:cat>
+          <c:val>
+            <c:numRef>
+              <c:f>Data!$W$13:$W$20</c:f>
+              <c:numCache>
+                <c:formatCode>General</c:formatCode>
+                <c:ptCount val="8"/>
+                <c:pt idx="0">
+                  <c:v>0.36899999999999999</c:v>
+                </c:pt>
+                <c:pt idx="1">
+                  <c:v>0.24560000000000001</c:v>
+                </c:pt>
+                <c:pt idx="2">
+                  <c:v>0.18179999999999999</c:v>
+                </c:pt>
+                <c:pt idx="3">
+                  <c:v>0.1206</c:v>
+                </c:pt>
+                <c:pt idx="4">
+                  <c:v>0.12529999999999999</c:v>
+                </c:pt>
+                <c:pt idx="5">
+                  <c:v>9.4299999999999995E-2</c:v>
+                </c:pt>
+                <c:pt idx="6">
+                  <c:v>8.4500000000000006E-2</c:v>
+                </c:pt>
+                <c:pt idx="7">
+                  <c:v>7.7439999999999995E-2</c:v>
+                </c:pt>
+              </c:numCache>
+            </c:numRef>
+          </c:val>
+          <c:smooth val="0"/>
+        </c:ser>
+        <c:dLbls>
+          <c:showLegendKey val="0"/>
+          <c:showVal val="0"/>
+          <c:showCatName val="0"/>
+          <c:showSerName val="0"/>
+          <c:showPercent val="0"/>
+          <c:showBubbleSize val="0"/>
+        </c:dLbls>
+        <c:marker val="1"/>
+        <c:smooth val="0"/>
+        <c:axId val="78036352"/>
+        <c:axId val="78216576"/>
+      </c:lineChart>
+      <c:catAx>
+        <c:axId val="78036352"/>
+        <c:scaling>
+          <c:orientation val="minMax"/>
+        </c:scaling>
+        <c:delete val="0"/>
+        <c:axPos val="b"/>
+        <c:title>
+          <c:tx>
+            <c:rich>
+              <a:bodyPr/>
+              <a:lstStyle/>
+              <a:p>
+                <a:pPr>
+                  <a:defRPr sz="1600"/>
+                </a:pPr>
+                <a:r>
+                  <a:rPr lang="en-US" sz="1600"/>
+                  <a:t>Number of training samples</a:t>
+                </a:r>
+              </a:p>
+            </c:rich>
+          </c:tx>
+          <c:layout/>
+          <c:overlay val="0"/>
+        </c:title>
+        <c:numFmt formatCode="General" sourceLinked="1"/>
+        <c:majorTickMark val="out"/>
+        <c:minorTickMark val="none"/>
+        <c:tickLblPos val="nextTo"/>
+        <c:crossAx val="78216576"/>
+        <c:crosses val="autoZero"/>
+        <c:auto val="1"/>
+        <c:lblAlgn val="ctr"/>
+        <c:lblOffset val="100"/>
+        <c:noMultiLvlLbl val="0"/>
+      </c:catAx>
+      <c:valAx>
+        <c:axId val="78216576"/>
+        <c:scaling>
+          <c:orientation val="minMax"/>
+          <c:max val="0.4"/>
+          <c:min val="0"/>
+        </c:scaling>
+        <c:delete val="0"/>
+        <c:axPos val="l"/>
+        <c:majorGridlines/>
+        <c:title>
+          <c:tx>
+            <c:rich>
+              <a:bodyPr rot="-5400000" vert="horz"/>
+              <a:lstStyle/>
+              <a:p>
+                <a:pPr>
+                  <a:defRPr sz="900"/>
+                </a:pPr>
+                <a:r>
+                  <a:rPr lang="en-US" sz="1600"/>
+                  <a:t>Error</a:t>
+                </a:r>
+                <a:endParaRPr lang="en-US" sz="900"/>
+              </a:p>
+            </c:rich>
+          </c:tx>
+          <c:layout/>
+          <c:overlay val="0"/>
+        </c:title>
+        <c:numFmt formatCode="General" sourceLinked="1"/>
+        <c:majorTickMark val="out"/>
+        <c:minorTickMark val="none"/>
+        <c:tickLblPos val="nextTo"/>
+        <c:crossAx val="78036352"/>
+        <c:crosses val="autoZero"/>
+        <c:crossBetween val="between"/>
+      </c:valAx>
+    </c:plotArea>
+    <c:legend>
+      <c:legendPos val="r"/>
+      <c:layout/>
+      <c:overlay val="0"/>
+    </c:legend>
+    <c:plotVisOnly val="1"/>
+    <c:dispBlanksAs val="gap"/>
+    <c:showDLblsOverMax val="0"/>
+  </c:chart>
+  <c:externalData r:id="rId1">
+    <c:autoUpdate val="0"/>
+  </c:externalData>
+</c:chartSpace>
+</file>
+
+<file path=ppt/charts/chart2.xml><?xml version="1.0" encoding="utf-8"?>
+<c:chartSpace xmlns:c="http://schemas.openxmlformats.org/drawingml/2006/chart" xmlns:a="http://schemas.openxmlformats.org/drawingml/2006/main" xmlns:r="http://schemas.openxmlformats.org/officeDocument/2006/relationships">
+  <c:date1904 val="0"/>
+  <c:lang val="en-US"/>
+  <c:roundedCorners val="0"/>
+  <mc:AlternateContent xmlns:mc="http://schemas.openxmlformats.org/markup-compatibility/2006">
+    <mc:Choice xmlns:c14="http://schemas.microsoft.com/office/drawing/2007/8/2/chart" Requires="c14">
+      <c14:style val="102"/>
+    </mc:Choice>
+    <mc:Fallback>
+      <c:style val="2"/>
+    </mc:Fallback>
+  </mc:AlternateContent>
+  <c:chart>
+    <c:autoTitleDeleted val="1"/>
+    <c:plotArea>
+      <c:layout/>
+      <c:lineChart>
+        <c:grouping val="standard"/>
+        <c:varyColors val="0"/>
+        <c:ser>
+          <c:idx val="0"/>
+          <c:order val="0"/>
+          <c:tx>
+            <c:strRef>
+              <c:f>Data!$S$25</c:f>
+              <c:strCache>
+                <c:ptCount val="1"/>
+                <c:pt idx="0">
+                  <c:v>Training accuracy</c:v>
+                </c:pt>
+              </c:strCache>
+            </c:strRef>
+          </c:tx>
+          <c:cat>
+            <c:numRef>
+              <c:f>Data!$R$26:$R$33</c:f>
+              <c:numCache>
+                <c:formatCode>General</c:formatCode>
+                <c:ptCount val="8"/>
+                <c:pt idx="0">
+                  <c:v>10</c:v>
+                </c:pt>
+                <c:pt idx="1">
+                  <c:v>50</c:v>
+                </c:pt>
+                <c:pt idx="2">
+                  <c:v>100</c:v>
+                </c:pt>
+                <c:pt idx="3">
+                  <c:v>150</c:v>
+                </c:pt>
+                <c:pt idx="4">
+                  <c:v>200</c:v>
+                </c:pt>
+                <c:pt idx="5">
+                  <c:v>250</c:v>
+                </c:pt>
+                <c:pt idx="6">
+                  <c:v>300</c:v>
+                </c:pt>
+                <c:pt idx="7">
+                  <c:v>350</c:v>
+                </c:pt>
+              </c:numCache>
+            </c:numRef>
+          </c:cat>
+          <c:val>
+            <c:numRef>
+              <c:f>Data!$S$26:$S$33</c:f>
+              <c:numCache>
+                <c:formatCode>General</c:formatCode>
+                <c:ptCount val="8"/>
+                <c:pt idx="0">
+                  <c:v>8.8999999999999999E-3</c:v>
+                </c:pt>
+                <c:pt idx="1">
+                  <c:v>1.23E-2</c:v>
+                </c:pt>
+                <c:pt idx="2">
+                  <c:v>1.15E-2</c:v>
+                </c:pt>
+                <c:pt idx="3">
+                  <c:v>1.1599999999999999E-2</c:v>
+                </c:pt>
+                <c:pt idx="4">
+                  <c:v>1.06E-2</c:v>
+                </c:pt>
+                <c:pt idx="5">
+                  <c:v>1.0800000000000001E-2</c:v>
+                </c:pt>
+                <c:pt idx="6">
+                  <c:v>0.01</c:v>
+                </c:pt>
+                <c:pt idx="7">
+                  <c:v>9.2999999999999992E-3</c:v>
+                </c:pt>
+              </c:numCache>
+            </c:numRef>
+          </c:val>
+          <c:smooth val="0"/>
+        </c:ser>
+        <c:ser>
+          <c:idx val="1"/>
+          <c:order val="1"/>
+          <c:tx>
+            <c:strRef>
+              <c:f>Data!$T$25</c:f>
+              <c:strCache>
+                <c:ptCount val="1"/>
+                <c:pt idx="0">
+                  <c:v>Test accuracy</c:v>
+                </c:pt>
+              </c:strCache>
+            </c:strRef>
+          </c:tx>
+          <c:cat>
+            <c:numRef>
+              <c:f>Data!$R$26:$R$33</c:f>
+              <c:numCache>
+                <c:formatCode>General</c:formatCode>
+                <c:ptCount val="8"/>
+                <c:pt idx="0">
+                  <c:v>10</c:v>
+                </c:pt>
+                <c:pt idx="1">
+                  <c:v>50</c:v>
+                </c:pt>
+                <c:pt idx="2">
+                  <c:v>100</c:v>
+                </c:pt>
+                <c:pt idx="3">
+                  <c:v>150</c:v>
+                </c:pt>
+                <c:pt idx="4">
+                  <c:v>200</c:v>
+                </c:pt>
+                <c:pt idx="5">
+                  <c:v>250</c:v>
+                </c:pt>
+                <c:pt idx="6">
+                  <c:v>300</c:v>
+                </c:pt>
+                <c:pt idx="7">
+                  <c:v>350</c:v>
+                </c:pt>
+              </c:numCache>
+            </c:numRef>
+          </c:cat>
+          <c:val>
+            <c:numRef>
+              <c:f>Data!$T$26:$T$33</c:f>
+              <c:numCache>
+                <c:formatCode>General</c:formatCode>
+                <c:ptCount val="8"/>
+                <c:pt idx="0">
+                  <c:v>0.371</c:v>
+                </c:pt>
+                <c:pt idx="1">
+                  <c:v>0.23949999999999999</c:v>
+                </c:pt>
+                <c:pt idx="2">
+                  <c:v>0.18229999999999999</c:v>
+                </c:pt>
+                <c:pt idx="3">
+                  <c:v>0.12239999999999999</c:v>
+                </c:pt>
+                <c:pt idx="4">
+                  <c:v>0.1303</c:v>
+                </c:pt>
+                <c:pt idx="5">
+                  <c:v>8.8999999999999996E-2</c:v>
+                </c:pt>
+                <c:pt idx="6">
+                  <c:v>8.2900000000000001E-2</c:v>
+                </c:pt>
+                <c:pt idx="7">
+                  <c:v>7.2499999999999995E-2</c:v>
+                </c:pt>
+              </c:numCache>
+            </c:numRef>
+          </c:val>
+          <c:smooth val="0"/>
+        </c:ser>
+        <c:dLbls>
+          <c:showLegendKey val="0"/>
+          <c:showVal val="0"/>
+          <c:showCatName val="0"/>
+          <c:showSerName val="0"/>
+          <c:showPercent val="0"/>
+          <c:showBubbleSize val="0"/>
+        </c:dLbls>
+        <c:marker val="1"/>
+        <c:smooth val="0"/>
+        <c:axId val="167649280"/>
+        <c:axId val="167651200"/>
+      </c:lineChart>
+      <c:catAx>
+        <c:axId val="167649280"/>
+        <c:scaling>
+          <c:orientation val="minMax"/>
+        </c:scaling>
+        <c:delete val="0"/>
+        <c:axPos val="b"/>
+        <c:title>
+          <c:tx>
+            <c:rich>
+              <a:bodyPr/>
+              <a:lstStyle/>
+              <a:p>
+                <a:pPr>
+                  <a:defRPr sz="1600"/>
+                </a:pPr>
+                <a:r>
+                  <a:rPr lang="en-US" sz="1600"/>
+                  <a:t>Number of training samples</a:t>
+                </a:r>
+              </a:p>
+            </c:rich>
+          </c:tx>
+          <c:layout/>
+          <c:overlay val="0"/>
+        </c:title>
+        <c:numFmt formatCode="General" sourceLinked="1"/>
+        <c:majorTickMark val="out"/>
+        <c:minorTickMark val="none"/>
+        <c:tickLblPos val="nextTo"/>
+        <c:crossAx val="167651200"/>
+        <c:crosses val="autoZero"/>
+        <c:auto val="1"/>
+        <c:lblAlgn val="ctr"/>
+        <c:lblOffset val="100"/>
+        <c:noMultiLvlLbl val="0"/>
+      </c:catAx>
+      <c:valAx>
+        <c:axId val="167651200"/>
+        <c:scaling>
+          <c:orientation val="minMax"/>
+          <c:max val="0.4"/>
+          <c:min val="0"/>
+        </c:scaling>
+        <c:delete val="0"/>
+        <c:axPos val="l"/>
+        <c:majorGridlines/>
+        <c:title>
+          <c:tx>
+            <c:rich>
+              <a:bodyPr rot="-5400000" vert="horz"/>
+              <a:lstStyle/>
+              <a:p>
+                <a:pPr>
+                  <a:defRPr sz="1600"/>
+                </a:pPr>
+                <a:r>
+                  <a:rPr lang="en-US" sz="1600"/>
+                  <a:t>Error</a:t>
+                </a:r>
+              </a:p>
+            </c:rich>
+          </c:tx>
+          <c:layout/>
+          <c:overlay val="0"/>
+        </c:title>
+        <c:numFmt formatCode="General" sourceLinked="1"/>
+        <c:majorTickMark val="out"/>
+        <c:minorTickMark val="none"/>
+        <c:tickLblPos val="nextTo"/>
+        <c:crossAx val="167649280"/>
+        <c:crosses val="autoZero"/>
+        <c:crossBetween val="between"/>
+      </c:valAx>
+    </c:plotArea>
+    <c:legend>
+      <c:legendPos val="r"/>
+      <c:layout>
+        <c:manualLayout>
+          <c:xMode val="edge"/>
+          <c:yMode val="edge"/>
+          <c:x val="0.71342728448943571"/>
+          <c:y val="0.40181224820036304"/>
+          <c:w val="0.27986220472440942"/>
+          <c:h val="0.16743438320209975"/>
+        </c:manualLayout>
+      </c:layout>
+      <c:overlay val="0"/>
+    </c:legend>
+    <c:plotVisOnly val="1"/>
+    <c:dispBlanksAs val="gap"/>
+    <c:showDLblsOverMax val="0"/>
+  </c:chart>
+  <c:externalData r:id="rId1">
+    <c:autoUpdate val="0"/>
+  </c:externalData>
+</c:chartSpace>
+</file>
+
+<file path=ppt/charts/chart3.xml><?xml version="1.0" encoding="utf-8"?>
+<c:chartSpace xmlns:c="http://schemas.openxmlformats.org/drawingml/2006/chart" xmlns:a="http://schemas.openxmlformats.org/drawingml/2006/main" xmlns:r="http://schemas.openxmlformats.org/officeDocument/2006/relationships">
+  <c:date1904 val="0"/>
+  <c:lang val="en-US"/>
+  <c:roundedCorners val="0"/>
+  <mc:AlternateContent xmlns:mc="http://schemas.openxmlformats.org/markup-compatibility/2006">
+    <mc:Choice xmlns:c14="http://schemas.microsoft.com/office/drawing/2007/8/2/chart" Requires="c14">
+      <c14:style val="102"/>
+    </mc:Choice>
+    <mc:Fallback>
+      <c:style val="2"/>
+    </mc:Fallback>
+  </mc:AlternateContent>
+  <c:chart>
+    <c:autoTitleDeleted val="1"/>
+    <c:plotArea>
+      <c:layout/>
+      <c:lineChart>
+        <c:grouping val="standard"/>
+        <c:varyColors val="0"/>
+        <c:ser>
+          <c:idx val="0"/>
+          <c:order val="0"/>
+          <c:tx>
+            <c:strRef>
+              <c:f>Data!$S$41</c:f>
+              <c:strCache>
+                <c:ptCount val="1"/>
+                <c:pt idx="0">
+                  <c:v>Random forest</c:v>
+                </c:pt>
+              </c:strCache>
+            </c:strRef>
+          </c:tx>
+          <c:cat>
+            <c:numRef>
+              <c:f>Data!$R$42:$R$49</c:f>
+              <c:numCache>
+                <c:formatCode>General</c:formatCode>
+                <c:ptCount val="8"/>
+                <c:pt idx="0">
+                  <c:v>10</c:v>
+                </c:pt>
+                <c:pt idx="1">
+                  <c:v>50</c:v>
+                </c:pt>
+                <c:pt idx="2">
+                  <c:v>100</c:v>
+                </c:pt>
+                <c:pt idx="3">
+                  <c:v>150</c:v>
+                </c:pt>
+                <c:pt idx="4">
+                  <c:v>200</c:v>
+                </c:pt>
+                <c:pt idx="5">
+                  <c:v>250</c:v>
+                </c:pt>
+                <c:pt idx="6">
+                  <c:v>300</c:v>
+                </c:pt>
+                <c:pt idx="7">
+                  <c:v>350</c:v>
+                </c:pt>
+              </c:numCache>
+            </c:numRef>
+          </c:cat>
+          <c:val>
+            <c:numRef>
+              <c:f>Data!$S$42:$S$49</c:f>
+              <c:numCache>
+                <c:formatCode>General</c:formatCode>
+                <c:ptCount val="8"/>
+                <c:pt idx="0">
+                  <c:v>0.371</c:v>
+                </c:pt>
+                <c:pt idx="1">
+                  <c:v>0.23949999999999999</c:v>
+                </c:pt>
+                <c:pt idx="2">
+                  <c:v>0.18229999999999999</c:v>
+                </c:pt>
+                <c:pt idx="3">
+                  <c:v>0.12239999999999999</c:v>
+                </c:pt>
+                <c:pt idx="4">
+                  <c:v>0.1303</c:v>
+                </c:pt>
+                <c:pt idx="5">
+                  <c:v>8.8999999999999996E-2</c:v>
+                </c:pt>
+                <c:pt idx="6">
+                  <c:v>8.2900000000000001E-2</c:v>
+                </c:pt>
+                <c:pt idx="7">
+                  <c:v>7.2499999999999995E-2</c:v>
+                </c:pt>
+              </c:numCache>
+            </c:numRef>
+          </c:val>
+          <c:smooth val="0"/>
+        </c:ser>
+        <c:ser>
+          <c:idx val="1"/>
+          <c:order val="1"/>
+          <c:tx>
+            <c:strRef>
+              <c:f>Data!$T$41</c:f>
+              <c:strCache>
+                <c:ptCount val="1"/>
+                <c:pt idx="0">
+                  <c:v>Linear SVM</c:v>
+                </c:pt>
+              </c:strCache>
+            </c:strRef>
+          </c:tx>
+          <c:cat>
+            <c:numRef>
+              <c:f>Data!$R$42:$R$49</c:f>
+              <c:numCache>
+                <c:formatCode>General</c:formatCode>
+                <c:ptCount val="8"/>
+                <c:pt idx="0">
+                  <c:v>10</c:v>
+                </c:pt>
+                <c:pt idx="1">
+                  <c:v>50</c:v>
+                </c:pt>
+                <c:pt idx="2">
+                  <c:v>100</c:v>
+                </c:pt>
+                <c:pt idx="3">
+                  <c:v>150</c:v>
+                </c:pt>
+                <c:pt idx="4">
+                  <c:v>200</c:v>
+                </c:pt>
+                <c:pt idx="5">
+                  <c:v>250</c:v>
+                </c:pt>
+                <c:pt idx="6">
+                  <c:v>300</c:v>
+                </c:pt>
+                <c:pt idx="7">
+                  <c:v>350</c:v>
+                </c:pt>
+              </c:numCache>
+            </c:numRef>
+          </c:cat>
+          <c:val>
+            <c:numRef>
+              <c:f>Data!$T$42:$T$49</c:f>
+              <c:numCache>
+                <c:formatCode>General</c:formatCode>
+                <c:ptCount val="8"/>
+                <c:pt idx="0">
+                  <c:v>0.56499999999999995</c:v>
+                </c:pt>
+                <c:pt idx="1">
+                  <c:v>0.51800000000000002</c:v>
+                </c:pt>
+                <c:pt idx="2">
+                  <c:v>0.52500000000000002</c:v>
+                </c:pt>
+                <c:pt idx="3">
+                  <c:v>0.49299999999999999</c:v>
+                </c:pt>
+                <c:pt idx="4">
+                  <c:v>0.503</c:v>
+                </c:pt>
+                <c:pt idx="5">
+                  <c:v>0.495</c:v>
+                </c:pt>
+                <c:pt idx="6">
+                  <c:v>0.496</c:v>
+                </c:pt>
+                <c:pt idx="7">
+                  <c:v>0.497</c:v>
+                </c:pt>
+              </c:numCache>
+            </c:numRef>
+          </c:val>
+          <c:smooth val="0"/>
+        </c:ser>
+        <c:dLbls>
+          <c:showLegendKey val="0"/>
+          <c:showVal val="0"/>
+          <c:showCatName val="0"/>
+          <c:showSerName val="0"/>
+          <c:showPercent val="0"/>
+          <c:showBubbleSize val="0"/>
+        </c:dLbls>
+        <c:marker val="1"/>
+        <c:smooth val="0"/>
+        <c:axId val="167588992"/>
+        <c:axId val="167609856"/>
+      </c:lineChart>
+      <c:catAx>
+        <c:axId val="167588992"/>
+        <c:scaling>
+          <c:orientation val="minMax"/>
+        </c:scaling>
+        <c:delete val="0"/>
+        <c:axPos val="b"/>
+        <c:title>
+          <c:tx>
+            <c:rich>
+              <a:bodyPr/>
+              <a:lstStyle/>
+              <a:p>
+                <a:pPr>
+                  <a:defRPr sz="1600"/>
+                </a:pPr>
+                <a:r>
+                  <a:rPr lang="en-US" sz="1600"/>
+                  <a:t>Number of training samples</a:t>
+                </a:r>
+              </a:p>
+            </c:rich>
+          </c:tx>
+          <c:layout/>
+          <c:overlay val="0"/>
+        </c:title>
+        <c:numFmt formatCode="General" sourceLinked="1"/>
+        <c:majorTickMark val="out"/>
+        <c:minorTickMark val="none"/>
+        <c:tickLblPos val="nextTo"/>
+        <c:crossAx val="167609856"/>
+        <c:crosses val="autoZero"/>
+        <c:auto val="1"/>
+        <c:lblAlgn val="ctr"/>
+        <c:lblOffset val="100"/>
+        <c:noMultiLvlLbl val="0"/>
+      </c:catAx>
+      <c:valAx>
+        <c:axId val="167609856"/>
+        <c:scaling>
+          <c:orientation val="minMax"/>
+          <c:max val="0.70000000000000007"/>
+          <c:min val="0"/>
+        </c:scaling>
+        <c:delete val="0"/>
+        <c:axPos val="l"/>
+        <c:majorGridlines/>
+        <c:title>
+          <c:tx>
+            <c:rich>
+              <a:bodyPr rot="-5400000" vert="horz"/>
+              <a:lstStyle/>
+              <a:p>
+                <a:pPr>
+                  <a:defRPr sz="1600"/>
+                </a:pPr>
+                <a:r>
+                  <a:rPr lang="en-US" sz="1600"/>
+                  <a:t>Error</a:t>
+                </a:r>
+              </a:p>
+            </c:rich>
+          </c:tx>
+          <c:layout/>
+          <c:overlay val="0"/>
+        </c:title>
+        <c:numFmt formatCode="General" sourceLinked="1"/>
+        <c:majorTickMark val="out"/>
+        <c:minorTickMark val="none"/>
+        <c:tickLblPos val="nextTo"/>
+        <c:crossAx val="167588992"/>
+        <c:crosses val="autoZero"/>
+        <c:crossBetween val="between"/>
+      </c:valAx>
+    </c:plotArea>
+    <c:legend>
+      <c:legendPos val="r"/>
+      <c:layout>
+        <c:manualLayout>
+          <c:xMode val="edge"/>
+          <c:yMode val="edge"/>
+          <c:x val="0.67753570770013871"/>
+          <c:y val="0.40850778057637888"/>
+          <c:w val="0.19634899113751517"/>
+          <c:h val="0.13739582523168228"/>
+        </c:manualLayout>
+      </c:layout>
+      <c:overlay val="0"/>
+    </c:legend>
+    <c:plotVisOnly val="1"/>
+    <c:dispBlanksAs val="gap"/>
+    <c:showDLblsOverMax val="0"/>
+  </c:chart>
+  <c:externalData r:id="rId1">
+    <c:autoUpdate val="0"/>
+  </c:externalData>
+</c:chartSpace>
+</file>
+
+<file path=ppt/charts/chart4.xml><?xml version="1.0" encoding="utf-8"?>
+<c:chartSpace xmlns:c="http://schemas.openxmlformats.org/drawingml/2006/chart" xmlns:a="http://schemas.openxmlformats.org/drawingml/2006/main" xmlns:r="http://schemas.openxmlformats.org/officeDocument/2006/relationships">
+  <c:date1904 val="0"/>
+  <c:lang val="en-US"/>
+  <c:roundedCorners val="0"/>
+  <mc:AlternateContent xmlns:mc="http://schemas.openxmlformats.org/markup-compatibility/2006">
+    <mc:Choice xmlns:c14="http://schemas.microsoft.com/office/drawing/2007/8/2/chart" Requires="c14">
+      <c14:style val="102"/>
+    </mc:Choice>
+    <mc:Fallback>
+      <c:style val="2"/>
+    </mc:Fallback>
+  </mc:AlternateContent>
+  <c:chart>
+    <c:autoTitleDeleted val="1"/>
+    <c:plotArea>
+      <c:layout/>
+      <c:lineChart>
+        <c:grouping val="standard"/>
+        <c:varyColors val="0"/>
+        <c:ser>
+          <c:idx val="1"/>
+          <c:order val="0"/>
+          <c:tx>
+            <c:strRef>
+              <c:f>Data!$E$1</c:f>
+              <c:strCache>
+                <c:ptCount val="1"/>
+                <c:pt idx="0">
+                  <c:v>1000 Features</c:v>
+                </c:pt>
+              </c:strCache>
+            </c:strRef>
+          </c:tx>
+          <c:cat>
+            <c:numRef>
+              <c:f>Data!$D$2:$D$9</c:f>
+              <c:numCache>
+                <c:formatCode>General</c:formatCode>
+                <c:ptCount val="8"/>
+                <c:pt idx="0">
+                  <c:v>10</c:v>
+                </c:pt>
+                <c:pt idx="1">
+                  <c:v>50</c:v>
+                </c:pt>
+                <c:pt idx="2">
+                  <c:v>100</c:v>
+                </c:pt>
+                <c:pt idx="3">
+                  <c:v>150</c:v>
+                </c:pt>
+                <c:pt idx="4">
+                  <c:v>200</c:v>
+                </c:pt>
+                <c:pt idx="5">
+                  <c:v>250</c:v>
+                </c:pt>
+                <c:pt idx="6">
+                  <c:v>300</c:v>
+                </c:pt>
+                <c:pt idx="7">
+                  <c:v>350</c:v>
+                </c:pt>
+              </c:numCache>
+            </c:numRef>
+          </c:cat>
+          <c:val>
+            <c:numRef>
+              <c:f>Data!$E$2:$E$9</c:f>
+              <c:numCache>
+                <c:formatCode>General</c:formatCode>
+                <c:ptCount val="8"/>
+                <c:pt idx="0">
+                  <c:v>0.37019999999999997</c:v>
+                </c:pt>
+                <c:pt idx="1">
+                  <c:v>0.24990000000000001</c:v>
+                </c:pt>
+                <c:pt idx="2">
+                  <c:v>0.19520000000000001</c:v>
+                </c:pt>
+                <c:pt idx="3">
+                  <c:v>0.1283</c:v>
+                </c:pt>
+                <c:pt idx="4">
+                  <c:v>0.1396</c:v>
+                </c:pt>
+                <c:pt idx="5">
+                  <c:v>0.1051</c:v>
+                </c:pt>
+                <c:pt idx="6">
+                  <c:v>9.2899999999999996E-2</c:v>
+                </c:pt>
+                <c:pt idx="7">
+                  <c:v>8.7499999999999994E-2</c:v>
+                </c:pt>
+              </c:numCache>
+            </c:numRef>
+          </c:val>
+          <c:smooth val="0"/>
+        </c:ser>
+        <c:ser>
+          <c:idx val="0"/>
+          <c:order val="1"/>
+          <c:tx>
+            <c:strRef>
+              <c:f>Data!$F$1</c:f>
+              <c:strCache>
+                <c:ptCount val="1"/>
+                <c:pt idx="0">
+                  <c:v>2000 Features</c:v>
+                </c:pt>
+              </c:strCache>
+            </c:strRef>
+          </c:tx>
+          <c:val>
+            <c:numRef>
+              <c:f>Data!$F$2:$F$9</c:f>
+              <c:numCache>
+                <c:formatCode>General</c:formatCode>
+                <c:ptCount val="8"/>
+                <c:pt idx="0">
+                  <c:v>0.371</c:v>
+                </c:pt>
+                <c:pt idx="1">
+                  <c:v>0.23949999999999999</c:v>
+                </c:pt>
+                <c:pt idx="2">
+                  <c:v>0.18229999999999999</c:v>
+                </c:pt>
+                <c:pt idx="3">
+                  <c:v>0.12239999999999999</c:v>
+                </c:pt>
+                <c:pt idx="4">
+                  <c:v>0.1303</c:v>
+                </c:pt>
+                <c:pt idx="5">
+                  <c:v>8.8999999999999996E-2</c:v>
+                </c:pt>
+                <c:pt idx="6">
+                  <c:v>8.2900000000000001E-2</c:v>
+                </c:pt>
+                <c:pt idx="7">
+                  <c:v>7.2499999999999995E-2</c:v>
+                </c:pt>
+              </c:numCache>
+            </c:numRef>
+          </c:val>
+          <c:smooth val="0"/>
+        </c:ser>
+        <c:ser>
+          <c:idx val="2"/>
+          <c:order val="2"/>
+          <c:tx>
+            <c:strRef>
+              <c:f>Data!$G$1</c:f>
+              <c:strCache>
+                <c:ptCount val="1"/>
+                <c:pt idx="0">
+                  <c:v>3000 Features</c:v>
+                </c:pt>
+              </c:strCache>
+            </c:strRef>
+          </c:tx>
+          <c:val>
+            <c:numRef>
+              <c:f>Data!$G$2:$G$9</c:f>
+              <c:numCache>
+                <c:formatCode>General</c:formatCode>
+                <c:ptCount val="8"/>
+                <c:pt idx="0">
+                  <c:v>0.37630000000000002</c:v>
+                </c:pt>
+                <c:pt idx="1">
+                  <c:v>0.251</c:v>
+                </c:pt>
+                <c:pt idx="2">
+                  <c:v>0.2152</c:v>
+                </c:pt>
+                <c:pt idx="3">
+                  <c:v>0.12690000000000001</c:v>
+                </c:pt>
+                <c:pt idx="4">
+                  <c:v>0.125</c:v>
+                </c:pt>
+                <c:pt idx="5">
+                  <c:v>9.4E-2</c:v>
+                </c:pt>
+                <c:pt idx="6">
+                  <c:v>8.8599999999999998E-2</c:v>
+                </c:pt>
+                <c:pt idx="7">
+                  <c:v>7.6999999999999999E-2</c:v>
+                </c:pt>
+              </c:numCache>
+            </c:numRef>
+          </c:val>
+          <c:smooth val="0"/>
+        </c:ser>
+        <c:dLbls>
+          <c:showLegendKey val="0"/>
+          <c:showVal val="0"/>
+          <c:showCatName val="0"/>
+          <c:showSerName val="0"/>
+          <c:showPercent val="0"/>
+          <c:showBubbleSize val="0"/>
+        </c:dLbls>
+        <c:marker val="1"/>
+        <c:smooth val="0"/>
+        <c:axId val="214901888"/>
+        <c:axId val="214954752"/>
+      </c:lineChart>
+      <c:catAx>
+        <c:axId val="214901888"/>
+        <c:scaling>
+          <c:orientation val="minMax"/>
+        </c:scaling>
+        <c:delete val="0"/>
+        <c:axPos val="b"/>
+        <c:title>
+          <c:tx>
+            <c:rich>
+              <a:bodyPr/>
+              <a:lstStyle/>
+              <a:p>
+                <a:pPr>
+                  <a:defRPr sz="1600"/>
+                </a:pPr>
+                <a:r>
+                  <a:rPr lang="en-US" sz="1600"/>
+                  <a:t>Number of training samples</a:t>
+                </a:r>
+              </a:p>
+            </c:rich>
+          </c:tx>
+          <c:layout/>
+          <c:overlay val="0"/>
+        </c:title>
+        <c:numFmt formatCode="General" sourceLinked="1"/>
+        <c:majorTickMark val="out"/>
+        <c:minorTickMark val="none"/>
+        <c:tickLblPos val="nextTo"/>
+        <c:crossAx val="214954752"/>
+        <c:crosses val="autoZero"/>
+        <c:auto val="1"/>
+        <c:lblAlgn val="ctr"/>
+        <c:lblOffset val="100"/>
+        <c:noMultiLvlLbl val="0"/>
+      </c:catAx>
+      <c:valAx>
+        <c:axId val="214954752"/>
+        <c:scaling>
+          <c:orientation val="minMax"/>
+          <c:max val="0.4"/>
+          <c:min val="0"/>
+        </c:scaling>
+        <c:delete val="0"/>
+        <c:axPos val="l"/>
+        <c:majorGridlines/>
+        <c:title>
+          <c:tx>
+            <c:rich>
+              <a:bodyPr rot="-5400000" vert="horz"/>
+              <a:lstStyle/>
+              <a:p>
+                <a:pPr>
+                  <a:defRPr sz="1600"/>
+                </a:pPr>
+                <a:r>
+                  <a:rPr lang="en-US" sz="1600"/>
+                  <a:t>Error</a:t>
+                </a:r>
+              </a:p>
+            </c:rich>
+          </c:tx>
+          <c:layout/>
+          <c:overlay val="0"/>
+        </c:title>
+        <c:numFmt formatCode="General" sourceLinked="1"/>
+        <c:majorTickMark val="out"/>
+        <c:minorTickMark val="none"/>
+        <c:tickLblPos val="nextTo"/>
+        <c:crossAx val="214901888"/>
+        <c:crosses val="autoZero"/>
+        <c:crossBetween val="between"/>
+      </c:valAx>
+    </c:plotArea>
+    <c:legend>
+      <c:legendPos val="r"/>
+      <c:layout/>
+      <c:overlay val="0"/>
+    </c:legend>
+    <c:plotVisOnly val="1"/>
+    <c:dispBlanksAs val="gap"/>
+    <c:showDLblsOverMax val="0"/>
+  </c:chart>
+  <c:externalData r:id="rId1">
+    <c:autoUpdate val="0"/>
+  </c:externalData>
+</c:chartSpace>
+</file>
+
+<file path=ppt/charts/chart5.xml><?xml version="1.0" encoding="utf-8"?>
+<c:chartSpace xmlns:c="http://schemas.openxmlformats.org/drawingml/2006/chart" xmlns:a="http://schemas.openxmlformats.org/drawingml/2006/main" xmlns:r="http://schemas.openxmlformats.org/officeDocument/2006/relationships">
+  <c:date1904 val="0"/>
+  <c:lang val="en-US"/>
+  <c:roundedCorners val="0"/>
+  <mc:AlternateContent xmlns:mc="http://schemas.openxmlformats.org/markup-compatibility/2006">
+    <mc:Choice xmlns:c14="http://schemas.microsoft.com/office/drawing/2007/8/2/chart" Requires="c14">
+      <c14:style val="102"/>
+    </mc:Choice>
+    <mc:Fallback>
+      <c:style val="2"/>
+    </mc:Fallback>
+  </mc:AlternateContent>
+  <c:chart>
+    <c:autoTitleDeleted val="1"/>
+    <c:plotArea>
+      <c:layout/>
+      <c:lineChart>
+        <c:grouping val="standard"/>
+        <c:varyColors val="0"/>
+        <c:ser>
+          <c:idx val="0"/>
+          <c:order val="0"/>
+          <c:tx>
+            <c:strRef>
+              <c:f>Data!$M$1</c:f>
+              <c:strCache>
+                <c:ptCount val="1"/>
+                <c:pt idx="0">
+                  <c:v>1000 mmpx</c:v>
+                </c:pt>
+              </c:strCache>
+            </c:strRef>
+          </c:tx>
+          <c:cat>
+            <c:numRef>
+              <c:f>Data!$L$2:$L$9</c:f>
+              <c:numCache>
+                <c:formatCode>General</c:formatCode>
+                <c:ptCount val="8"/>
+                <c:pt idx="0">
+                  <c:v>10</c:v>
+                </c:pt>
+                <c:pt idx="1">
+                  <c:v>50</c:v>
+                </c:pt>
+                <c:pt idx="2">
+                  <c:v>100</c:v>
+                </c:pt>
+                <c:pt idx="3">
+                  <c:v>150</c:v>
+                </c:pt>
+                <c:pt idx="4">
+                  <c:v>200</c:v>
+                </c:pt>
+                <c:pt idx="5">
+                  <c:v>250</c:v>
+                </c:pt>
+                <c:pt idx="6">
+                  <c:v>300</c:v>
+                </c:pt>
+                <c:pt idx="7">
+                  <c:v>350</c:v>
+                </c:pt>
+              </c:numCache>
+            </c:numRef>
+          </c:cat>
+          <c:val>
+            <c:numRef>
+              <c:f>Data!$M$2:$M$9</c:f>
+              <c:numCache>
+                <c:formatCode>General</c:formatCode>
+                <c:ptCount val="8"/>
+                <c:pt idx="0">
+                  <c:v>0.53559999999999997</c:v>
+                </c:pt>
+                <c:pt idx="1">
+                  <c:v>0.54949999999999999</c:v>
+                </c:pt>
+                <c:pt idx="2">
+                  <c:v>0.54390000000000005</c:v>
+                </c:pt>
+                <c:pt idx="3">
+                  <c:v>0.3987</c:v>
+                </c:pt>
+                <c:pt idx="4">
+                  <c:v>0.54869999999999997</c:v>
+                </c:pt>
+                <c:pt idx="5">
+                  <c:v>0.41060000000000002</c:v>
+                </c:pt>
+                <c:pt idx="6">
+                  <c:v>0.54510000000000003</c:v>
+                </c:pt>
+                <c:pt idx="7">
+                  <c:v>0.54200000000000004</c:v>
+                </c:pt>
+              </c:numCache>
+            </c:numRef>
+          </c:val>
+          <c:smooth val="0"/>
+        </c:ser>
+        <c:ser>
+          <c:idx val="1"/>
+          <c:order val="1"/>
+          <c:tx>
+            <c:strRef>
+              <c:f>Data!$N$1</c:f>
+              <c:strCache>
+                <c:ptCount val="1"/>
+                <c:pt idx="0">
+                  <c:v>2000 mmpx</c:v>
+                </c:pt>
+              </c:strCache>
+            </c:strRef>
+          </c:tx>
+          <c:cat>
+            <c:numRef>
+              <c:f>Data!$L$2:$L$9</c:f>
+              <c:numCache>
+                <c:formatCode>General</c:formatCode>
+                <c:ptCount val="8"/>
+                <c:pt idx="0">
+                  <c:v>10</c:v>
+                </c:pt>
+                <c:pt idx="1">
+                  <c:v>50</c:v>
+                </c:pt>
+                <c:pt idx="2">
+                  <c:v>100</c:v>
+                </c:pt>
+                <c:pt idx="3">
+                  <c:v>150</c:v>
+                </c:pt>
+                <c:pt idx="4">
+                  <c:v>200</c:v>
+                </c:pt>
+                <c:pt idx="5">
+                  <c:v>250</c:v>
+                </c:pt>
+                <c:pt idx="6">
+                  <c:v>300</c:v>
+                </c:pt>
+                <c:pt idx="7">
+                  <c:v>350</c:v>
+                </c:pt>
+              </c:numCache>
+            </c:numRef>
+          </c:cat>
+          <c:val>
+            <c:numRef>
+              <c:f>Data!$N$2:$N$9</c:f>
+              <c:numCache>
+                <c:formatCode>General</c:formatCode>
+                <c:ptCount val="8"/>
+                <c:pt idx="0">
+                  <c:v>0.36109999999999998</c:v>
+                </c:pt>
+                <c:pt idx="1">
+                  <c:v>0.373</c:v>
+                </c:pt>
+                <c:pt idx="2">
+                  <c:v>0.35049999999999998</c:v>
+                </c:pt>
+                <c:pt idx="3">
+                  <c:v>0.33429999999999999</c:v>
+                </c:pt>
+                <c:pt idx="4">
+                  <c:v>0.34820000000000001</c:v>
+                </c:pt>
+                <c:pt idx="5">
+                  <c:v>0.34310000000000002</c:v>
+                </c:pt>
+                <c:pt idx="6">
+                  <c:v>0.34599999999999997</c:v>
+                </c:pt>
+                <c:pt idx="7">
+                  <c:v>0.62290000000000001</c:v>
+                </c:pt>
+              </c:numCache>
+            </c:numRef>
+          </c:val>
+          <c:smooth val="0"/>
+        </c:ser>
+        <c:ser>
+          <c:idx val="2"/>
+          <c:order val="2"/>
+          <c:tx>
+            <c:strRef>
+              <c:f>Data!$O$1</c:f>
+              <c:strCache>
+                <c:ptCount val="1"/>
+                <c:pt idx="0">
+                  <c:v>20000 mmpx</c:v>
+                </c:pt>
+              </c:strCache>
+            </c:strRef>
+          </c:tx>
+          <c:cat>
+            <c:numRef>
+              <c:f>Data!$L$2:$L$9</c:f>
+              <c:numCache>
+                <c:formatCode>General</c:formatCode>
+                <c:ptCount val="8"/>
+                <c:pt idx="0">
+                  <c:v>10</c:v>
+                </c:pt>
+                <c:pt idx="1">
+                  <c:v>50</c:v>
+                </c:pt>
+                <c:pt idx="2">
+                  <c:v>100</c:v>
+                </c:pt>
+                <c:pt idx="3">
+                  <c:v>150</c:v>
+                </c:pt>
+                <c:pt idx="4">
+                  <c:v>200</c:v>
+                </c:pt>
+                <c:pt idx="5">
+                  <c:v>250</c:v>
+                </c:pt>
+                <c:pt idx="6">
+                  <c:v>300</c:v>
+                </c:pt>
+                <c:pt idx="7">
+                  <c:v>350</c:v>
+                </c:pt>
+              </c:numCache>
+            </c:numRef>
+          </c:cat>
+          <c:val>
+            <c:numRef>
+              <c:f>Data!$O$2:$O$9</c:f>
+              <c:numCache>
+                <c:formatCode>General</c:formatCode>
+                <c:ptCount val="8"/>
+                <c:pt idx="0">
+                  <c:v>0.2545</c:v>
+                </c:pt>
+                <c:pt idx="1">
+                  <c:v>0.19370000000000001</c:v>
+                </c:pt>
+                <c:pt idx="2">
+                  <c:v>0.16489999999999999</c:v>
+                </c:pt>
+                <c:pt idx="3">
+                  <c:v>0.14510000000000001</c:v>
+                </c:pt>
+                <c:pt idx="4">
+                  <c:v>0.14299999999999999</c:v>
+                </c:pt>
+                <c:pt idx="5">
+                  <c:v>0.13350000000000001</c:v>
+                </c:pt>
+                <c:pt idx="6">
+                  <c:v>0.12970000000000001</c:v>
+                </c:pt>
+                <c:pt idx="7">
+                  <c:v>0.12740000000000001</c:v>
+                </c:pt>
+              </c:numCache>
+            </c:numRef>
+          </c:val>
+          <c:smooth val="0"/>
+        </c:ser>
+        <c:ser>
+          <c:idx val="3"/>
+          <c:order val="3"/>
+          <c:tx>
+            <c:strRef>
+              <c:f>Data!$P$1</c:f>
+              <c:strCache>
+                <c:ptCount val="1"/>
+                <c:pt idx="0">
+                  <c:v>40000 mmpx</c:v>
+                </c:pt>
+              </c:strCache>
+            </c:strRef>
+          </c:tx>
+          <c:cat>
+            <c:numRef>
+              <c:f>Data!$L$2:$L$9</c:f>
+              <c:numCache>
+                <c:formatCode>General</c:formatCode>
+                <c:ptCount val="8"/>
+                <c:pt idx="0">
+                  <c:v>10</c:v>
+                </c:pt>
+                <c:pt idx="1">
+                  <c:v>50</c:v>
+                </c:pt>
+                <c:pt idx="2">
+                  <c:v>100</c:v>
+                </c:pt>
+                <c:pt idx="3">
+                  <c:v>150</c:v>
+                </c:pt>
+                <c:pt idx="4">
+                  <c:v>200</c:v>
+                </c:pt>
+                <c:pt idx="5">
+                  <c:v>250</c:v>
+                </c:pt>
+                <c:pt idx="6">
+                  <c:v>300</c:v>
+                </c:pt>
+                <c:pt idx="7">
+                  <c:v>350</c:v>
+                </c:pt>
+              </c:numCache>
+            </c:numRef>
+          </c:cat>
+          <c:val>
+            <c:numRef>
+              <c:f>Data!$P$2:$P$9</c:f>
+              <c:numCache>
+                <c:formatCode>General</c:formatCode>
+                <c:ptCount val="8"/>
+                <c:pt idx="0">
+                  <c:v>0.4965</c:v>
+                </c:pt>
+                <c:pt idx="1">
+                  <c:v>0.16650000000000001</c:v>
+                </c:pt>
+                <c:pt idx="2">
+                  <c:v>0.1222</c:v>
+                </c:pt>
+                <c:pt idx="3">
+                  <c:v>0.1013</c:v>
+                </c:pt>
+                <c:pt idx="4">
+                  <c:v>9.8000000000000004E-2</c:v>
+                </c:pt>
+                <c:pt idx="5">
+                  <c:v>8.2699999999999996E-2</c:v>
+                </c:pt>
+                <c:pt idx="6">
+                  <c:v>7.6200000000000004E-2</c:v>
+                </c:pt>
+                <c:pt idx="7">
+                  <c:v>7.4099999999999999E-2</c:v>
+                </c:pt>
+              </c:numCache>
+            </c:numRef>
+          </c:val>
+          <c:smooth val="0"/>
+        </c:ser>
+        <c:ser>
+          <c:idx val="4"/>
+          <c:order val="4"/>
+          <c:tx>
+            <c:strRef>
+              <c:f>Data!$Q$1</c:f>
+              <c:strCache>
+                <c:ptCount val="1"/>
+                <c:pt idx="0">
+                  <c:v>80000 mmpx</c:v>
+                </c:pt>
+              </c:strCache>
+            </c:strRef>
+          </c:tx>
+          <c:cat>
+            <c:numRef>
+              <c:f>Data!$L$2:$L$9</c:f>
+              <c:numCache>
+                <c:formatCode>General</c:formatCode>
+                <c:ptCount val="8"/>
+                <c:pt idx="0">
+                  <c:v>10</c:v>
+                </c:pt>
+                <c:pt idx="1">
+                  <c:v>50</c:v>
+                </c:pt>
+                <c:pt idx="2">
+                  <c:v>100</c:v>
+                </c:pt>
+                <c:pt idx="3">
+                  <c:v>150</c:v>
+                </c:pt>
+                <c:pt idx="4">
+                  <c:v>200</c:v>
+                </c:pt>
+                <c:pt idx="5">
+                  <c:v>250</c:v>
+                </c:pt>
+                <c:pt idx="6">
+                  <c:v>300</c:v>
+                </c:pt>
+                <c:pt idx="7">
+                  <c:v>350</c:v>
+                </c:pt>
+              </c:numCache>
+            </c:numRef>
+          </c:cat>
+          <c:val>
+            <c:numRef>
+              <c:f>Data!$Q$2:$Q$9</c:f>
+              <c:numCache>
+                <c:formatCode>General</c:formatCode>
+                <c:ptCount val="8"/>
+                <c:pt idx="0">
+                  <c:v>0.36720000000000003</c:v>
+                </c:pt>
+                <c:pt idx="1">
+                  <c:v>0.24940000000000001</c:v>
+                </c:pt>
+                <c:pt idx="2">
+                  <c:v>0.1958</c:v>
+                </c:pt>
+                <c:pt idx="3">
+                  <c:v>0.1215</c:v>
+                </c:pt>
+                <c:pt idx="4">
+                  <c:v>0.1255</c:v>
+                </c:pt>
+                <c:pt idx="5">
+                  <c:v>9.4799999999999995E-2</c:v>
+                </c:pt>
+                <c:pt idx="6">
+                  <c:v>8.4400000000000003E-2</c:v>
+                </c:pt>
+                <c:pt idx="7">
+                  <c:v>7.9500000000000001E-2</c:v>
+                </c:pt>
+              </c:numCache>
+            </c:numRef>
+          </c:val>
+          <c:smooth val="0"/>
+        </c:ser>
+        <c:ser>
+          <c:idx val="5"/>
+          <c:order val="5"/>
+          <c:tx>
+            <c:strRef>
+              <c:f>Data!$R$1</c:f>
+              <c:strCache>
+                <c:ptCount val="1"/>
+                <c:pt idx="0">
+                  <c:v>120000 mmpx</c:v>
+                </c:pt>
+              </c:strCache>
+            </c:strRef>
+          </c:tx>
+          <c:cat>
+            <c:numRef>
+              <c:f>Data!$L$2:$L$9</c:f>
+              <c:numCache>
+                <c:formatCode>General</c:formatCode>
+                <c:ptCount val="8"/>
+                <c:pt idx="0">
+                  <c:v>10</c:v>
+                </c:pt>
+                <c:pt idx="1">
+                  <c:v>50</c:v>
+                </c:pt>
+                <c:pt idx="2">
+                  <c:v>100</c:v>
+                </c:pt>
+                <c:pt idx="3">
+                  <c:v>150</c:v>
+                </c:pt>
+                <c:pt idx="4">
+                  <c:v>200</c:v>
+                </c:pt>
+                <c:pt idx="5">
+                  <c:v>250</c:v>
+                </c:pt>
+                <c:pt idx="6">
+                  <c:v>300</c:v>
+                </c:pt>
+                <c:pt idx="7">
+                  <c:v>350</c:v>
+                </c:pt>
+              </c:numCache>
+            </c:numRef>
+          </c:cat>
+          <c:val>
+            <c:numRef>
+              <c:f>Data!$R$2:$R$9</c:f>
+              <c:numCache>
+                <c:formatCode>General</c:formatCode>
+                <c:ptCount val="8"/>
+                <c:pt idx="0">
+                  <c:v>0.39629999999999999</c:v>
+                </c:pt>
+                <c:pt idx="1">
+                  <c:v>0.2797</c:v>
+                </c:pt>
+                <c:pt idx="2">
+                  <c:v>0.25719999999999998</c:v>
+                </c:pt>
+                <c:pt idx="3">
+                  <c:v>0.1595</c:v>
+                </c:pt>
+                <c:pt idx="4">
+                  <c:v>0.161</c:v>
+                </c:pt>
+                <c:pt idx="5">
+                  <c:v>0.1313</c:v>
+                </c:pt>
+                <c:pt idx="6">
+                  <c:v>0.1167</c:v>
+                </c:pt>
+                <c:pt idx="7">
+                  <c:v>0.1171</c:v>
+                </c:pt>
+              </c:numCache>
+            </c:numRef>
+          </c:val>
+          <c:smooth val="0"/>
+        </c:ser>
+        <c:ser>
+          <c:idx val="6"/>
+          <c:order val="6"/>
+          <c:tx>
+            <c:strRef>
+              <c:f>Data!$S$1</c:f>
+              <c:strCache>
+                <c:ptCount val="1"/>
+                <c:pt idx="0">
+                  <c:v>200000 mmpx</c:v>
+                </c:pt>
+              </c:strCache>
+            </c:strRef>
+          </c:tx>
+          <c:cat>
+            <c:numRef>
+              <c:f>Data!$L$2:$L$9</c:f>
+              <c:numCache>
+                <c:formatCode>General</c:formatCode>
+                <c:ptCount val="8"/>
+                <c:pt idx="0">
+                  <c:v>10</c:v>
+                </c:pt>
+                <c:pt idx="1">
+                  <c:v>50</c:v>
+                </c:pt>
+                <c:pt idx="2">
+                  <c:v>100</c:v>
+                </c:pt>
+                <c:pt idx="3">
+                  <c:v>150</c:v>
+                </c:pt>
+                <c:pt idx="4">
+                  <c:v>200</c:v>
+                </c:pt>
+                <c:pt idx="5">
+                  <c:v>250</c:v>
+                </c:pt>
+                <c:pt idx="6">
+                  <c:v>300</c:v>
+                </c:pt>
+                <c:pt idx="7">
+                  <c:v>350</c:v>
+                </c:pt>
+              </c:numCache>
+            </c:numRef>
+          </c:cat>
+          <c:val>
+            <c:numRef>
+              <c:f>Data!$S$2:$S$9</c:f>
+              <c:numCache>
+                <c:formatCode>General</c:formatCode>
+                <c:ptCount val="8"/>
+                <c:pt idx="0">
+                  <c:v>0.40339999999999998</c:v>
+                </c:pt>
+                <c:pt idx="1">
+                  <c:v>0.30780000000000002</c:v>
+                </c:pt>
+                <c:pt idx="2">
+                  <c:v>0.29260000000000003</c:v>
+                </c:pt>
+                <c:pt idx="3">
+                  <c:v>0.19189999999999999</c:v>
+                </c:pt>
+                <c:pt idx="4">
+                  <c:v>0.19889999999999999</c:v>
+                </c:pt>
+                <c:pt idx="5">
+                  <c:v>0.19109999999999999</c:v>
+                </c:pt>
+                <c:pt idx="6">
+                  <c:v>0.1757</c:v>
+                </c:pt>
+                <c:pt idx="7">
+                  <c:v>0.14779999999999999</c:v>
+                </c:pt>
+              </c:numCache>
+            </c:numRef>
+          </c:val>
+          <c:smooth val="0"/>
+        </c:ser>
+        <c:ser>
+          <c:idx val="7"/>
+          <c:order val="7"/>
+          <c:tx>
+            <c:strRef>
+              <c:f>Data!$T$1</c:f>
+              <c:strCache>
+                <c:ptCount val="1"/>
+                <c:pt idx="0">
+                  <c:v>400000 mmpx</c:v>
+                </c:pt>
+              </c:strCache>
+            </c:strRef>
+          </c:tx>
+          <c:cat>
+            <c:numRef>
+              <c:f>Data!$L$2:$L$9</c:f>
+              <c:numCache>
+                <c:formatCode>General</c:formatCode>
+                <c:ptCount val="8"/>
+                <c:pt idx="0">
+                  <c:v>10</c:v>
+                </c:pt>
+                <c:pt idx="1">
+                  <c:v>50</c:v>
+                </c:pt>
+                <c:pt idx="2">
+                  <c:v>100</c:v>
+                </c:pt>
+                <c:pt idx="3">
+                  <c:v>150</c:v>
+                </c:pt>
+                <c:pt idx="4">
+                  <c:v>200</c:v>
+                </c:pt>
+                <c:pt idx="5">
+                  <c:v>250</c:v>
+                </c:pt>
+                <c:pt idx="6">
+                  <c:v>300</c:v>
+                </c:pt>
+                <c:pt idx="7">
+                  <c:v>350</c:v>
+                </c:pt>
+              </c:numCache>
+            </c:numRef>
+          </c:cat>
+          <c:val>
+            <c:numRef>
+              <c:f>Data!$T$2:$T$9</c:f>
+              <c:numCache>
+                <c:formatCode>General</c:formatCode>
+                <c:ptCount val="8"/>
+                <c:pt idx="0">
+                  <c:v>0.42620000000000002</c:v>
+                </c:pt>
+                <c:pt idx="1">
+                  <c:v>0.34399999999999997</c:v>
+                </c:pt>
+                <c:pt idx="2">
+                  <c:v>0.31859999999999999</c:v>
+                </c:pt>
+                <c:pt idx="3">
+                  <c:v>0.24349999999999999</c:v>
+                </c:pt>
+                <c:pt idx="4">
+                  <c:v>0.24079999999999999</c:v>
+                </c:pt>
+                <c:pt idx="5">
+                  <c:v>0.2316</c:v>
+                </c:pt>
+                <c:pt idx="6">
+                  <c:v>0.20519999999999999</c:v>
+                </c:pt>
+                <c:pt idx="7">
+                  <c:v>0.18509999999999999</c:v>
+                </c:pt>
+              </c:numCache>
+            </c:numRef>
+          </c:val>
+          <c:smooth val="0"/>
+        </c:ser>
+        <c:dLbls>
+          <c:showLegendKey val="0"/>
+          <c:showVal val="0"/>
+          <c:showCatName val="0"/>
+          <c:showSerName val="0"/>
+          <c:showPercent val="0"/>
+          <c:showBubbleSize val="0"/>
+        </c:dLbls>
+        <c:marker val="1"/>
+        <c:smooth val="0"/>
+        <c:axId val="214954368"/>
+        <c:axId val="220116864"/>
+      </c:lineChart>
+      <c:catAx>
+        <c:axId val="214954368"/>
+        <c:scaling>
+          <c:orientation val="minMax"/>
+        </c:scaling>
+        <c:delete val="0"/>
+        <c:axPos val="b"/>
+        <c:title>
+          <c:tx>
+            <c:rich>
+              <a:bodyPr/>
+              <a:lstStyle/>
+              <a:p>
+                <a:pPr>
+                  <a:defRPr sz="1400"/>
+                </a:pPr>
+                <a:r>
+                  <a:rPr lang="en-US" sz="1400"/>
+                  <a:t>Number of training samples</a:t>
+                </a:r>
+              </a:p>
+            </c:rich>
+          </c:tx>
+          <c:layout/>
+          <c:overlay val="0"/>
+        </c:title>
+        <c:numFmt formatCode="General" sourceLinked="1"/>
+        <c:majorTickMark val="out"/>
+        <c:minorTickMark val="none"/>
+        <c:tickLblPos val="nextTo"/>
+        <c:crossAx val="220116864"/>
+        <c:crosses val="autoZero"/>
+        <c:auto val="1"/>
+        <c:lblAlgn val="ctr"/>
+        <c:lblOffset val="100"/>
+        <c:noMultiLvlLbl val="0"/>
+      </c:catAx>
+      <c:valAx>
+        <c:axId val="220116864"/>
+        <c:scaling>
+          <c:orientation val="minMax"/>
+          <c:max val="0.70000000000000007"/>
+          <c:min val="0"/>
+        </c:scaling>
+        <c:delete val="0"/>
+        <c:axPos val="l"/>
+        <c:majorGridlines/>
+        <c:title>
+          <c:tx>
+            <c:rich>
+              <a:bodyPr rot="-5400000" vert="horz"/>
+              <a:lstStyle/>
+              <a:p>
+                <a:pPr>
+                  <a:defRPr sz="1600"/>
+                </a:pPr>
+                <a:r>
+                  <a:rPr lang="en-US" sz="1600"/>
+                  <a:t>Error</a:t>
+                </a:r>
+              </a:p>
+            </c:rich>
+          </c:tx>
+          <c:layout/>
+          <c:overlay val="0"/>
+        </c:title>
+        <c:numFmt formatCode="General" sourceLinked="1"/>
+        <c:majorTickMark val="out"/>
+        <c:minorTickMark val="none"/>
+        <c:tickLblPos val="nextTo"/>
+        <c:crossAx val="214954368"/>
+        <c:crosses val="autoZero"/>
+        <c:crossBetween val="between"/>
+      </c:valAx>
+    </c:plotArea>
+    <c:legend>
+      <c:legendPos val="r"/>
+      <c:layout/>
+      <c:overlay val="0"/>
+    </c:legend>
+    <c:plotVisOnly val="1"/>
+    <c:dispBlanksAs val="gap"/>
+    <c:showDLblsOverMax val="0"/>
+  </c:chart>
+  <c:externalData r:id="rId1">
+    <c:autoUpdate val="0"/>
+  </c:externalData>
+</c:chartSpace>
+</file>
+
+<file path=ppt/charts/chart6.xml><?xml version="1.0" encoding="utf-8"?>
+<c:chartSpace xmlns:c="http://schemas.openxmlformats.org/drawingml/2006/chart" xmlns:a="http://schemas.openxmlformats.org/drawingml/2006/main" xmlns:r="http://schemas.openxmlformats.org/officeDocument/2006/relationships">
+  <c:date1904 val="0"/>
+  <c:lang val="en-US"/>
+  <c:roundedCorners val="0"/>
+  <mc:AlternateContent xmlns:mc="http://schemas.openxmlformats.org/markup-compatibility/2006">
+    <mc:Choice xmlns:c14="http://schemas.microsoft.com/office/drawing/2007/8/2/chart" Requires="c14">
+      <c14:style val="102"/>
+    </mc:Choice>
+    <mc:Fallback>
+      <c:style val="2"/>
+    </mc:Fallback>
+  </mc:AlternateContent>
+  <c:chart>
+    <c:autoTitleDeleted val="1"/>
+    <c:plotArea>
+      <c:layout/>
+      <c:lineChart>
+        <c:grouping val="standard"/>
+        <c:varyColors val="0"/>
+        <c:ser>
+          <c:idx val="1"/>
+          <c:order val="0"/>
+          <c:tx>
+            <c:strRef>
+              <c:f>Data!$J$1</c:f>
+              <c:strCache>
+                <c:ptCount val="1"/>
+                <c:pt idx="0">
+                  <c:v>Error</c:v>
+                </c:pt>
+              </c:strCache>
+            </c:strRef>
+          </c:tx>
+          <c:cat>
+            <c:numRef>
+              <c:f>Data!$I$2:$I$10</c:f>
+              <c:numCache>
+                <c:formatCode>General</c:formatCode>
+                <c:ptCount val="9"/>
+                <c:pt idx="0">
+                  <c:v>10</c:v>
+                </c:pt>
+                <c:pt idx="1">
+                  <c:v>50</c:v>
+                </c:pt>
+                <c:pt idx="2">
+                  <c:v>100</c:v>
+                </c:pt>
+                <c:pt idx="3">
+                  <c:v>150</c:v>
+                </c:pt>
+                <c:pt idx="4">
+                  <c:v>200</c:v>
+                </c:pt>
+                <c:pt idx="5">
+                  <c:v>250</c:v>
+                </c:pt>
+                <c:pt idx="6">
+                  <c:v>300</c:v>
+                </c:pt>
+                <c:pt idx="7">
+                  <c:v>350</c:v>
+                </c:pt>
+                <c:pt idx="8">
+                  <c:v>689</c:v>
+                </c:pt>
+              </c:numCache>
+            </c:numRef>
+          </c:cat>
+          <c:val>
+            <c:numRef>
+              <c:f>Data!$J$2:$J$10</c:f>
+              <c:numCache>
+                <c:formatCode>General</c:formatCode>
+                <c:ptCount val="9"/>
+                <c:pt idx="0">
+                  <c:v>0.371</c:v>
+                </c:pt>
+                <c:pt idx="1">
+                  <c:v>0.23949999999999999</c:v>
+                </c:pt>
+                <c:pt idx="2">
+                  <c:v>0.18229999999999999</c:v>
+                </c:pt>
+                <c:pt idx="3">
+                  <c:v>0.12239999999999999</c:v>
+                </c:pt>
+                <c:pt idx="4">
+                  <c:v>0.1303</c:v>
+                </c:pt>
+                <c:pt idx="5">
+                  <c:v>8.8999999999999996E-2</c:v>
+                </c:pt>
+                <c:pt idx="6">
+                  <c:v>8.2900000000000001E-2</c:v>
+                </c:pt>
+                <c:pt idx="7">
+                  <c:v>7.2499999999999995E-2</c:v>
+                </c:pt>
+                <c:pt idx="8">
+                  <c:v>1.32E-2</c:v>
+                </c:pt>
+              </c:numCache>
+            </c:numRef>
+          </c:val>
+          <c:smooth val="0"/>
+        </c:ser>
+        <c:dLbls>
+          <c:showLegendKey val="0"/>
+          <c:showVal val="0"/>
+          <c:showCatName val="0"/>
+          <c:showSerName val="0"/>
+          <c:showPercent val="0"/>
+          <c:showBubbleSize val="0"/>
+        </c:dLbls>
+        <c:marker val="1"/>
+        <c:smooth val="0"/>
+        <c:axId val="167890304"/>
+        <c:axId val="214126976"/>
+      </c:lineChart>
+      <c:catAx>
+        <c:axId val="167890304"/>
+        <c:scaling>
+          <c:orientation val="minMax"/>
+        </c:scaling>
+        <c:delete val="0"/>
+        <c:axPos val="b"/>
+        <c:title>
+          <c:tx>
+            <c:rich>
+              <a:bodyPr/>
+              <a:lstStyle/>
+              <a:p>
+                <a:pPr>
+                  <a:defRPr sz="1800"/>
+                </a:pPr>
+                <a:r>
+                  <a:rPr lang="en-US" sz="1800"/>
+                  <a:t>Number of training samples</a:t>
+                </a:r>
+              </a:p>
+            </c:rich>
+          </c:tx>
+          <c:layout/>
+          <c:overlay val="0"/>
+        </c:title>
+        <c:numFmt formatCode="General" sourceLinked="1"/>
+        <c:majorTickMark val="out"/>
+        <c:minorTickMark val="none"/>
+        <c:tickLblPos val="nextTo"/>
+        <c:crossAx val="214126976"/>
+        <c:crosses val="autoZero"/>
+        <c:auto val="1"/>
+        <c:lblAlgn val="ctr"/>
+        <c:lblOffset val="100"/>
+        <c:noMultiLvlLbl val="0"/>
+      </c:catAx>
+      <c:valAx>
+        <c:axId val="214126976"/>
+        <c:scaling>
+          <c:orientation val="minMax"/>
+          <c:max val="0.4"/>
+          <c:min val="0"/>
+        </c:scaling>
+        <c:delete val="0"/>
+        <c:axPos val="l"/>
+        <c:majorGridlines/>
+        <c:title>
+          <c:tx>
+            <c:rich>
+              <a:bodyPr rot="-5400000" vert="horz"/>
+              <a:lstStyle/>
+              <a:p>
+                <a:pPr>
+                  <a:defRPr sz="1600"/>
+                </a:pPr>
+                <a:r>
+                  <a:rPr lang="en-US" sz="1600"/>
+                  <a:t>Error</a:t>
+                </a:r>
+              </a:p>
+            </c:rich>
+          </c:tx>
+          <c:layout/>
+          <c:overlay val="0"/>
+        </c:title>
+        <c:numFmt formatCode="General" sourceLinked="1"/>
+        <c:majorTickMark val="out"/>
+        <c:minorTickMark val="none"/>
+        <c:tickLblPos val="nextTo"/>
+        <c:crossAx val="167890304"/>
+        <c:crosses val="autoZero"/>
+        <c:crossBetween val="between"/>
+      </c:valAx>
+    </c:plotArea>
+    <c:plotVisOnly val="1"/>
+    <c:dispBlanksAs val="gap"/>
+    <c:showDLblsOverMax val="0"/>
+  </c:chart>
+  <c:externalData r:id="rId1">
+    <c:autoUpdate val="0"/>
+  </c:externalData>
+</c:chartSpace>
 </file>
 
 <file path=ppt/notesMasters/notesMaster1.xml><?xml version="1.0" encoding="utf-8"?>
@@ -4600,7 +7014,7 @@
           </p:style>
           <p:txBody>
             <a:bodyPr wrap="square" lIns="365760" tIns="457200" rtlCol="0">
-              <a:normAutofit/>
+              <a:normAutofit lnSpcReduction="10000"/>
             </a:bodyPr>
             <a:lstStyle/>
             <a:p>
@@ -4702,7 +7116,17 @@
               </a:r>
               <a:r>
                 <a:rPr lang="en-US" sz="4400" dirty="0" smtClean="0"/>
-                <a:t>  - Adding a virtual</a:t>
+                <a:t>  - Adding a virtual wall</a:t>
+              </a:r>
+            </a:p>
+            <a:p>
+              <a:r>
+                <a:rPr lang="en-US" sz="4400" dirty="0"/>
+                <a:t> </a:t>
+              </a:r>
+              <a:r>
+                <a:rPr lang="en-US" sz="4400" dirty="0" smtClean="0"/>
+                <a:t>  - Test accuracy is not enough</a:t>
               </a:r>
               <a:endParaRPr lang="en-US" sz="4400" dirty="0" smtClean="0"/>
             </a:p>
@@ -4951,7 +7375,15 @@
             </a:r>
             <a:r>
               <a:rPr lang="en-US" sz="3600" dirty="0" smtClean="0"/>
-              <a:t>) vs. linear SVM O(</a:t>
+              <a:t>) </a:t>
+            </a:r>
+            <a:r>
+              <a:rPr lang="en-US" sz="3600" dirty="0" smtClean="0"/>
+              <a:t> vs</a:t>
+            </a:r>
+            <a:r>
+              <a:rPr lang="en-US" sz="3600" dirty="0" smtClean="0"/>
+              <a:t>. linear SVM O(</a:t>
             </a:r>
             <a:r>
               <a:rPr lang="en-US" sz="3600" dirty="0" err="1" smtClean="0"/>
@@ -5098,7 +7530,15 @@
               </a:r>
               <a:r>
                 <a:rPr lang="en-US" sz="4000" dirty="0" smtClean="0"/>
-                <a:t>   - Largest data set &gt; 25 GB, more than 24 hours to train</a:t>
+                <a:t>   - Largest data set &gt; 25 GB, </a:t>
+              </a:r>
+              <a:r>
+                <a:rPr lang="en-US" sz="4000" dirty="0" smtClean="0"/>
+                <a:t>our demo takes 24 hours </a:t>
+              </a:r>
+              <a:r>
+                <a:rPr lang="en-US" sz="4000" dirty="0" smtClean="0"/>
+                <a:t>train</a:t>
               </a:r>
             </a:p>
             <a:p>
@@ -5169,10 +7609,10 @@
         </p:nvGrpSpPr>
         <p:grpSpPr>
           <a:xfrm>
-            <a:off x="15606559" y="25701924"/>
-            <a:ext cx="16077624" cy="3246423"/>
-            <a:chOff x="15606559" y="26211825"/>
-            <a:chExt cx="16077624" cy="3246423"/>
+            <a:off x="15606559" y="25701923"/>
+            <a:ext cx="16077624" cy="3246424"/>
+            <a:chOff x="15606559" y="26211824"/>
+            <a:chExt cx="16077624" cy="3246424"/>
           </a:xfrm>
         </p:grpSpPr>
         <p:pic>
@@ -5262,8 +7702,8 @@
           </p:blipFill>
           <p:spPr bwMode="auto">
             <a:xfrm>
-              <a:off x="28450542" y="26241799"/>
-              <a:ext cx="3233641" cy="3144212"/>
+              <a:off x="28450542" y="26211824"/>
+              <a:ext cx="3233641" cy="3246423"/>
             </a:xfrm>
             <a:prstGeom prst="rect">
               <a:avLst/>
@@ -5748,7 +8188,7 @@
         <p:spPr>
           <a:xfrm>
             <a:off x="23372635" y="11976894"/>
-            <a:ext cx="4427774" cy="3359020"/>
+            <a:ext cx="4396556" cy="3359020"/>
           </a:xfrm>
           <a:prstGeom prst="rect">
             <a:avLst/>
@@ -6438,6 +8878,418 @@
           </a:fontRef>
         </p:style>
       </p:cxnSp>
+      <p:graphicFrame>
+        <p:nvGraphicFramePr>
+          <p:cNvPr id="143" name="Chart 142"/>
+          <p:cNvGraphicFramePr>
+            <a:graphicFrameLocks/>
+          </p:cNvGraphicFramePr>
+          <p:nvPr>
+            <p:extLst>
+              <p:ext uri="{D42A27DB-BD31-4B8C-83A1-F6EECF244321}">
+                <p14:modId xmlns:p14="http://schemas.microsoft.com/office/powerpoint/2010/main" val="1331930949"/>
+              </p:ext>
+            </p:extLst>
+          </p:nvPr>
+        </p:nvGraphicFramePr>
+        <p:xfrm>
+          <a:off x="15653196" y="34225889"/>
+          <a:ext cx="5326873" cy="3684087"/>
+        </p:xfrm>
+        <a:graphic>
+          <a:graphicData uri="http://schemas.openxmlformats.org/drawingml/2006/chart">
+            <c:chart xmlns:c="http://schemas.openxmlformats.org/drawingml/2006/chart" xmlns:r="http://schemas.openxmlformats.org/officeDocument/2006/relationships" r:id="rId8"/>
+          </a:graphicData>
+        </a:graphic>
+      </p:graphicFrame>
+      <p:sp>
+        <p:nvSpPr>
+          <p:cNvPr id="1033" name="Rounded Rectangle 1032"/>
+          <p:cNvSpPr/>
+          <p:nvPr/>
+        </p:nvSpPr>
+        <p:spPr>
+          <a:xfrm>
+            <a:off x="16459200" y="33084784"/>
+            <a:ext cx="4100100" cy="929603"/>
+          </a:xfrm>
+          <a:prstGeom prst="roundRect">
+            <a:avLst/>
+          </a:prstGeom>
+        </p:spPr>
+        <p:style>
+          <a:lnRef idx="2">
+            <a:schemeClr val="dk1"/>
+          </a:lnRef>
+          <a:fillRef idx="1">
+            <a:schemeClr val="lt1"/>
+          </a:fillRef>
+          <a:effectRef idx="0">
+            <a:schemeClr val="dk1"/>
+          </a:effectRef>
+          <a:fontRef idx="minor">
+            <a:schemeClr val="dk1"/>
+          </a:fontRef>
+        </p:style>
+        <p:txBody>
+          <a:bodyPr rtlCol="0" anchor="ctr">
+            <a:normAutofit fontScale="62500" lnSpcReduction="20000"/>
+          </a:bodyPr>
+          <a:lstStyle/>
+          <a:p>
+            <a:pPr algn="ctr"/>
+            <a:r>
+              <a:rPr lang="en-US" sz="4400" dirty="0" smtClean="0"/>
+              <a:t>number of trees doesn’t matter a lot</a:t>
+            </a:r>
+            <a:endParaRPr lang="en-US" sz="4400" dirty="0"/>
+          </a:p>
+        </p:txBody>
+      </p:sp>
+      <p:graphicFrame>
+        <p:nvGraphicFramePr>
+          <p:cNvPr id="146" name="Chart 145"/>
+          <p:cNvGraphicFramePr>
+            <a:graphicFrameLocks/>
+          </p:cNvGraphicFramePr>
+          <p:nvPr>
+            <p:extLst>
+              <p:ext uri="{D42A27DB-BD31-4B8C-83A1-F6EECF244321}">
+                <p14:modId xmlns:p14="http://schemas.microsoft.com/office/powerpoint/2010/main" val="72969842"/>
+              </p:ext>
+            </p:extLst>
+          </p:nvPr>
+        </p:nvGraphicFramePr>
+        <p:xfrm>
+          <a:off x="20996236" y="39426954"/>
+          <a:ext cx="5592310" cy="3322902"/>
+        </p:xfrm>
+        <a:graphic>
+          <a:graphicData uri="http://schemas.openxmlformats.org/drawingml/2006/chart">
+            <c:chart xmlns:c="http://schemas.openxmlformats.org/drawingml/2006/chart" xmlns:r="http://schemas.openxmlformats.org/officeDocument/2006/relationships" r:id="rId9"/>
+          </a:graphicData>
+        </a:graphic>
+      </p:graphicFrame>
+      <p:sp>
+        <p:nvSpPr>
+          <p:cNvPr id="147" name="Rounded Rectangle 146"/>
+          <p:cNvSpPr/>
+          <p:nvPr/>
+        </p:nvSpPr>
+        <p:spPr>
+          <a:xfrm>
+            <a:off x="21700689" y="38171445"/>
+            <a:ext cx="4100100" cy="934464"/>
+          </a:xfrm>
+          <a:prstGeom prst="roundRect">
+            <a:avLst/>
+          </a:prstGeom>
+        </p:spPr>
+        <p:style>
+          <a:lnRef idx="2">
+            <a:schemeClr val="dk1"/>
+          </a:lnRef>
+          <a:fillRef idx="1">
+            <a:schemeClr val="lt1"/>
+          </a:fillRef>
+          <a:effectRef idx="0">
+            <a:schemeClr val="dk1"/>
+          </a:effectRef>
+          <a:fontRef idx="minor">
+            <a:schemeClr val="dk1"/>
+          </a:fontRef>
+        </p:style>
+        <p:txBody>
+          <a:bodyPr rtlCol="0" anchor="ctr">
+            <a:normAutofit fontScale="62500" lnSpcReduction="20000"/>
+          </a:bodyPr>
+          <a:lstStyle/>
+          <a:p>
+            <a:pPr algn="ctr"/>
+            <a:r>
+              <a:rPr lang="en-US" sz="4400" dirty="0" smtClean="0"/>
+              <a:t>Random forest is always </a:t>
+            </a:r>
+            <a:r>
+              <a:rPr lang="en-US" sz="4400" dirty="0" err="1" smtClean="0"/>
+              <a:t>overfitting</a:t>
+            </a:r>
+            <a:endParaRPr lang="en-US" sz="4400" dirty="0"/>
+          </a:p>
+        </p:txBody>
+      </p:sp>
+      <p:graphicFrame>
+        <p:nvGraphicFramePr>
+          <p:cNvPr id="148" name="Chart 147"/>
+          <p:cNvGraphicFramePr>
+            <a:graphicFrameLocks/>
+          </p:cNvGraphicFramePr>
+          <p:nvPr>
+            <p:extLst>
+              <p:ext uri="{D42A27DB-BD31-4B8C-83A1-F6EECF244321}">
+                <p14:modId xmlns:p14="http://schemas.microsoft.com/office/powerpoint/2010/main" val="295430486"/>
+              </p:ext>
+            </p:extLst>
+          </p:nvPr>
+        </p:nvGraphicFramePr>
+        <p:xfrm>
+          <a:off x="15735980" y="39426954"/>
+          <a:ext cx="5840687" cy="3342940"/>
+        </p:xfrm>
+        <a:graphic>
+          <a:graphicData uri="http://schemas.openxmlformats.org/drawingml/2006/chart">
+            <c:chart xmlns:c="http://schemas.openxmlformats.org/drawingml/2006/chart" xmlns:r="http://schemas.openxmlformats.org/officeDocument/2006/relationships" r:id="rId10"/>
+          </a:graphicData>
+        </a:graphic>
+      </p:graphicFrame>
+      <p:sp>
+        <p:nvSpPr>
+          <p:cNvPr id="149" name="Rounded Rectangle 148"/>
+          <p:cNvSpPr/>
+          <p:nvPr/>
+        </p:nvSpPr>
+        <p:spPr>
+          <a:xfrm>
+            <a:off x="16459200" y="38196972"/>
+            <a:ext cx="4012635" cy="944198"/>
+          </a:xfrm>
+          <a:prstGeom prst="roundRect">
+            <a:avLst/>
+          </a:prstGeom>
+        </p:spPr>
+        <p:style>
+          <a:lnRef idx="2">
+            <a:schemeClr val="dk1"/>
+          </a:lnRef>
+          <a:fillRef idx="1">
+            <a:schemeClr val="lt1"/>
+          </a:fillRef>
+          <a:effectRef idx="0">
+            <a:schemeClr val="dk1"/>
+          </a:effectRef>
+          <a:fontRef idx="minor">
+            <a:schemeClr val="dk1"/>
+          </a:fontRef>
+        </p:style>
+        <p:txBody>
+          <a:bodyPr rtlCol="0" anchor="ctr">
+            <a:normAutofit fontScale="70000" lnSpcReduction="20000"/>
+          </a:bodyPr>
+          <a:lstStyle/>
+          <a:p>
+            <a:pPr algn="ctr"/>
+            <a:r>
+              <a:rPr lang="en-US" sz="4400" dirty="0" smtClean="0"/>
+              <a:t>Random forest is much better than SVM</a:t>
+            </a:r>
+            <a:endParaRPr lang="en-US" sz="4400" dirty="0"/>
+          </a:p>
+        </p:txBody>
+      </p:sp>
+      <p:graphicFrame>
+        <p:nvGraphicFramePr>
+          <p:cNvPr id="150" name="Chart 149"/>
+          <p:cNvGraphicFramePr>
+            <a:graphicFrameLocks/>
+          </p:cNvGraphicFramePr>
+          <p:nvPr>
+            <p:extLst>
+              <p:ext uri="{D42A27DB-BD31-4B8C-83A1-F6EECF244321}">
+                <p14:modId xmlns:p14="http://schemas.microsoft.com/office/powerpoint/2010/main" val="3514578795"/>
+              </p:ext>
+            </p:extLst>
+          </p:nvPr>
+        </p:nvGraphicFramePr>
+        <p:xfrm>
+          <a:off x="20996236" y="34175987"/>
+          <a:ext cx="5664548" cy="3756324"/>
+        </p:xfrm>
+        <a:graphic>
+          <a:graphicData uri="http://schemas.openxmlformats.org/drawingml/2006/chart">
+            <c:chart xmlns:c="http://schemas.openxmlformats.org/drawingml/2006/chart" xmlns:r="http://schemas.openxmlformats.org/officeDocument/2006/relationships" r:id="rId11"/>
+          </a:graphicData>
+        </a:graphic>
+      </p:graphicFrame>
+      <p:sp>
+        <p:nvSpPr>
+          <p:cNvPr id="151" name="Rounded Rectangle 150"/>
+          <p:cNvSpPr/>
+          <p:nvPr/>
+        </p:nvSpPr>
+        <p:spPr>
+          <a:xfrm>
+            <a:off x="21700689" y="33084784"/>
+            <a:ext cx="4100100" cy="944198"/>
+          </a:xfrm>
+          <a:prstGeom prst="roundRect">
+            <a:avLst/>
+          </a:prstGeom>
+        </p:spPr>
+        <p:style>
+          <a:lnRef idx="2">
+            <a:schemeClr val="dk1"/>
+          </a:lnRef>
+          <a:fillRef idx="1">
+            <a:schemeClr val="lt1"/>
+          </a:fillRef>
+          <a:effectRef idx="0">
+            <a:schemeClr val="dk1"/>
+          </a:effectRef>
+          <a:fontRef idx="minor">
+            <a:schemeClr val="dk1"/>
+          </a:fontRef>
+        </p:style>
+        <p:txBody>
+          <a:bodyPr rtlCol="0" anchor="ctr">
+            <a:normAutofit fontScale="62500" lnSpcReduction="20000"/>
+          </a:bodyPr>
+          <a:lstStyle/>
+          <a:p>
+            <a:pPr algn="ctr"/>
+            <a:r>
+              <a:rPr lang="en-US" sz="4400" dirty="0" smtClean="0"/>
+              <a:t>Number of feature doesn’t matter too much</a:t>
+            </a:r>
+            <a:endParaRPr lang="en-US" sz="4400" dirty="0"/>
+          </a:p>
+        </p:txBody>
+      </p:sp>
+      <p:graphicFrame>
+        <p:nvGraphicFramePr>
+          <p:cNvPr id="155" name="Chart 154"/>
+          <p:cNvGraphicFramePr>
+            <a:graphicFrameLocks/>
+          </p:cNvGraphicFramePr>
+          <p:nvPr>
+            <p:extLst>
+              <p:ext uri="{D42A27DB-BD31-4B8C-83A1-F6EECF244321}">
+                <p14:modId xmlns:p14="http://schemas.microsoft.com/office/powerpoint/2010/main" val="3558065894"/>
+              </p:ext>
+            </p:extLst>
+          </p:nvPr>
+        </p:nvGraphicFramePr>
+        <p:xfrm>
+          <a:off x="26644617" y="34193260"/>
+          <a:ext cx="5345538" cy="3644480"/>
+        </p:xfrm>
+        <a:graphic>
+          <a:graphicData uri="http://schemas.openxmlformats.org/drawingml/2006/chart">
+            <c:chart xmlns:c="http://schemas.openxmlformats.org/drawingml/2006/chart" xmlns:r="http://schemas.openxmlformats.org/officeDocument/2006/relationships" r:id="rId12"/>
+          </a:graphicData>
+        </a:graphic>
+      </p:graphicFrame>
+      <p:sp>
+        <p:nvSpPr>
+          <p:cNvPr id="156" name="Rounded Rectangle 155"/>
+          <p:cNvSpPr/>
+          <p:nvPr/>
+        </p:nvSpPr>
+        <p:spPr>
+          <a:xfrm>
+            <a:off x="27299161" y="33084784"/>
+            <a:ext cx="4100100" cy="944198"/>
+          </a:xfrm>
+          <a:prstGeom prst="roundRect">
+            <a:avLst/>
+          </a:prstGeom>
+        </p:spPr>
+        <p:style>
+          <a:lnRef idx="2">
+            <a:schemeClr val="dk1"/>
+          </a:lnRef>
+          <a:fillRef idx="1">
+            <a:schemeClr val="lt1"/>
+          </a:fillRef>
+          <a:effectRef idx="0">
+            <a:schemeClr val="dk1"/>
+          </a:effectRef>
+          <a:fontRef idx="minor">
+            <a:schemeClr val="dk1"/>
+          </a:fontRef>
+        </p:style>
+        <p:txBody>
+          <a:bodyPr rtlCol="0" anchor="ctr">
+            <a:normAutofit fontScale="70000" lnSpcReduction="20000"/>
+          </a:bodyPr>
+          <a:lstStyle/>
+          <a:p>
+            <a:pPr algn="ctr"/>
+            <a:r>
+              <a:rPr lang="en-US" sz="4400" dirty="0" smtClean="0"/>
+              <a:t>Range of offset matters</a:t>
+            </a:r>
+            <a:endParaRPr lang="en-US" sz="4400" dirty="0"/>
+          </a:p>
+        </p:txBody>
+      </p:sp>
+      <p:graphicFrame>
+        <p:nvGraphicFramePr>
+          <p:cNvPr id="158" name="Chart 157"/>
+          <p:cNvGraphicFramePr>
+            <a:graphicFrameLocks/>
+          </p:cNvGraphicFramePr>
+          <p:nvPr>
+            <p:extLst>
+              <p:ext uri="{D42A27DB-BD31-4B8C-83A1-F6EECF244321}">
+                <p14:modId xmlns:p14="http://schemas.microsoft.com/office/powerpoint/2010/main" val="2035736652"/>
+              </p:ext>
+            </p:extLst>
+          </p:nvPr>
+        </p:nvGraphicFramePr>
+        <p:xfrm>
+          <a:off x="26572381" y="39354717"/>
+          <a:ext cx="5111802" cy="3395139"/>
+        </p:xfrm>
+        <a:graphic>
+          <a:graphicData uri="http://schemas.openxmlformats.org/drawingml/2006/chart">
+            <c:chart xmlns:c="http://schemas.openxmlformats.org/drawingml/2006/chart" xmlns:r="http://schemas.openxmlformats.org/officeDocument/2006/relationships" r:id="rId13"/>
+          </a:graphicData>
+        </a:graphic>
+      </p:graphicFrame>
+      <p:sp>
+        <p:nvSpPr>
+          <p:cNvPr id="159" name="Rounded Rectangle 158"/>
+          <p:cNvSpPr/>
+          <p:nvPr/>
+        </p:nvSpPr>
+        <p:spPr>
+          <a:xfrm>
+            <a:off x="27299161" y="38171445"/>
+            <a:ext cx="4100100" cy="934464"/>
+          </a:xfrm>
+          <a:prstGeom prst="roundRect">
+            <a:avLst/>
+          </a:prstGeom>
+        </p:spPr>
+        <p:style>
+          <a:lnRef idx="2">
+            <a:schemeClr val="dk1"/>
+          </a:lnRef>
+          <a:fillRef idx="1">
+            <a:schemeClr val="lt1"/>
+          </a:fillRef>
+          <a:effectRef idx="0">
+            <a:schemeClr val="dk1"/>
+          </a:effectRef>
+          <a:fontRef idx="minor">
+            <a:schemeClr val="dk1"/>
+          </a:fontRef>
+        </p:style>
+        <p:txBody>
+          <a:bodyPr rtlCol="0" anchor="ctr">
+            <a:normAutofit fontScale="62500" lnSpcReduction="20000"/>
+          </a:bodyPr>
+          <a:lstStyle/>
+          <a:p>
+            <a:pPr algn="ctr"/>
+            <a:r>
+              <a:rPr lang="en-US" sz="4400" dirty="0" smtClean="0"/>
+              <a:t>The more training samples the better</a:t>
+            </a:r>
+            <a:endParaRPr lang="en-US" sz="4400" dirty="0"/>
+          </a:p>
+        </p:txBody>
+      </p:sp>
     </p:spTree>
     <p:extLst>
       <p:ext uri="{BB962C8B-B14F-4D97-AF65-F5344CB8AC3E}">

--- a/Paper/Poster/Poster.pptx
+++ b/Paper/Poster/Poster.pptx
@@ -550,11 +550,11 @@
         </c:dLbls>
         <c:marker val="1"/>
         <c:smooth val="0"/>
-        <c:axId val="78036352"/>
-        <c:axId val="78216576"/>
+        <c:axId val="80906496"/>
+        <c:axId val="84267392"/>
       </c:lineChart>
       <c:catAx>
-        <c:axId val="78036352"/>
+        <c:axId val="80906496"/>
         <c:scaling>
           <c:orientation val="minMax"/>
         </c:scaling>
@@ -583,7 +583,7 @@
         <c:majorTickMark val="out"/>
         <c:minorTickMark val="none"/>
         <c:tickLblPos val="nextTo"/>
-        <c:crossAx val="78216576"/>
+        <c:crossAx val="84267392"/>
         <c:crosses val="autoZero"/>
         <c:auto val="1"/>
         <c:lblAlgn val="ctr"/>
@@ -591,7 +591,7 @@
         <c:noMultiLvlLbl val="0"/>
       </c:catAx>
       <c:valAx>
-        <c:axId val="78216576"/>
+        <c:axId val="84267392"/>
         <c:scaling>
           <c:orientation val="minMax"/>
           <c:max val="0.4"/>
@@ -624,7 +624,7 @@
         <c:majorTickMark val="out"/>
         <c:minorTickMark val="none"/>
         <c:tickLblPos val="nextTo"/>
-        <c:crossAx val="78036352"/>
+        <c:crossAx val="80906496"/>
         <c:crosses val="autoZero"/>
         <c:crossBetween val="between"/>
       </c:valAx>
@@ -838,11 +838,11 @@
         </c:dLbls>
         <c:marker val="1"/>
         <c:smooth val="0"/>
-        <c:axId val="167649280"/>
-        <c:axId val="167651200"/>
+        <c:axId val="84354176"/>
+        <c:axId val="84356096"/>
       </c:lineChart>
       <c:catAx>
-        <c:axId val="167649280"/>
+        <c:axId val="84354176"/>
         <c:scaling>
           <c:orientation val="minMax"/>
         </c:scaling>
@@ -871,7 +871,7 @@
         <c:majorTickMark val="out"/>
         <c:minorTickMark val="none"/>
         <c:tickLblPos val="nextTo"/>
-        <c:crossAx val="167651200"/>
+        <c:crossAx val="84356096"/>
         <c:crosses val="autoZero"/>
         <c:auto val="1"/>
         <c:lblAlgn val="ctr"/>
@@ -879,7 +879,7 @@
         <c:noMultiLvlLbl val="0"/>
       </c:catAx>
       <c:valAx>
-        <c:axId val="167651200"/>
+        <c:axId val="84356096"/>
         <c:scaling>
           <c:orientation val="minMax"/>
           <c:max val="0.4"/>
@@ -911,7 +911,7 @@
         <c:majorTickMark val="out"/>
         <c:minorTickMark val="none"/>
         <c:tickLblPos val="nextTo"/>
-        <c:crossAx val="167649280"/>
+        <c:crossAx val="84354176"/>
         <c:crosses val="autoZero"/>
         <c:crossBetween val="between"/>
       </c:valAx>
@@ -1134,11 +1134,11 @@
         </c:dLbls>
         <c:marker val="1"/>
         <c:smooth val="0"/>
-        <c:axId val="167588992"/>
-        <c:axId val="167609856"/>
+        <c:axId val="84389888"/>
+        <c:axId val="84391808"/>
       </c:lineChart>
       <c:catAx>
-        <c:axId val="167588992"/>
+        <c:axId val="84389888"/>
         <c:scaling>
           <c:orientation val="minMax"/>
         </c:scaling>
@@ -1167,7 +1167,7 @@
         <c:majorTickMark val="out"/>
         <c:minorTickMark val="none"/>
         <c:tickLblPos val="nextTo"/>
-        <c:crossAx val="167609856"/>
+        <c:crossAx val="84391808"/>
         <c:crosses val="autoZero"/>
         <c:auto val="1"/>
         <c:lblAlgn val="ctr"/>
@@ -1175,7 +1175,7 @@
         <c:noMultiLvlLbl val="0"/>
       </c:catAx>
       <c:valAx>
-        <c:axId val="167609856"/>
+        <c:axId val="84391808"/>
         <c:scaling>
           <c:orientation val="minMax"/>
           <c:max val="0.70000000000000007"/>
@@ -1207,7 +1207,7 @@
         <c:majorTickMark val="out"/>
         <c:minorTickMark val="none"/>
         <c:tickLblPos val="nextTo"/>
-        <c:crossAx val="167588992"/>
+        <c:crossAx val="84389888"/>
         <c:crosses val="autoZero"/>
         <c:crossBetween val="between"/>
       </c:valAx>
@@ -1446,11 +1446,11 @@
         </c:dLbls>
         <c:marker val="1"/>
         <c:smooth val="0"/>
-        <c:axId val="214901888"/>
-        <c:axId val="214954752"/>
+        <c:axId val="84675584"/>
+        <c:axId val="84690048"/>
       </c:lineChart>
       <c:catAx>
-        <c:axId val="214901888"/>
+        <c:axId val="84675584"/>
         <c:scaling>
           <c:orientation val="minMax"/>
         </c:scaling>
@@ -1479,7 +1479,7 @@
         <c:majorTickMark val="out"/>
         <c:minorTickMark val="none"/>
         <c:tickLblPos val="nextTo"/>
-        <c:crossAx val="214954752"/>
+        <c:crossAx val="84690048"/>
         <c:crosses val="autoZero"/>
         <c:auto val="1"/>
         <c:lblAlgn val="ctr"/>
@@ -1487,7 +1487,7 @@
         <c:noMultiLvlLbl val="0"/>
       </c:catAx>
       <c:valAx>
-        <c:axId val="214954752"/>
+        <c:axId val="84690048"/>
         <c:scaling>
           <c:orientation val="minMax"/>
           <c:max val="0.4"/>
@@ -1519,7 +1519,7 @@
         <c:majorTickMark val="out"/>
         <c:minorTickMark val="none"/>
         <c:tickLblPos val="nextTo"/>
-        <c:crossAx val="214901888"/>
+        <c:crossAx val="84675584"/>
         <c:crosses val="autoZero"/>
         <c:crossBetween val="between"/>
       </c:valAx>
@@ -2225,11 +2225,11 @@
         </c:dLbls>
         <c:marker val="1"/>
         <c:smooth val="0"/>
-        <c:axId val="214954368"/>
-        <c:axId val="220116864"/>
+        <c:axId val="84728448"/>
+        <c:axId val="84742912"/>
       </c:lineChart>
       <c:catAx>
-        <c:axId val="214954368"/>
+        <c:axId val="84728448"/>
         <c:scaling>
           <c:orientation val="minMax"/>
         </c:scaling>
@@ -2258,7 +2258,7 @@
         <c:majorTickMark val="out"/>
         <c:minorTickMark val="none"/>
         <c:tickLblPos val="nextTo"/>
-        <c:crossAx val="220116864"/>
+        <c:crossAx val="84742912"/>
         <c:crosses val="autoZero"/>
         <c:auto val="1"/>
         <c:lblAlgn val="ctr"/>
@@ -2266,7 +2266,7 @@
         <c:noMultiLvlLbl val="0"/>
       </c:catAx>
       <c:valAx>
-        <c:axId val="220116864"/>
+        <c:axId val="84742912"/>
         <c:scaling>
           <c:orientation val="minMax"/>
           <c:max val="0.70000000000000007"/>
@@ -2298,7 +2298,7 @@
         <c:majorTickMark val="out"/>
         <c:minorTickMark val="none"/>
         <c:tickLblPos val="nextTo"/>
-        <c:crossAx val="214954368"/>
+        <c:crossAx val="84728448"/>
         <c:crosses val="autoZero"/>
         <c:crossBetween val="between"/>
       </c:valAx>
@@ -2436,11 +2436,11 @@
         </c:dLbls>
         <c:marker val="1"/>
         <c:smooth val="0"/>
-        <c:axId val="167890304"/>
-        <c:axId val="214126976"/>
+        <c:axId val="84759296"/>
+        <c:axId val="84761216"/>
       </c:lineChart>
       <c:catAx>
-        <c:axId val="167890304"/>
+        <c:axId val="84759296"/>
         <c:scaling>
           <c:orientation val="minMax"/>
         </c:scaling>
@@ -2469,7 +2469,7 @@
         <c:majorTickMark val="out"/>
         <c:minorTickMark val="none"/>
         <c:tickLblPos val="nextTo"/>
-        <c:crossAx val="214126976"/>
+        <c:crossAx val="84761216"/>
         <c:crosses val="autoZero"/>
         <c:auto val="1"/>
         <c:lblAlgn val="ctr"/>
@@ -2477,7 +2477,7 @@
         <c:noMultiLvlLbl val="0"/>
       </c:catAx>
       <c:valAx>
-        <c:axId val="214126976"/>
+        <c:axId val="84761216"/>
         <c:scaling>
           <c:orientation val="minMax"/>
           <c:max val="0.4"/>
@@ -2509,7 +2509,7 @@
         <c:majorTickMark val="out"/>
         <c:minorTickMark val="none"/>
         <c:tickLblPos val="nextTo"/>
-        <c:crossAx val="167890304"/>
+        <c:crossAx val="84759296"/>
         <c:crosses val="autoZero"/>
         <c:crossBetween val="between"/>
       </c:valAx>
@@ -6311,11 +6311,7 @@
               <a:pPr algn="ctr"/>
               <a:r>
                 <a:rPr lang="en-US" sz="8000" b="1" dirty="0" smtClean="0"/>
-                <a:t>System </a:t>
-              </a:r>
-              <a:r>
-                <a:rPr lang="en-US" sz="8000" b="1" dirty="0" smtClean="0"/>
-                <a:t>Architecture</a:t>
+                <a:t>System Architecture</a:t>
               </a:r>
               <a:endParaRPr lang="en-US" sz="8000" b="1" dirty="0"/>
             </a:p>
@@ -6644,15 +6640,7 @@
               </a:r>
               <a:r>
                 <a:rPr lang="en-US" sz="4800" b="1" dirty="0" smtClean="0"/>
-                <a:t>Real-time, </a:t>
-              </a:r>
-              <a:r>
-                <a:rPr lang="en-US" sz="4800" b="1" dirty="0" smtClean="0"/>
-                <a:t>Just-hands, </a:t>
-              </a:r>
-              <a:r>
-                <a:rPr lang="en-US" sz="4800" b="1" dirty="0" smtClean="0"/>
-                <a:t>Accurate</a:t>
+                <a:t>Real-time, Just-hands, Accurate</a:t>
               </a:r>
             </a:p>
             <a:p>
@@ -6671,15 +6659,7 @@
               </a:r>
               <a:r>
                 <a:rPr lang="en-US" sz="4800" dirty="0" smtClean="0"/>
-                <a:t>   - Machine learning as opposed </a:t>
-              </a:r>
-              <a:r>
-                <a:rPr lang="en-US" sz="4800" dirty="0" smtClean="0"/>
-                <a:t>to </a:t>
-              </a:r>
-              <a:r>
-                <a:rPr lang="en-US" sz="4800" dirty="0" smtClean="0"/>
-                <a:t>rule-based system</a:t>
+                <a:t>   - Machine learning as opposed to rule-based system</a:t>
               </a:r>
             </a:p>
             <a:p>
@@ -7086,12 +7066,13 @@
             <a:p>
               <a:r>
                 <a:rPr lang="en-US" sz="4400" dirty="0" smtClean="0"/>
-                <a:t>         - Final </a:t>
+                <a:t>         - </a:t>
               </a:r>
               <a:r>
                 <a:rPr lang="en-US" sz="4400" dirty="0" smtClean="0"/>
-                <a:t>decision</a:t>
+                <a:t>No need to specify the number of clusters</a:t>
               </a:r>
+              <a:endParaRPr lang="en-US" sz="4400" dirty="0" smtClean="0"/>
             </a:p>
             <a:p>
               <a:r>
@@ -7128,7 +7109,6 @@
                 <a:rPr lang="en-US" sz="4400" dirty="0" smtClean="0"/>
                 <a:t>  - Test accuracy is not enough</a:t>
               </a:r>
-              <a:endParaRPr lang="en-US" sz="4400" dirty="0" smtClean="0"/>
             </a:p>
           </p:txBody>
         </p:sp>
@@ -7375,15 +7355,7 @@
             </a:r>
             <a:r>
               <a:rPr lang="en-US" sz="3600" dirty="0" smtClean="0"/>
-              <a:t>) </a:t>
-            </a:r>
-            <a:r>
-              <a:rPr lang="en-US" sz="3600" dirty="0" smtClean="0"/>
-              <a:t> vs</a:t>
-            </a:r>
-            <a:r>
-              <a:rPr lang="en-US" sz="3600" dirty="0" smtClean="0"/>
-              <a:t>. linear SVM O(</a:t>
+              <a:t>)  vs. linear SVM O(</a:t>
             </a:r>
             <a:r>
               <a:rPr lang="en-US" sz="3600" dirty="0" err="1" smtClean="0"/>
@@ -7530,15 +7502,7 @@
               </a:r>
               <a:r>
                 <a:rPr lang="en-US" sz="4000" dirty="0" smtClean="0"/>
-                <a:t>   - Largest data set &gt; 25 GB, </a:t>
-              </a:r>
-              <a:r>
-                <a:rPr lang="en-US" sz="4000" dirty="0" smtClean="0"/>
-                <a:t>our demo takes 24 hours </a:t>
-              </a:r>
-              <a:r>
-                <a:rPr lang="en-US" sz="4000" dirty="0" smtClean="0"/>
-                <a:t>train</a:t>
+                <a:t>   - Largest data set &gt; 25 GB, our demo takes 24 hours train</a:t>
               </a:r>
             </a:p>
             <a:p>
@@ -8489,11 +8453,6 @@
                 </a:rPr>
                 <a:t>Kinect   Sensor</a:t>
               </a:r>
-              <a:endParaRPr lang="en-US" sz="4400" dirty="0">
-                <a:solidFill>
-                  <a:schemeClr val="bg1"/>
-                </a:solidFill>
-              </a:endParaRPr>
             </a:p>
           </p:txBody>
         </p:sp>

--- a/Paper/Poster/Poster.pptx
+++ b/Paper/Poster/Poster.pptx
@@ -550,11 +550,11 @@
         </c:dLbls>
         <c:marker val="1"/>
         <c:smooth val="0"/>
-        <c:axId val="80906496"/>
-        <c:axId val="84267392"/>
+        <c:axId val="79788288"/>
+        <c:axId val="83874176"/>
       </c:lineChart>
       <c:catAx>
-        <c:axId val="80906496"/>
+        <c:axId val="79788288"/>
         <c:scaling>
           <c:orientation val="minMax"/>
         </c:scaling>
@@ -583,7 +583,7 @@
         <c:majorTickMark val="out"/>
         <c:minorTickMark val="none"/>
         <c:tickLblPos val="nextTo"/>
-        <c:crossAx val="84267392"/>
+        <c:crossAx val="83874176"/>
         <c:crosses val="autoZero"/>
         <c:auto val="1"/>
         <c:lblAlgn val="ctr"/>
@@ -591,7 +591,7 @@
         <c:noMultiLvlLbl val="0"/>
       </c:catAx>
       <c:valAx>
-        <c:axId val="84267392"/>
+        <c:axId val="83874176"/>
         <c:scaling>
           <c:orientation val="minMax"/>
           <c:max val="0.4"/>
@@ -624,7 +624,7 @@
         <c:majorTickMark val="out"/>
         <c:minorTickMark val="none"/>
         <c:tickLblPos val="nextTo"/>
-        <c:crossAx val="80906496"/>
+        <c:crossAx val="79788288"/>
         <c:crosses val="autoZero"/>
         <c:crossBetween val="between"/>
       </c:valAx>
@@ -838,11 +838,11 @@
         </c:dLbls>
         <c:marker val="1"/>
         <c:smooth val="0"/>
-        <c:axId val="84354176"/>
-        <c:axId val="84356096"/>
+        <c:axId val="85795968"/>
+        <c:axId val="85797888"/>
       </c:lineChart>
       <c:catAx>
-        <c:axId val="84354176"/>
+        <c:axId val="85795968"/>
         <c:scaling>
           <c:orientation val="minMax"/>
         </c:scaling>
@@ -871,7 +871,7 @@
         <c:majorTickMark val="out"/>
         <c:minorTickMark val="none"/>
         <c:tickLblPos val="nextTo"/>
-        <c:crossAx val="84356096"/>
+        <c:crossAx val="85797888"/>
         <c:crosses val="autoZero"/>
         <c:auto val="1"/>
         <c:lblAlgn val="ctr"/>
@@ -879,7 +879,7 @@
         <c:noMultiLvlLbl val="0"/>
       </c:catAx>
       <c:valAx>
-        <c:axId val="84356096"/>
+        <c:axId val="85797888"/>
         <c:scaling>
           <c:orientation val="minMax"/>
           <c:max val="0.4"/>
@@ -911,7 +911,7 @@
         <c:majorTickMark val="out"/>
         <c:minorTickMark val="none"/>
         <c:tickLblPos val="nextTo"/>
-        <c:crossAx val="84354176"/>
+        <c:crossAx val="85795968"/>
         <c:crosses val="autoZero"/>
         <c:crossBetween val="between"/>
       </c:valAx>
@@ -1134,11 +1134,11 @@
         </c:dLbls>
         <c:marker val="1"/>
         <c:smooth val="0"/>
-        <c:axId val="84389888"/>
-        <c:axId val="84391808"/>
+        <c:axId val="85831680"/>
+        <c:axId val="85833600"/>
       </c:lineChart>
       <c:catAx>
-        <c:axId val="84389888"/>
+        <c:axId val="85831680"/>
         <c:scaling>
           <c:orientation val="minMax"/>
         </c:scaling>
@@ -1167,7 +1167,7 @@
         <c:majorTickMark val="out"/>
         <c:minorTickMark val="none"/>
         <c:tickLblPos val="nextTo"/>
-        <c:crossAx val="84391808"/>
+        <c:crossAx val="85833600"/>
         <c:crosses val="autoZero"/>
         <c:auto val="1"/>
         <c:lblAlgn val="ctr"/>
@@ -1175,7 +1175,7 @@
         <c:noMultiLvlLbl val="0"/>
       </c:catAx>
       <c:valAx>
-        <c:axId val="84391808"/>
+        <c:axId val="85833600"/>
         <c:scaling>
           <c:orientation val="minMax"/>
           <c:max val="0.70000000000000007"/>
@@ -1207,7 +1207,7 @@
         <c:majorTickMark val="out"/>
         <c:minorTickMark val="none"/>
         <c:tickLblPos val="nextTo"/>
-        <c:crossAx val="84389888"/>
+        <c:crossAx val="85831680"/>
         <c:crosses val="autoZero"/>
         <c:crossBetween val="between"/>
       </c:valAx>
@@ -1446,11 +1446,11 @@
         </c:dLbls>
         <c:marker val="1"/>
         <c:smooth val="0"/>
-        <c:axId val="84675584"/>
-        <c:axId val="84690048"/>
+        <c:axId val="85859328"/>
+        <c:axId val="85869696"/>
       </c:lineChart>
       <c:catAx>
-        <c:axId val="84675584"/>
+        <c:axId val="85859328"/>
         <c:scaling>
           <c:orientation val="minMax"/>
         </c:scaling>
@@ -1479,7 +1479,7 @@
         <c:majorTickMark val="out"/>
         <c:minorTickMark val="none"/>
         <c:tickLblPos val="nextTo"/>
-        <c:crossAx val="84690048"/>
+        <c:crossAx val="85869696"/>
         <c:crosses val="autoZero"/>
         <c:auto val="1"/>
         <c:lblAlgn val="ctr"/>
@@ -1487,7 +1487,7 @@
         <c:noMultiLvlLbl val="0"/>
       </c:catAx>
       <c:valAx>
-        <c:axId val="84690048"/>
+        <c:axId val="85869696"/>
         <c:scaling>
           <c:orientation val="minMax"/>
           <c:max val="0.4"/>
@@ -1519,7 +1519,7 @@
         <c:majorTickMark val="out"/>
         <c:minorTickMark val="none"/>
         <c:tickLblPos val="nextTo"/>
-        <c:crossAx val="84675584"/>
+        <c:crossAx val="85859328"/>
         <c:crosses val="autoZero"/>
         <c:crossBetween val="between"/>
       </c:valAx>
@@ -2225,11 +2225,11 @@
         </c:dLbls>
         <c:marker val="1"/>
         <c:smooth val="0"/>
-        <c:axId val="84728448"/>
-        <c:axId val="84742912"/>
+        <c:axId val="85904000"/>
+        <c:axId val="91165440"/>
       </c:lineChart>
       <c:catAx>
-        <c:axId val="84728448"/>
+        <c:axId val="85904000"/>
         <c:scaling>
           <c:orientation val="minMax"/>
         </c:scaling>
@@ -2258,7 +2258,7 @@
         <c:majorTickMark val="out"/>
         <c:minorTickMark val="none"/>
         <c:tickLblPos val="nextTo"/>
-        <c:crossAx val="84742912"/>
+        <c:crossAx val="91165440"/>
         <c:crosses val="autoZero"/>
         <c:auto val="1"/>
         <c:lblAlgn val="ctr"/>
@@ -2266,7 +2266,7 @@
         <c:noMultiLvlLbl val="0"/>
       </c:catAx>
       <c:valAx>
-        <c:axId val="84742912"/>
+        <c:axId val="91165440"/>
         <c:scaling>
           <c:orientation val="minMax"/>
           <c:max val="0.70000000000000007"/>
@@ -2298,7 +2298,7 @@
         <c:majorTickMark val="out"/>
         <c:minorTickMark val="none"/>
         <c:tickLblPos val="nextTo"/>
-        <c:crossAx val="84728448"/>
+        <c:crossAx val="85904000"/>
         <c:crosses val="autoZero"/>
         <c:crossBetween val="between"/>
       </c:valAx>
@@ -2436,11 +2436,11 @@
         </c:dLbls>
         <c:marker val="1"/>
         <c:smooth val="0"/>
-        <c:axId val="84759296"/>
-        <c:axId val="84761216"/>
+        <c:axId val="91177728"/>
+        <c:axId val="91179648"/>
       </c:lineChart>
       <c:catAx>
-        <c:axId val="84759296"/>
+        <c:axId val="91177728"/>
         <c:scaling>
           <c:orientation val="minMax"/>
         </c:scaling>
@@ -2469,7 +2469,7 @@
         <c:majorTickMark val="out"/>
         <c:minorTickMark val="none"/>
         <c:tickLblPos val="nextTo"/>
-        <c:crossAx val="84761216"/>
+        <c:crossAx val="91179648"/>
         <c:crosses val="autoZero"/>
         <c:auto val="1"/>
         <c:lblAlgn val="ctr"/>
@@ -2477,7 +2477,7 @@
         <c:noMultiLvlLbl val="0"/>
       </c:catAx>
       <c:valAx>
-        <c:axId val="84761216"/>
+        <c:axId val="91179648"/>
         <c:scaling>
           <c:orientation val="minMax"/>
           <c:max val="0.4"/>
@@ -2509,7 +2509,7 @@
         <c:majorTickMark val="out"/>
         <c:minorTickMark val="none"/>
         <c:tickLblPos val="nextTo"/>
-        <c:crossAx val="84759296"/>
+        <c:crossAx val="91177728"/>
         <c:crosses val="autoZero"/>
         <c:crossBetween val="between"/>
       </c:valAx>
@@ -2606,7 +2606,7 @@
           <a:p>
             <a:fld id="{26E99180-126A-412C-A772-D77E891BEE54}" type="datetimeFigureOut">
               <a:rPr lang="en-US" smtClean="0"/>
-              <a:t>4/24/2012</a:t>
+              <a:t>4/25/2012</a:t>
             </a:fld>
             <a:endParaRPr lang="en-US"/>
           </a:p>
@@ -3144,7 +3144,7 @@
           <a:p>
             <a:fld id="{9333CE98-4D46-4032-9926-35C3478EB2D8}" type="datetimeFigureOut">
               <a:rPr lang="en-US" smtClean="0"/>
-              <a:t>4/24/2012</a:t>
+              <a:t>4/25/2012</a:t>
             </a:fld>
             <a:endParaRPr lang="en-US"/>
           </a:p>
@@ -3314,7 +3314,7 @@
           <a:p>
             <a:fld id="{9333CE98-4D46-4032-9926-35C3478EB2D8}" type="datetimeFigureOut">
               <a:rPr lang="en-US" smtClean="0"/>
-              <a:t>4/24/2012</a:t>
+              <a:t>4/25/2012</a:t>
             </a:fld>
             <a:endParaRPr lang="en-US"/>
           </a:p>
@@ -3494,7 +3494,7 @@
           <a:p>
             <a:fld id="{9333CE98-4D46-4032-9926-35C3478EB2D8}" type="datetimeFigureOut">
               <a:rPr lang="en-US" smtClean="0"/>
-              <a:t>4/24/2012</a:t>
+              <a:t>4/25/2012</a:t>
             </a:fld>
             <a:endParaRPr lang="en-US"/>
           </a:p>
@@ -3664,7 +3664,7 @@
           <a:p>
             <a:fld id="{9333CE98-4D46-4032-9926-35C3478EB2D8}" type="datetimeFigureOut">
               <a:rPr lang="en-US" smtClean="0"/>
-              <a:t>4/24/2012</a:t>
+              <a:t>4/25/2012</a:t>
             </a:fld>
             <a:endParaRPr lang="en-US"/>
           </a:p>
@@ -3910,7 +3910,7 @@
           <a:p>
             <a:fld id="{9333CE98-4D46-4032-9926-35C3478EB2D8}" type="datetimeFigureOut">
               <a:rPr lang="en-US" smtClean="0"/>
-              <a:t>4/24/2012</a:t>
+              <a:t>4/25/2012</a:t>
             </a:fld>
             <a:endParaRPr lang="en-US"/>
           </a:p>
@@ -4198,7 +4198,7 @@
           <a:p>
             <a:fld id="{9333CE98-4D46-4032-9926-35C3478EB2D8}" type="datetimeFigureOut">
               <a:rPr lang="en-US" smtClean="0"/>
-              <a:t>4/24/2012</a:t>
+              <a:t>4/25/2012</a:t>
             </a:fld>
             <a:endParaRPr lang="en-US"/>
           </a:p>
@@ -4625,7 +4625,7 @@
           <a:p>
             <a:fld id="{9333CE98-4D46-4032-9926-35C3478EB2D8}" type="datetimeFigureOut">
               <a:rPr lang="en-US" smtClean="0"/>
-              <a:t>4/24/2012</a:t>
+              <a:t>4/25/2012</a:t>
             </a:fld>
             <a:endParaRPr lang="en-US"/>
           </a:p>
@@ -4743,7 +4743,7 @@
           <a:p>
             <a:fld id="{9333CE98-4D46-4032-9926-35C3478EB2D8}" type="datetimeFigureOut">
               <a:rPr lang="en-US" smtClean="0"/>
-              <a:t>4/24/2012</a:t>
+              <a:t>4/25/2012</a:t>
             </a:fld>
             <a:endParaRPr lang="en-US"/>
           </a:p>
@@ -4838,7 +4838,7 @@
           <a:p>
             <a:fld id="{9333CE98-4D46-4032-9926-35C3478EB2D8}" type="datetimeFigureOut">
               <a:rPr lang="en-US" smtClean="0"/>
-              <a:t>4/24/2012</a:t>
+              <a:t>4/25/2012</a:t>
             </a:fld>
             <a:endParaRPr lang="en-US"/>
           </a:p>
@@ -5115,7 +5115,7 @@
           <a:p>
             <a:fld id="{9333CE98-4D46-4032-9926-35C3478EB2D8}" type="datetimeFigureOut">
               <a:rPr lang="en-US" smtClean="0"/>
-              <a:t>4/24/2012</a:t>
+              <a:t>4/25/2012</a:t>
             </a:fld>
             <a:endParaRPr lang="en-US"/>
           </a:p>
@@ -5368,7 +5368,7 @@
           <a:p>
             <a:fld id="{9333CE98-4D46-4032-9926-35C3478EB2D8}" type="datetimeFigureOut">
               <a:rPr lang="en-US" smtClean="0"/>
-              <a:t>4/24/2012</a:t>
+              <a:t>4/25/2012</a:t>
             </a:fld>
             <a:endParaRPr lang="en-US"/>
           </a:p>
@@ -5581,7 +5581,7 @@
           <a:p>
             <a:fld id="{9333CE98-4D46-4032-9926-35C3478EB2D8}" type="datetimeFigureOut">
               <a:rPr lang="en-US" smtClean="0"/>
-              <a:t>4/24/2012</a:t>
+              <a:t>4/25/2012</a:t>
             </a:fld>
             <a:endParaRPr lang="en-US"/>
           </a:p>
@@ -7066,13 +7066,8 @@
             <a:p>
               <a:r>
                 <a:rPr lang="en-US" sz="4400" dirty="0" smtClean="0"/>
-                <a:t>         - </a:t>
+                <a:t>         - No need to specify the number of clusters</a:t>
               </a:r>
-              <a:r>
-                <a:rPr lang="en-US" sz="4400" dirty="0" smtClean="0"/>
-                <a:t>No need to specify the number of clusters</a:t>
-              </a:r>
-              <a:endParaRPr lang="en-US" sz="4400" dirty="0" smtClean="0"/>
             </a:p>
             <a:p>
               <a:r>
@@ -8899,7 +8894,11 @@
             <a:pPr algn="ctr"/>
             <a:r>
               <a:rPr lang="en-US" sz="4400" dirty="0" smtClean="0"/>
-              <a:t>number of trees doesn’t matter a lot</a:t>
+              <a:t>Number </a:t>
+            </a:r>
+            <a:r>
+              <a:rPr lang="en-US" sz="4400" dirty="0" smtClean="0"/>
+              <a:t>of trees doesn’t matter a lot</a:t>
             </a:r>
             <a:endParaRPr lang="en-US" sz="4400" dirty="0"/>
           </a:p>
@@ -8914,14 +8913,14 @@
           <p:nvPr>
             <p:extLst>
               <p:ext uri="{D42A27DB-BD31-4B8C-83A1-F6EECF244321}">
-                <p14:modId xmlns:p14="http://schemas.microsoft.com/office/powerpoint/2010/main" val="72969842"/>
+                <p14:modId xmlns:p14="http://schemas.microsoft.com/office/powerpoint/2010/main" val="1381656089"/>
               </p:ext>
             </p:extLst>
           </p:nvPr>
         </p:nvGraphicFramePr>
         <p:xfrm>
-          <a:off x="20996236" y="39426954"/>
-          <a:ext cx="5592310" cy="3322902"/>
+          <a:off x="21023046" y="39210243"/>
+          <a:ext cx="5693807" cy="3322902"/>
         </p:xfrm>
         <a:graphic>
           <a:graphicData uri="http://schemas.openxmlformats.org/drawingml/2006/chart">
@@ -8986,13 +8985,13 @@
           <p:nvPr>
             <p:extLst>
               <p:ext uri="{D42A27DB-BD31-4B8C-83A1-F6EECF244321}">
-                <p14:modId xmlns:p14="http://schemas.microsoft.com/office/powerpoint/2010/main" val="295430486"/>
+                <p14:modId xmlns:p14="http://schemas.microsoft.com/office/powerpoint/2010/main" val="2613924248"/>
               </p:ext>
             </p:extLst>
           </p:nvPr>
         </p:nvGraphicFramePr>
         <p:xfrm>
-          <a:off x="15735980" y="39426954"/>
+          <a:off x="15735980" y="39210243"/>
           <a:ext cx="5840687" cy="3342940"/>
         </p:xfrm>
         <a:graphic>
@@ -9190,13 +9189,13 @@
           <p:nvPr>
             <p:extLst>
               <p:ext uri="{D42A27DB-BD31-4B8C-83A1-F6EECF244321}">
-                <p14:modId xmlns:p14="http://schemas.microsoft.com/office/powerpoint/2010/main" val="2035736652"/>
+                <p14:modId xmlns:p14="http://schemas.microsoft.com/office/powerpoint/2010/main" val="1208915883"/>
               </p:ext>
             </p:extLst>
           </p:nvPr>
         </p:nvGraphicFramePr>
         <p:xfrm>
-          <a:off x="26572381" y="39354717"/>
+          <a:off x="26572381" y="39138006"/>
           <a:ext cx="5111802" cy="3395139"/>
         </p:xfrm>
         <a:graphic>
@@ -9236,16 +9235,284 @@
         </p:style>
         <p:txBody>
           <a:bodyPr rtlCol="0" anchor="ctr">
-            <a:normAutofit fontScale="62500" lnSpcReduction="20000"/>
+            <a:normAutofit fontScale="55000" lnSpcReduction="20000"/>
           </a:bodyPr>
           <a:lstStyle/>
           <a:p>
             <a:pPr algn="ctr"/>
             <a:r>
               <a:rPr lang="en-US" sz="4400" dirty="0" smtClean="0"/>
-              <a:t>The more training samples the better</a:t>
+              <a:t>The more training samples the </a:t>
+            </a:r>
+            <a:r>
+              <a:rPr lang="en-US" sz="4400" dirty="0" smtClean="0"/>
+              <a:t>better accuracy</a:t>
             </a:r>
             <a:endParaRPr lang="en-US" sz="4400" dirty="0"/>
+          </a:p>
+        </p:txBody>
+      </p:sp>
+      <p:sp>
+        <p:nvSpPr>
+          <p:cNvPr id="7" name="Oval 6"/>
+          <p:cNvSpPr/>
+          <p:nvPr/>
+        </p:nvSpPr>
+        <p:spPr>
+          <a:xfrm>
+            <a:off x="13208535" y="19706253"/>
+            <a:ext cx="1155792" cy="1026673"/>
+          </a:xfrm>
+          <a:prstGeom prst="ellipse">
+            <a:avLst/>
+          </a:prstGeom>
+        </p:spPr>
+        <p:style>
+          <a:lnRef idx="2">
+            <a:schemeClr val="dk1">
+              <a:shade val="50000"/>
+            </a:schemeClr>
+          </a:lnRef>
+          <a:fillRef idx="1">
+            <a:schemeClr val="dk1"/>
+          </a:fillRef>
+          <a:effectRef idx="0">
+            <a:schemeClr val="dk1"/>
+          </a:effectRef>
+          <a:fontRef idx="minor">
+            <a:schemeClr val="lt1"/>
+          </a:fontRef>
+        </p:style>
+        <p:txBody>
+          <a:bodyPr rtlCol="0" anchor="ctr"/>
+          <a:lstStyle/>
+          <a:p>
+            <a:pPr algn="ctr"/>
+            <a:r>
+              <a:rPr lang="en-US" dirty="0" smtClean="0"/>
+              <a:t>1</a:t>
+            </a:r>
+            <a:endParaRPr lang="en-US" dirty="0"/>
+          </a:p>
+        </p:txBody>
+      </p:sp>
+      <p:sp>
+        <p:nvSpPr>
+          <p:cNvPr id="82" name="Oval 81"/>
+          <p:cNvSpPr/>
+          <p:nvPr/>
+        </p:nvSpPr>
+        <p:spPr>
+          <a:xfrm>
+            <a:off x="30978837" y="19706253"/>
+            <a:ext cx="1155792" cy="1026673"/>
+          </a:xfrm>
+          <a:prstGeom prst="ellipse">
+            <a:avLst/>
+          </a:prstGeom>
+        </p:spPr>
+        <p:style>
+          <a:lnRef idx="2">
+            <a:schemeClr val="dk1">
+              <a:shade val="50000"/>
+            </a:schemeClr>
+          </a:lnRef>
+          <a:fillRef idx="1">
+            <a:schemeClr val="dk1"/>
+          </a:fillRef>
+          <a:effectRef idx="0">
+            <a:schemeClr val="dk1"/>
+          </a:effectRef>
+          <a:fontRef idx="minor">
+            <a:schemeClr val="lt1"/>
+          </a:fontRef>
+        </p:style>
+        <p:txBody>
+          <a:bodyPr rtlCol="0" anchor="ctr"/>
+          <a:lstStyle/>
+          <a:p>
+            <a:pPr algn="ctr"/>
+            <a:r>
+              <a:rPr lang="en-US" dirty="0" smtClean="0"/>
+              <a:t>2</a:t>
+            </a:r>
+            <a:endParaRPr lang="en-US" dirty="0"/>
+          </a:p>
+        </p:txBody>
+      </p:sp>
+      <p:sp>
+        <p:nvSpPr>
+          <p:cNvPr id="88" name="Oval 87"/>
+          <p:cNvSpPr/>
+          <p:nvPr/>
+        </p:nvSpPr>
+        <p:spPr>
+          <a:xfrm>
+            <a:off x="13208535" y="31065950"/>
+            <a:ext cx="1155792" cy="1026673"/>
+          </a:xfrm>
+          <a:prstGeom prst="ellipse">
+            <a:avLst/>
+          </a:prstGeom>
+        </p:spPr>
+        <p:style>
+          <a:lnRef idx="2">
+            <a:schemeClr val="dk1">
+              <a:shade val="50000"/>
+            </a:schemeClr>
+          </a:lnRef>
+          <a:fillRef idx="1">
+            <a:schemeClr val="dk1"/>
+          </a:fillRef>
+          <a:effectRef idx="0">
+            <a:schemeClr val="dk1"/>
+          </a:effectRef>
+          <a:fontRef idx="minor">
+            <a:schemeClr val="lt1"/>
+          </a:fontRef>
+        </p:style>
+        <p:txBody>
+          <a:bodyPr rtlCol="0" anchor="ctr"/>
+          <a:lstStyle/>
+          <a:p>
+            <a:pPr algn="ctr"/>
+            <a:r>
+              <a:rPr lang="en-US" dirty="0" smtClean="0"/>
+              <a:t>3</a:t>
+            </a:r>
+            <a:endParaRPr lang="en-US" dirty="0"/>
+          </a:p>
+        </p:txBody>
+      </p:sp>
+      <p:sp>
+        <p:nvSpPr>
+          <p:cNvPr id="89" name="Oval 88"/>
+          <p:cNvSpPr/>
+          <p:nvPr/>
+        </p:nvSpPr>
+        <p:spPr>
+          <a:xfrm>
+            <a:off x="30978837" y="23213877"/>
+            <a:ext cx="1155792" cy="1026673"/>
+          </a:xfrm>
+          <a:prstGeom prst="ellipse">
+            <a:avLst/>
+          </a:prstGeom>
+        </p:spPr>
+        <p:style>
+          <a:lnRef idx="2">
+            <a:schemeClr val="dk1">
+              <a:shade val="50000"/>
+            </a:schemeClr>
+          </a:lnRef>
+          <a:fillRef idx="1">
+            <a:schemeClr val="dk1"/>
+          </a:fillRef>
+          <a:effectRef idx="0">
+            <a:schemeClr val="dk1"/>
+          </a:effectRef>
+          <a:fontRef idx="minor">
+            <a:schemeClr val="lt1"/>
+          </a:fontRef>
+        </p:style>
+        <p:txBody>
+          <a:bodyPr rtlCol="0" anchor="ctr"/>
+          <a:lstStyle/>
+          <a:p>
+            <a:pPr algn="ctr"/>
+            <a:r>
+              <a:rPr lang="en-US" dirty="0" smtClean="0"/>
+              <a:t>3</a:t>
+            </a:r>
+            <a:endParaRPr lang="en-US" dirty="0"/>
+          </a:p>
+        </p:txBody>
+      </p:sp>
+      <p:sp>
+        <p:nvSpPr>
+          <p:cNvPr id="90" name="Oval 89"/>
+          <p:cNvSpPr/>
+          <p:nvPr/>
+        </p:nvSpPr>
+        <p:spPr>
+          <a:xfrm>
+            <a:off x="13208535" y="42373316"/>
+            <a:ext cx="1155792" cy="1026673"/>
+          </a:xfrm>
+          <a:prstGeom prst="ellipse">
+            <a:avLst/>
+          </a:prstGeom>
+        </p:spPr>
+        <p:style>
+          <a:lnRef idx="2">
+            <a:schemeClr val="dk1">
+              <a:shade val="50000"/>
+            </a:schemeClr>
+          </a:lnRef>
+          <a:fillRef idx="1">
+            <a:schemeClr val="dk1"/>
+          </a:fillRef>
+          <a:effectRef idx="0">
+            <a:schemeClr val="dk1"/>
+          </a:effectRef>
+          <a:fontRef idx="minor">
+            <a:schemeClr val="lt1"/>
+          </a:fontRef>
+        </p:style>
+        <p:txBody>
+          <a:bodyPr rtlCol="0" anchor="ctr"/>
+          <a:lstStyle/>
+          <a:p>
+            <a:pPr algn="ctr"/>
+            <a:r>
+              <a:rPr lang="en-US" dirty="0" smtClean="0"/>
+              <a:t>4</a:t>
+            </a:r>
+            <a:endParaRPr lang="en-US" dirty="0"/>
+          </a:p>
+        </p:txBody>
+      </p:sp>
+      <p:sp>
+        <p:nvSpPr>
+          <p:cNvPr id="91" name="Oval 90"/>
+          <p:cNvSpPr/>
+          <p:nvPr/>
+        </p:nvSpPr>
+        <p:spPr>
+          <a:xfrm>
+            <a:off x="30978837" y="42373316"/>
+            <a:ext cx="1155792" cy="1026673"/>
+          </a:xfrm>
+          <a:prstGeom prst="ellipse">
+            <a:avLst/>
+          </a:prstGeom>
+        </p:spPr>
+        <p:style>
+          <a:lnRef idx="2">
+            <a:schemeClr val="dk1">
+              <a:shade val="50000"/>
+            </a:schemeClr>
+          </a:lnRef>
+          <a:fillRef idx="1">
+            <a:schemeClr val="dk1"/>
+          </a:fillRef>
+          <a:effectRef idx="0">
+            <a:schemeClr val="dk1"/>
+          </a:effectRef>
+          <a:fontRef idx="minor">
+            <a:schemeClr val="lt1"/>
+          </a:fontRef>
+        </p:style>
+        <p:txBody>
+          <a:bodyPr rtlCol="0" anchor="ctr"/>
+          <a:lstStyle/>
+          <a:p>
+            <a:pPr algn="ctr"/>
+            <a:r>
+              <a:rPr lang="en-US" dirty="0" smtClean="0"/>
+              <a:t>5</a:t>
+            </a:r>
+            <a:endParaRPr lang="en-US" dirty="0"/>
           </a:p>
         </p:txBody>
       </p:sp>

--- a/Paper/Poster/Poster.pptx
+++ b/Paper/Poster/Poster.pptx
@@ -550,11 +550,11 @@
         </c:dLbls>
         <c:marker val="1"/>
         <c:smooth val="0"/>
-        <c:axId val="79788288"/>
-        <c:axId val="83874176"/>
+        <c:axId val="80771328"/>
+        <c:axId val="85311872"/>
       </c:lineChart>
       <c:catAx>
-        <c:axId val="79788288"/>
+        <c:axId val="80771328"/>
         <c:scaling>
           <c:orientation val="minMax"/>
         </c:scaling>
@@ -583,7 +583,7 @@
         <c:majorTickMark val="out"/>
         <c:minorTickMark val="none"/>
         <c:tickLblPos val="nextTo"/>
-        <c:crossAx val="83874176"/>
+        <c:crossAx val="85311872"/>
         <c:crosses val="autoZero"/>
         <c:auto val="1"/>
         <c:lblAlgn val="ctr"/>
@@ -591,7 +591,7 @@
         <c:noMultiLvlLbl val="0"/>
       </c:catAx>
       <c:valAx>
-        <c:axId val="83874176"/>
+        <c:axId val="85311872"/>
         <c:scaling>
           <c:orientation val="minMax"/>
           <c:max val="0.4"/>
@@ -624,7 +624,7 @@
         <c:majorTickMark val="out"/>
         <c:minorTickMark val="none"/>
         <c:tickLblPos val="nextTo"/>
-        <c:crossAx val="79788288"/>
+        <c:crossAx val="80771328"/>
         <c:crosses val="autoZero"/>
         <c:crossBetween val="between"/>
       </c:valAx>
@@ -838,11 +838,11 @@
         </c:dLbls>
         <c:marker val="1"/>
         <c:smooth val="0"/>
-        <c:axId val="85795968"/>
-        <c:axId val="85797888"/>
+        <c:axId val="85333120"/>
+        <c:axId val="85335040"/>
       </c:lineChart>
       <c:catAx>
-        <c:axId val="85795968"/>
+        <c:axId val="85333120"/>
         <c:scaling>
           <c:orientation val="minMax"/>
         </c:scaling>
@@ -871,7 +871,7 @@
         <c:majorTickMark val="out"/>
         <c:minorTickMark val="none"/>
         <c:tickLblPos val="nextTo"/>
-        <c:crossAx val="85797888"/>
+        <c:crossAx val="85335040"/>
         <c:crosses val="autoZero"/>
         <c:auto val="1"/>
         <c:lblAlgn val="ctr"/>
@@ -879,7 +879,7 @@
         <c:noMultiLvlLbl val="0"/>
       </c:catAx>
       <c:valAx>
-        <c:axId val="85797888"/>
+        <c:axId val="85335040"/>
         <c:scaling>
           <c:orientation val="minMax"/>
           <c:max val="0.4"/>
@@ -911,7 +911,7 @@
         <c:majorTickMark val="out"/>
         <c:minorTickMark val="none"/>
         <c:tickLblPos val="nextTo"/>
-        <c:crossAx val="85795968"/>
+        <c:crossAx val="85333120"/>
         <c:crosses val="autoZero"/>
         <c:crossBetween val="between"/>
       </c:valAx>
@@ -1134,11 +1134,11 @@
         </c:dLbls>
         <c:marker val="1"/>
         <c:smooth val="0"/>
-        <c:axId val="85831680"/>
-        <c:axId val="85833600"/>
+        <c:axId val="85364736"/>
+        <c:axId val="85366656"/>
       </c:lineChart>
       <c:catAx>
-        <c:axId val="85831680"/>
+        <c:axId val="85364736"/>
         <c:scaling>
           <c:orientation val="minMax"/>
         </c:scaling>
@@ -1167,7 +1167,7 @@
         <c:majorTickMark val="out"/>
         <c:minorTickMark val="none"/>
         <c:tickLblPos val="nextTo"/>
-        <c:crossAx val="85833600"/>
+        <c:crossAx val="85366656"/>
         <c:crosses val="autoZero"/>
         <c:auto val="1"/>
         <c:lblAlgn val="ctr"/>
@@ -1175,7 +1175,7 @@
         <c:noMultiLvlLbl val="0"/>
       </c:catAx>
       <c:valAx>
-        <c:axId val="85833600"/>
+        <c:axId val="85366656"/>
         <c:scaling>
           <c:orientation val="minMax"/>
           <c:max val="0.70000000000000007"/>
@@ -1207,7 +1207,7 @@
         <c:majorTickMark val="out"/>
         <c:minorTickMark val="none"/>
         <c:tickLblPos val="nextTo"/>
-        <c:crossAx val="85831680"/>
+        <c:crossAx val="85364736"/>
         <c:crosses val="autoZero"/>
         <c:crossBetween val="between"/>
       </c:valAx>
@@ -1446,11 +1446,11 @@
         </c:dLbls>
         <c:marker val="1"/>
         <c:smooth val="0"/>
-        <c:axId val="85859328"/>
-        <c:axId val="85869696"/>
+        <c:axId val="85392384"/>
+        <c:axId val="86787200"/>
       </c:lineChart>
       <c:catAx>
-        <c:axId val="85859328"/>
+        <c:axId val="85392384"/>
         <c:scaling>
           <c:orientation val="minMax"/>
         </c:scaling>
@@ -1479,7 +1479,7 @@
         <c:majorTickMark val="out"/>
         <c:minorTickMark val="none"/>
         <c:tickLblPos val="nextTo"/>
-        <c:crossAx val="85869696"/>
+        <c:crossAx val="86787200"/>
         <c:crosses val="autoZero"/>
         <c:auto val="1"/>
         <c:lblAlgn val="ctr"/>
@@ -1487,7 +1487,7 @@
         <c:noMultiLvlLbl val="0"/>
       </c:catAx>
       <c:valAx>
-        <c:axId val="85869696"/>
+        <c:axId val="86787200"/>
         <c:scaling>
           <c:orientation val="minMax"/>
           <c:max val="0.4"/>
@@ -1519,7 +1519,7 @@
         <c:majorTickMark val="out"/>
         <c:minorTickMark val="none"/>
         <c:tickLblPos val="nextTo"/>
-        <c:crossAx val="85859328"/>
+        <c:crossAx val="85392384"/>
         <c:crosses val="autoZero"/>
         <c:crossBetween val="between"/>
       </c:valAx>
@@ -2225,11 +2225,11 @@
         </c:dLbls>
         <c:marker val="1"/>
         <c:smooth val="0"/>
-        <c:axId val="85904000"/>
-        <c:axId val="91165440"/>
+        <c:axId val="86821504"/>
+        <c:axId val="86508288"/>
       </c:lineChart>
       <c:catAx>
-        <c:axId val="85904000"/>
+        <c:axId val="86821504"/>
         <c:scaling>
           <c:orientation val="minMax"/>
         </c:scaling>
@@ -2258,7 +2258,7 @@
         <c:majorTickMark val="out"/>
         <c:minorTickMark val="none"/>
         <c:tickLblPos val="nextTo"/>
-        <c:crossAx val="91165440"/>
+        <c:crossAx val="86508288"/>
         <c:crosses val="autoZero"/>
         <c:auto val="1"/>
         <c:lblAlgn val="ctr"/>
@@ -2266,7 +2266,7 @@
         <c:noMultiLvlLbl val="0"/>
       </c:catAx>
       <c:valAx>
-        <c:axId val="91165440"/>
+        <c:axId val="86508288"/>
         <c:scaling>
           <c:orientation val="minMax"/>
           <c:max val="0.70000000000000007"/>
@@ -2298,7 +2298,7 @@
         <c:majorTickMark val="out"/>
         <c:minorTickMark val="none"/>
         <c:tickLblPos val="nextTo"/>
-        <c:crossAx val="85904000"/>
+        <c:crossAx val="86821504"/>
         <c:crosses val="autoZero"/>
         <c:crossBetween val="between"/>
       </c:valAx>
@@ -2436,11 +2436,11 @@
         </c:dLbls>
         <c:marker val="1"/>
         <c:smooth val="0"/>
-        <c:axId val="91177728"/>
-        <c:axId val="91179648"/>
+        <c:axId val="86528768"/>
+        <c:axId val="86530688"/>
       </c:lineChart>
       <c:catAx>
-        <c:axId val="91177728"/>
+        <c:axId val="86528768"/>
         <c:scaling>
           <c:orientation val="minMax"/>
         </c:scaling>
@@ -2469,7 +2469,7 @@
         <c:majorTickMark val="out"/>
         <c:minorTickMark val="none"/>
         <c:tickLblPos val="nextTo"/>
-        <c:crossAx val="91179648"/>
+        <c:crossAx val="86530688"/>
         <c:crosses val="autoZero"/>
         <c:auto val="1"/>
         <c:lblAlgn val="ctr"/>
@@ -2477,7 +2477,7 @@
         <c:noMultiLvlLbl val="0"/>
       </c:catAx>
       <c:valAx>
-        <c:axId val="91179648"/>
+        <c:axId val="86530688"/>
         <c:scaling>
           <c:orientation val="minMax"/>
           <c:max val="0.4"/>
@@ -2509,7 +2509,7 @@
         <c:majorTickMark val="out"/>
         <c:minorTickMark val="none"/>
         <c:tickLblPos val="nextTo"/>
-        <c:crossAx val="91177728"/>
+        <c:crossAx val="86528768"/>
         <c:crosses val="autoZero"/>
         <c:crossBetween val="between"/>
       </c:valAx>
@@ -6376,25 +6376,41 @@
             <a:lstStyle/>
             <a:p>
               <a:r>
-                <a:rPr lang="en-US" sz="4000" dirty="0" smtClean="0"/>
+                <a:rPr lang="en-US" sz="4000" b="1" dirty="0" smtClean="0"/>
                 <a:t>  </a:t>
               </a:r>
               <a:r>
-                <a:rPr lang="en-US" sz="5400" dirty="0" smtClean="0"/>
+                <a:rPr lang="en-US" sz="5400" b="1" dirty="0" smtClean="0"/>
                 <a:t>Color glove:</a:t>
               </a:r>
-              <a:endParaRPr lang="en-US" sz="5400" dirty="0"/>
+              <a:endParaRPr lang="en-US" sz="5400" b="1" dirty="0"/>
             </a:p>
             <a:p>
               <a:r>
                 <a:rPr lang="en-US" sz="5400" dirty="0" smtClean="0"/>
-                <a:t>    - an inexpensive approach to label gestures</a:t>
+                <a:t>    - </a:t>
+              </a:r>
+              <a:r>
+                <a:rPr lang="en-US" sz="5400" dirty="0" smtClean="0"/>
+                <a:t>An </a:t>
+              </a:r>
+              <a:r>
+                <a:rPr lang="en-US" sz="5400" dirty="0" smtClean="0"/>
+                <a:t>inexpensive approach to label gestures</a:t>
               </a:r>
             </a:p>
             <a:p>
               <a:r>
                 <a:rPr lang="en-US" sz="5400" dirty="0" smtClean="0"/>
-                <a:t>    - map RGB pixel to depth pixel</a:t>
+                <a:t>    - </a:t>
+              </a:r>
+              <a:r>
+                <a:rPr lang="en-US" sz="5400" dirty="0" smtClean="0"/>
+                <a:t>Map </a:t>
+              </a:r>
+              <a:r>
+                <a:rPr lang="en-US" sz="5400" dirty="0" smtClean="0"/>
+                <a:t>RGB pixel to depth pixel</a:t>
               </a:r>
             </a:p>
             <a:p>
@@ -6624,9 +6640,16 @@
             </a:bodyPr>
             <a:lstStyle/>
             <a:p>
+              <a:endParaRPr lang="en-US" sz="4800" b="1" dirty="0" smtClean="0"/>
+            </a:p>
+            <a:p>
               <a:r>
-                <a:rPr lang="en-US" sz="4800" dirty="0" smtClean="0"/>
-                <a:t>Design goals:</a:t>
+                <a:rPr lang="en-US" sz="4800" b="1" dirty="0" smtClean="0"/>
+                <a:t>Design </a:t>
+              </a:r>
+              <a:r>
+                <a:rPr lang="en-US" sz="4800" b="1" dirty="0" smtClean="0"/>
+                <a:t>goals:</a:t>
               </a:r>
             </a:p>
             <a:p>
@@ -6636,11 +6659,7 @@
               </a:r>
               <a:r>
                 <a:rPr lang="en-US" sz="4800" dirty="0" smtClean="0"/>
-                <a:t>   - </a:t>
-              </a:r>
-              <a:r>
-                <a:rPr lang="en-US" sz="4800" b="1" dirty="0" smtClean="0"/>
-                <a:t>Real-time, Just-hands, Accurate</a:t>
+                <a:t>   - Real-time, Just-hands, Accurate</a:t>
               </a:r>
             </a:p>
             <a:p>
@@ -6648,7 +6667,7 @@
             </a:p>
             <a:p>
               <a:r>
-                <a:rPr lang="en-US" sz="4800" dirty="0" smtClean="0"/>
+                <a:rPr lang="en-US" sz="4800" b="1" dirty="0" smtClean="0"/>
                 <a:t>Methodology:</a:t>
               </a:r>
             </a:p>
@@ -6659,7 +6678,7 @@
               </a:r>
               <a:r>
                 <a:rPr lang="en-US" sz="4800" dirty="0" smtClean="0"/>
-                <a:t>   - Machine learning as opposed to rule-based system</a:t>
+                <a:t>   - Machine learning as opposed to rule-based </a:t>
               </a:r>
             </a:p>
             <a:p>
@@ -6672,7 +6691,7 @@
                 <a:t>   - Train on a </a:t>
               </a:r>
               <a:r>
-                <a:rPr lang="en-US" sz="4800" b="1" dirty="0" smtClean="0"/>
+                <a:rPr lang="en-US" sz="4800" i="1" dirty="0" smtClean="0"/>
                 <a:t>large</a:t>
               </a:r>
               <a:r>
@@ -6690,7 +6709,7 @@
                 <a:t>   - Use </a:t>
               </a:r>
               <a:r>
-                <a:rPr lang="en-US" sz="4800" b="1" dirty="0" smtClean="0"/>
+                <a:rPr lang="en-US" sz="4800" i="1" dirty="0" smtClean="0"/>
                 <a:t>simple</a:t>
               </a:r>
               <a:r>
@@ -6703,7 +6722,7 @@
             </a:p>
             <a:p>
               <a:r>
-                <a:rPr lang="en-US" sz="4800" dirty="0" smtClean="0"/>
+                <a:rPr lang="en-US" sz="4800" b="1" dirty="0" smtClean="0"/>
                 <a:t>Contributions:</a:t>
               </a:r>
             </a:p>
@@ -6724,7 +6743,15 @@
               </a:r>
               <a:r>
                 <a:rPr lang="en-US" sz="4800" dirty="0" smtClean="0"/>
-                <a:t>   - An inexpensive way to generate massive labeled data</a:t>
+                <a:t>   - </a:t>
+              </a:r>
+              <a:r>
+                <a:rPr lang="en-US" sz="4800" dirty="0" smtClean="0"/>
+                <a:t>A rapid way </a:t>
+              </a:r>
+              <a:r>
+                <a:rPr lang="en-US" sz="4800" dirty="0" smtClean="0"/>
+                <a:t>to generate massive labeled data</a:t>
               </a:r>
             </a:p>
             <a:p>
@@ -6744,7 +6771,27 @@
               </a:r>
               <a:r>
                 <a:rPr lang="en-US" sz="4800" dirty="0" smtClean="0"/>
-                <a:t>   - Computational analysis between SVM and random forest</a:t>
+                <a:t>   - Computational analysis </a:t>
+              </a:r>
+              <a:r>
+                <a:rPr lang="en-US" sz="4800" dirty="0" smtClean="0"/>
+                <a:t>of </a:t>
+              </a:r>
+              <a:r>
+                <a:rPr lang="en-US" sz="4800" dirty="0" smtClean="0"/>
+                <a:t>SVM </a:t>
+              </a:r>
+              <a:r>
+                <a:rPr lang="en-US" sz="4800" dirty="0" err="1" smtClean="0"/>
+                <a:t>vs</a:t>
+              </a:r>
+              <a:r>
+                <a:rPr lang="en-US" sz="4800" dirty="0" smtClean="0"/>
+                <a:t> </a:t>
+              </a:r>
+              <a:r>
+                <a:rPr lang="en-US" sz="4800" dirty="0" smtClean="0"/>
+                <a:t>random forest</a:t>
               </a:r>
             </a:p>
             <a:p>
@@ -6884,7 +6931,7 @@
             <a:lstStyle/>
             <a:p>
               <a:r>
-                <a:rPr lang="en-US" sz="4400" dirty="0" smtClean="0"/>
+                <a:rPr lang="en-US" sz="4400" b="1" dirty="0" smtClean="0"/>
                 <a:t>Feature extraction:</a:t>
               </a:r>
             </a:p>
@@ -7006,16 +7053,15 @@
             <a:p>
               <a:r>
                 <a:rPr lang="en-US" sz="4400" dirty="0" smtClean="0"/>
-                <a:t>Pool the per-pixel classifications to a single proposal of gesture position and type</a:t>
+                <a:t>Propose gesture by pooling per-pixel classification</a:t>
               </a:r>
-              <a:endParaRPr lang="en-US" sz="4400" dirty="0"/>
             </a:p>
             <a:p>
               <a:endParaRPr lang="en-US" sz="4400" dirty="0" smtClean="0"/>
             </a:p>
             <a:p>
               <a:r>
-                <a:rPr lang="en-US" sz="4400" dirty="0" smtClean="0"/>
+                <a:rPr lang="en-US" sz="4400" b="1" dirty="0" smtClean="0"/>
                 <a:t>Use clustering algorithms:</a:t>
               </a:r>
             </a:p>
@@ -7028,9 +7074,24 @@
                 <a:rPr lang="en-US" sz="4400" dirty="0" err="1" smtClean="0"/>
                 <a:t>Kmeans</a:t>
               </a:r>
+              <a:endParaRPr lang="en-US" sz="4400" dirty="0" smtClean="0"/>
+            </a:p>
+            <a:p>
+              <a:r>
+                <a:rPr lang="en-US" sz="4400" dirty="0"/>
+                <a:t> </a:t>
+              </a:r>
               <a:r>
                 <a:rPr lang="en-US" sz="4400" dirty="0" smtClean="0"/>
-                <a:t>: not good</a:t>
+                <a:t>         </a:t>
+              </a:r>
+              <a:r>
+                <a:rPr lang="en-US" sz="4400" dirty="0" smtClean="0"/>
+                <a:t>- </a:t>
+              </a:r>
+              <a:r>
+                <a:rPr lang="en-US" sz="4400" dirty="0" smtClean="0"/>
+                <a:t>Subject to outliers</a:t>
               </a:r>
             </a:p>
             <a:p>
@@ -7040,18 +7101,13 @@
               </a:r>
               <a:r>
                 <a:rPr lang="en-US" sz="4400" dirty="0" smtClean="0"/>
-                <a:t>         - Subject to outliers</a:t>
-              </a:r>
-            </a:p>
-            <a:p>
-              <a:r>
-                <a:rPr lang="en-US" sz="4400" dirty="0"/>
-                <a:t> </a:t>
+                <a:t>         - </a:t>
               </a:r>
               <a:r>
                 <a:rPr lang="en-US" sz="4400" dirty="0" smtClean="0"/>
-                <a:t>         - Assumes each cluster has equal size</a:t>
+                <a:t>Fix number of clusters</a:t>
               </a:r>
+              <a:endParaRPr lang="en-US" sz="4400" dirty="0" smtClean="0"/>
             </a:p>
             <a:p>
               <a:r>
@@ -7066,12 +7122,37 @@
             <a:p>
               <a:r>
                 <a:rPr lang="en-US" sz="4400" dirty="0" smtClean="0"/>
-                <a:t>         - No need to specify the number of clusters</a:t>
+                <a:t>         </a:t>
+              </a:r>
+              <a:r>
+                <a:rPr lang="en-US" sz="4400" dirty="0" smtClean="0"/>
+                <a:t> - </a:t>
+              </a:r>
+              <a:r>
+                <a:rPr lang="en-US" sz="4400" dirty="0" smtClean="0"/>
+                <a:t>No need to specify the number of </a:t>
+              </a:r>
+              <a:r>
+                <a:rPr lang="en-US" sz="4400" dirty="0" smtClean="0"/>
+                <a:t>clusters</a:t>
               </a:r>
             </a:p>
             <a:p>
               <a:r>
+                <a:rPr lang="en-US" sz="4400" dirty="0"/>
+                <a:t> </a:t>
+              </a:r>
+              <a:r>
                 <a:rPr lang="en-US" sz="4400" dirty="0" smtClean="0"/>
+                <a:t>         - Resilient to noise</a:t>
+              </a:r>
+            </a:p>
+            <a:p>
+              <a:endParaRPr lang="en-US" sz="4400" dirty="0" smtClean="0"/>
+            </a:p>
+            <a:p>
+              <a:r>
+                <a:rPr lang="en-US" sz="4400" b="1" dirty="0" smtClean="0"/>
                 <a:t>Experience:</a:t>
               </a:r>
             </a:p>
@@ -7092,7 +7173,15 @@
               </a:r>
               <a:r>
                 <a:rPr lang="en-US" sz="4400" dirty="0" smtClean="0"/>
-                <a:t>  - Adding a virtual wall</a:t>
+                <a:t>  - </a:t>
+              </a:r>
+              <a:r>
+                <a:rPr lang="en-US" sz="4400" dirty="0" smtClean="0"/>
+                <a:t>Virtual </a:t>
+              </a:r>
+              <a:r>
+                <a:rPr lang="en-US" sz="4400" dirty="0" smtClean="0"/>
+                <a:t>wall</a:t>
               </a:r>
             </a:p>
             <a:p>
@@ -7175,7 +7264,7 @@
         </p:blipFill>
         <p:spPr bwMode="auto">
           <a:xfrm>
-            <a:off x="3012128" y="24112710"/>
+            <a:off x="3012128" y="24216936"/>
             <a:ext cx="8979366" cy="3500320"/>
           </a:xfrm>
           <a:prstGeom prst="rect">
@@ -7239,7 +7328,7 @@
         </p:blipFill>
         <p:spPr bwMode="auto">
           <a:xfrm>
-            <a:off x="5453352" y="23213877"/>
+            <a:off x="5453352" y="23318103"/>
             <a:ext cx="4568904" cy="951855"/>
           </a:xfrm>
           <a:prstGeom prst="rect">
@@ -7303,7 +7392,7 @@
           <a:lstStyle/>
           <a:p>
             <a:r>
-              <a:rPr lang="en-US" sz="3600" dirty="0" smtClean="0"/>
+              <a:rPr lang="en-US" sz="3600" b="1" dirty="0" smtClean="0"/>
               <a:t>Random forest for classification</a:t>
             </a:r>
           </a:p>
@@ -7315,7 +7404,7 @@
           </a:p>
           <a:p>
             <a:r>
-              <a:rPr lang="en-US" sz="3600" dirty="0" smtClean="0"/>
+              <a:rPr lang="en-US" sz="3600" b="1" dirty="0" smtClean="0"/>
               <a:t>Prediction complexity:</a:t>
             </a:r>
           </a:p>
@@ -7379,7 +7468,7 @@
           </a:p>
           <a:p>
             <a:r>
-              <a:rPr lang="en-US" sz="3600" dirty="0" smtClean="0"/>
+              <a:rPr lang="en-US" sz="3600" b="1" dirty="0" smtClean="0"/>
               <a:t>Use GPU for real-time prediction:</a:t>
             </a:r>
           </a:p>
@@ -7390,8 +7479,13 @@
             </a:r>
             <a:r>
               <a:rPr lang="en-US" sz="3600" dirty="0" smtClean="0"/>
-              <a:t>   - Massive parallelism: 307,200 threads a frame</a:t>
-            </a:r>
+              <a:t>   - Massive parallelism: 307,200 threads </a:t>
+            </a:r>
+            <a:r>
+              <a:rPr lang="en-US" sz="3600" dirty="0" smtClean="0"/>
+              <a:t>per frame</a:t>
+            </a:r>
+            <a:endParaRPr lang="en-US" sz="3600" dirty="0" smtClean="0"/>
           </a:p>
           <a:p>
             <a:r>
@@ -7408,7 +7502,15 @@
             </a:r>
             <a:r>
               <a:rPr lang="en-US" sz="3600" dirty="0" smtClean="0"/>
-              <a:t>: a general purpose computing for GPU     </a:t>
+              <a:t>: </a:t>
+            </a:r>
+            <a:r>
+              <a:rPr lang="en-US" sz="3600" dirty="0" smtClean="0"/>
+              <a:t>general </a:t>
+            </a:r>
+            <a:r>
+              <a:rPr lang="en-US" sz="3600" dirty="0" smtClean="0"/>
+              <a:t>purpose computing for GPU     </a:t>
             </a:r>
           </a:p>
           <a:p>
@@ -7497,7 +7599,15 @@
               </a:r>
               <a:r>
                 <a:rPr lang="en-US" sz="4000" dirty="0" smtClean="0"/>
-                <a:t>   - Largest data set &gt; 25 GB, our demo takes 24 hours train</a:t>
+                <a:t>   - Largest data set &gt; 25 GB, our demo takes 24 </a:t>
+              </a:r>
+              <a:r>
+                <a:rPr lang="en-US" sz="4000" dirty="0" smtClean="0"/>
+                <a:t>hours to </a:t>
+              </a:r>
+              <a:r>
+                <a:rPr lang="en-US" sz="4000" dirty="0" smtClean="0"/>
+                <a:t>train</a:t>
               </a:r>
             </a:p>
             <a:p>
@@ -8894,11 +9004,11 @@
             <a:pPr algn="ctr"/>
             <a:r>
               <a:rPr lang="en-US" sz="4400" dirty="0" smtClean="0"/>
-              <a:t>Number </a:t>
+              <a:t>Number of trees doesn’t </a:t>
             </a:r>
             <a:r>
               <a:rPr lang="en-US" sz="4400" dirty="0" smtClean="0"/>
-              <a:t>of trees doesn’t matter a lot</a:t>
+              <a:t>matter</a:t>
             </a:r>
             <a:endParaRPr lang="en-US" sz="4400" dirty="0"/>
           </a:p>
@@ -8936,7 +9046,7 @@
         </p:nvSpPr>
         <p:spPr>
           <a:xfrm>
-            <a:off x="21700689" y="38171445"/>
+            <a:off x="21700689" y="37982214"/>
             <a:ext cx="4100100" cy="934464"/>
           </a:xfrm>
           <a:prstGeom prst="roundRect">
@@ -8966,11 +9076,15 @@
             <a:pPr algn="ctr"/>
             <a:r>
               <a:rPr lang="en-US" sz="4400" dirty="0" smtClean="0"/>
-              <a:t>Random forest is always </a:t>
+              <a:t>Random forest </a:t>
+            </a:r>
+            <a:r>
+              <a:rPr lang="en-US" sz="4400" dirty="0" smtClean="0"/>
+              <a:t>always </a:t>
             </a:r>
             <a:r>
               <a:rPr lang="en-US" sz="4400" dirty="0" err="1" smtClean="0"/>
-              <a:t>overfitting</a:t>
+              <a:t>overfits</a:t>
             </a:r>
             <a:endParaRPr lang="en-US" sz="4400" dirty="0"/>
           </a:p>
@@ -9008,7 +9122,7 @@
         </p:nvSpPr>
         <p:spPr>
           <a:xfrm>
-            <a:off x="16459200" y="38196972"/>
+            <a:off x="16459200" y="38007741"/>
             <a:ext cx="4012635" cy="944198"/>
           </a:xfrm>
           <a:prstGeom prst="roundRect">
@@ -9031,16 +9145,16 @@
         </p:style>
         <p:txBody>
           <a:bodyPr rtlCol="0" anchor="ctr">
-            <a:normAutofit fontScale="70000" lnSpcReduction="20000"/>
+            <a:noAutofit/>
           </a:bodyPr>
           <a:lstStyle/>
           <a:p>
             <a:pPr algn="ctr"/>
             <a:r>
-              <a:rPr lang="en-US" sz="4400" dirty="0" smtClean="0"/>
+              <a:rPr lang="en-US" sz="2800" dirty="0" smtClean="0"/>
               <a:t>Random forest is much better than SVM</a:t>
             </a:r>
-            <a:endParaRPr lang="en-US" sz="4400" dirty="0"/>
+            <a:endParaRPr lang="en-US" sz="2800" dirty="0"/>
           </a:p>
         </p:txBody>
       </p:sp>
@@ -9099,16 +9213,28 @@
         </p:style>
         <p:txBody>
           <a:bodyPr rtlCol="0" anchor="ctr">
-            <a:normAutofit fontScale="62500" lnSpcReduction="20000"/>
+            <a:noAutofit/>
           </a:bodyPr>
           <a:lstStyle/>
           <a:p>
             <a:pPr algn="ctr"/>
             <a:r>
-              <a:rPr lang="en-US" sz="4400" dirty="0" smtClean="0"/>
-              <a:t>Number of feature doesn’t matter too much</a:t>
-            </a:r>
-            <a:endParaRPr lang="en-US" sz="4400" dirty="0"/>
+              <a:rPr lang="en-US" sz="2800" dirty="0" smtClean="0"/>
+              <a:t>Number of </a:t>
+            </a:r>
+            <a:r>
+              <a:rPr lang="en-US" sz="2800" dirty="0" smtClean="0"/>
+              <a:t>features </a:t>
+            </a:r>
+            <a:r>
+              <a:rPr lang="en-US" sz="2800" dirty="0" smtClean="0"/>
+              <a:t>doesn’t </a:t>
+            </a:r>
+            <a:r>
+              <a:rPr lang="en-US" sz="2800" dirty="0" smtClean="0"/>
+              <a:t>matter</a:t>
+            </a:r>
+            <a:endParaRPr lang="en-US" sz="2800" dirty="0"/>
           </a:p>
         </p:txBody>
       </p:sp>
@@ -9167,16 +9293,16 @@
         </p:style>
         <p:txBody>
           <a:bodyPr rtlCol="0" anchor="ctr">
-            <a:normAutofit fontScale="70000" lnSpcReduction="20000"/>
+            <a:normAutofit/>
           </a:bodyPr>
           <a:lstStyle/>
           <a:p>
             <a:pPr algn="ctr"/>
             <a:r>
-              <a:rPr lang="en-US" sz="4400" dirty="0" smtClean="0"/>
+              <a:rPr lang="en-US" sz="2800" dirty="0" smtClean="0"/>
               <a:t>Range of offset matters</a:t>
             </a:r>
-            <a:endParaRPr lang="en-US" sz="4400" dirty="0"/>
+            <a:endParaRPr lang="en-US" sz="2800" dirty="0"/>
           </a:p>
         </p:txBody>
       </p:sp>
@@ -9212,7 +9338,7 @@
         </p:nvSpPr>
         <p:spPr>
           <a:xfrm>
-            <a:off x="27299161" y="38171445"/>
+            <a:off x="27299161" y="37982214"/>
             <a:ext cx="4100100" cy="934464"/>
           </a:xfrm>
           <a:prstGeom prst="roundRect">
@@ -9235,20 +9361,16 @@
         </p:style>
         <p:txBody>
           <a:bodyPr rtlCol="0" anchor="ctr">
-            <a:normAutofit fontScale="55000" lnSpcReduction="20000"/>
+            <a:noAutofit/>
           </a:bodyPr>
           <a:lstStyle/>
           <a:p>
             <a:pPr algn="ctr"/>
             <a:r>
-              <a:rPr lang="en-US" sz="4400" dirty="0" smtClean="0"/>
-              <a:t>The more training samples the </a:t>
-            </a:r>
-            <a:r>
-              <a:rPr lang="en-US" sz="4400" dirty="0" smtClean="0"/>
-              <a:t>better accuracy</a:t>
-            </a:r>
-            <a:endParaRPr lang="en-US" sz="4400" dirty="0"/>
+              <a:rPr lang="en-US" sz="2800" dirty="0" smtClean="0"/>
+              <a:t>Number of training samples matters</a:t>
+            </a:r>
+            <a:endParaRPr lang="en-US" sz="2800" dirty="0"/>
           </a:p>
         </p:txBody>
       </p:sp>
@@ -9422,7 +9544,7 @@
             <a:pPr algn="ctr"/>
             <a:r>
               <a:rPr lang="en-US" dirty="0" smtClean="0"/>
-              <a:t>3</a:t>
+              <a:t>4</a:t>
             </a:r>
             <a:endParaRPr lang="en-US" dirty="0"/>
           </a:p>
@@ -9466,7 +9588,7 @@
             <a:pPr algn="ctr"/>
             <a:r>
               <a:rPr lang="en-US" dirty="0" smtClean="0"/>
-              <a:t>4</a:t>
+              <a:t>5</a:t>
             </a:r>
             <a:endParaRPr lang="en-US" dirty="0"/>
           </a:p>
@@ -9510,7 +9632,7 @@
             <a:pPr algn="ctr"/>
             <a:r>
               <a:rPr lang="en-US" dirty="0" smtClean="0"/>
-              <a:t>5</a:t>
+              <a:t>6</a:t>
             </a:r>
             <a:endParaRPr lang="en-US" dirty="0"/>
           </a:p>
